--- a/SystemDiagram.pptx
+++ b/SystemDiagram.pptx
@@ -2,12 +2,14 @@
 <file path=ppt/presentation.xml><?xml version="1.0" encoding="utf-8"?>
 <p:presentation xmlns:a="http://schemas.openxmlformats.org/drawingml/2006/main" xmlns:r="http://schemas.openxmlformats.org/officeDocument/2006/relationships" xmlns:p="http://schemas.openxmlformats.org/presentationml/2006/main" saveSubsetFonts="1">
   <p:sldMasterIdLst>
-    <p:sldMasterId id="2147483660" r:id="rId1"/>
+    <p:sldMasterId id="2147483684" r:id="rId1"/>
   </p:sldMasterIdLst>
   <p:sldIdLst>
     <p:sldId id="256" r:id="rId2"/>
+    <p:sldId id="257" r:id="rId3"/>
+    <p:sldId id="258" r:id="rId4"/>
   </p:sldIdLst>
-  <p:sldSz cx="12192000" cy="9018588"/>
+  <p:sldSz cx="12192000" cy="14400213"/>
   <p:notesSz cx="6858000" cy="9144000"/>
   <p:defaultTextStyle>
     <a:defPPr>
@@ -104,6 +106,11 @@
       </a:defRPr>
     </a:lvl9pPr>
   </p:defaultTextStyle>
+  <p:extLst>
+    <p:ext uri="{EFAFB233-063F-42B5-8137-9DF3F51BA10A}">
+      <p15:sldGuideLst xmlns:p15="http://schemas.microsoft.com/office/powerpoint/2012/main"/>
+    </p:ext>
+  </p:extLst>
 </p:presentation>
 </file>
 
@@ -136,15 +143,15 @@
         </p:nvSpPr>
         <p:spPr>
           <a:xfrm>
-            <a:off x="914400" y="1475959"/>
-            <a:ext cx="10363200" cy="3139805"/>
+            <a:off x="914400" y="2356703"/>
+            <a:ext cx="10363200" cy="5013407"/>
           </a:xfrm>
         </p:spPr>
         <p:txBody>
           <a:bodyPr anchor="b"/>
           <a:lstStyle>
             <a:lvl1pPr algn="ctr">
-              <a:defRPr sz="7890"/>
+              <a:defRPr sz="8000"/>
             </a:lvl1pPr>
           </a:lstStyle>
           <a:p>
@@ -168,8 +175,8 @@
         </p:nvSpPr>
         <p:spPr>
           <a:xfrm>
-            <a:off x="1524000" y="4736847"/>
-            <a:ext cx="9144000" cy="2177404"/>
+            <a:off x="1524000" y="7563446"/>
+            <a:ext cx="9144000" cy="3476717"/>
           </a:xfrm>
         </p:spPr>
         <p:txBody>
@@ -177,39 +184,39 @@
           <a:lstStyle>
             <a:lvl1pPr marL="0" indent="0" algn="ctr">
               <a:buNone/>
-              <a:defRPr sz="3156"/>
+              <a:defRPr sz="3200"/>
             </a:lvl1pPr>
-            <a:lvl2pPr marL="601218" indent="0" algn="ctr">
+            <a:lvl2pPr marL="609585" indent="0" algn="ctr">
               <a:buNone/>
-              <a:defRPr sz="2630"/>
+              <a:defRPr sz="2667"/>
             </a:lvl2pPr>
-            <a:lvl3pPr marL="1202436" indent="0" algn="ctr">
+            <a:lvl3pPr marL="1219170" indent="0" algn="ctr">
               <a:buNone/>
-              <a:defRPr sz="2367"/>
+              <a:defRPr sz="2400"/>
             </a:lvl3pPr>
-            <a:lvl4pPr marL="1803654" indent="0" algn="ctr">
+            <a:lvl4pPr marL="1828754" indent="0" algn="ctr">
               <a:buNone/>
-              <a:defRPr sz="2104"/>
+              <a:defRPr sz="2133"/>
             </a:lvl4pPr>
-            <a:lvl5pPr marL="2404872" indent="0" algn="ctr">
+            <a:lvl5pPr marL="2438339" indent="0" algn="ctr">
               <a:buNone/>
-              <a:defRPr sz="2104"/>
+              <a:defRPr sz="2133"/>
             </a:lvl5pPr>
-            <a:lvl6pPr marL="3006090" indent="0" algn="ctr">
+            <a:lvl6pPr marL="3047924" indent="0" algn="ctr">
               <a:buNone/>
-              <a:defRPr sz="2104"/>
+              <a:defRPr sz="2133"/>
             </a:lvl6pPr>
-            <a:lvl7pPr marL="3607308" indent="0" algn="ctr">
+            <a:lvl7pPr marL="3657509" indent="0" algn="ctr">
               <a:buNone/>
-              <a:defRPr sz="2104"/>
+              <a:defRPr sz="2133"/>
             </a:lvl7pPr>
-            <a:lvl8pPr marL="4208526" indent="0" algn="ctr">
+            <a:lvl8pPr marL="4267093" indent="0" algn="ctr">
               <a:buNone/>
-              <a:defRPr sz="2104"/>
+              <a:defRPr sz="2133"/>
             </a:lvl8pPr>
-            <a:lvl9pPr marL="4809744" indent="0" algn="ctr">
+            <a:lvl9pPr marL="4876678" indent="0" algn="ctr">
               <a:buNone/>
-              <a:defRPr sz="2104"/>
+              <a:defRPr sz="2133"/>
             </a:lvl9pPr>
           </a:lstStyle>
           <a:p>
@@ -238,7 +245,7 @@
           <a:p>
             <a:fld id="{EC1EAB78-FDA0-4BE7-92EF-58F334026358}" type="datetimeFigureOut">
               <a:rPr lang="en-CA" smtClean="0"/>
-              <a:t>2022-03-27</a:t>
+              <a:t>2022-04-10</a:t>
             </a:fld>
             <a:endParaRPr lang="en-CA"/>
           </a:p>
@@ -289,7 +296,7 @@
     </p:spTree>
     <p:extLst>
       <p:ext uri="{BB962C8B-B14F-4D97-AF65-F5344CB8AC3E}">
-        <p14:creationId xmlns:p14="http://schemas.microsoft.com/office/powerpoint/2010/main" val="3215548862"/>
+        <p14:creationId xmlns:p14="http://schemas.microsoft.com/office/powerpoint/2010/main" val="924464193"/>
       </p:ext>
     </p:extLst>
   </p:cSld>
@@ -408,7 +415,7 @@
           <a:p>
             <a:fld id="{EC1EAB78-FDA0-4BE7-92EF-58F334026358}" type="datetimeFigureOut">
               <a:rPr lang="en-CA" smtClean="0"/>
-              <a:t>2022-03-27</a:t>
+              <a:t>2022-04-10</a:t>
             </a:fld>
             <a:endParaRPr lang="en-CA"/>
           </a:p>
@@ -459,7 +466,7 @@
     </p:spTree>
     <p:extLst>
       <p:ext uri="{BB962C8B-B14F-4D97-AF65-F5344CB8AC3E}">
-        <p14:creationId xmlns:p14="http://schemas.microsoft.com/office/powerpoint/2010/main" val="3203898776"/>
+        <p14:creationId xmlns:p14="http://schemas.microsoft.com/office/powerpoint/2010/main" val="47179379"/>
       </p:ext>
     </p:extLst>
   </p:cSld>
@@ -498,8 +505,8 @@
         </p:nvSpPr>
         <p:spPr>
           <a:xfrm>
-            <a:off x="8724901" y="480157"/>
-            <a:ext cx="2628900" cy="7642836"/>
+            <a:off x="8724901" y="766678"/>
+            <a:ext cx="2628900" cy="12203515"/>
           </a:xfrm>
         </p:spPr>
         <p:txBody>
@@ -526,8 +533,8 @@
         </p:nvSpPr>
         <p:spPr>
           <a:xfrm>
-            <a:off x="838201" y="480157"/>
-            <a:ext cx="7734300" cy="7642836"/>
+            <a:off x="838201" y="766678"/>
+            <a:ext cx="7734300" cy="12203515"/>
           </a:xfrm>
         </p:spPr>
         <p:txBody>
@@ -588,7 +595,7 @@
           <a:p>
             <a:fld id="{EC1EAB78-FDA0-4BE7-92EF-58F334026358}" type="datetimeFigureOut">
               <a:rPr lang="en-CA" smtClean="0"/>
-              <a:t>2022-03-27</a:t>
+              <a:t>2022-04-10</a:t>
             </a:fld>
             <a:endParaRPr lang="en-CA"/>
           </a:p>
@@ -639,7 +646,7 @@
     </p:spTree>
     <p:extLst>
       <p:ext uri="{BB962C8B-B14F-4D97-AF65-F5344CB8AC3E}">
-        <p14:creationId xmlns:p14="http://schemas.microsoft.com/office/powerpoint/2010/main" val="729194694"/>
+        <p14:creationId xmlns:p14="http://schemas.microsoft.com/office/powerpoint/2010/main" val="3092201822"/>
       </p:ext>
     </p:extLst>
   </p:cSld>
@@ -758,7 +765,7 @@
           <a:p>
             <a:fld id="{EC1EAB78-FDA0-4BE7-92EF-58F334026358}" type="datetimeFigureOut">
               <a:rPr lang="en-CA" smtClean="0"/>
-              <a:t>2022-03-27</a:t>
+              <a:t>2022-04-10</a:t>
             </a:fld>
             <a:endParaRPr lang="en-CA"/>
           </a:p>
@@ -809,7 +816,7 @@
     </p:spTree>
     <p:extLst>
       <p:ext uri="{BB962C8B-B14F-4D97-AF65-F5344CB8AC3E}">
-        <p14:creationId xmlns:p14="http://schemas.microsoft.com/office/powerpoint/2010/main" val="1263242795"/>
+        <p14:creationId xmlns:p14="http://schemas.microsoft.com/office/powerpoint/2010/main" val="3033277491"/>
       </p:ext>
     </p:extLst>
   </p:cSld>
@@ -848,15 +855,15 @@
         </p:nvSpPr>
         <p:spPr>
           <a:xfrm>
-            <a:off x="831851" y="2248387"/>
-            <a:ext cx="10515600" cy="3751481"/>
+            <a:off x="831851" y="3590057"/>
+            <a:ext cx="10515600" cy="5990088"/>
           </a:xfrm>
         </p:spPr>
         <p:txBody>
           <a:bodyPr anchor="b"/>
           <a:lstStyle>
             <a:lvl1pPr>
-              <a:defRPr sz="7890"/>
+              <a:defRPr sz="8000"/>
             </a:lvl1pPr>
           </a:lstStyle>
           <a:p>
@@ -880,8 +887,8 @@
         </p:nvSpPr>
         <p:spPr>
           <a:xfrm>
-            <a:off x="831851" y="6035359"/>
-            <a:ext cx="10515600" cy="1972815"/>
+            <a:off x="831851" y="9636813"/>
+            <a:ext cx="10515600" cy="3150046"/>
           </a:xfrm>
         </p:spPr>
         <p:txBody>
@@ -889,15 +896,15 @@
           <a:lstStyle>
             <a:lvl1pPr marL="0" indent="0">
               <a:buNone/>
-              <a:defRPr sz="3156">
+              <a:defRPr sz="3200">
                 <a:solidFill>
                   <a:schemeClr val="tx1"/>
                 </a:solidFill>
               </a:defRPr>
             </a:lvl1pPr>
-            <a:lvl2pPr marL="601218" indent="0">
+            <a:lvl2pPr marL="609585" indent="0">
               <a:buNone/>
-              <a:defRPr sz="2630">
+              <a:defRPr sz="2667">
                 <a:solidFill>
                   <a:schemeClr val="tx1">
                     <a:tint val="75000"/>
@@ -905,9 +912,9 @@
                 </a:solidFill>
               </a:defRPr>
             </a:lvl2pPr>
-            <a:lvl3pPr marL="1202436" indent="0">
+            <a:lvl3pPr marL="1219170" indent="0">
               <a:buNone/>
-              <a:defRPr sz="2367">
+              <a:defRPr sz="2400">
                 <a:solidFill>
                   <a:schemeClr val="tx1">
                     <a:tint val="75000"/>
@@ -915,9 +922,9 @@
                 </a:solidFill>
               </a:defRPr>
             </a:lvl3pPr>
-            <a:lvl4pPr marL="1803654" indent="0">
+            <a:lvl4pPr marL="1828754" indent="0">
               <a:buNone/>
-              <a:defRPr sz="2104">
+              <a:defRPr sz="2133">
                 <a:solidFill>
                   <a:schemeClr val="tx1">
                     <a:tint val="75000"/>
@@ -925,9 +932,9 @@
                 </a:solidFill>
               </a:defRPr>
             </a:lvl4pPr>
-            <a:lvl5pPr marL="2404872" indent="0">
+            <a:lvl5pPr marL="2438339" indent="0">
               <a:buNone/>
-              <a:defRPr sz="2104">
+              <a:defRPr sz="2133">
                 <a:solidFill>
                   <a:schemeClr val="tx1">
                     <a:tint val="75000"/>
@@ -935,9 +942,9 @@
                 </a:solidFill>
               </a:defRPr>
             </a:lvl5pPr>
-            <a:lvl6pPr marL="3006090" indent="0">
+            <a:lvl6pPr marL="3047924" indent="0">
               <a:buNone/>
-              <a:defRPr sz="2104">
+              <a:defRPr sz="2133">
                 <a:solidFill>
                   <a:schemeClr val="tx1">
                     <a:tint val="75000"/>
@@ -945,9 +952,9 @@
                 </a:solidFill>
               </a:defRPr>
             </a:lvl6pPr>
-            <a:lvl7pPr marL="3607308" indent="0">
+            <a:lvl7pPr marL="3657509" indent="0">
               <a:buNone/>
-              <a:defRPr sz="2104">
+              <a:defRPr sz="2133">
                 <a:solidFill>
                   <a:schemeClr val="tx1">
                     <a:tint val="75000"/>
@@ -955,9 +962,9 @@
                 </a:solidFill>
               </a:defRPr>
             </a:lvl7pPr>
-            <a:lvl8pPr marL="4208526" indent="0">
+            <a:lvl8pPr marL="4267093" indent="0">
               <a:buNone/>
-              <a:defRPr sz="2104">
+              <a:defRPr sz="2133">
                 <a:solidFill>
                   <a:schemeClr val="tx1">
                     <a:tint val="75000"/>
@@ -965,9 +972,9 @@
                 </a:solidFill>
               </a:defRPr>
             </a:lvl8pPr>
-            <a:lvl9pPr marL="4809744" indent="0">
+            <a:lvl9pPr marL="4876678" indent="0">
               <a:buNone/>
-              <a:defRPr sz="2104">
+              <a:defRPr sz="2133">
                 <a:solidFill>
                   <a:schemeClr val="tx1">
                     <a:tint val="75000"/>
@@ -1002,7 +1009,7 @@
           <a:p>
             <a:fld id="{EC1EAB78-FDA0-4BE7-92EF-58F334026358}" type="datetimeFigureOut">
               <a:rPr lang="en-CA" smtClean="0"/>
-              <a:t>2022-03-27</a:t>
+              <a:t>2022-04-10</a:t>
             </a:fld>
             <a:endParaRPr lang="en-CA"/>
           </a:p>
@@ -1053,7 +1060,7 @@
     </p:spTree>
     <p:extLst>
       <p:ext uri="{BB962C8B-B14F-4D97-AF65-F5344CB8AC3E}">
-        <p14:creationId xmlns:p14="http://schemas.microsoft.com/office/powerpoint/2010/main" val="1769772358"/>
+        <p14:creationId xmlns:p14="http://schemas.microsoft.com/office/powerpoint/2010/main" val="1726412999"/>
       </p:ext>
     </p:extLst>
   </p:cSld>
@@ -1115,8 +1122,8 @@
         </p:nvSpPr>
         <p:spPr>
           <a:xfrm>
-            <a:off x="838200" y="2400782"/>
-            <a:ext cx="5181600" cy="5722211"/>
+            <a:off x="838200" y="3833390"/>
+            <a:ext cx="5181600" cy="9136803"/>
           </a:xfrm>
         </p:spPr>
         <p:txBody>
@@ -1172,8 +1179,8 @@
         </p:nvSpPr>
         <p:spPr>
           <a:xfrm>
-            <a:off x="6172200" y="2400782"/>
-            <a:ext cx="5181600" cy="5722211"/>
+            <a:off x="6172200" y="3833390"/>
+            <a:ext cx="5181600" cy="9136803"/>
           </a:xfrm>
         </p:spPr>
         <p:txBody>
@@ -1234,7 +1241,7 @@
           <a:p>
             <a:fld id="{EC1EAB78-FDA0-4BE7-92EF-58F334026358}" type="datetimeFigureOut">
               <a:rPr lang="en-CA" smtClean="0"/>
-              <a:t>2022-03-27</a:t>
+              <a:t>2022-04-10</a:t>
             </a:fld>
             <a:endParaRPr lang="en-CA"/>
           </a:p>
@@ -1285,7 +1292,7 @@
     </p:spTree>
     <p:extLst>
       <p:ext uri="{BB962C8B-B14F-4D97-AF65-F5344CB8AC3E}">
-        <p14:creationId xmlns:p14="http://schemas.microsoft.com/office/powerpoint/2010/main" val="2245460973"/>
+        <p14:creationId xmlns:p14="http://schemas.microsoft.com/office/powerpoint/2010/main" val="2443591845"/>
       </p:ext>
     </p:extLst>
   </p:cSld>
@@ -1324,8 +1331,8 @@
         </p:nvSpPr>
         <p:spPr>
           <a:xfrm>
-            <a:off x="839788" y="480158"/>
-            <a:ext cx="10515600" cy="1743177"/>
+            <a:off x="839788" y="766681"/>
+            <a:ext cx="10515600" cy="2783376"/>
           </a:xfrm>
         </p:spPr>
         <p:txBody>
@@ -1352,8 +1359,8 @@
         </p:nvSpPr>
         <p:spPr>
           <a:xfrm>
-            <a:off x="839789" y="2210808"/>
-            <a:ext cx="5157787" cy="1083482"/>
+            <a:off x="839789" y="3530053"/>
+            <a:ext cx="5157787" cy="1730025"/>
           </a:xfrm>
         </p:spPr>
         <p:txBody>
@@ -1361,39 +1368,39 @@
           <a:lstStyle>
             <a:lvl1pPr marL="0" indent="0">
               <a:buNone/>
-              <a:defRPr sz="3156" b="1"/>
+              <a:defRPr sz="3200" b="1"/>
             </a:lvl1pPr>
-            <a:lvl2pPr marL="601218" indent="0">
+            <a:lvl2pPr marL="609585" indent="0">
               <a:buNone/>
-              <a:defRPr sz="2630" b="1"/>
+              <a:defRPr sz="2667" b="1"/>
             </a:lvl2pPr>
-            <a:lvl3pPr marL="1202436" indent="0">
+            <a:lvl3pPr marL="1219170" indent="0">
               <a:buNone/>
-              <a:defRPr sz="2367" b="1"/>
+              <a:defRPr sz="2400" b="1"/>
             </a:lvl3pPr>
-            <a:lvl4pPr marL="1803654" indent="0">
+            <a:lvl4pPr marL="1828754" indent="0">
               <a:buNone/>
-              <a:defRPr sz="2104" b="1"/>
+              <a:defRPr sz="2133" b="1"/>
             </a:lvl4pPr>
-            <a:lvl5pPr marL="2404872" indent="0">
+            <a:lvl5pPr marL="2438339" indent="0">
               <a:buNone/>
-              <a:defRPr sz="2104" b="1"/>
+              <a:defRPr sz="2133" b="1"/>
             </a:lvl5pPr>
-            <a:lvl6pPr marL="3006090" indent="0">
+            <a:lvl6pPr marL="3047924" indent="0">
               <a:buNone/>
-              <a:defRPr sz="2104" b="1"/>
+              <a:defRPr sz="2133" b="1"/>
             </a:lvl6pPr>
-            <a:lvl7pPr marL="3607308" indent="0">
+            <a:lvl7pPr marL="3657509" indent="0">
               <a:buNone/>
-              <a:defRPr sz="2104" b="1"/>
+              <a:defRPr sz="2133" b="1"/>
             </a:lvl7pPr>
-            <a:lvl8pPr marL="4208526" indent="0">
+            <a:lvl8pPr marL="4267093" indent="0">
               <a:buNone/>
-              <a:defRPr sz="2104" b="1"/>
+              <a:defRPr sz="2133" b="1"/>
             </a:lvl8pPr>
-            <a:lvl9pPr marL="4809744" indent="0">
+            <a:lvl9pPr marL="4876678" indent="0">
               <a:buNone/>
-              <a:defRPr sz="2104" b="1"/>
+              <a:defRPr sz="2133" b="1"/>
             </a:lvl9pPr>
           </a:lstStyle>
           <a:p>
@@ -1417,8 +1424,8 @@
         </p:nvSpPr>
         <p:spPr>
           <a:xfrm>
-            <a:off x="839789" y="3294290"/>
-            <a:ext cx="5157787" cy="4845404"/>
+            <a:off x="839789" y="5260078"/>
+            <a:ext cx="5157787" cy="7736782"/>
           </a:xfrm>
         </p:spPr>
         <p:txBody>
@@ -1474,8 +1481,8 @@
         </p:nvSpPr>
         <p:spPr>
           <a:xfrm>
-            <a:off x="6172201" y="2210808"/>
-            <a:ext cx="5183188" cy="1083482"/>
+            <a:off x="6172201" y="3530053"/>
+            <a:ext cx="5183188" cy="1730025"/>
           </a:xfrm>
         </p:spPr>
         <p:txBody>
@@ -1483,39 +1490,39 @@
           <a:lstStyle>
             <a:lvl1pPr marL="0" indent="0">
               <a:buNone/>
-              <a:defRPr sz="3156" b="1"/>
+              <a:defRPr sz="3200" b="1"/>
             </a:lvl1pPr>
-            <a:lvl2pPr marL="601218" indent="0">
+            <a:lvl2pPr marL="609585" indent="0">
               <a:buNone/>
-              <a:defRPr sz="2630" b="1"/>
+              <a:defRPr sz="2667" b="1"/>
             </a:lvl2pPr>
-            <a:lvl3pPr marL="1202436" indent="0">
+            <a:lvl3pPr marL="1219170" indent="0">
               <a:buNone/>
-              <a:defRPr sz="2367" b="1"/>
+              <a:defRPr sz="2400" b="1"/>
             </a:lvl3pPr>
-            <a:lvl4pPr marL="1803654" indent="0">
+            <a:lvl4pPr marL="1828754" indent="0">
               <a:buNone/>
-              <a:defRPr sz="2104" b="1"/>
+              <a:defRPr sz="2133" b="1"/>
             </a:lvl4pPr>
-            <a:lvl5pPr marL="2404872" indent="0">
+            <a:lvl5pPr marL="2438339" indent="0">
               <a:buNone/>
-              <a:defRPr sz="2104" b="1"/>
+              <a:defRPr sz="2133" b="1"/>
             </a:lvl5pPr>
-            <a:lvl6pPr marL="3006090" indent="0">
+            <a:lvl6pPr marL="3047924" indent="0">
               <a:buNone/>
-              <a:defRPr sz="2104" b="1"/>
+              <a:defRPr sz="2133" b="1"/>
             </a:lvl6pPr>
-            <a:lvl7pPr marL="3607308" indent="0">
+            <a:lvl7pPr marL="3657509" indent="0">
               <a:buNone/>
-              <a:defRPr sz="2104" b="1"/>
+              <a:defRPr sz="2133" b="1"/>
             </a:lvl7pPr>
-            <a:lvl8pPr marL="4208526" indent="0">
+            <a:lvl8pPr marL="4267093" indent="0">
               <a:buNone/>
-              <a:defRPr sz="2104" b="1"/>
+              <a:defRPr sz="2133" b="1"/>
             </a:lvl8pPr>
-            <a:lvl9pPr marL="4809744" indent="0">
+            <a:lvl9pPr marL="4876678" indent="0">
               <a:buNone/>
-              <a:defRPr sz="2104" b="1"/>
+              <a:defRPr sz="2133" b="1"/>
             </a:lvl9pPr>
           </a:lstStyle>
           <a:p>
@@ -1539,8 +1546,8 @@
         </p:nvSpPr>
         <p:spPr>
           <a:xfrm>
-            <a:off x="6172201" y="3294290"/>
-            <a:ext cx="5183188" cy="4845404"/>
+            <a:off x="6172201" y="5260078"/>
+            <a:ext cx="5183188" cy="7736782"/>
           </a:xfrm>
         </p:spPr>
         <p:txBody>
@@ -1601,7 +1608,7 @@
           <a:p>
             <a:fld id="{EC1EAB78-FDA0-4BE7-92EF-58F334026358}" type="datetimeFigureOut">
               <a:rPr lang="en-CA" smtClean="0"/>
-              <a:t>2022-03-27</a:t>
+              <a:t>2022-04-10</a:t>
             </a:fld>
             <a:endParaRPr lang="en-CA"/>
           </a:p>
@@ -1652,7 +1659,7 @@
     </p:spTree>
     <p:extLst>
       <p:ext uri="{BB962C8B-B14F-4D97-AF65-F5344CB8AC3E}">
-        <p14:creationId xmlns:p14="http://schemas.microsoft.com/office/powerpoint/2010/main" val="1538614303"/>
+        <p14:creationId xmlns:p14="http://schemas.microsoft.com/office/powerpoint/2010/main" val="2731163880"/>
       </p:ext>
     </p:extLst>
   </p:cSld>
@@ -1719,7 +1726,7 @@
           <a:p>
             <a:fld id="{EC1EAB78-FDA0-4BE7-92EF-58F334026358}" type="datetimeFigureOut">
               <a:rPr lang="en-CA" smtClean="0"/>
-              <a:t>2022-03-27</a:t>
+              <a:t>2022-04-10</a:t>
             </a:fld>
             <a:endParaRPr lang="en-CA"/>
           </a:p>
@@ -1770,7 +1777,7 @@
     </p:spTree>
     <p:extLst>
       <p:ext uri="{BB962C8B-B14F-4D97-AF65-F5344CB8AC3E}">
-        <p14:creationId xmlns:p14="http://schemas.microsoft.com/office/powerpoint/2010/main" val="6826697"/>
+        <p14:creationId xmlns:p14="http://schemas.microsoft.com/office/powerpoint/2010/main" val="2666040235"/>
       </p:ext>
     </p:extLst>
   </p:cSld>
@@ -1814,7 +1821,7 @@
           <a:p>
             <a:fld id="{EC1EAB78-FDA0-4BE7-92EF-58F334026358}" type="datetimeFigureOut">
               <a:rPr lang="en-CA" smtClean="0"/>
-              <a:t>2022-03-27</a:t>
+              <a:t>2022-04-10</a:t>
             </a:fld>
             <a:endParaRPr lang="en-CA"/>
           </a:p>
@@ -1865,7 +1872,7 @@
     </p:spTree>
     <p:extLst>
       <p:ext uri="{BB962C8B-B14F-4D97-AF65-F5344CB8AC3E}">
-        <p14:creationId xmlns:p14="http://schemas.microsoft.com/office/powerpoint/2010/main" val="3357770484"/>
+        <p14:creationId xmlns:p14="http://schemas.microsoft.com/office/powerpoint/2010/main" val="1493507956"/>
       </p:ext>
     </p:extLst>
   </p:cSld>
@@ -1904,15 +1911,15 @@
         </p:nvSpPr>
         <p:spPr>
           <a:xfrm>
-            <a:off x="839788" y="601239"/>
-            <a:ext cx="3932237" cy="2104337"/>
+            <a:off x="839788" y="960014"/>
+            <a:ext cx="3932237" cy="3360050"/>
           </a:xfrm>
         </p:spPr>
         <p:txBody>
           <a:bodyPr anchor="b"/>
           <a:lstStyle>
             <a:lvl1pPr>
-              <a:defRPr sz="4208"/>
+              <a:defRPr sz="4267"/>
             </a:lvl1pPr>
           </a:lstStyle>
           <a:p>
@@ -1936,39 +1943,39 @@
         </p:nvSpPr>
         <p:spPr>
           <a:xfrm>
-            <a:off x="5183188" y="1298512"/>
-            <a:ext cx="6172200" cy="6409043"/>
+            <a:off x="5183188" y="2073367"/>
+            <a:ext cx="6172200" cy="10233485"/>
           </a:xfrm>
         </p:spPr>
         <p:txBody>
           <a:bodyPr/>
           <a:lstStyle>
             <a:lvl1pPr>
-              <a:defRPr sz="4208"/>
+              <a:defRPr sz="4267"/>
             </a:lvl1pPr>
             <a:lvl2pPr>
-              <a:defRPr sz="3682"/>
+              <a:defRPr sz="3733"/>
             </a:lvl2pPr>
             <a:lvl3pPr>
-              <a:defRPr sz="3156"/>
+              <a:defRPr sz="3200"/>
             </a:lvl3pPr>
             <a:lvl4pPr>
-              <a:defRPr sz="2630"/>
+              <a:defRPr sz="2667"/>
             </a:lvl4pPr>
             <a:lvl5pPr>
-              <a:defRPr sz="2630"/>
+              <a:defRPr sz="2667"/>
             </a:lvl5pPr>
             <a:lvl6pPr>
-              <a:defRPr sz="2630"/>
+              <a:defRPr sz="2667"/>
             </a:lvl6pPr>
             <a:lvl7pPr>
-              <a:defRPr sz="2630"/>
+              <a:defRPr sz="2667"/>
             </a:lvl7pPr>
             <a:lvl8pPr>
-              <a:defRPr sz="2630"/>
+              <a:defRPr sz="2667"/>
             </a:lvl8pPr>
             <a:lvl9pPr>
-              <a:defRPr sz="2630"/>
+              <a:defRPr sz="2667"/>
             </a:lvl9pPr>
           </a:lstStyle>
           <a:p>
@@ -2021,8 +2028,8 @@
         </p:nvSpPr>
         <p:spPr>
           <a:xfrm>
-            <a:off x="839788" y="2705576"/>
-            <a:ext cx="3932237" cy="5012415"/>
+            <a:off x="839788" y="4320064"/>
+            <a:ext cx="3932237" cy="8003453"/>
           </a:xfrm>
         </p:spPr>
         <p:txBody>
@@ -2030,39 +2037,39 @@
           <a:lstStyle>
             <a:lvl1pPr marL="0" indent="0">
               <a:buNone/>
-              <a:defRPr sz="2104"/>
+              <a:defRPr sz="2133"/>
             </a:lvl1pPr>
-            <a:lvl2pPr marL="601218" indent="0">
+            <a:lvl2pPr marL="609585" indent="0">
               <a:buNone/>
-              <a:defRPr sz="1841"/>
+              <a:defRPr sz="1867"/>
             </a:lvl2pPr>
-            <a:lvl3pPr marL="1202436" indent="0">
+            <a:lvl3pPr marL="1219170" indent="0">
               <a:buNone/>
-              <a:defRPr sz="1578"/>
+              <a:defRPr sz="1600"/>
             </a:lvl3pPr>
-            <a:lvl4pPr marL="1803654" indent="0">
+            <a:lvl4pPr marL="1828754" indent="0">
               <a:buNone/>
-              <a:defRPr sz="1315"/>
+              <a:defRPr sz="1333"/>
             </a:lvl4pPr>
-            <a:lvl5pPr marL="2404872" indent="0">
+            <a:lvl5pPr marL="2438339" indent="0">
               <a:buNone/>
-              <a:defRPr sz="1315"/>
+              <a:defRPr sz="1333"/>
             </a:lvl5pPr>
-            <a:lvl6pPr marL="3006090" indent="0">
+            <a:lvl6pPr marL="3047924" indent="0">
               <a:buNone/>
-              <a:defRPr sz="1315"/>
+              <a:defRPr sz="1333"/>
             </a:lvl6pPr>
-            <a:lvl7pPr marL="3607308" indent="0">
+            <a:lvl7pPr marL="3657509" indent="0">
               <a:buNone/>
-              <a:defRPr sz="1315"/>
+              <a:defRPr sz="1333"/>
             </a:lvl7pPr>
-            <a:lvl8pPr marL="4208526" indent="0">
+            <a:lvl8pPr marL="4267093" indent="0">
               <a:buNone/>
-              <a:defRPr sz="1315"/>
+              <a:defRPr sz="1333"/>
             </a:lvl8pPr>
-            <a:lvl9pPr marL="4809744" indent="0">
+            <a:lvl9pPr marL="4876678" indent="0">
               <a:buNone/>
-              <a:defRPr sz="1315"/>
+              <a:defRPr sz="1333"/>
             </a:lvl9pPr>
           </a:lstStyle>
           <a:p>
@@ -2091,7 +2098,7 @@
           <a:p>
             <a:fld id="{EC1EAB78-FDA0-4BE7-92EF-58F334026358}" type="datetimeFigureOut">
               <a:rPr lang="en-CA" smtClean="0"/>
-              <a:t>2022-03-27</a:t>
+              <a:t>2022-04-10</a:t>
             </a:fld>
             <a:endParaRPr lang="en-CA"/>
           </a:p>
@@ -2142,7 +2149,7 @@
     </p:spTree>
     <p:extLst>
       <p:ext uri="{BB962C8B-B14F-4D97-AF65-F5344CB8AC3E}">
-        <p14:creationId xmlns:p14="http://schemas.microsoft.com/office/powerpoint/2010/main" val="3879018999"/>
+        <p14:creationId xmlns:p14="http://schemas.microsoft.com/office/powerpoint/2010/main" val="373896183"/>
       </p:ext>
     </p:extLst>
   </p:cSld>
@@ -2181,15 +2188,15 @@
         </p:nvSpPr>
         <p:spPr>
           <a:xfrm>
-            <a:off x="839788" y="601239"/>
-            <a:ext cx="3932237" cy="2104337"/>
+            <a:off x="839788" y="960014"/>
+            <a:ext cx="3932237" cy="3360050"/>
           </a:xfrm>
         </p:spPr>
         <p:txBody>
           <a:bodyPr anchor="b"/>
           <a:lstStyle>
             <a:lvl1pPr>
-              <a:defRPr sz="4208"/>
+              <a:defRPr sz="4267"/>
             </a:lvl1pPr>
           </a:lstStyle>
           <a:p>
@@ -2213,8 +2220,8 @@
         </p:nvSpPr>
         <p:spPr>
           <a:xfrm>
-            <a:off x="5183188" y="1298512"/>
-            <a:ext cx="6172200" cy="6409043"/>
+            <a:off x="5183188" y="2073367"/>
+            <a:ext cx="6172200" cy="10233485"/>
           </a:xfrm>
         </p:spPr>
         <p:txBody>
@@ -2222,39 +2229,39 @@
           <a:lstStyle>
             <a:lvl1pPr marL="0" indent="0">
               <a:buNone/>
-              <a:defRPr sz="4208"/>
+              <a:defRPr sz="4267"/>
             </a:lvl1pPr>
-            <a:lvl2pPr marL="601218" indent="0">
+            <a:lvl2pPr marL="609585" indent="0">
               <a:buNone/>
-              <a:defRPr sz="3682"/>
+              <a:defRPr sz="3733"/>
             </a:lvl2pPr>
-            <a:lvl3pPr marL="1202436" indent="0">
+            <a:lvl3pPr marL="1219170" indent="0">
               <a:buNone/>
-              <a:defRPr sz="3156"/>
+              <a:defRPr sz="3200"/>
             </a:lvl3pPr>
-            <a:lvl4pPr marL="1803654" indent="0">
+            <a:lvl4pPr marL="1828754" indent="0">
               <a:buNone/>
-              <a:defRPr sz="2630"/>
+              <a:defRPr sz="2667"/>
             </a:lvl4pPr>
-            <a:lvl5pPr marL="2404872" indent="0">
+            <a:lvl5pPr marL="2438339" indent="0">
               <a:buNone/>
-              <a:defRPr sz="2630"/>
+              <a:defRPr sz="2667"/>
             </a:lvl5pPr>
-            <a:lvl6pPr marL="3006090" indent="0">
+            <a:lvl6pPr marL="3047924" indent="0">
               <a:buNone/>
-              <a:defRPr sz="2630"/>
+              <a:defRPr sz="2667"/>
             </a:lvl6pPr>
-            <a:lvl7pPr marL="3607308" indent="0">
+            <a:lvl7pPr marL="3657509" indent="0">
               <a:buNone/>
-              <a:defRPr sz="2630"/>
+              <a:defRPr sz="2667"/>
             </a:lvl7pPr>
-            <a:lvl8pPr marL="4208526" indent="0">
+            <a:lvl8pPr marL="4267093" indent="0">
               <a:buNone/>
-              <a:defRPr sz="2630"/>
+              <a:defRPr sz="2667"/>
             </a:lvl8pPr>
-            <a:lvl9pPr marL="4809744" indent="0">
+            <a:lvl9pPr marL="4876678" indent="0">
               <a:buNone/>
-              <a:defRPr sz="2630"/>
+              <a:defRPr sz="2667"/>
             </a:lvl9pPr>
           </a:lstStyle>
           <a:p>
@@ -2278,8 +2285,8 @@
         </p:nvSpPr>
         <p:spPr>
           <a:xfrm>
-            <a:off x="839788" y="2705576"/>
-            <a:ext cx="3932237" cy="5012415"/>
+            <a:off x="839788" y="4320064"/>
+            <a:ext cx="3932237" cy="8003453"/>
           </a:xfrm>
         </p:spPr>
         <p:txBody>
@@ -2287,39 +2294,39 @@
           <a:lstStyle>
             <a:lvl1pPr marL="0" indent="0">
               <a:buNone/>
-              <a:defRPr sz="2104"/>
+              <a:defRPr sz="2133"/>
             </a:lvl1pPr>
-            <a:lvl2pPr marL="601218" indent="0">
+            <a:lvl2pPr marL="609585" indent="0">
               <a:buNone/>
-              <a:defRPr sz="1841"/>
+              <a:defRPr sz="1867"/>
             </a:lvl2pPr>
-            <a:lvl3pPr marL="1202436" indent="0">
+            <a:lvl3pPr marL="1219170" indent="0">
               <a:buNone/>
-              <a:defRPr sz="1578"/>
+              <a:defRPr sz="1600"/>
             </a:lvl3pPr>
-            <a:lvl4pPr marL="1803654" indent="0">
+            <a:lvl4pPr marL="1828754" indent="0">
               <a:buNone/>
-              <a:defRPr sz="1315"/>
+              <a:defRPr sz="1333"/>
             </a:lvl4pPr>
-            <a:lvl5pPr marL="2404872" indent="0">
+            <a:lvl5pPr marL="2438339" indent="0">
               <a:buNone/>
-              <a:defRPr sz="1315"/>
+              <a:defRPr sz="1333"/>
             </a:lvl5pPr>
-            <a:lvl6pPr marL="3006090" indent="0">
+            <a:lvl6pPr marL="3047924" indent="0">
               <a:buNone/>
-              <a:defRPr sz="1315"/>
+              <a:defRPr sz="1333"/>
             </a:lvl6pPr>
-            <a:lvl7pPr marL="3607308" indent="0">
+            <a:lvl7pPr marL="3657509" indent="0">
               <a:buNone/>
-              <a:defRPr sz="1315"/>
+              <a:defRPr sz="1333"/>
             </a:lvl7pPr>
-            <a:lvl8pPr marL="4208526" indent="0">
+            <a:lvl8pPr marL="4267093" indent="0">
               <a:buNone/>
-              <a:defRPr sz="1315"/>
+              <a:defRPr sz="1333"/>
             </a:lvl8pPr>
-            <a:lvl9pPr marL="4809744" indent="0">
+            <a:lvl9pPr marL="4876678" indent="0">
               <a:buNone/>
-              <a:defRPr sz="1315"/>
+              <a:defRPr sz="1333"/>
             </a:lvl9pPr>
           </a:lstStyle>
           <a:p>
@@ -2348,7 +2355,7 @@
           <a:p>
             <a:fld id="{EC1EAB78-FDA0-4BE7-92EF-58F334026358}" type="datetimeFigureOut">
               <a:rPr lang="en-CA" smtClean="0"/>
-              <a:t>2022-03-27</a:t>
+              <a:t>2022-04-10</a:t>
             </a:fld>
             <a:endParaRPr lang="en-CA"/>
           </a:p>
@@ -2399,7 +2406,7 @@
     </p:spTree>
     <p:extLst>
       <p:ext uri="{BB962C8B-B14F-4D97-AF65-F5344CB8AC3E}">
-        <p14:creationId xmlns:p14="http://schemas.microsoft.com/office/powerpoint/2010/main" val="98254054"/>
+        <p14:creationId xmlns:p14="http://schemas.microsoft.com/office/powerpoint/2010/main" val="2483797158"/>
       </p:ext>
     </p:extLst>
   </p:cSld>
@@ -2443,8 +2450,8 @@
         </p:nvSpPr>
         <p:spPr>
           <a:xfrm>
-            <a:off x="838200" y="480158"/>
-            <a:ext cx="10515600" cy="1743177"/>
+            <a:off x="838200" y="766681"/>
+            <a:ext cx="10515600" cy="2783376"/>
           </a:xfrm>
           <a:prstGeom prst="rect">
             <a:avLst/>
@@ -2476,8 +2483,8 @@
         </p:nvSpPr>
         <p:spPr>
           <a:xfrm>
-            <a:off x="838200" y="2400782"/>
-            <a:ext cx="10515600" cy="5722211"/>
+            <a:off x="838200" y="3833390"/>
+            <a:ext cx="10515600" cy="9136803"/>
           </a:xfrm>
           <a:prstGeom prst="rect">
             <a:avLst/>
@@ -2538,8 +2545,8 @@
         </p:nvSpPr>
         <p:spPr>
           <a:xfrm>
-            <a:off x="838200" y="8358897"/>
-            <a:ext cx="2743200" cy="480156"/>
+            <a:off x="838200" y="13346867"/>
+            <a:ext cx="2743200" cy="766678"/>
           </a:xfrm>
           <a:prstGeom prst="rect">
             <a:avLst/>
@@ -2549,7 +2556,7 @@
           <a:bodyPr vert="horz" lIns="91440" tIns="45720" rIns="91440" bIns="45720" rtlCol="0" anchor="ctr"/>
           <a:lstStyle>
             <a:lvl1pPr algn="l">
-              <a:defRPr sz="1578">
+              <a:defRPr sz="1600">
                 <a:solidFill>
                   <a:schemeClr val="tx1">
                     <a:tint val="75000"/>
@@ -2561,7 +2568,7 @@
           <a:p>
             <a:fld id="{EC1EAB78-FDA0-4BE7-92EF-58F334026358}" type="datetimeFigureOut">
               <a:rPr lang="en-CA" smtClean="0"/>
-              <a:t>2022-03-27</a:t>
+              <a:t>2022-04-10</a:t>
             </a:fld>
             <a:endParaRPr lang="en-CA"/>
           </a:p>
@@ -2579,8 +2586,8 @@
         </p:nvSpPr>
         <p:spPr>
           <a:xfrm>
-            <a:off x="4038600" y="8358897"/>
-            <a:ext cx="4114800" cy="480156"/>
+            <a:off x="4038600" y="13346867"/>
+            <a:ext cx="4114800" cy="766678"/>
           </a:xfrm>
           <a:prstGeom prst="rect">
             <a:avLst/>
@@ -2590,7 +2597,7 @@
           <a:bodyPr vert="horz" lIns="91440" tIns="45720" rIns="91440" bIns="45720" rtlCol="0" anchor="ctr"/>
           <a:lstStyle>
             <a:lvl1pPr algn="ctr">
-              <a:defRPr sz="1578">
+              <a:defRPr sz="1600">
                 <a:solidFill>
                   <a:schemeClr val="tx1">
                     <a:tint val="75000"/>
@@ -2616,8 +2623,8 @@
         </p:nvSpPr>
         <p:spPr>
           <a:xfrm>
-            <a:off x="8610600" y="8358897"/>
-            <a:ext cx="2743200" cy="480156"/>
+            <a:off x="8610600" y="13346867"/>
+            <a:ext cx="2743200" cy="766678"/>
           </a:xfrm>
           <a:prstGeom prst="rect">
             <a:avLst/>
@@ -2627,7 +2634,7 @@
           <a:bodyPr vert="horz" lIns="91440" tIns="45720" rIns="91440" bIns="45720" rtlCol="0" anchor="ctr"/>
           <a:lstStyle>
             <a:lvl1pPr algn="r">
-              <a:defRPr sz="1578">
+              <a:defRPr sz="1600">
                 <a:solidFill>
                   <a:schemeClr val="tx1">
                     <a:tint val="75000"/>
@@ -2648,27 +2655,27 @@
     </p:spTree>
     <p:extLst>
       <p:ext uri="{BB962C8B-B14F-4D97-AF65-F5344CB8AC3E}">
-        <p14:creationId xmlns:p14="http://schemas.microsoft.com/office/powerpoint/2010/main" val="1535202086"/>
+        <p14:creationId xmlns:p14="http://schemas.microsoft.com/office/powerpoint/2010/main" val="2070639789"/>
       </p:ext>
     </p:extLst>
   </p:cSld>
   <p:clrMap bg1="lt1" tx1="dk1" bg2="lt2" tx2="dk2" accent1="accent1" accent2="accent2" accent3="accent3" accent4="accent4" accent5="accent5" accent6="accent6" hlink="hlink" folHlink="folHlink"/>
   <p:sldLayoutIdLst>
-    <p:sldLayoutId id="2147483661" r:id="rId1"/>
-    <p:sldLayoutId id="2147483662" r:id="rId2"/>
-    <p:sldLayoutId id="2147483663" r:id="rId3"/>
-    <p:sldLayoutId id="2147483664" r:id="rId4"/>
-    <p:sldLayoutId id="2147483665" r:id="rId5"/>
-    <p:sldLayoutId id="2147483666" r:id="rId6"/>
-    <p:sldLayoutId id="2147483667" r:id="rId7"/>
-    <p:sldLayoutId id="2147483668" r:id="rId8"/>
-    <p:sldLayoutId id="2147483669" r:id="rId9"/>
-    <p:sldLayoutId id="2147483670" r:id="rId10"/>
-    <p:sldLayoutId id="2147483671" r:id="rId11"/>
+    <p:sldLayoutId id="2147483685" r:id="rId1"/>
+    <p:sldLayoutId id="2147483686" r:id="rId2"/>
+    <p:sldLayoutId id="2147483687" r:id="rId3"/>
+    <p:sldLayoutId id="2147483688" r:id="rId4"/>
+    <p:sldLayoutId id="2147483689" r:id="rId5"/>
+    <p:sldLayoutId id="2147483690" r:id="rId6"/>
+    <p:sldLayoutId id="2147483691" r:id="rId7"/>
+    <p:sldLayoutId id="2147483692" r:id="rId8"/>
+    <p:sldLayoutId id="2147483693" r:id="rId9"/>
+    <p:sldLayoutId id="2147483694" r:id="rId10"/>
+    <p:sldLayoutId id="2147483695" r:id="rId11"/>
   </p:sldLayoutIdLst>
   <p:txStyles>
     <p:titleStyle>
-      <a:lvl1pPr algn="l" defTabSz="1202436" rtl="0" eaLnBrk="1" latinLnBrk="0" hangingPunct="1">
+      <a:lvl1pPr algn="l" defTabSz="1219170" rtl="0" eaLnBrk="1" latinLnBrk="0" hangingPunct="1">
         <a:lnSpc>
           <a:spcPct val="90000"/>
         </a:lnSpc>
@@ -2676,7 +2683,7 @@
           <a:spcPct val="0"/>
         </a:spcBef>
         <a:buNone/>
-        <a:defRPr sz="5786" kern="1200">
+        <a:defRPr sz="5867" kern="1200">
           <a:solidFill>
             <a:schemeClr val="tx1"/>
           </a:solidFill>
@@ -2687,16 +2694,16 @@
       </a:lvl1pPr>
     </p:titleStyle>
     <p:bodyStyle>
-      <a:lvl1pPr marL="300609" indent="-300609" algn="l" defTabSz="1202436" rtl="0" eaLnBrk="1" latinLnBrk="0" hangingPunct="1">
+      <a:lvl1pPr marL="304792" indent="-304792" algn="l" defTabSz="1219170" rtl="0" eaLnBrk="1" latinLnBrk="0" hangingPunct="1">
         <a:lnSpc>
           <a:spcPct val="90000"/>
         </a:lnSpc>
         <a:spcBef>
-          <a:spcPts val="1315"/>
+          <a:spcPts val="1333"/>
         </a:spcBef>
         <a:buFont typeface="Arial" panose="020B0604020202020204" pitchFamily="34" charset="0"/>
         <a:buChar char="•"/>
-        <a:defRPr sz="3682" kern="1200">
+        <a:defRPr sz="3733" kern="1200">
           <a:solidFill>
             <a:schemeClr val="tx1"/>
           </a:solidFill>
@@ -2705,16 +2712,16 @@
           <a:cs typeface="+mn-cs"/>
         </a:defRPr>
       </a:lvl1pPr>
-      <a:lvl2pPr marL="901827" indent="-300609" algn="l" defTabSz="1202436" rtl="0" eaLnBrk="1" latinLnBrk="0" hangingPunct="1">
+      <a:lvl2pPr marL="914377" indent="-304792" algn="l" defTabSz="1219170" rtl="0" eaLnBrk="1" latinLnBrk="0" hangingPunct="1">
         <a:lnSpc>
           <a:spcPct val="90000"/>
         </a:lnSpc>
         <a:spcBef>
-          <a:spcPts val="658"/>
+          <a:spcPts val="667"/>
         </a:spcBef>
         <a:buFont typeface="Arial" panose="020B0604020202020204" pitchFamily="34" charset="0"/>
         <a:buChar char="•"/>
-        <a:defRPr sz="3156" kern="1200">
+        <a:defRPr sz="3200" kern="1200">
           <a:solidFill>
             <a:schemeClr val="tx1"/>
           </a:solidFill>
@@ -2723,16 +2730,16 @@
           <a:cs typeface="+mn-cs"/>
         </a:defRPr>
       </a:lvl2pPr>
-      <a:lvl3pPr marL="1503045" indent="-300609" algn="l" defTabSz="1202436" rtl="0" eaLnBrk="1" latinLnBrk="0" hangingPunct="1">
+      <a:lvl3pPr marL="1523962" indent="-304792" algn="l" defTabSz="1219170" rtl="0" eaLnBrk="1" latinLnBrk="0" hangingPunct="1">
         <a:lnSpc>
           <a:spcPct val="90000"/>
         </a:lnSpc>
         <a:spcBef>
-          <a:spcPts val="658"/>
+          <a:spcPts val="667"/>
         </a:spcBef>
         <a:buFont typeface="Arial" panose="020B0604020202020204" pitchFamily="34" charset="0"/>
         <a:buChar char="•"/>
-        <a:defRPr sz="2630" kern="1200">
+        <a:defRPr sz="2667" kern="1200">
           <a:solidFill>
             <a:schemeClr val="tx1"/>
           </a:solidFill>
@@ -2741,16 +2748,16 @@
           <a:cs typeface="+mn-cs"/>
         </a:defRPr>
       </a:lvl3pPr>
-      <a:lvl4pPr marL="2104263" indent="-300609" algn="l" defTabSz="1202436" rtl="0" eaLnBrk="1" latinLnBrk="0" hangingPunct="1">
+      <a:lvl4pPr marL="2133547" indent="-304792" algn="l" defTabSz="1219170" rtl="0" eaLnBrk="1" latinLnBrk="0" hangingPunct="1">
         <a:lnSpc>
           <a:spcPct val="90000"/>
         </a:lnSpc>
         <a:spcBef>
-          <a:spcPts val="658"/>
+          <a:spcPts val="667"/>
         </a:spcBef>
         <a:buFont typeface="Arial" panose="020B0604020202020204" pitchFamily="34" charset="0"/>
         <a:buChar char="•"/>
-        <a:defRPr sz="2367" kern="1200">
+        <a:defRPr sz="2400" kern="1200">
           <a:solidFill>
             <a:schemeClr val="tx1"/>
           </a:solidFill>
@@ -2759,16 +2766,16 @@
           <a:cs typeface="+mn-cs"/>
         </a:defRPr>
       </a:lvl4pPr>
-      <a:lvl5pPr marL="2705481" indent="-300609" algn="l" defTabSz="1202436" rtl="0" eaLnBrk="1" latinLnBrk="0" hangingPunct="1">
+      <a:lvl5pPr marL="2743131" indent="-304792" algn="l" defTabSz="1219170" rtl="0" eaLnBrk="1" latinLnBrk="0" hangingPunct="1">
         <a:lnSpc>
           <a:spcPct val="90000"/>
         </a:lnSpc>
         <a:spcBef>
-          <a:spcPts val="658"/>
+          <a:spcPts val="667"/>
         </a:spcBef>
         <a:buFont typeface="Arial" panose="020B0604020202020204" pitchFamily="34" charset="0"/>
         <a:buChar char="•"/>
-        <a:defRPr sz="2367" kern="1200">
+        <a:defRPr sz="2400" kern="1200">
           <a:solidFill>
             <a:schemeClr val="tx1"/>
           </a:solidFill>
@@ -2777,16 +2784,16 @@
           <a:cs typeface="+mn-cs"/>
         </a:defRPr>
       </a:lvl5pPr>
-      <a:lvl6pPr marL="3306699" indent="-300609" algn="l" defTabSz="1202436" rtl="0" eaLnBrk="1" latinLnBrk="0" hangingPunct="1">
+      <a:lvl6pPr marL="3352716" indent="-304792" algn="l" defTabSz="1219170" rtl="0" eaLnBrk="1" latinLnBrk="0" hangingPunct="1">
         <a:lnSpc>
           <a:spcPct val="90000"/>
         </a:lnSpc>
         <a:spcBef>
-          <a:spcPts val="658"/>
+          <a:spcPts val="667"/>
         </a:spcBef>
         <a:buFont typeface="Arial" panose="020B0604020202020204" pitchFamily="34" charset="0"/>
         <a:buChar char="•"/>
-        <a:defRPr sz="2367" kern="1200">
+        <a:defRPr sz="2400" kern="1200">
           <a:solidFill>
             <a:schemeClr val="tx1"/>
           </a:solidFill>
@@ -2795,16 +2802,16 @@
           <a:cs typeface="+mn-cs"/>
         </a:defRPr>
       </a:lvl6pPr>
-      <a:lvl7pPr marL="3907917" indent="-300609" algn="l" defTabSz="1202436" rtl="0" eaLnBrk="1" latinLnBrk="0" hangingPunct="1">
+      <a:lvl7pPr marL="3962301" indent="-304792" algn="l" defTabSz="1219170" rtl="0" eaLnBrk="1" latinLnBrk="0" hangingPunct="1">
         <a:lnSpc>
           <a:spcPct val="90000"/>
         </a:lnSpc>
         <a:spcBef>
-          <a:spcPts val="658"/>
+          <a:spcPts val="667"/>
         </a:spcBef>
         <a:buFont typeface="Arial" panose="020B0604020202020204" pitchFamily="34" charset="0"/>
         <a:buChar char="•"/>
-        <a:defRPr sz="2367" kern="1200">
+        <a:defRPr sz="2400" kern="1200">
           <a:solidFill>
             <a:schemeClr val="tx1"/>
           </a:solidFill>
@@ -2813,16 +2820,16 @@
           <a:cs typeface="+mn-cs"/>
         </a:defRPr>
       </a:lvl7pPr>
-      <a:lvl8pPr marL="4509135" indent="-300609" algn="l" defTabSz="1202436" rtl="0" eaLnBrk="1" latinLnBrk="0" hangingPunct="1">
+      <a:lvl8pPr marL="4571886" indent="-304792" algn="l" defTabSz="1219170" rtl="0" eaLnBrk="1" latinLnBrk="0" hangingPunct="1">
         <a:lnSpc>
           <a:spcPct val="90000"/>
         </a:lnSpc>
         <a:spcBef>
-          <a:spcPts val="658"/>
+          <a:spcPts val="667"/>
         </a:spcBef>
         <a:buFont typeface="Arial" panose="020B0604020202020204" pitchFamily="34" charset="0"/>
         <a:buChar char="•"/>
-        <a:defRPr sz="2367" kern="1200">
+        <a:defRPr sz="2400" kern="1200">
           <a:solidFill>
             <a:schemeClr val="tx1"/>
           </a:solidFill>
@@ -2831,16 +2838,16 @@
           <a:cs typeface="+mn-cs"/>
         </a:defRPr>
       </a:lvl8pPr>
-      <a:lvl9pPr marL="5110353" indent="-300609" algn="l" defTabSz="1202436" rtl="0" eaLnBrk="1" latinLnBrk="0" hangingPunct="1">
+      <a:lvl9pPr marL="5181470" indent="-304792" algn="l" defTabSz="1219170" rtl="0" eaLnBrk="1" latinLnBrk="0" hangingPunct="1">
         <a:lnSpc>
           <a:spcPct val="90000"/>
         </a:lnSpc>
         <a:spcBef>
-          <a:spcPts val="658"/>
+          <a:spcPts val="667"/>
         </a:spcBef>
         <a:buFont typeface="Arial" panose="020B0604020202020204" pitchFamily="34" charset="0"/>
         <a:buChar char="•"/>
-        <a:defRPr sz="2367" kern="1200">
+        <a:defRPr sz="2400" kern="1200">
           <a:solidFill>
             <a:schemeClr val="tx1"/>
           </a:solidFill>
@@ -2854,8 +2861,8 @@
       <a:defPPr>
         <a:defRPr lang="en-US"/>
       </a:defPPr>
-      <a:lvl1pPr marL="0" algn="l" defTabSz="1202436" rtl="0" eaLnBrk="1" latinLnBrk="0" hangingPunct="1">
-        <a:defRPr sz="2367" kern="1200">
+      <a:lvl1pPr marL="0" algn="l" defTabSz="1219170" rtl="0" eaLnBrk="1" latinLnBrk="0" hangingPunct="1">
+        <a:defRPr sz="2400" kern="1200">
           <a:solidFill>
             <a:schemeClr val="tx1"/>
           </a:solidFill>
@@ -2864,8 +2871,8 @@
           <a:cs typeface="+mn-cs"/>
         </a:defRPr>
       </a:lvl1pPr>
-      <a:lvl2pPr marL="601218" algn="l" defTabSz="1202436" rtl="0" eaLnBrk="1" latinLnBrk="0" hangingPunct="1">
-        <a:defRPr sz="2367" kern="1200">
+      <a:lvl2pPr marL="609585" algn="l" defTabSz="1219170" rtl="0" eaLnBrk="1" latinLnBrk="0" hangingPunct="1">
+        <a:defRPr sz="2400" kern="1200">
           <a:solidFill>
             <a:schemeClr val="tx1"/>
           </a:solidFill>
@@ -2874,8 +2881,8 @@
           <a:cs typeface="+mn-cs"/>
         </a:defRPr>
       </a:lvl2pPr>
-      <a:lvl3pPr marL="1202436" algn="l" defTabSz="1202436" rtl="0" eaLnBrk="1" latinLnBrk="0" hangingPunct="1">
-        <a:defRPr sz="2367" kern="1200">
+      <a:lvl3pPr marL="1219170" algn="l" defTabSz="1219170" rtl="0" eaLnBrk="1" latinLnBrk="0" hangingPunct="1">
+        <a:defRPr sz="2400" kern="1200">
           <a:solidFill>
             <a:schemeClr val="tx1"/>
           </a:solidFill>
@@ -2884,8 +2891,8 @@
           <a:cs typeface="+mn-cs"/>
         </a:defRPr>
       </a:lvl3pPr>
-      <a:lvl4pPr marL="1803654" algn="l" defTabSz="1202436" rtl="0" eaLnBrk="1" latinLnBrk="0" hangingPunct="1">
-        <a:defRPr sz="2367" kern="1200">
+      <a:lvl4pPr marL="1828754" algn="l" defTabSz="1219170" rtl="0" eaLnBrk="1" latinLnBrk="0" hangingPunct="1">
+        <a:defRPr sz="2400" kern="1200">
           <a:solidFill>
             <a:schemeClr val="tx1"/>
           </a:solidFill>
@@ -2894,8 +2901,8 @@
           <a:cs typeface="+mn-cs"/>
         </a:defRPr>
       </a:lvl4pPr>
-      <a:lvl5pPr marL="2404872" algn="l" defTabSz="1202436" rtl="0" eaLnBrk="1" latinLnBrk="0" hangingPunct="1">
-        <a:defRPr sz="2367" kern="1200">
+      <a:lvl5pPr marL="2438339" algn="l" defTabSz="1219170" rtl="0" eaLnBrk="1" latinLnBrk="0" hangingPunct="1">
+        <a:defRPr sz="2400" kern="1200">
           <a:solidFill>
             <a:schemeClr val="tx1"/>
           </a:solidFill>
@@ -2904,8 +2911,8 @@
           <a:cs typeface="+mn-cs"/>
         </a:defRPr>
       </a:lvl5pPr>
-      <a:lvl6pPr marL="3006090" algn="l" defTabSz="1202436" rtl="0" eaLnBrk="1" latinLnBrk="0" hangingPunct="1">
-        <a:defRPr sz="2367" kern="1200">
+      <a:lvl6pPr marL="3047924" algn="l" defTabSz="1219170" rtl="0" eaLnBrk="1" latinLnBrk="0" hangingPunct="1">
+        <a:defRPr sz="2400" kern="1200">
           <a:solidFill>
             <a:schemeClr val="tx1"/>
           </a:solidFill>
@@ -2914,8 +2921,8 @@
           <a:cs typeface="+mn-cs"/>
         </a:defRPr>
       </a:lvl6pPr>
-      <a:lvl7pPr marL="3607308" algn="l" defTabSz="1202436" rtl="0" eaLnBrk="1" latinLnBrk="0" hangingPunct="1">
-        <a:defRPr sz="2367" kern="1200">
+      <a:lvl7pPr marL="3657509" algn="l" defTabSz="1219170" rtl="0" eaLnBrk="1" latinLnBrk="0" hangingPunct="1">
+        <a:defRPr sz="2400" kern="1200">
           <a:solidFill>
             <a:schemeClr val="tx1"/>
           </a:solidFill>
@@ -2924,8 +2931,8 @@
           <a:cs typeface="+mn-cs"/>
         </a:defRPr>
       </a:lvl7pPr>
-      <a:lvl8pPr marL="4208526" algn="l" defTabSz="1202436" rtl="0" eaLnBrk="1" latinLnBrk="0" hangingPunct="1">
-        <a:defRPr sz="2367" kern="1200">
+      <a:lvl8pPr marL="4267093" algn="l" defTabSz="1219170" rtl="0" eaLnBrk="1" latinLnBrk="0" hangingPunct="1">
+        <a:defRPr sz="2400" kern="1200">
           <a:solidFill>
             <a:schemeClr val="tx1"/>
           </a:solidFill>
@@ -2934,8 +2941,8 @@
           <a:cs typeface="+mn-cs"/>
         </a:defRPr>
       </a:lvl8pPr>
-      <a:lvl9pPr marL="4809744" algn="l" defTabSz="1202436" rtl="0" eaLnBrk="1" latinLnBrk="0" hangingPunct="1">
-        <a:defRPr sz="2367" kern="1200">
+      <a:lvl9pPr marL="4876678" algn="l" defTabSz="1219170" rtl="0" eaLnBrk="1" latinLnBrk="0" hangingPunct="1">
+        <a:defRPr sz="2400" kern="1200">
           <a:solidFill>
             <a:schemeClr val="tx1"/>
           </a:solidFill>
@@ -2980,7 +2987,7 @@
         </p:nvGrpSpPr>
         <p:grpSpPr>
           <a:xfrm>
-            <a:off x="214917" y="214836"/>
+            <a:off x="214917" y="2905650"/>
             <a:ext cx="11376828" cy="8367583"/>
             <a:chOff x="214917" y="240715"/>
             <a:chExt cx="11376828" cy="8367583"/>
@@ -5812,6 +5819,5682 @@
 </p:sld>
 </file>
 
+<file path=ppt/slides/slide2.xml><?xml version="1.0" encoding="utf-8"?>
+<p:sld xmlns:a="http://schemas.openxmlformats.org/drawingml/2006/main" xmlns:r="http://schemas.openxmlformats.org/officeDocument/2006/relationships" xmlns:p="http://schemas.openxmlformats.org/presentationml/2006/main">
+  <p:cSld>
+    <p:spTree>
+      <p:nvGrpSpPr>
+        <p:cNvPr id="1" name=""/>
+        <p:cNvGrpSpPr/>
+        <p:nvPr/>
+      </p:nvGrpSpPr>
+      <p:grpSpPr>
+        <a:xfrm>
+          <a:off x="0" y="0"/>
+          <a:ext cx="0" cy="0"/>
+          <a:chOff x="0" y="0"/>
+          <a:chExt cx="0" cy="0"/>
+        </a:xfrm>
+      </p:grpSpPr>
+      <p:sp>
+        <p:nvSpPr>
+          <p:cNvPr id="5" name="Rectangle: Rounded Corners 4">
+            <a:extLst>
+              <a:ext uri="{FF2B5EF4-FFF2-40B4-BE49-F238E27FC236}">
+                <a16:creationId xmlns:a16="http://schemas.microsoft.com/office/drawing/2014/main" id="{220411C9-4C2C-4D2A-835A-878400504551}"/>
+              </a:ext>
+            </a:extLst>
+          </p:cNvPr>
+          <p:cNvSpPr/>
+          <p:nvPr/>
+        </p:nvSpPr>
+        <p:spPr>
+          <a:xfrm>
+            <a:off x="133873" y="7092932"/>
+            <a:ext cx="1528877" cy="811988"/>
+          </a:xfrm>
+          <a:prstGeom prst="roundRect">
+            <a:avLst/>
+          </a:prstGeom>
+          <a:solidFill>
+            <a:schemeClr val="accent6">
+              <a:lumMod val="75000"/>
+            </a:schemeClr>
+          </a:solidFill>
+          <a:ln>
+            <a:noFill/>
+          </a:ln>
+        </p:spPr>
+        <p:style>
+          <a:lnRef idx="2">
+            <a:schemeClr val="accent1">
+              <a:shade val="50000"/>
+            </a:schemeClr>
+          </a:lnRef>
+          <a:fillRef idx="1">
+            <a:schemeClr val="accent1"/>
+          </a:fillRef>
+          <a:effectRef idx="0">
+            <a:schemeClr val="accent1"/>
+          </a:effectRef>
+          <a:fontRef idx="minor">
+            <a:schemeClr val="lt1"/>
+          </a:fontRef>
+        </p:style>
+        <p:txBody>
+          <a:bodyPr rtlCol="0" anchor="ctr"/>
+          <a:lstStyle/>
+          <a:p>
+            <a:pPr algn="ctr"/>
+            <a:r>
+              <a:rPr lang="en-CA" dirty="0"/>
+              <a:t>API Gateway</a:t>
+            </a:r>
+          </a:p>
+        </p:txBody>
+      </p:sp>
+      <p:sp>
+        <p:nvSpPr>
+          <p:cNvPr id="6" name="Rectangle: Rounded Corners 5">
+            <a:extLst>
+              <a:ext uri="{FF2B5EF4-FFF2-40B4-BE49-F238E27FC236}">
+                <a16:creationId xmlns:a16="http://schemas.microsoft.com/office/drawing/2014/main" id="{4B61E1E9-721C-4CD9-9291-B51CAB596CBF}"/>
+              </a:ext>
+            </a:extLst>
+          </p:cNvPr>
+          <p:cNvSpPr/>
+          <p:nvPr/>
+        </p:nvSpPr>
+        <p:spPr>
+          <a:xfrm>
+            <a:off x="3893628" y="2905650"/>
+            <a:ext cx="1902263" cy="2883485"/>
+          </a:xfrm>
+          <a:prstGeom prst="roundRect">
+            <a:avLst/>
+          </a:prstGeom>
+          <a:noFill/>
+          <a:ln>
+            <a:solidFill>
+              <a:schemeClr val="tx1"/>
+            </a:solidFill>
+            <a:prstDash val="lgDash"/>
+          </a:ln>
+        </p:spPr>
+        <p:style>
+          <a:lnRef idx="2">
+            <a:schemeClr val="accent1">
+              <a:shade val="50000"/>
+            </a:schemeClr>
+          </a:lnRef>
+          <a:fillRef idx="1">
+            <a:schemeClr val="accent1"/>
+          </a:fillRef>
+          <a:effectRef idx="0">
+            <a:schemeClr val="accent1"/>
+          </a:effectRef>
+          <a:fontRef idx="minor">
+            <a:schemeClr val="lt1"/>
+          </a:fontRef>
+        </p:style>
+        <p:txBody>
+          <a:bodyPr rtlCol="0" anchor="t"/>
+          <a:lstStyle/>
+          <a:p>
+            <a:r>
+              <a:rPr lang="en-CA" sz="1400" dirty="0">
+                <a:solidFill>
+                  <a:schemeClr val="tx1"/>
+                </a:solidFill>
+              </a:rPr>
+              <a:t>Manager Application</a:t>
+            </a:r>
+          </a:p>
+        </p:txBody>
+      </p:sp>
+      <p:sp>
+        <p:nvSpPr>
+          <p:cNvPr id="7" name="Rectangle: Rounded Corners 6">
+            <a:extLst>
+              <a:ext uri="{FF2B5EF4-FFF2-40B4-BE49-F238E27FC236}">
+                <a16:creationId xmlns:a16="http://schemas.microsoft.com/office/drawing/2014/main" id="{9F3EF00A-9886-44C9-81A6-198D90FDB245}"/>
+              </a:ext>
+            </a:extLst>
+          </p:cNvPr>
+          <p:cNvSpPr/>
+          <p:nvPr/>
+        </p:nvSpPr>
+        <p:spPr>
+          <a:xfrm>
+            <a:off x="3835496" y="6078596"/>
+            <a:ext cx="2841350" cy="3926135"/>
+          </a:xfrm>
+          <a:prstGeom prst="roundRect">
+            <a:avLst/>
+          </a:prstGeom>
+          <a:noFill/>
+          <a:ln>
+            <a:solidFill>
+              <a:schemeClr val="tx1"/>
+            </a:solidFill>
+            <a:prstDash val="lgDash"/>
+          </a:ln>
+        </p:spPr>
+        <p:style>
+          <a:lnRef idx="2">
+            <a:schemeClr val="accent1">
+              <a:shade val="50000"/>
+            </a:schemeClr>
+          </a:lnRef>
+          <a:fillRef idx="1">
+            <a:schemeClr val="accent1"/>
+          </a:fillRef>
+          <a:effectRef idx="0">
+            <a:schemeClr val="accent1"/>
+          </a:effectRef>
+          <a:fontRef idx="minor">
+            <a:schemeClr val="lt1"/>
+          </a:fontRef>
+        </p:style>
+        <p:txBody>
+          <a:bodyPr rtlCol="0" anchor="t"/>
+          <a:lstStyle/>
+          <a:p>
+            <a:r>
+              <a:rPr lang="en-CA" sz="1400" dirty="0">
+                <a:solidFill>
+                  <a:schemeClr val="tx1"/>
+                </a:solidFill>
+              </a:rPr>
+              <a:t>User Application</a:t>
+            </a:r>
+          </a:p>
+        </p:txBody>
+      </p:sp>
+      <p:sp>
+        <p:nvSpPr>
+          <p:cNvPr id="8" name="Rectangle: Rounded Corners 7">
+            <a:extLst>
+              <a:ext uri="{FF2B5EF4-FFF2-40B4-BE49-F238E27FC236}">
+                <a16:creationId xmlns:a16="http://schemas.microsoft.com/office/drawing/2014/main" id="{D3F2D5A8-AF38-4701-BAB0-1D3E47CE291A}"/>
+              </a:ext>
+            </a:extLst>
+          </p:cNvPr>
+          <p:cNvSpPr/>
+          <p:nvPr/>
+        </p:nvSpPr>
+        <p:spPr>
+          <a:xfrm>
+            <a:off x="4252672" y="9468081"/>
+            <a:ext cx="1140256" cy="359055"/>
+          </a:xfrm>
+          <a:prstGeom prst="roundRect">
+            <a:avLst/>
+          </a:prstGeom>
+          <a:solidFill>
+            <a:srgbClr val="F2843A"/>
+          </a:solidFill>
+          <a:ln>
+            <a:noFill/>
+          </a:ln>
+        </p:spPr>
+        <p:style>
+          <a:lnRef idx="2">
+            <a:schemeClr val="accent1">
+              <a:shade val="50000"/>
+            </a:schemeClr>
+          </a:lnRef>
+          <a:fillRef idx="1">
+            <a:schemeClr val="accent1"/>
+          </a:fillRef>
+          <a:effectRef idx="0">
+            <a:schemeClr val="accent1"/>
+          </a:effectRef>
+          <a:fontRef idx="minor">
+            <a:schemeClr val="lt1"/>
+          </a:fontRef>
+        </p:style>
+        <p:txBody>
+          <a:bodyPr rtlCol="0" anchor="ctr"/>
+          <a:lstStyle/>
+          <a:p>
+            <a:pPr algn="ctr"/>
+            <a:r>
+              <a:rPr lang="en-CA" sz="1200" dirty="0"/>
+              <a:t>View Images</a:t>
+            </a:r>
+          </a:p>
+        </p:txBody>
+      </p:sp>
+      <p:sp>
+        <p:nvSpPr>
+          <p:cNvPr id="9" name="Rectangle: Rounded Corners 8">
+            <a:extLst>
+              <a:ext uri="{FF2B5EF4-FFF2-40B4-BE49-F238E27FC236}">
+                <a16:creationId xmlns:a16="http://schemas.microsoft.com/office/drawing/2014/main" id="{DB75807D-EA73-4356-8E8B-92B7C6489D20}"/>
+              </a:ext>
+            </a:extLst>
+          </p:cNvPr>
+          <p:cNvSpPr/>
+          <p:nvPr/>
+        </p:nvSpPr>
+        <p:spPr>
+          <a:xfrm>
+            <a:off x="6907709" y="6913410"/>
+            <a:ext cx="1140256" cy="391050"/>
+          </a:xfrm>
+          <a:prstGeom prst="roundRect">
+            <a:avLst/>
+          </a:prstGeom>
+          <a:solidFill>
+            <a:srgbClr val="C00000"/>
+          </a:solidFill>
+          <a:ln>
+            <a:noFill/>
+          </a:ln>
+        </p:spPr>
+        <p:style>
+          <a:lnRef idx="2">
+            <a:schemeClr val="accent1">
+              <a:shade val="50000"/>
+            </a:schemeClr>
+          </a:lnRef>
+          <a:fillRef idx="1">
+            <a:schemeClr val="accent1"/>
+          </a:fillRef>
+          <a:effectRef idx="0">
+            <a:schemeClr val="accent1"/>
+          </a:effectRef>
+          <a:fontRef idx="minor">
+            <a:schemeClr val="lt1"/>
+          </a:fontRef>
+        </p:style>
+        <p:txBody>
+          <a:bodyPr rtlCol="0" anchor="ctr"/>
+          <a:lstStyle/>
+          <a:p>
+            <a:pPr algn="ctr"/>
+            <a:r>
+              <a:rPr lang="en-CA" sz="1600" dirty="0"/>
+              <a:t>S3 - Image</a:t>
+            </a:r>
+          </a:p>
+        </p:txBody>
+      </p:sp>
+      <p:cxnSp>
+        <p:nvCxnSpPr>
+          <p:cNvPr id="10" name="Connector: Elbow 9">
+            <a:extLst>
+              <a:ext uri="{FF2B5EF4-FFF2-40B4-BE49-F238E27FC236}">
+                <a16:creationId xmlns:a16="http://schemas.microsoft.com/office/drawing/2014/main" id="{D890BF4B-0482-43FC-86E4-67D108933058}"/>
+              </a:ext>
+            </a:extLst>
+          </p:cNvPr>
+          <p:cNvCxnSpPr>
+            <a:cxnSpLocks/>
+            <a:stCxn id="55" idx="3"/>
+            <a:endCxn id="9" idx="1"/>
+          </p:cNvCxnSpPr>
+          <p:nvPr/>
+        </p:nvCxnSpPr>
+        <p:spPr>
+          <a:xfrm flipV="1">
+            <a:off x="5951465" y="7108935"/>
+            <a:ext cx="956247" cy="2060"/>
+          </a:xfrm>
+          <a:prstGeom prst="bentConnector3">
+            <a:avLst>
+              <a:gd name="adj1" fmla="val 50000"/>
+            </a:avLst>
+          </a:prstGeom>
+          <a:ln w="19050">
+            <a:solidFill>
+              <a:srgbClr val="C00000"/>
+            </a:solidFill>
+            <a:tailEnd type="triangle"/>
+          </a:ln>
+        </p:spPr>
+        <p:style>
+          <a:lnRef idx="1">
+            <a:schemeClr val="dk1"/>
+          </a:lnRef>
+          <a:fillRef idx="0">
+            <a:schemeClr val="dk1"/>
+          </a:fillRef>
+          <a:effectRef idx="0">
+            <a:schemeClr val="dk1"/>
+          </a:effectRef>
+          <a:fontRef idx="minor">
+            <a:schemeClr val="tx1"/>
+          </a:fontRef>
+        </p:style>
+      </p:cxnSp>
+      <p:sp>
+        <p:nvSpPr>
+          <p:cNvPr id="55" name="Rectangle: Rounded Corners 54">
+            <a:extLst>
+              <a:ext uri="{FF2B5EF4-FFF2-40B4-BE49-F238E27FC236}">
+                <a16:creationId xmlns:a16="http://schemas.microsoft.com/office/drawing/2014/main" id="{4FBD9E39-EE21-46B2-BFD6-81DF38443565}"/>
+              </a:ext>
+            </a:extLst>
+          </p:cNvPr>
+          <p:cNvSpPr/>
+          <p:nvPr/>
+        </p:nvSpPr>
+        <p:spPr>
+          <a:xfrm>
+            <a:off x="4699552" y="6881977"/>
+            <a:ext cx="1251913" cy="458040"/>
+          </a:xfrm>
+          <a:prstGeom prst="roundRect">
+            <a:avLst/>
+          </a:prstGeom>
+          <a:solidFill>
+            <a:srgbClr val="C00000"/>
+          </a:solidFill>
+          <a:ln>
+            <a:noFill/>
+          </a:ln>
+        </p:spPr>
+        <p:style>
+          <a:lnRef idx="2">
+            <a:schemeClr val="accent1">
+              <a:shade val="50000"/>
+            </a:schemeClr>
+          </a:lnRef>
+          <a:fillRef idx="1">
+            <a:schemeClr val="accent1"/>
+          </a:fillRef>
+          <a:effectRef idx="0">
+            <a:schemeClr val="accent1"/>
+          </a:effectRef>
+          <a:fontRef idx="minor">
+            <a:schemeClr val="lt1"/>
+          </a:fontRef>
+        </p:style>
+        <p:txBody>
+          <a:bodyPr rtlCol="0" anchor="ctr"/>
+          <a:lstStyle/>
+          <a:p>
+            <a:pPr algn="ctr"/>
+            <a:r>
+              <a:rPr lang="en-CA" sz="1200" dirty="0"/>
+              <a:t>Upload Image</a:t>
+            </a:r>
+          </a:p>
+        </p:txBody>
+      </p:sp>
+      <p:sp>
+        <p:nvSpPr>
+          <p:cNvPr id="56" name="Rectangle: Rounded Corners 55">
+            <a:extLst>
+              <a:ext uri="{FF2B5EF4-FFF2-40B4-BE49-F238E27FC236}">
+                <a16:creationId xmlns:a16="http://schemas.microsoft.com/office/drawing/2014/main" id="{8D0EDC3D-5686-4EA4-BBC5-218FEE084F6F}"/>
+              </a:ext>
+            </a:extLst>
+          </p:cNvPr>
+          <p:cNvSpPr/>
+          <p:nvPr/>
+        </p:nvSpPr>
+        <p:spPr>
+          <a:xfrm>
+            <a:off x="4699552" y="7463495"/>
+            <a:ext cx="1251913" cy="458040"/>
+          </a:xfrm>
+          <a:prstGeom prst="roundRect">
+            <a:avLst/>
+          </a:prstGeom>
+          <a:solidFill>
+            <a:schemeClr val="accent5">
+              <a:lumMod val="75000"/>
+            </a:schemeClr>
+          </a:solidFill>
+          <a:ln>
+            <a:noFill/>
+          </a:ln>
+        </p:spPr>
+        <p:style>
+          <a:lnRef idx="2">
+            <a:schemeClr val="accent1">
+              <a:shade val="50000"/>
+            </a:schemeClr>
+          </a:lnRef>
+          <a:fillRef idx="1">
+            <a:schemeClr val="accent1"/>
+          </a:fillRef>
+          <a:effectRef idx="0">
+            <a:schemeClr val="accent1"/>
+          </a:effectRef>
+          <a:fontRef idx="minor">
+            <a:schemeClr val="lt1"/>
+          </a:fontRef>
+        </p:style>
+        <p:txBody>
+          <a:bodyPr rtlCol="0" anchor="ctr"/>
+          <a:lstStyle/>
+          <a:p>
+            <a:pPr algn="ctr"/>
+            <a:r>
+              <a:rPr lang="en-CA" sz="1200" dirty="0"/>
+              <a:t>Do Matching</a:t>
+            </a:r>
+          </a:p>
+        </p:txBody>
+      </p:sp>
+      <p:sp>
+        <p:nvSpPr>
+          <p:cNvPr id="57" name="Rectangle: Rounded Corners 56">
+            <a:extLst>
+              <a:ext uri="{FF2B5EF4-FFF2-40B4-BE49-F238E27FC236}">
+                <a16:creationId xmlns:a16="http://schemas.microsoft.com/office/drawing/2014/main" id="{73B012B3-8E1D-4D82-AE3E-5F4C6C0A73A5}"/>
+              </a:ext>
+            </a:extLst>
+          </p:cNvPr>
+          <p:cNvSpPr/>
+          <p:nvPr/>
+        </p:nvSpPr>
+        <p:spPr>
+          <a:xfrm>
+            <a:off x="5488871" y="8135409"/>
+            <a:ext cx="1003077" cy="458040"/>
+          </a:xfrm>
+          <a:prstGeom prst="roundRect">
+            <a:avLst/>
+          </a:prstGeom>
+          <a:solidFill>
+            <a:srgbClr val="8A2E5E"/>
+          </a:solidFill>
+          <a:ln>
+            <a:noFill/>
+          </a:ln>
+        </p:spPr>
+        <p:style>
+          <a:lnRef idx="2">
+            <a:schemeClr val="accent1">
+              <a:shade val="50000"/>
+            </a:schemeClr>
+          </a:lnRef>
+          <a:fillRef idx="1">
+            <a:schemeClr val="accent1"/>
+          </a:fillRef>
+          <a:effectRef idx="0">
+            <a:schemeClr val="accent1"/>
+          </a:effectRef>
+          <a:fontRef idx="minor">
+            <a:schemeClr val="lt1"/>
+          </a:fontRef>
+        </p:style>
+        <p:txBody>
+          <a:bodyPr rtlCol="0" anchor="ctr"/>
+          <a:lstStyle/>
+          <a:p>
+            <a:pPr algn="ctr"/>
+            <a:r>
+              <a:rPr lang="en-CA" sz="1200" dirty="0"/>
+              <a:t>Metrics</a:t>
+            </a:r>
+          </a:p>
+        </p:txBody>
+      </p:sp>
+      <p:sp>
+        <p:nvSpPr>
+          <p:cNvPr id="58" name="Rectangle: Rounded Corners 57">
+            <a:extLst>
+              <a:ext uri="{FF2B5EF4-FFF2-40B4-BE49-F238E27FC236}">
+                <a16:creationId xmlns:a16="http://schemas.microsoft.com/office/drawing/2014/main" id="{6069D310-8752-4A7A-94B3-C52943D32059}"/>
+              </a:ext>
+            </a:extLst>
+          </p:cNvPr>
+          <p:cNvSpPr/>
+          <p:nvPr/>
+        </p:nvSpPr>
+        <p:spPr>
+          <a:xfrm>
+            <a:off x="4196846" y="8608518"/>
+            <a:ext cx="1251912" cy="458040"/>
+          </a:xfrm>
+          <a:prstGeom prst="roundRect">
+            <a:avLst/>
+          </a:prstGeom>
+          <a:solidFill>
+            <a:srgbClr val="F2843A"/>
+          </a:solidFill>
+          <a:ln>
+            <a:noFill/>
+          </a:ln>
+        </p:spPr>
+        <p:style>
+          <a:lnRef idx="2">
+            <a:schemeClr val="accent1">
+              <a:shade val="50000"/>
+            </a:schemeClr>
+          </a:lnRef>
+          <a:fillRef idx="1">
+            <a:schemeClr val="accent1"/>
+          </a:fillRef>
+          <a:effectRef idx="0">
+            <a:schemeClr val="accent1"/>
+          </a:effectRef>
+          <a:fontRef idx="minor">
+            <a:schemeClr val="lt1"/>
+          </a:fontRef>
+        </p:style>
+        <p:txBody>
+          <a:bodyPr rtlCol="0" anchor="ctr"/>
+          <a:lstStyle/>
+          <a:p>
+            <a:pPr algn="ctr"/>
+            <a:r>
+              <a:rPr lang="en-CA" sz="1200" dirty="0"/>
+              <a:t>Store &amp; Return Results</a:t>
+            </a:r>
+          </a:p>
+        </p:txBody>
+      </p:sp>
+      <p:cxnSp>
+        <p:nvCxnSpPr>
+          <p:cNvPr id="60" name="Straight Arrow Connector 59">
+            <a:extLst>
+              <a:ext uri="{FF2B5EF4-FFF2-40B4-BE49-F238E27FC236}">
+                <a16:creationId xmlns:a16="http://schemas.microsoft.com/office/drawing/2014/main" id="{D6D83538-0AD3-4004-B12D-65D41DC469D5}"/>
+              </a:ext>
+            </a:extLst>
+          </p:cNvPr>
+          <p:cNvCxnSpPr>
+            <a:cxnSpLocks/>
+            <a:stCxn id="55" idx="2"/>
+            <a:endCxn id="56" idx="0"/>
+          </p:cNvCxnSpPr>
+          <p:nvPr/>
+        </p:nvCxnSpPr>
+        <p:spPr>
+          <a:xfrm>
+            <a:off x="5325507" y="7340017"/>
+            <a:ext cx="0" cy="123478"/>
+          </a:xfrm>
+          <a:prstGeom prst="straightConnector1">
+            <a:avLst/>
+          </a:prstGeom>
+          <a:ln w="12700">
+            <a:tailEnd type="triangle"/>
+          </a:ln>
+        </p:spPr>
+        <p:style>
+          <a:lnRef idx="1">
+            <a:schemeClr val="dk1"/>
+          </a:lnRef>
+          <a:fillRef idx="0">
+            <a:schemeClr val="dk1"/>
+          </a:fillRef>
+          <a:effectRef idx="0">
+            <a:schemeClr val="dk1"/>
+          </a:effectRef>
+          <a:fontRef idx="minor">
+            <a:schemeClr val="tx1"/>
+          </a:fontRef>
+        </p:style>
+      </p:cxnSp>
+      <p:sp>
+        <p:nvSpPr>
+          <p:cNvPr id="12" name="Rectangle: Rounded Corners 11">
+            <a:extLst>
+              <a:ext uri="{FF2B5EF4-FFF2-40B4-BE49-F238E27FC236}">
+                <a16:creationId xmlns:a16="http://schemas.microsoft.com/office/drawing/2014/main" id="{4F00E836-3096-4BDC-9433-CC6FDEB834A4}"/>
+              </a:ext>
+            </a:extLst>
+          </p:cNvPr>
+          <p:cNvSpPr/>
+          <p:nvPr/>
+        </p:nvSpPr>
+        <p:spPr>
+          <a:xfrm>
+            <a:off x="7650659" y="7498928"/>
+            <a:ext cx="1140256" cy="359055"/>
+          </a:xfrm>
+          <a:prstGeom prst="roundRect">
+            <a:avLst/>
+          </a:prstGeom>
+          <a:solidFill>
+            <a:schemeClr val="accent5">
+              <a:lumMod val="75000"/>
+            </a:schemeClr>
+          </a:solidFill>
+          <a:ln>
+            <a:noFill/>
+          </a:ln>
+        </p:spPr>
+        <p:style>
+          <a:lnRef idx="2">
+            <a:schemeClr val="accent1">
+              <a:shade val="50000"/>
+            </a:schemeClr>
+          </a:lnRef>
+          <a:fillRef idx="1">
+            <a:schemeClr val="accent1"/>
+          </a:fillRef>
+          <a:effectRef idx="0">
+            <a:schemeClr val="accent1"/>
+          </a:effectRef>
+          <a:fontRef idx="minor">
+            <a:schemeClr val="lt1"/>
+          </a:fontRef>
+        </p:style>
+        <p:txBody>
+          <a:bodyPr rtlCol="0" anchor="ctr"/>
+          <a:lstStyle/>
+          <a:p>
+            <a:pPr algn="ctr"/>
+            <a:r>
+              <a:rPr lang="en-CA" sz="1400" dirty="0"/>
+              <a:t>EC2 - Run </a:t>
+            </a:r>
+          </a:p>
+        </p:txBody>
+      </p:sp>
+      <p:cxnSp>
+        <p:nvCxnSpPr>
+          <p:cNvPr id="13" name="Straight Arrow Connector 12">
+            <a:extLst>
+              <a:ext uri="{FF2B5EF4-FFF2-40B4-BE49-F238E27FC236}">
+                <a16:creationId xmlns:a16="http://schemas.microsoft.com/office/drawing/2014/main" id="{32C0F947-0633-4C39-A538-1DCE5F248899}"/>
+              </a:ext>
+            </a:extLst>
+          </p:cNvPr>
+          <p:cNvCxnSpPr>
+            <a:cxnSpLocks/>
+            <a:stCxn id="56" idx="3"/>
+            <a:endCxn id="12" idx="1"/>
+          </p:cNvCxnSpPr>
+          <p:nvPr/>
+        </p:nvCxnSpPr>
+        <p:spPr>
+          <a:xfrm flipV="1">
+            <a:off x="5951463" y="7678456"/>
+            <a:ext cx="1699196" cy="14061"/>
+          </a:xfrm>
+          <a:prstGeom prst="straightConnector1">
+            <a:avLst/>
+          </a:prstGeom>
+          <a:ln w="19050">
+            <a:solidFill>
+              <a:schemeClr val="accent5">
+                <a:lumMod val="75000"/>
+              </a:schemeClr>
+            </a:solidFill>
+            <a:headEnd type="triangle" w="med" len="med"/>
+            <a:tailEnd type="triangle" w="med" len="med"/>
+          </a:ln>
+        </p:spPr>
+        <p:style>
+          <a:lnRef idx="1">
+            <a:schemeClr val="dk1"/>
+          </a:lnRef>
+          <a:fillRef idx="0">
+            <a:schemeClr val="dk1"/>
+          </a:fillRef>
+          <a:effectRef idx="0">
+            <a:schemeClr val="dk1"/>
+          </a:effectRef>
+          <a:fontRef idx="minor">
+            <a:schemeClr val="tx1"/>
+          </a:fontRef>
+        </p:style>
+      </p:cxnSp>
+      <p:sp>
+        <p:nvSpPr>
+          <p:cNvPr id="14" name="Rectangle: Rounded Corners 13">
+            <a:extLst>
+              <a:ext uri="{FF2B5EF4-FFF2-40B4-BE49-F238E27FC236}">
+                <a16:creationId xmlns:a16="http://schemas.microsoft.com/office/drawing/2014/main" id="{A66FD41E-676B-494F-9907-691620AFE584}"/>
+              </a:ext>
+            </a:extLst>
+          </p:cNvPr>
+          <p:cNvSpPr/>
+          <p:nvPr/>
+        </p:nvSpPr>
+        <p:spPr>
+          <a:xfrm>
+            <a:off x="8710183" y="8173910"/>
+            <a:ext cx="1140256" cy="359055"/>
+          </a:xfrm>
+          <a:prstGeom prst="roundRect">
+            <a:avLst/>
+          </a:prstGeom>
+          <a:solidFill>
+            <a:srgbClr val="8A2E5E"/>
+          </a:solidFill>
+          <a:ln>
+            <a:noFill/>
+          </a:ln>
+        </p:spPr>
+        <p:style>
+          <a:lnRef idx="2">
+            <a:schemeClr val="accent1">
+              <a:shade val="50000"/>
+            </a:schemeClr>
+          </a:lnRef>
+          <a:fillRef idx="1">
+            <a:schemeClr val="accent1"/>
+          </a:fillRef>
+          <a:effectRef idx="0">
+            <a:schemeClr val="accent1"/>
+          </a:effectRef>
+          <a:fontRef idx="minor">
+            <a:schemeClr val="lt1"/>
+          </a:fontRef>
+        </p:style>
+        <p:txBody>
+          <a:bodyPr rtlCol="0" anchor="ctr"/>
+          <a:lstStyle/>
+          <a:p>
+            <a:pPr algn="ctr"/>
+            <a:r>
+              <a:rPr lang="en-CA" sz="1400" dirty="0"/>
+              <a:t>CloudWatch</a:t>
+            </a:r>
+          </a:p>
+        </p:txBody>
+      </p:sp>
+      <p:cxnSp>
+        <p:nvCxnSpPr>
+          <p:cNvPr id="15" name="Straight Arrow Connector 14">
+            <a:extLst>
+              <a:ext uri="{FF2B5EF4-FFF2-40B4-BE49-F238E27FC236}">
+                <a16:creationId xmlns:a16="http://schemas.microsoft.com/office/drawing/2014/main" id="{836547AD-158F-4ADA-93BE-CBAC16510D3B}"/>
+              </a:ext>
+            </a:extLst>
+          </p:cNvPr>
+          <p:cNvCxnSpPr>
+            <a:cxnSpLocks/>
+            <a:stCxn id="57" idx="3"/>
+            <a:endCxn id="14" idx="1"/>
+          </p:cNvCxnSpPr>
+          <p:nvPr/>
+        </p:nvCxnSpPr>
+        <p:spPr>
+          <a:xfrm flipV="1">
+            <a:off x="6491948" y="8353438"/>
+            <a:ext cx="2218237" cy="10993"/>
+          </a:xfrm>
+          <a:prstGeom prst="straightConnector1">
+            <a:avLst/>
+          </a:prstGeom>
+          <a:ln w="19050">
+            <a:solidFill>
+              <a:srgbClr val="8A2E5E"/>
+            </a:solidFill>
+            <a:tailEnd type="triangle"/>
+          </a:ln>
+        </p:spPr>
+        <p:style>
+          <a:lnRef idx="1">
+            <a:schemeClr val="dk1"/>
+          </a:lnRef>
+          <a:fillRef idx="0">
+            <a:schemeClr val="dk1"/>
+          </a:fillRef>
+          <a:effectRef idx="0">
+            <a:schemeClr val="dk1"/>
+          </a:effectRef>
+          <a:fontRef idx="minor">
+            <a:schemeClr val="tx1"/>
+          </a:fontRef>
+        </p:style>
+      </p:cxnSp>
+      <p:cxnSp>
+        <p:nvCxnSpPr>
+          <p:cNvPr id="16" name="Connector: Elbow 15">
+            <a:extLst>
+              <a:ext uri="{FF2B5EF4-FFF2-40B4-BE49-F238E27FC236}">
+                <a16:creationId xmlns:a16="http://schemas.microsoft.com/office/drawing/2014/main" id="{8B6F6503-1E99-4D94-AB1B-59F9BDA074A3}"/>
+              </a:ext>
+            </a:extLst>
+          </p:cNvPr>
+          <p:cNvCxnSpPr>
+            <a:cxnSpLocks/>
+            <a:stCxn id="56" idx="2"/>
+            <a:endCxn id="57" idx="0"/>
+          </p:cNvCxnSpPr>
+          <p:nvPr/>
+        </p:nvCxnSpPr>
+        <p:spPr>
+          <a:xfrm rot="16200000" flipH="1">
+            <a:off x="5551018" y="7696022"/>
+            <a:ext cx="213874" cy="664901"/>
+          </a:xfrm>
+          <a:prstGeom prst="bentConnector3">
+            <a:avLst/>
+          </a:prstGeom>
+          <a:ln w="12700">
+            <a:tailEnd type="triangle"/>
+          </a:ln>
+        </p:spPr>
+        <p:style>
+          <a:lnRef idx="1">
+            <a:schemeClr val="dk1"/>
+          </a:lnRef>
+          <a:fillRef idx="0">
+            <a:schemeClr val="dk1"/>
+          </a:fillRef>
+          <a:effectRef idx="0">
+            <a:schemeClr val="dk1"/>
+          </a:effectRef>
+          <a:fontRef idx="minor">
+            <a:schemeClr val="tx1"/>
+          </a:fontRef>
+        </p:style>
+      </p:cxnSp>
+      <p:sp>
+        <p:nvSpPr>
+          <p:cNvPr id="17" name="Rectangle: Rounded Corners 16">
+            <a:extLst>
+              <a:ext uri="{FF2B5EF4-FFF2-40B4-BE49-F238E27FC236}">
+                <a16:creationId xmlns:a16="http://schemas.microsoft.com/office/drawing/2014/main" id="{35024120-BBE5-4576-B096-96B8B3C31C7E}"/>
+              </a:ext>
+            </a:extLst>
+          </p:cNvPr>
+          <p:cNvSpPr/>
+          <p:nvPr/>
+        </p:nvSpPr>
+        <p:spPr>
+          <a:xfrm>
+            <a:off x="9466759" y="8629185"/>
+            <a:ext cx="2124986" cy="359055"/>
+          </a:xfrm>
+          <a:prstGeom prst="roundRect">
+            <a:avLst/>
+          </a:prstGeom>
+          <a:solidFill>
+            <a:srgbClr val="F2843A"/>
+          </a:solidFill>
+          <a:ln>
+            <a:noFill/>
+          </a:ln>
+        </p:spPr>
+        <p:style>
+          <a:lnRef idx="2">
+            <a:schemeClr val="accent1">
+              <a:shade val="50000"/>
+            </a:schemeClr>
+          </a:lnRef>
+          <a:fillRef idx="1">
+            <a:schemeClr val="accent1"/>
+          </a:fillRef>
+          <a:effectRef idx="0">
+            <a:schemeClr val="accent1"/>
+          </a:effectRef>
+          <a:fontRef idx="minor">
+            <a:schemeClr val="lt1"/>
+          </a:fontRef>
+        </p:style>
+        <p:txBody>
+          <a:bodyPr rtlCol="0" anchor="ctr"/>
+          <a:lstStyle/>
+          <a:p>
+            <a:pPr algn="ctr"/>
+            <a:r>
+              <a:rPr lang="en-CA" sz="1400" dirty="0"/>
+              <a:t>DynamoDB – Image Data</a:t>
+            </a:r>
+          </a:p>
+        </p:txBody>
+      </p:sp>
+      <p:cxnSp>
+        <p:nvCxnSpPr>
+          <p:cNvPr id="18" name="Straight Arrow Connector 17">
+            <a:extLst>
+              <a:ext uri="{FF2B5EF4-FFF2-40B4-BE49-F238E27FC236}">
+                <a16:creationId xmlns:a16="http://schemas.microsoft.com/office/drawing/2014/main" id="{6A929EDF-8858-4640-82A0-F20ECD71C8C5}"/>
+              </a:ext>
+            </a:extLst>
+          </p:cNvPr>
+          <p:cNvCxnSpPr>
+            <a:cxnSpLocks/>
+            <a:stCxn id="58" idx="3"/>
+            <a:endCxn id="17" idx="1"/>
+          </p:cNvCxnSpPr>
+          <p:nvPr/>
+        </p:nvCxnSpPr>
+        <p:spPr>
+          <a:xfrm flipV="1">
+            <a:off x="5448760" y="8808713"/>
+            <a:ext cx="4018001" cy="28827"/>
+          </a:xfrm>
+          <a:prstGeom prst="straightConnector1">
+            <a:avLst/>
+          </a:prstGeom>
+          <a:ln w="12700">
+            <a:solidFill>
+              <a:srgbClr val="F2843A"/>
+            </a:solidFill>
+            <a:tailEnd type="triangle"/>
+          </a:ln>
+        </p:spPr>
+        <p:style>
+          <a:lnRef idx="1">
+            <a:schemeClr val="accent2"/>
+          </a:lnRef>
+          <a:fillRef idx="0">
+            <a:schemeClr val="accent2"/>
+          </a:fillRef>
+          <a:effectRef idx="0">
+            <a:schemeClr val="accent2"/>
+          </a:effectRef>
+          <a:fontRef idx="minor">
+            <a:schemeClr val="tx1"/>
+          </a:fontRef>
+        </p:style>
+      </p:cxnSp>
+      <p:cxnSp>
+        <p:nvCxnSpPr>
+          <p:cNvPr id="19" name="Connector: Elbow 18">
+            <a:extLst>
+              <a:ext uri="{FF2B5EF4-FFF2-40B4-BE49-F238E27FC236}">
+                <a16:creationId xmlns:a16="http://schemas.microsoft.com/office/drawing/2014/main" id="{1E1CE8F7-0A71-47E9-A76D-07B1652296EB}"/>
+              </a:ext>
+            </a:extLst>
+          </p:cNvPr>
+          <p:cNvCxnSpPr>
+            <a:cxnSpLocks/>
+            <a:stCxn id="56" idx="2"/>
+            <a:endCxn id="58" idx="0"/>
+          </p:cNvCxnSpPr>
+          <p:nvPr/>
+        </p:nvCxnSpPr>
+        <p:spPr>
+          <a:xfrm rot="5400000">
+            <a:off x="4730666" y="8013675"/>
+            <a:ext cx="686983" cy="502705"/>
+          </a:xfrm>
+          <a:prstGeom prst="bentConnector3">
+            <a:avLst/>
+          </a:prstGeom>
+          <a:ln w="12700">
+            <a:tailEnd type="triangle"/>
+          </a:ln>
+        </p:spPr>
+        <p:style>
+          <a:lnRef idx="1">
+            <a:schemeClr val="dk1"/>
+          </a:lnRef>
+          <a:fillRef idx="0">
+            <a:schemeClr val="dk1"/>
+          </a:fillRef>
+          <a:effectRef idx="0">
+            <a:schemeClr val="dk1"/>
+          </a:effectRef>
+          <a:fontRef idx="minor">
+            <a:schemeClr val="tx1"/>
+          </a:fontRef>
+        </p:style>
+      </p:cxnSp>
+      <p:cxnSp>
+        <p:nvCxnSpPr>
+          <p:cNvPr id="20" name="Connector: Elbow 19">
+            <a:extLst>
+              <a:ext uri="{FF2B5EF4-FFF2-40B4-BE49-F238E27FC236}">
+                <a16:creationId xmlns:a16="http://schemas.microsoft.com/office/drawing/2014/main" id="{7F889102-949B-49FE-A977-40B375A8B70B}"/>
+              </a:ext>
+            </a:extLst>
+          </p:cNvPr>
+          <p:cNvCxnSpPr>
+            <a:cxnSpLocks/>
+            <a:stCxn id="8" idx="3"/>
+            <a:endCxn id="17" idx="2"/>
+          </p:cNvCxnSpPr>
+          <p:nvPr/>
+        </p:nvCxnSpPr>
+        <p:spPr>
+          <a:xfrm flipV="1">
+            <a:off x="5392928" y="8988240"/>
+            <a:ext cx="5136324" cy="659369"/>
+          </a:xfrm>
+          <a:prstGeom prst="bentConnector2">
+            <a:avLst/>
+          </a:prstGeom>
+          <a:ln w="12700">
+            <a:solidFill>
+              <a:srgbClr val="F2843A"/>
+            </a:solidFill>
+            <a:tailEnd type="triangle"/>
+          </a:ln>
+        </p:spPr>
+        <p:style>
+          <a:lnRef idx="1">
+            <a:schemeClr val="accent2"/>
+          </a:lnRef>
+          <a:fillRef idx="0">
+            <a:schemeClr val="accent2"/>
+          </a:fillRef>
+          <a:effectRef idx="0">
+            <a:schemeClr val="accent2"/>
+          </a:effectRef>
+          <a:fontRef idx="minor">
+            <a:schemeClr val="tx1"/>
+          </a:fontRef>
+        </p:style>
+      </p:cxnSp>
+      <p:sp>
+        <p:nvSpPr>
+          <p:cNvPr id="21" name="Rectangle: Rounded Corners 20">
+            <a:extLst>
+              <a:ext uri="{FF2B5EF4-FFF2-40B4-BE49-F238E27FC236}">
+                <a16:creationId xmlns:a16="http://schemas.microsoft.com/office/drawing/2014/main" id="{7AF7E6F5-A070-4DA8-AE8F-CA34231A040D}"/>
+              </a:ext>
+            </a:extLst>
+          </p:cNvPr>
+          <p:cNvSpPr/>
+          <p:nvPr/>
+        </p:nvSpPr>
+        <p:spPr>
+          <a:xfrm>
+            <a:off x="4338889" y="3302563"/>
+            <a:ext cx="1003077" cy="458040"/>
+          </a:xfrm>
+          <a:prstGeom prst="roundRect">
+            <a:avLst/>
+          </a:prstGeom>
+          <a:solidFill>
+            <a:srgbClr val="8A2E5E"/>
+          </a:solidFill>
+          <a:ln>
+            <a:noFill/>
+          </a:ln>
+        </p:spPr>
+        <p:style>
+          <a:lnRef idx="2">
+            <a:schemeClr val="accent1">
+              <a:shade val="50000"/>
+            </a:schemeClr>
+          </a:lnRef>
+          <a:fillRef idx="1">
+            <a:schemeClr val="accent1"/>
+          </a:fillRef>
+          <a:effectRef idx="0">
+            <a:schemeClr val="accent1"/>
+          </a:effectRef>
+          <a:fontRef idx="minor">
+            <a:schemeClr val="lt1"/>
+          </a:fontRef>
+        </p:style>
+        <p:txBody>
+          <a:bodyPr rtlCol="0" anchor="ctr"/>
+          <a:lstStyle/>
+          <a:p>
+            <a:pPr algn="ctr"/>
+            <a:r>
+              <a:rPr lang="en-CA" sz="1200" dirty="0"/>
+              <a:t>View Statistics</a:t>
+            </a:r>
+          </a:p>
+        </p:txBody>
+      </p:sp>
+      <p:cxnSp>
+        <p:nvCxnSpPr>
+          <p:cNvPr id="22" name="Connector: Elbow 21">
+            <a:extLst>
+              <a:ext uri="{FF2B5EF4-FFF2-40B4-BE49-F238E27FC236}">
+                <a16:creationId xmlns:a16="http://schemas.microsoft.com/office/drawing/2014/main" id="{440CE19D-226D-41D2-B9B4-8871663EC113}"/>
+              </a:ext>
+            </a:extLst>
+          </p:cNvPr>
+          <p:cNvCxnSpPr>
+            <a:stCxn id="21" idx="3"/>
+            <a:endCxn id="14" idx="0"/>
+          </p:cNvCxnSpPr>
+          <p:nvPr/>
+        </p:nvCxnSpPr>
+        <p:spPr>
+          <a:xfrm>
+            <a:off x="5341966" y="3531585"/>
+            <a:ext cx="3938347" cy="4642325"/>
+          </a:xfrm>
+          <a:prstGeom prst="bentConnector2">
+            <a:avLst/>
+          </a:prstGeom>
+          <a:ln w="19050">
+            <a:solidFill>
+              <a:srgbClr val="8A2E5E"/>
+            </a:solidFill>
+            <a:headEnd type="triangle" w="med" len="med"/>
+            <a:tailEnd type="none" w="med" len="med"/>
+          </a:ln>
+        </p:spPr>
+        <p:style>
+          <a:lnRef idx="1">
+            <a:schemeClr val="dk1"/>
+          </a:lnRef>
+          <a:fillRef idx="0">
+            <a:schemeClr val="dk1"/>
+          </a:fillRef>
+          <a:effectRef idx="0">
+            <a:schemeClr val="dk1"/>
+          </a:effectRef>
+          <a:fontRef idx="minor">
+            <a:schemeClr val="tx1"/>
+          </a:fontRef>
+        </p:style>
+      </p:cxnSp>
+      <p:sp>
+        <p:nvSpPr>
+          <p:cNvPr id="23" name="Rectangle: Rounded Corners 22">
+            <a:extLst>
+              <a:ext uri="{FF2B5EF4-FFF2-40B4-BE49-F238E27FC236}">
+                <a16:creationId xmlns:a16="http://schemas.microsoft.com/office/drawing/2014/main" id="{A4DFC586-68AF-4A0A-8D4D-540079BAAC5B}"/>
+              </a:ext>
+            </a:extLst>
+          </p:cNvPr>
+          <p:cNvSpPr/>
+          <p:nvPr/>
+        </p:nvSpPr>
+        <p:spPr>
+          <a:xfrm>
+            <a:off x="4338889" y="3893821"/>
+            <a:ext cx="1003077" cy="458040"/>
+          </a:xfrm>
+          <a:prstGeom prst="roundRect">
+            <a:avLst/>
+          </a:prstGeom>
+          <a:solidFill>
+            <a:srgbClr val="F2843A"/>
+          </a:solidFill>
+          <a:ln>
+            <a:noFill/>
+          </a:ln>
+        </p:spPr>
+        <p:style>
+          <a:lnRef idx="2">
+            <a:schemeClr val="accent1">
+              <a:shade val="50000"/>
+            </a:schemeClr>
+          </a:lnRef>
+          <a:fillRef idx="1">
+            <a:schemeClr val="accent1"/>
+          </a:fillRef>
+          <a:effectRef idx="0">
+            <a:schemeClr val="accent1"/>
+          </a:effectRef>
+          <a:fontRef idx="minor">
+            <a:schemeClr val="lt1"/>
+          </a:fontRef>
+        </p:style>
+        <p:txBody>
+          <a:bodyPr rtlCol="0" anchor="ctr"/>
+          <a:lstStyle/>
+          <a:p>
+            <a:pPr algn="ctr"/>
+            <a:r>
+              <a:rPr lang="en-CA" sz="1200" dirty="0"/>
+              <a:t>Edit Labels</a:t>
+            </a:r>
+          </a:p>
+        </p:txBody>
+      </p:sp>
+      <p:cxnSp>
+        <p:nvCxnSpPr>
+          <p:cNvPr id="24" name="Connector: Elbow 23">
+            <a:extLst>
+              <a:ext uri="{FF2B5EF4-FFF2-40B4-BE49-F238E27FC236}">
+                <a16:creationId xmlns:a16="http://schemas.microsoft.com/office/drawing/2014/main" id="{83928AE6-EF8F-4E90-BB78-DCA47D74CA67}"/>
+              </a:ext>
+            </a:extLst>
+          </p:cNvPr>
+          <p:cNvCxnSpPr>
+            <a:cxnSpLocks/>
+            <a:stCxn id="23" idx="3"/>
+            <a:endCxn id="17" idx="0"/>
+          </p:cNvCxnSpPr>
+          <p:nvPr/>
+        </p:nvCxnSpPr>
+        <p:spPr>
+          <a:xfrm>
+            <a:off x="5341964" y="4122841"/>
+            <a:ext cx="5187288" cy="4506342"/>
+          </a:xfrm>
+          <a:prstGeom prst="bentConnector2">
+            <a:avLst/>
+          </a:prstGeom>
+          <a:ln w="12700">
+            <a:solidFill>
+              <a:srgbClr val="F2843A"/>
+            </a:solidFill>
+            <a:tailEnd type="triangle"/>
+          </a:ln>
+        </p:spPr>
+        <p:style>
+          <a:lnRef idx="1">
+            <a:schemeClr val="accent2"/>
+          </a:lnRef>
+          <a:fillRef idx="0">
+            <a:schemeClr val="accent2"/>
+          </a:fillRef>
+          <a:effectRef idx="0">
+            <a:schemeClr val="accent2"/>
+          </a:effectRef>
+          <a:fontRef idx="minor">
+            <a:schemeClr val="tx1"/>
+          </a:fontRef>
+        </p:style>
+      </p:cxnSp>
+      <p:sp>
+        <p:nvSpPr>
+          <p:cNvPr id="25" name="Rectangle: Rounded Corners 24">
+            <a:extLst>
+              <a:ext uri="{FF2B5EF4-FFF2-40B4-BE49-F238E27FC236}">
+                <a16:creationId xmlns:a16="http://schemas.microsoft.com/office/drawing/2014/main" id="{B1489A4E-53B5-4E28-A1B5-1BE1AFA7D376}"/>
+              </a:ext>
+            </a:extLst>
+          </p:cNvPr>
+          <p:cNvSpPr/>
+          <p:nvPr/>
+        </p:nvSpPr>
+        <p:spPr>
+          <a:xfrm>
+            <a:off x="4338889" y="4519351"/>
+            <a:ext cx="1003077" cy="458040"/>
+          </a:xfrm>
+          <a:prstGeom prst="roundRect">
+            <a:avLst/>
+          </a:prstGeom>
+          <a:solidFill>
+            <a:schemeClr val="accent5">
+              <a:lumMod val="75000"/>
+            </a:schemeClr>
+          </a:solidFill>
+          <a:ln>
+            <a:noFill/>
+          </a:ln>
+        </p:spPr>
+        <p:style>
+          <a:lnRef idx="2">
+            <a:schemeClr val="accent1">
+              <a:shade val="50000"/>
+            </a:schemeClr>
+          </a:lnRef>
+          <a:fillRef idx="1">
+            <a:schemeClr val="accent1"/>
+          </a:fillRef>
+          <a:effectRef idx="0">
+            <a:schemeClr val="accent1"/>
+          </a:effectRef>
+          <a:fontRef idx="minor">
+            <a:schemeClr val="lt1"/>
+          </a:fontRef>
+        </p:style>
+        <p:txBody>
+          <a:bodyPr rtlCol="0" anchor="ctr"/>
+          <a:lstStyle/>
+          <a:p>
+            <a:pPr algn="ctr"/>
+            <a:r>
+              <a:rPr lang="en-CA" sz="1200" dirty="0"/>
+              <a:t>Retrain Model</a:t>
+            </a:r>
+          </a:p>
+        </p:txBody>
+      </p:sp>
+      <p:sp>
+        <p:nvSpPr>
+          <p:cNvPr id="26" name="Rectangle: Rounded Corners 25">
+            <a:extLst>
+              <a:ext uri="{FF2B5EF4-FFF2-40B4-BE49-F238E27FC236}">
+                <a16:creationId xmlns:a16="http://schemas.microsoft.com/office/drawing/2014/main" id="{BB1B6247-7B27-4B25-90B7-16587F107927}"/>
+              </a:ext>
+            </a:extLst>
+          </p:cNvPr>
+          <p:cNvSpPr/>
+          <p:nvPr/>
+        </p:nvSpPr>
+        <p:spPr>
+          <a:xfrm>
+            <a:off x="5990826" y="4573087"/>
+            <a:ext cx="1140256" cy="359055"/>
+          </a:xfrm>
+          <a:prstGeom prst="roundRect">
+            <a:avLst/>
+          </a:prstGeom>
+          <a:solidFill>
+            <a:schemeClr val="accent5">
+              <a:lumMod val="75000"/>
+            </a:schemeClr>
+          </a:solidFill>
+          <a:ln>
+            <a:noFill/>
+          </a:ln>
+        </p:spPr>
+        <p:style>
+          <a:lnRef idx="2">
+            <a:schemeClr val="accent1">
+              <a:shade val="50000"/>
+            </a:schemeClr>
+          </a:lnRef>
+          <a:fillRef idx="1">
+            <a:schemeClr val="accent1"/>
+          </a:fillRef>
+          <a:effectRef idx="0">
+            <a:schemeClr val="accent1"/>
+          </a:effectRef>
+          <a:fontRef idx="minor">
+            <a:schemeClr val="lt1"/>
+          </a:fontRef>
+        </p:style>
+        <p:txBody>
+          <a:bodyPr rtlCol="0" anchor="ctr"/>
+          <a:lstStyle/>
+          <a:p>
+            <a:pPr algn="ctr"/>
+            <a:r>
+              <a:rPr lang="en-CA" sz="1400" dirty="0"/>
+              <a:t>EC2 - Train </a:t>
+            </a:r>
+          </a:p>
+        </p:txBody>
+      </p:sp>
+      <p:cxnSp>
+        <p:nvCxnSpPr>
+          <p:cNvPr id="27" name="Straight Arrow Connector 26">
+            <a:extLst>
+              <a:ext uri="{FF2B5EF4-FFF2-40B4-BE49-F238E27FC236}">
+                <a16:creationId xmlns:a16="http://schemas.microsoft.com/office/drawing/2014/main" id="{87A9EC7F-ECD6-460B-8778-7568674A8726}"/>
+              </a:ext>
+            </a:extLst>
+          </p:cNvPr>
+          <p:cNvCxnSpPr>
+            <a:cxnSpLocks/>
+            <a:stCxn id="25" idx="3"/>
+            <a:endCxn id="26" idx="1"/>
+          </p:cNvCxnSpPr>
+          <p:nvPr/>
+        </p:nvCxnSpPr>
+        <p:spPr>
+          <a:xfrm>
+            <a:off x="5341964" y="4748371"/>
+            <a:ext cx="648862" cy="4242"/>
+          </a:xfrm>
+          <a:prstGeom prst="straightConnector1">
+            <a:avLst/>
+          </a:prstGeom>
+          <a:ln w="19050">
+            <a:solidFill>
+              <a:schemeClr val="accent5">
+                <a:lumMod val="75000"/>
+              </a:schemeClr>
+            </a:solidFill>
+            <a:tailEnd type="triangle"/>
+          </a:ln>
+        </p:spPr>
+        <p:style>
+          <a:lnRef idx="1">
+            <a:schemeClr val="dk1"/>
+          </a:lnRef>
+          <a:fillRef idx="0">
+            <a:schemeClr val="dk1"/>
+          </a:fillRef>
+          <a:effectRef idx="0">
+            <a:schemeClr val="dk1"/>
+          </a:effectRef>
+          <a:fontRef idx="minor">
+            <a:schemeClr val="tx1"/>
+          </a:fontRef>
+        </p:style>
+      </p:cxnSp>
+      <p:sp>
+        <p:nvSpPr>
+          <p:cNvPr id="28" name="Rectangle: Rounded Corners 27">
+            <a:extLst>
+              <a:ext uri="{FF2B5EF4-FFF2-40B4-BE49-F238E27FC236}">
+                <a16:creationId xmlns:a16="http://schemas.microsoft.com/office/drawing/2014/main" id="{2929A9B6-5998-4FF6-AA34-85278C8F75E7}"/>
+              </a:ext>
+            </a:extLst>
+          </p:cNvPr>
+          <p:cNvSpPr/>
+          <p:nvPr/>
+        </p:nvSpPr>
+        <p:spPr>
+          <a:xfrm>
+            <a:off x="7954726" y="4552846"/>
+            <a:ext cx="1140256" cy="391050"/>
+          </a:xfrm>
+          <a:prstGeom prst="roundRect">
+            <a:avLst/>
+          </a:prstGeom>
+          <a:solidFill>
+            <a:srgbClr val="C00000"/>
+          </a:solidFill>
+          <a:ln>
+            <a:noFill/>
+          </a:ln>
+        </p:spPr>
+        <p:style>
+          <a:lnRef idx="2">
+            <a:schemeClr val="accent1">
+              <a:shade val="50000"/>
+            </a:schemeClr>
+          </a:lnRef>
+          <a:fillRef idx="1">
+            <a:schemeClr val="accent1"/>
+          </a:fillRef>
+          <a:effectRef idx="0">
+            <a:schemeClr val="accent1"/>
+          </a:effectRef>
+          <a:fontRef idx="minor">
+            <a:schemeClr val="lt1"/>
+          </a:fontRef>
+        </p:style>
+        <p:txBody>
+          <a:bodyPr rtlCol="0" anchor="ctr"/>
+          <a:lstStyle/>
+          <a:p>
+            <a:pPr algn="ctr"/>
+            <a:r>
+              <a:rPr lang="en-CA" sz="1600" dirty="0"/>
+              <a:t>S3 -Model</a:t>
+            </a:r>
+          </a:p>
+        </p:txBody>
+      </p:sp>
+      <p:cxnSp>
+        <p:nvCxnSpPr>
+          <p:cNvPr id="29" name="Straight Arrow Connector 28">
+            <a:extLst>
+              <a:ext uri="{FF2B5EF4-FFF2-40B4-BE49-F238E27FC236}">
+                <a16:creationId xmlns:a16="http://schemas.microsoft.com/office/drawing/2014/main" id="{B11615D3-8940-4326-A4D5-A70EFD782EAB}"/>
+              </a:ext>
+            </a:extLst>
+          </p:cNvPr>
+          <p:cNvCxnSpPr>
+            <a:stCxn id="26" idx="3"/>
+            <a:endCxn id="28" idx="1"/>
+          </p:cNvCxnSpPr>
+          <p:nvPr/>
+        </p:nvCxnSpPr>
+        <p:spPr>
+          <a:xfrm flipV="1">
+            <a:off x="7131082" y="4748371"/>
+            <a:ext cx="823644" cy="4242"/>
+          </a:xfrm>
+          <a:prstGeom prst="straightConnector1">
+            <a:avLst/>
+          </a:prstGeom>
+          <a:ln w="19050">
+            <a:solidFill>
+              <a:srgbClr val="C00000"/>
+            </a:solidFill>
+            <a:tailEnd type="triangle"/>
+          </a:ln>
+        </p:spPr>
+        <p:style>
+          <a:lnRef idx="1">
+            <a:schemeClr val="dk1"/>
+          </a:lnRef>
+          <a:fillRef idx="0">
+            <a:schemeClr val="dk1"/>
+          </a:fillRef>
+          <a:effectRef idx="0">
+            <a:schemeClr val="dk1"/>
+          </a:effectRef>
+          <a:fontRef idx="minor">
+            <a:schemeClr val="tx1"/>
+          </a:fontRef>
+        </p:style>
+      </p:cxnSp>
+      <p:cxnSp>
+        <p:nvCxnSpPr>
+          <p:cNvPr id="30" name="Connector: Elbow 29">
+            <a:extLst>
+              <a:ext uri="{FF2B5EF4-FFF2-40B4-BE49-F238E27FC236}">
+                <a16:creationId xmlns:a16="http://schemas.microsoft.com/office/drawing/2014/main" id="{87032479-F1EE-4F4A-A106-35AC6C42DE9A}"/>
+              </a:ext>
+            </a:extLst>
+          </p:cNvPr>
+          <p:cNvCxnSpPr>
+            <a:stCxn id="26" idx="2"/>
+            <a:endCxn id="12" idx="0"/>
+          </p:cNvCxnSpPr>
+          <p:nvPr/>
+        </p:nvCxnSpPr>
+        <p:spPr>
+          <a:xfrm rot="16200000" flipH="1">
+            <a:off x="6107477" y="5385618"/>
+            <a:ext cx="2566786" cy="1659833"/>
+          </a:xfrm>
+          <a:prstGeom prst="bentConnector3">
+            <a:avLst>
+              <a:gd name="adj1" fmla="val 35885"/>
+            </a:avLst>
+          </a:prstGeom>
+          <a:ln w="19050">
+            <a:solidFill>
+              <a:schemeClr val="accent5">
+                <a:lumMod val="75000"/>
+              </a:schemeClr>
+            </a:solidFill>
+            <a:tailEnd type="triangle"/>
+          </a:ln>
+        </p:spPr>
+        <p:style>
+          <a:lnRef idx="1">
+            <a:schemeClr val="dk1"/>
+          </a:lnRef>
+          <a:fillRef idx="0">
+            <a:schemeClr val="dk1"/>
+          </a:fillRef>
+          <a:effectRef idx="0">
+            <a:schemeClr val="dk1"/>
+          </a:effectRef>
+          <a:fontRef idx="minor">
+            <a:schemeClr val="tx1"/>
+          </a:fontRef>
+        </p:style>
+      </p:cxnSp>
+      <p:sp>
+        <p:nvSpPr>
+          <p:cNvPr id="31" name="Rectangle: Rounded Corners 30">
+            <a:extLst>
+              <a:ext uri="{FF2B5EF4-FFF2-40B4-BE49-F238E27FC236}">
+                <a16:creationId xmlns:a16="http://schemas.microsoft.com/office/drawing/2014/main" id="{FCB4CB4D-B095-43D5-8BB7-540B3304B66A}"/>
+              </a:ext>
+            </a:extLst>
+          </p:cNvPr>
+          <p:cNvSpPr/>
+          <p:nvPr/>
+        </p:nvSpPr>
+        <p:spPr>
+          <a:xfrm>
+            <a:off x="4338889" y="5144881"/>
+            <a:ext cx="1003077" cy="458040"/>
+          </a:xfrm>
+          <a:prstGeom prst="roundRect">
+            <a:avLst/>
+          </a:prstGeom>
+          <a:solidFill>
+            <a:srgbClr val="F2843A"/>
+          </a:solidFill>
+          <a:ln>
+            <a:noFill/>
+          </a:ln>
+        </p:spPr>
+        <p:style>
+          <a:lnRef idx="2">
+            <a:schemeClr val="accent1">
+              <a:shade val="50000"/>
+            </a:schemeClr>
+          </a:lnRef>
+          <a:fillRef idx="1">
+            <a:schemeClr val="accent1"/>
+          </a:fillRef>
+          <a:effectRef idx="0">
+            <a:schemeClr val="accent1"/>
+          </a:effectRef>
+          <a:fontRef idx="minor">
+            <a:schemeClr val="lt1"/>
+          </a:fontRef>
+        </p:style>
+        <p:txBody>
+          <a:bodyPr rtlCol="0" anchor="ctr"/>
+          <a:lstStyle/>
+          <a:p>
+            <a:pPr algn="ctr"/>
+            <a:r>
+              <a:rPr lang="en-CA" sz="1200" dirty="0"/>
+              <a:t>View Model Details</a:t>
+            </a:r>
+          </a:p>
+        </p:txBody>
+      </p:sp>
+      <p:cxnSp>
+        <p:nvCxnSpPr>
+          <p:cNvPr id="32" name="Connector: Elbow 31">
+            <a:extLst>
+              <a:ext uri="{FF2B5EF4-FFF2-40B4-BE49-F238E27FC236}">
+                <a16:creationId xmlns:a16="http://schemas.microsoft.com/office/drawing/2014/main" id="{11E5E4E4-47B0-4727-BDDC-0019CD3EF0A5}"/>
+              </a:ext>
+            </a:extLst>
+          </p:cNvPr>
+          <p:cNvCxnSpPr>
+            <a:cxnSpLocks/>
+            <a:stCxn id="31" idx="3"/>
+            <a:endCxn id="17" idx="0"/>
+          </p:cNvCxnSpPr>
+          <p:nvPr/>
+        </p:nvCxnSpPr>
+        <p:spPr>
+          <a:xfrm>
+            <a:off x="5341964" y="5373901"/>
+            <a:ext cx="5187288" cy="3255282"/>
+          </a:xfrm>
+          <a:prstGeom prst="bentConnector2">
+            <a:avLst/>
+          </a:prstGeom>
+          <a:ln w="12700">
+            <a:solidFill>
+              <a:srgbClr val="F2843A"/>
+            </a:solidFill>
+            <a:tailEnd type="triangle"/>
+          </a:ln>
+        </p:spPr>
+        <p:style>
+          <a:lnRef idx="1">
+            <a:schemeClr val="accent2"/>
+          </a:lnRef>
+          <a:fillRef idx="0">
+            <a:schemeClr val="accent2"/>
+          </a:fillRef>
+          <a:effectRef idx="0">
+            <a:schemeClr val="accent2"/>
+          </a:effectRef>
+          <a:fontRef idx="minor">
+            <a:schemeClr val="tx1"/>
+          </a:fontRef>
+        </p:style>
+      </p:cxnSp>
+      <p:cxnSp>
+        <p:nvCxnSpPr>
+          <p:cNvPr id="33" name="Straight Arrow Connector 32">
+            <a:extLst>
+              <a:ext uri="{FF2B5EF4-FFF2-40B4-BE49-F238E27FC236}">
+                <a16:creationId xmlns:a16="http://schemas.microsoft.com/office/drawing/2014/main" id="{557B041D-5C9A-40A9-8199-7B35219A84B1}"/>
+              </a:ext>
+            </a:extLst>
+          </p:cNvPr>
+          <p:cNvCxnSpPr>
+            <a:cxnSpLocks/>
+          </p:cNvCxnSpPr>
+          <p:nvPr/>
+        </p:nvCxnSpPr>
+        <p:spPr>
+          <a:xfrm>
+            <a:off x="8588691" y="4977393"/>
+            <a:ext cx="0" cy="2521535"/>
+          </a:xfrm>
+          <a:prstGeom prst="straightConnector1">
+            <a:avLst/>
+          </a:prstGeom>
+          <a:ln w="19050">
+            <a:solidFill>
+              <a:srgbClr val="C00000"/>
+            </a:solidFill>
+            <a:headEnd type="triangle" w="med" len="med"/>
+            <a:tailEnd type="triangle" w="med" len="med"/>
+          </a:ln>
+        </p:spPr>
+        <p:style>
+          <a:lnRef idx="1">
+            <a:schemeClr val="accent1"/>
+          </a:lnRef>
+          <a:fillRef idx="0">
+            <a:schemeClr val="accent1"/>
+          </a:fillRef>
+          <a:effectRef idx="0">
+            <a:schemeClr val="accent1"/>
+          </a:effectRef>
+          <a:fontRef idx="minor">
+            <a:schemeClr val="tx1"/>
+          </a:fontRef>
+        </p:style>
+      </p:cxnSp>
+      <p:sp>
+        <p:nvSpPr>
+          <p:cNvPr id="34" name="Rectangle: Rounded Corners 33">
+            <a:extLst>
+              <a:ext uri="{FF2B5EF4-FFF2-40B4-BE49-F238E27FC236}">
+                <a16:creationId xmlns:a16="http://schemas.microsoft.com/office/drawing/2014/main" id="{0408868A-BED4-47AC-AB21-3323052B4A1B}"/>
+              </a:ext>
+            </a:extLst>
+          </p:cNvPr>
+          <p:cNvSpPr/>
+          <p:nvPr/>
+        </p:nvSpPr>
+        <p:spPr>
+          <a:xfrm>
+            <a:off x="3921291" y="10363786"/>
+            <a:ext cx="1685877" cy="909447"/>
+          </a:xfrm>
+          <a:prstGeom prst="roundRect">
+            <a:avLst/>
+          </a:prstGeom>
+          <a:noFill/>
+          <a:ln>
+            <a:solidFill>
+              <a:schemeClr val="tx1"/>
+            </a:solidFill>
+            <a:prstDash val="lgDash"/>
+          </a:ln>
+        </p:spPr>
+        <p:style>
+          <a:lnRef idx="2">
+            <a:schemeClr val="accent1">
+              <a:shade val="50000"/>
+            </a:schemeClr>
+          </a:lnRef>
+          <a:fillRef idx="1">
+            <a:schemeClr val="accent1"/>
+          </a:fillRef>
+          <a:effectRef idx="0">
+            <a:schemeClr val="accent1"/>
+          </a:effectRef>
+          <a:fontRef idx="minor">
+            <a:schemeClr val="lt1"/>
+          </a:fontRef>
+        </p:style>
+        <p:txBody>
+          <a:bodyPr rtlCol="0" anchor="t"/>
+          <a:lstStyle/>
+          <a:p>
+            <a:r>
+              <a:rPr lang="en-CA" sz="1400" dirty="0">
+                <a:solidFill>
+                  <a:schemeClr val="tx1"/>
+                </a:solidFill>
+              </a:rPr>
+              <a:t>Login</a:t>
+            </a:r>
+          </a:p>
+        </p:txBody>
+      </p:sp>
+      <p:sp>
+        <p:nvSpPr>
+          <p:cNvPr id="35" name="Rectangle: Rounded Corners 34">
+            <a:extLst>
+              <a:ext uri="{FF2B5EF4-FFF2-40B4-BE49-F238E27FC236}">
+                <a16:creationId xmlns:a16="http://schemas.microsoft.com/office/drawing/2014/main" id="{3821974D-912B-4AB6-BEE3-6F0256F0F4B2}"/>
+              </a:ext>
+            </a:extLst>
+          </p:cNvPr>
+          <p:cNvSpPr/>
+          <p:nvPr/>
+        </p:nvSpPr>
+        <p:spPr>
+          <a:xfrm>
+            <a:off x="4201708" y="10784107"/>
+            <a:ext cx="1140256" cy="359055"/>
+          </a:xfrm>
+          <a:prstGeom prst="roundRect">
+            <a:avLst/>
+          </a:prstGeom>
+          <a:solidFill>
+            <a:srgbClr val="2CABAE"/>
+          </a:solidFill>
+          <a:ln>
+            <a:noFill/>
+          </a:ln>
+        </p:spPr>
+        <p:style>
+          <a:lnRef idx="2">
+            <a:schemeClr val="accent1">
+              <a:shade val="50000"/>
+            </a:schemeClr>
+          </a:lnRef>
+          <a:fillRef idx="1">
+            <a:schemeClr val="accent1"/>
+          </a:fillRef>
+          <a:effectRef idx="0">
+            <a:schemeClr val="accent1"/>
+          </a:effectRef>
+          <a:fontRef idx="minor">
+            <a:schemeClr val="lt1"/>
+          </a:fontRef>
+        </p:style>
+        <p:txBody>
+          <a:bodyPr rtlCol="0" anchor="ctr"/>
+          <a:lstStyle/>
+          <a:p>
+            <a:pPr algn="ctr"/>
+            <a:r>
+              <a:rPr lang="en-CA" sz="1200" dirty="0"/>
+              <a:t>View Images</a:t>
+            </a:r>
+          </a:p>
+        </p:txBody>
+      </p:sp>
+      <p:sp>
+        <p:nvSpPr>
+          <p:cNvPr id="36" name="Rectangle: Rounded Corners 35">
+            <a:extLst>
+              <a:ext uri="{FF2B5EF4-FFF2-40B4-BE49-F238E27FC236}">
+                <a16:creationId xmlns:a16="http://schemas.microsoft.com/office/drawing/2014/main" id="{7F02E4B6-DF09-476F-B97A-D07370D82383}"/>
+              </a:ext>
+            </a:extLst>
+          </p:cNvPr>
+          <p:cNvSpPr/>
+          <p:nvPr/>
+        </p:nvSpPr>
+        <p:spPr>
+          <a:xfrm>
+            <a:off x="840875" y="4371767"/>
+            <a:ext cx="1140256" cy="753208"/>
+          </a:xfrm>
+          <a:prstGeom prst="roundRect">
+            <a:avLst/>
+          </a:prstGeom>
+          <a:solidFill>
+            <a:srgbClr val="C00000"/>
+          </a:solidFill>
+          <a:ln>
+            <a:noFill/>
+          </a:ln>
+        </p:spPr>
+        <p:style>
+          <a:lnRef idx="2">
+            <a:schemeClr val="accent1">
+              <a:shade val="50000"/>
+            </a:schemeClr>
+          </a:lnRef>
+          <a:fillRef idx="1">
+            <a:schemeClr val="accent1"/>
+          </a:fillRef>
+          <a:effectRef idx="0">
+            <a:schemeClr val="accent1"/>
+          </a:effectRef>
+          <a:fontRef idx="minor">
+            <a:schemeClr val="lt1"/>
+          </a:fontRef>
+        </p:style>
+        <p:txBody>
+          <a:bodyPr rtlCol="0" anchor="ctr"/>
+          <a:lstStyle/>
+          <a:p>
+            <a:pPr algn="ctr"/>
+            <a:r>
+              <a:rPr lang="en-CA" sz="1600" dirty="0"/>
+              <a:t>S3 – Static Store Store</a:t>
+            </a:r>
+          </a:p>
+        </p:txBody>
+      </p:sp>
+      <p:sp>
+        <p:nvSpPr>
+          <p:cNvPr id="41" name="Rectangle: Rounded Corners 40">
+            <a:extLst>
+              <a:ext uri="{FF2B5EF4-FFF2-40B4-BE49-F238E27FC236}">
+                <a16:creationId xmlns:a16="http://schemas.microsoft.com/office/drawing/2014/main" id="{24FFEC08-0029-4072-B06C-DCEC188AF0D5}"/>
+              </a:ext>
+            </a:extLst>
+          </p:cNvPr>
+          <p:cNvSpPr/>
+          <p:nvPr/>
+        </p:nvSpPr>
+        <p:spPr>
+          <a:xfrm>
+            <a:off x="6096000" y="10789681"/>
+            <a:ext cx="1140256" cy="359055"/>
+          </a:xfrm>
+          <a:prstGeom prst="roundRect">
+            <a:avLst/>
+          </a:prstGeom>
+          <a:solidFill>
+            <a:srgbClr val="2CABAE"/>
+          </a:solidFill>
+          <a:ln>
+            <a:noFill/>
+          </a:ln>
+        </p:spPr>
+        <p:style>
+          <a:lnRef idx="2">
+            <a:schemeClr val="accent1">
+              <a:shade val="50000"/>
+            </a:schemeClr>
+          </a:lnRef>
+          <a:fillRef idx="1">
+            <a:schemeClr val="accent1"/>
+          </a:fillRef>
+          <a:effectRef idx="0">
+            <a:schemeClr val="accent1"/>
+          </a:effectRef>
+          <a:fontRef idx="minor">
+            <a:schemeClr val="lt1"/>
+          </a:fontRef>
+        </p:style>
+        <p:txBody>
+          <a:bodyPr rtlCol="0" anchor="ctr"/>
+          <a:lstStyle/>
+          <a:p>
+            <a:pPr algn="ctr"/>
+            <a:r>
+              <a:rPr lang="en-CA" sz="1400" dirty="0"/>
+              <a:t>Cognito</a:t>
+            </a:r>
+          </a:p>
+        </p:txBody>
+      </p:sp>
+      <p:cxnSp>
+        <p:nvCxnSpPr>
+          <p:cNvPr id="42" name="Straight Arrow Connector 41">
+            <a:extLst>
+              <a:ext uri="{FF2B5EF4-FFF2-40B4-BE49-F238E27FC236}">
+                <a16:creationId xmlns:a16="http://schemas.microsoft.com/office/drawing/2014/main" id="{F517928C-621C-4AB2-A4AB-5F139AD74DFC}"/>
+              </a:ext>
+            </a:extLst>
+          </p:cNvPr>
+          <p:cNvCxnSpPr>
+            <a:stCxn id="35" idx="3"/>
+            <a:endCxn id="41" idx="1"/>
+          </p:cNvCxnSpPr>
+          <p:nvPr/>
+        </p:nvCxnSpPr>
+        <p:spPr>
+          <a:xfrm>
+            <a:off x="5341964" y="10963633"/>
+            <a:ext cx="754036" cy="5574"/>
+          </a:xfrm>
+          <a:prstGeom prst="straightConnector1">
+            <a:avLst/>
+          </a:prstGeom>
+          <a:ln w="19050">
+            <a:headEnd type="triangle" w="med" len="med"/>
+            <a:tailEnd type="triangle" w="med" len="med"/>
+          </a:ln>
+        </p:spPr>
+        <p:style>
+          <a:lnRef idx="1">
+            <a:schemeClr val="accent1"/>
+          </a:lnRef>
+          <a:fillRef idx="0">
+            <a:schemeClr val="accent1"/>
+          </a:fillRef>
+          <a:effectRef idx="0">
+            <a:schemeClr val="accent1"/>
+          </a:effectRef>
+          <a:fontRef idx="minor">
+            <a:schemeClr val="tx1"/>
+          </a:fontRef>
+        </p:style>
+      </p:cxnSp>
+    </p:spTree>
+    <p:extLst>
+      <p:ext uri="{BB962C8B-B14F-4D97-AF65-F5344CB8AC3E}">
+        <p14:creationId xmlns:p14="http://schemas.microsoft.com/office/powerpoint/2010/main" val="2158511643"/>
+      </p:ext>
+    </p:extLst>
+  </p:cSld>
+  <p:clrMapOvr>
+    <a:masterClrMapping/>
+  </p:clrMapOvr>
+</p:sld>
+</file>
+
+<file path=ppt/slides/slide3.xml><?xml version="1.0" encoding="utf-8"?>
+<p:sld xmlns:a="http://schemas.openxmlformats.org/drawingml/2006/main" xmlns:r="http://schemas.openxmlformats.org/officeDocument/2006/relationships" xmlns:p="http://schemas.openxmlformats.org/presentationml/2006/main">
+  <p:cSld>
+    <p:spTree>
+      <p:nvGrpSpPr>
+        <p:cNvPr id="1" name=""/>
+        <p:cNvGrpSpPr/>
+        <p:nvPr/>
+      </p:nvGrpSpPr>
+      <p:grpSpPr>
+        <a:xfrm>
+          <a:off x="0" y="0"/>
+          <a:ext cx="0" cy="0"/>
+          <a:chOff x="0" y="0"/>
+          <a:chExt cx="0" cy="0"/>
+        </a:xfrm>
+      </p:grpSpPr>
+      <p:grpSp>
+        <p:nvGrpSpPr>
+          <p:cNvPr id="232" name="Group 231">
+            <a:extLst>
+              <a:ext uri="{FF2B5EF4-FFF2-40B4-BE49-F238E27FC236}">
+                <a16:creationId xmlns:a16="http://schemas.microsoft.com/office/drawing/2014/main" id="{81AB44D0-5D8C-420B-A7A5-439FC5BE203B}"/>
+              </a:ext>
+            </a:extLst>
+          </p:cNvPr>
+          <p:cNvGrpSpPr/>
+          <p:nvPr/>
+        </p:nvGrpSpPr>
+        <p:grpSpPr>
+          <a:xfrm>
+            <a:off x="788548" y="490761"/>
+            <a:ext cx="11056345" cy="11075164"/>
+            <a:chOff x="1122206" y="487751"/>
+            <a:chExt cx="11056345" cy="11075164"/>
+          </a:xfrm>
+        </p:grpSpPr>
+        <p:sp>
+          <p:nvSpPr>
+            <p:cNvPr id="4" name="Rectangle: Rounded Corners 3">
+              <a:extLst>
+                <a:ext uri="{FF2B5EF4-FFF2-40B4-BE49-F238E27FC236}">
+                  <a16:creationId xmlns:a16="http://schemas.microsoft.com/office/drawing/2014/main" id="{13E04963-F0CC-4E95-8AC8-77403F037350}"/>
+                </a:ext>
+              </a:extLst>
+            </p:cNvPr>
+            <p:cNvSpPr/>
+            <p:nvPr/>
+          </p:nvSpPr>
+          <p:spPr>
+            <a:xfrm>
+              <a:off x="3269539" y="487751"/>
+              <a:ext cx="4054415" cy="4700463"/>
+            </a:xfrm>
+            <a:prstGeom prst="roundRect">
+              <a:avLst>
+                <a:gd name="adj" fmla="val 9646"/>
+              </a:avLst>
+            </a:prstGeom>
+            <a:noFill/>
+            <a:ln w="38100">
+              <a:solidFill>
+                <a:srgbClr val="8A2E5E"/>
+              </a:solidFill>
+              <a:prstDash val="lgDash"/>
+            </a:ln>
+          </p:spPr>
+          <p:style>
+            <a:lnRef idx="2">
+              <a:schemeClr val="accent1">
+                <a:shade val="50000"/>
+              </a:schemeClr>
+            </a:lnRef>
+            <a:fillRef idx="1">
+              <a:schemeClr val="accent1"/>
+            </a:fillRef>
+            <a:effectRef idx="0">
+              <a:schemeClr val="accent1"/>
+            </a:effectRef>
+            <a:fontRef idx="minor">
+              <a:schemeClr val="lt1"/>
+            </a:fontRef>
+          </p:style>
+          <p:txBody>
+            <a:bodyPr rtlCol="0" anchor="t"/>
+            <a:lstStyle/>
+            <a:p>
+              <a:r>
+                <a:rPr lang="en-CA" sz="1600" b="1" dirty="0">
+                  <a:solidFill>
+                    <a:srgbClr val="8A2E5E"/>
+                  </a:solidFill>
+                </a:rPr>
+                <a:t>Lambda - User Application</a:t>
+              </a:r>
+            </a:p>
+          </p:txBody>
+        </p:sp>
+        <p:sp>
+          <p:nvSpPr>
+            <p:cNvPr id="5" name="Rectangle: Rounded Corners 4">
+              <a:extLst>
+                <a:ext uri="{FF2B5EF4-FFF2-40B4-BE49-F238E27FC236}">
+                  <a16:creationId xmlns:a16="http://schemas.microsoft.com/office/drawing/2014/main" id="{450DD667-4509-4EE6-BE5D-D02B51FD740E}"/>
+                </a:ext>
+              </a:extLst>
+            </p:cNvPr>
+            <p:cNvSpPr/>
+            <p:nvPr/>
+          </p:nvSpPr>
+          <p:spPr>
+            <a:xfrm>
+              <a:off x="3418876" y="2736155"/>
+              <a:ext cx="1140256" cy="480656"/>
+            </a:xfrm>
+            <a:prstGeom prst="roundRect">
+              <a:avLst/>
+            </a:prstGeom>
+            <a:solidFill>
+              <a:srgbClr val="F2843A"/>
+            </a:solidFill>
+            <a:ln>
+              <a:noFill/>
+            </a:ln>
+          </p:spPr>
+          <p:style>
+            <a:lnRef idx="2">
+              <a:schemeClr val="accent1">
+                <a:shade val="50000"/>
+              </a:schemeClr>
+            </a:lnRef>
+            <a:fillRef idx="1">
+              <a:schemeClr val="accent1"/>
+            </a:fillRef>
+            <a:effectRef idx="0">
+              <a:schemeClr val="accent1"/>
+            </a:effectRef>
+            <a:fontRef idx="minor">
+              <a:schemeClr val="lt1"/>
+            </a:fontRef>
+          </p:style>
+          <p:txBody>
+            <a:bodyPr rtlCol="0" anchor="ctr"/>
+            <a:lstStyle/>
+            <a:p>
+              <a:pPr algn="ctr"/>
+              <a:r>
+                <a:rPr lang="en-CA" sz="1200" dirty="0"/>
+                <a:t>Search Images</a:t>
+              </a:r>
+            </a:p>
+          </p:txBody>
+        </p:sp>
+        <p:sp>
+          <p:nvSpPr>
+            <p:cNvPr id="7" name="Rectangle: Rounded Corners 6">
+              <a:extLst>
+                <a:ext uri="{FF2B5EF4-FFF2-40B4-BE49-F238E27FC236}">
+                  <a16:creationId xmlns:a16="http://schemas.microsoft.com/office/drawing/2014/main" id="{385BBB93-287A-4611-A145-536B2BA93EAB}"/>
+                </a:ext>
+              </a:extLst>
+            </p:cNvPr>
+            <p:cNvSpPr/>
+            <p:nvPr/>
+          </p:nvSpPr>
+          <p:spPr>
+            <a:xfrm>
+              <a:off x="3418877" y="980584"/>
+              <a:ext cx="1251913" cy="458040"/>
+            </a:xfrm>
+            <a:prstGeom prst="roundRect">
+              <a:avLst/>
+            </a:prstGeom>
+            <a:solidFill>
+              <a:srgbClr val="C00000"/>
+            </a:solidFill>
+            <a:ln>
+              <a:noFill/>
+            </a:ln>
+          </p:spPr>
+          <p:style>
+            <a:lnRef idx="2">
+              <a:schemeClr val="accent1">
+                <a:shade val="50000"/>
+              </a:schemeClr>
+            </a:lnRef>
+            <a:fillRef idx="1">
+              <a:schemeClr val="accent1"/>
+            </a:fillRef>
+            <a:effectRef idx="0">
+              <a:schemeClr val="accent1"/>
+            </a:effectRef>
+            <a:fontRef idx="minor">
+              <a:schemeClr val="lt1"/>
+            </a:fontRef>
+          </p:style>
+          <p:txBody>
+            <a:bodyPr rtlCol="0" anchor="ctr"/>
+            <a:lstStyle/>
+            <a:p>
+              <a:pPr algn="ctr"/>
+              <a:r>
+                <a:rPr lang="en-CA" sz="1200" dirty="0"/>
+                <a:t>Upload Image</a:t>
+              </a:r>
+            </a:p>
+          </p:txBody>
+        </p:sp>
+        <p:sp>
+          <p:nvSpPr>
+            <p:cNvPr id="8" name="Rectangle: Rounded Corners 7">
+              <a:extLst>
+                <a:ext uri="{FF2B5EF4-FFF2-40B4-BE49-F238E27FC236}">
+                  <a16:creationId xmlns:a16="http://schemas.microsoft.com/office/drawing/2014/main" id="{F87D4A1B-0BB1-404A-875A-63DF7E4594E2}"/>
+                </a:ext>
+              </a:extLst>
+            </p:cNvPr>
+            <p:cNvSpPr/>
+            <p:nvPr/>
+          </p:nvSpPr>
+          <p:spPr>
+            <a:xfrm>
+              <a:off x="4670790" y="1516262"/>
+              <a:ext cx="1251913" cy="458040"/>
+            </a:xfrm>
+            <a:prstGeom prst="roundRect">
+              <a:avLst/>
+            </a:prstGeom>
+            <a:solidFill>
+              <a:schemeClr val="accent5">
+                <a:lumMod val="75000"/>
+              </a:schemeClr>
+            </a:solidFill>
+            <a:ln>
+              <a:noFill/>
+            </a:ln>
+          </p:spPr>
+          <p:style>
+            <a:lnRef idx="2">
+              <a:schemeClr val="accent1">
+                <a:shade val="50000"/>
+              </a:schemeClr>
+            </a:lnRef>
+            <a:fillRef idx="1">
+              <a:schemeClr val="accent1"/>
+            </a:fillRef>
+            <a:effectRef idx="0">
+              <a:schemeClr val="accent1"/>
+            </a:effectRef>
+            <a:fontRef idx="minor">
+              <a:schemeClr val="lt1"/>
+            </a:fontRef>
+          </p:style>
+          <p:txBody>
+            <a:bodyPr rtlCol="0" anchor="ctr"/>
+            <a:lstStyle/>
+            <a:p>
+              <a:pPr algn="ctr"/>
+              <a:r>
+                <a:rPr lang="en-CA" sz="1200" dirty="0"/>
+                <a:t>Do Matching</a:t>
+              </a:r>
+            </a:p>
+          </p:txBody>
+        </p:sp>
+        <p:sp>
+          <p:nvSpPr>
+            <p:cNvPr id="10" name="Rectangle: Rounded Corners 9">
+              <a:extLst>
+                <a:ext uri="{FF2B5EF4-FFF2-40B4-BE49-F238E27FC236}">
+                  <a16:creationId xmlns:a16="http://schemas.microsoft.com/office/drawing/2014/main" id="{83B4B808-831B-494C-ADC0-8ED45BF8CE5A}"/>
+                </a:ext>
+              </a:extLst>
+            </p:cNvPr>
+            <p:cNvSpPr/>
+            <p:nvPr/>
+          </p:nvSpPr>
+          <p:spPr>
+            <a:xfrm>
+              <a:off x="5922702" y="2087879"/>
+              <a:ext cx="1251912" cy="458040"/>
+            </a:xfrm>
+            <a:prstGeom prst="roundRect">
+              <a:avLst/>
+            </a:prstGeom>
+            <a:solidFill>
+              <a:srgbClr val="F2843A"/>
+            </a:solidFill>
+            <a:ln>
+              <a:noFill/>
+            </a:ln>
+          </p:spPr>
+          <p:style>
+            <a:lnRef idx="2">
+              <a:schemeClr val="accent1">
+                <a:shade val="50000"/>
+              </a:schemeClr>
+            </a:lnRef>
+            <a:fillRef idx="1">
+              <a:schemeClr val="accent1"/>
+            </a:fillRef>
+            <a:effectRef idx="0">
+              <a:schemeClr val="accent1"/>
+            </a:effectRef>
+            <a:fontRef idx="minor">
+              <a:schemeClr val="lt1"/>
+            </a:fontRef>
+          </p:style>
+          <p:txBody>
+            <a:bodyPr rtlCol="0" anchor="ctr"/>
+            <a:lstStyle/>
+            <a:p>
+              <a:pPr algn="ctr"/>
+              <a:r>
+                <a:rPr lang="en-CA" sz="1200" dirty="0"/>
+                <a:t>Store &amp; Return Results</a:t>
+              </a:r>
+            </a:p>
+          </p:txBody>
+        </p:sp>
+        <p:cxnSp>
+          <p:nvCxnSpPr>
+            <p:cNvPr id="11" name="Straight Arrow Connector 10">
+              <a:extLst>
+                <a:ext uri="{FF2B5EF4-FFF2-40B4-BE49-F238E27FC236}">
+                  <a16:creationId xmlns:a16="http://schemas.microsoft.com/office/drawing/2014/main" id="{D91F7BF1-9770-4614-9B33-9E67137E2550}"/>
+                </a:ext>
+              </a:extLst>
+            </p:cNvPr>
+            <p:cNvCxnSpPr>
+              <a:cxnSpLocks/>
+              <a:stCxn id="7" idx="2"/>
+              <a:endCxn id="8" idx="1"/>
+            </p:cNvCxnSpPr>
+            <p:nvPr/>
+          </p:nvCxnSpPr>
+          <p:spPr>
+            <a:xfrm>
+              <a:off x="4044833" y="1438624"/>
+              <a:ext cx="625956" cy="306658"/>
+            </a:xfrm>
+            <a:prstGeom prst="straightConnector1">
+              <a:avLst/>
+            </a:prstGeom>
+            <a:ln w="28575">
+              <a:tailEnd type="triangle"/>
+            </a:ln>
+          </p:spPr>
+          <p:style>
+            <a:lnRef idx="1">
+              <a:schemeClr val="dk1"/>
+            </a:lnRef>
+            <a:fillRef idx="0">
+              <a:schemeClr val="dk1"/>
+            </a:fillRef>
+            <a:effectRef idx="0">
+              <a:schemeClr val="dk1"/>
+            </a:effectRef>
+            <a:fontRef idx="minor">
+              <a:schemeClr val="tx1"/>
+            </a:fontRef>
+          </p:style>
+        </p:cxnSp>
+        <p:cxnSp>
+          <p:nvCxnSpPr>
+            <p:cNvPr id="19" name="Straight Arrow Connector 18">
+              <a:extLst>
+                <a:ext uri="{FF2B5EF4-FFF2-40B4-BE49-F238E27FC236}">
+                  <a16:creationId xmlns:a16="http://schemas.microsoft.com/office/drawing/2014/main" id="{490045FD-1DE1-4A1F-A571-C31EBA53D39A}"/>
+                </a:ext>
+              </a:extLst>
+            </p:cNvPr>
+            <p:cNvCxnSpPr>
+              <a:cxnSpLocks/>
+              <a:stCxn id="8" idx="2"/>
+              <a:endCxn id="10" idx="1"/>
+            </p:cNvCxnSpPr>
+            <p:nvPr/>
+          </p:nvCxnSpPr>
+          <p:spPr>
+            <a:xfrm>
+              <a:off x="5296746" y="1974303"/>
+              <a:ext cx="625956" cy="342597"/>
+            </a:xfrm>
+            <a:prstGeom prst="straightConnector1">
+              <a:avLst/>
+            </a:prstGeom>
+            <a:ln w="28575">
+              <a:solidFill>
+                <a:schemeClr val="tx1"/>
+              </a:solidFill>
+              <a:tailEnd type="triangle"/>
+            </a:ln>
+          </p:spPr>
+          <p:style>
+            <a:lnRef idx="1">
+              <a:schemeClr val="dk1"/>
+            </a:lnRef>
+            <a:fillRef idx="0">
+              <a:schemeClr val="dk1"/>
+            </a:fillRef>
+            <a:effectRef idx="0">
+              <a:schemeClr val="dk1"/>
+            </a:effectRef>
+            <a:fontRef idx="minor">
+              <a:schemeClr val="tx1"/>
+            </a:fontRef>
+          </p:style>
+        </p:cxnSp>
+        <p:sp>
+          <p:nvSpPr>
+            <p:cNvPr id="26" name="Rectangle: Rounded Corners 25">
+              <a:extLst>
+                <a:ext uri="{FF2B5EF4-FFF2-40B4-BE49-F238E27FC236}">
+                  <a16:creationId xmlns:a16="http://schemas.microsoft.com/office/drawing/2014/main" id="{76B7518F-4F17-41DE-92BB-83D2ACB01476}"/>
+                </a:ext>
+              </a:extLst>
+            </p:cNvPr>
+            <p:cNvSpPr/>
+            <p:nvPr/>
+          </p:nvSpPr>
+          <p:spPr>
+            <a:xfrm>
+              <a:off x="9332798" y="776625"/>
+              <a:ext cx="1140256" cy="849721"/>
+            </a:xfrm>
+            <a:prstGeom prst="roundRect">
+              <a:avLst/>
+            </a:prstGeom>
+            <a:solidFill>
+              <a:srgbClr val="C00000"/>
+            </a:solidFill>
+            <a:ln>
+              <a:noFill/>
+            </a:ln>
+          </p:spPr>
+          <p:style>
+            <a:lnRef idx="2">
+              <a:schemeClr val="accent1">
+                <a:shade val="50000"/>
+              </a:schemeClr>
+            </a:lnRef>
+            <a:fillRef idx="1">
+              <a:schemeClr val="accent1"/>
+            </a:fillRef>
+            <a:effectRef idx="0">
+              <a:schemeClr val="accent1"/>
+            </a:effectRef>
+            <a:fontRef idx="minor">
+              <a:schemeClr val="lt1"/>
+            </a:fontRef>
+          </p:style>
+          <p:txBody>
+            <a:bodyPr rtlCol="0" anchor="ctr"/>
+            <a:lstStyle/>
+            <a:p>
+              <a:pPr algn="ctr"/>
+              <a:r>
+                <a:rPr lang="en-CA" sz="1600" dirty="0"/>
+                <a:t>S3 - Image</a:t>
+              </a:r>
+            </a:p>
+          </p:txBody>
+        </p:sp>
+        <p:cxnSp>
+          <p:nvCxnSpPr>
+            <p:cNvPr id="29" name="Straight Arrow Connector 28">
+              <a:extLst>
+                <a:ext uri="{FF2B5EF4-FFF2-40B4-BE49-F238E27FC236}">
+                  <a16:creationId xmlns:a16="http://schemas.microsoft.com/office/drawing/2014/main" id="{E5CAEED9-CBA3-4541-9F79-41581EC778CD}"/>
+                </a:ext>
+              </a:extLst>
+            </p:cNvPr>
+            <p:cNvCxnSpPr>
+              <a:cxnSpLocks/>
+              <a:stCxn id="7" idx="3"/>
+              <a:endCxn id="26" idx="1"/>
+            </p:cNvCxnSpPr>
+            <p:nvPr/>
+          </p:nvCxnSpPr>
+          <p:spPr>
+            <a:xfrm flipV="1">
+              <a:off x="4670790" y="1201486"/>
+              <a:ext cx="4662008" cy="8118"/>
+            </a:xfrm>
+            <a:prstGeom prst="straightConnector1">
+              <a:avLst/>
+            </a:prstGeom>
+            <a:ln w="28575">
+              <a:solidFill>
+                <a:srgbClr val="C00000"/>
+              </a:solidFill>
+              <a:tailEnd type="triangle"/>
+            </a:ln>
+          </p:spPr>
+          <p:style>
+            <a:lnRef idx="1">
+              <a:schemeClr val="dk1"/>
+            </a:lnRef>
+            <a:fillRef idx="0">
+              <a:schemeClr val="dk1"/>
+            </a:fillRef>
+            <a:effectRef idx="0">
+              <a:schemeClr val="dk1"/>
+            </a:effectRef>
+            <a:fontRef idx="minor">
+              <a:schemeClr val="tx1"/>
+            </a:fontRef>
+          </p:style>
+        </p:cxnSp>
+        <p:sp>
+          <p:nvSpPr>
+            <p:cNvPr id="32" name="Rectangle: Rounded Corners 31">
+              <a:extLst>
+                <a:ext uri="{FF2B5EF4-FFF2-40B4-BE49-F238E27FC236}">
+                  <a16:creationId xmlns:a16="http://schemas.microsoft.com/office/drawing/2014/main" id="{6FF4540B-5331-4D42-B8DA-39985DD88D76}"/>
+                </a:ext>
+              </a:extLst>
+            </p:cNvPr>
+            <p:cNvSpPr/>
+            <p:nvPr/>
+          </p:nvSpPr>
+          <p:spPr>
+            <a:xfrm>
+              <a:off x="7468541" y="1565755"/>
+              <a:ext cx="1140256" cy="359055"/>
+            </a:xfrm>
+            <a:prstGeom prst="roundRect">
+              <a:avLst/>
+            </a:prstGeom>
+            <a:solidFill>
+              <a:schemeClr val="accent5">
+                <a:lumMod val="75000"/>
+              </a:schemeClr>
+            </a:solidFill>
+            <a:ln>
+              <a:noFill/>
+            </a:ln>
+          </p:spPr>
+          <p:style>
+            <a:lnRef idx="2">
+              <a:schemeClr val="accent1">
+                <a:shade val="50000"/>
+              </a:schemeClr>
+            </a:lnRef>
+            <a:fillRef idx="1">
+              <a:schemeClr val="accent1"/>
+            </a:fillRef>
+            <a:effectRef idx="0">
+              <a:schemeClr val="accent1"/>
+            </a:effectRef>
+            <a:fontRef idx="minor">
+              <a:schemeClr val="lt1"/>
+            </a:fontRef>
+          </p:style>
+          <p:txBody>
+            <a:bodyPr rtlCol="0" anchor="ctr"/>
+            <a:lstStyle/>
+            <a:p>
+              <a:pPr algn="ctr"/>
+              <a:r>
+                <a:rPr lang="en-CA" sz="1400" dirty="0"/>
+                <a:t>EC2 - Run </a:t>
+              </a:r>
+            </a:p>
+          </p:txBody>
+        </p:sp>
+        <p:cxnSp>
+          <p:nvCxnSpPr>
+            <p:cNvPr id="34" name="Straight Arrow Connector 33">
+              <a:extLst>
+                <a:ext uri="{FF2B5EF4-FFF2-40B4-BE49-F238E27FC236}">
+                  <a16:creationId xmlns:a16="http://schemas.microsoft.com/office/drawing/2014/main" id="{053D094D-09E0-49DD-9472-1026E34BBC86}"/>
+                </a:ext>
+              </a:extLst>
+            </p:cNvPr>
+            <p:cNvCxnSpPr>
+              <a:cxnSpLocks/>
+              <a:stCxn id="8" idx="3"/>
+              <a:endCxn id="32" idx="1"/>
+            </p:cNvCxnSpPr>
+            <p:nvPr/>
+          </p:nvCxnSpPr>
+          <p:spPr>
+            <a:xfrm>
+              <a:off x="5922703" y="1745282"/>
+              <a:ext cx="1545839" cy="0"/>
+            </a:xfrm>
+            <a:prstGeom prst="straightConnector1">
+              <a:avLst/>
+            </a:prstGeom>
+            <a:ln w="28575">
+              <a:solidFill>
+                <a:srgbClr val="2E75B6"/>
+              </a:solidFill>
+              <a:headEnd type="triangle" w="med" len="med"/>
+              <a:tailEnd type="triangle" w="med" len="med"/>
+            </a:ln>
+          </p:spPr>
+          <p:style>
+            <a:lnRef idx="1">
+              <a:schemeClr val="dk1"/>
+            </a:lnRef>
+            <a:fillRef idx="0">
+              <a:schemeClr val="dk1"/>
+            </a:fillRef>
+            <a:effectRef idx="0">
+              <a:schemeClr val="dk1"/>
+            </a:effectRef>
+            <a:fontRef idx="minor">
+              <a:schemeClr val="tx1"/>
+            </a:fontRef>
+          </p:style>
+        </p:cxnSp>
+        <p:cxnSp>
+          <p:nvCxnSpPr>
+            <p:cNvPr id="38" name="Connector: Elbow 37">
+              <a:extLst>
+                <a:ext uri="{FF2B5EF4-FFF2-40B4-BE49-F238E27FC236}">
+                  <a16:creationId xmlns:a16="http://schemas.microsoft.com/office/drawing/2014/main" id="{B2A0E7EB-46B8-4800-B658-81A1D5E688D8}"/>
+                </a:ext>
+              </a:extLst>
+            </p:cNvPr>
+            <p:cNvCxnSpPr>
+              <a:stCxn id="26" idx="2"/>
+              <a:endCxn id="32" idx="3"/>
+            </p:cNvCxnSpPr>
+            <p:nvPr/>
+          </p:nvCxnSpPr>
+          <p:spPr>
+            <a:xfrm rot="5400000">
+              <a:off x="9196394" y="1038750"/>
+              <a:ext cx="118937" cy="1294129"/>
+            </a:xfrm>
+            <a:prstGeom prst="bentConnector2">
+              <a:avLst/>
+            </a:prstGeom>
+            <a:ln w="28575">
+              <a:solidFill>
+                <a:srgbClr val="C00000"/>
+              </a:solidFill>
+              <a:prstDash val="solid"/>
+              <a:tailEnd type="triangle"/>
+            </a:ln>
+          </p:spPr>
+          <p:style>
+            <a:lnRef idx="1">
+              <a:schemeClr val="dk1"/>
+            </a:lnRef>
+            <a:fillRef idx="0">
+              <a:schemeClr val="dk1"/>
+            </a:fillRef>
+            <a:effectRef idx="0">
+              <a:schemeClr val="dk1"/>
+            </a:effectRef>
+            <a:fontRef idx="minor">
+              <a:schemeClr val="tx1"/>
+            </a:fontRef>
+          </p:style>
+        </p:cxnSp>
+        <p:sp>
+          <p:nvSpPr>
+            <p:cNvPr id="39" name="Rectangle: Rounded Corners 38">
+              <a:extLst>
+                <a:ext uri="{FF2B5EF4-FFF2-40B4-BE49-F238E27FC236}">
+                  <a16:creationId xmlns:a16="http://schemas.microsoft.com/office/drawing/2014/main" id="{F82E24E0-764C-47B4-A17D-569CE1DACE2A}"/>
+                </a:ext>
+              </a:extLst>
+            </p:cNvPr>
+            <p:cNvSpPr/>
+            <p:nvPr/>
+          </p:nvSpPr>
+          <p:spPr>
+            <a:xfrm>
+              <a:off x="7468542" y="2649616"/>
+              <a:ext cx="1462909" cy="670193"/>
+            </a:xfrm>
+            <a:prstGeom prst="roundRect">
+              <a:avLst/>
+            </a:prstGeom>
+            <a:solidFill>
+              <a:srgbClr val="F2843A"/>
+            </a:solidFill>
+            <a:ln>
+              <a:noFill/>
+            </a:ln>
+          </p:spPr>
+          <p:style>
+            <a:lnRef idx="2">
+              <a:schemeClr val="accent1">
+                <a:shade val="50000"/>
+              </a:schemeClr>
+            </a:lnRef>
+            <a:fillRef idx="1">
+              <a:schemeClr val="accent1"/>
+            </a:fillRef>
+            <a:effectRef idx="0">
+              <a:schemeClr val="accent1"/>
+            </a:effectRef>
+            <a:fontRef idx="minor">
+              <a:schemeClr val="lt1"/>
+            </a:fontRef>
+          </p:style>
+          <p:txBody>
+            <a:bodyPr rtlCol="0" anchor="ctr"/>
+            <a:lstStyle/>
+            <a:p>
+              <a:pPr algn="ctr"/>
+              <a:r>
+                <a:rPr lang="en-CA" sz="1400" dirty="0"/>
+                <a:t>DynamoDB – Image Store</a:t>
+              </a:r>
+            </a:p>
+          </p:txBody>
+        </p:sp>
+        <p:cxnSp>
+          <p:nvCxnSpPr>
+            <p:cNvPr id="42" name="Straight Arrow Connector 41">
+              <a:extLst>
+                <a:ext uri="{FF2B5EF4-FFF2-40B4-BE49-F238E27FC236}">
+                  <a16:creationId xmlns:a16="http://schemas.microsoft.com/office/drawing/2014/main" id="{73347713-C097-49AA-9CDE-07C163876D30}"/>
+                </a:ext>
+              </a:extLst>
+            </p:cNvPr>
+            <p:cNvCxnSpPr>
+              <a:cxnSpLocks/>
+              <a:stCxn id="10" idx="2"/>
+              <a:endCxn id="39" idx="1"/>
+            </p:cNvCxnSpPr>
+            <p:nvPr/>
+          </p:nvCxnSpPr>
+          <p:spPr>
+            <a:xfrm>
+              <a:off x="6548659" y="2545920"/>
+              <a:ext cx="919883" cy="438793"/>
+            </a:xfrm>
+            <a:prstGeom prst="straightConnector1">
+              <a:avLst/>
+            </a:prstGeom>
+            <a:ln w="28575">
+              <a:solidFill>
+                <a:srgbClr val="F2843A"/>
+              </a:solidFill>
+              <a:tailEnd type="triangle"/>
+            </a:ln>
+          </p:spPr>
+          <p:style>
+            <a:lnRef idx="1">
+              <a:schemeClr val="dk1"/>
+            </a:lnRef>
+            <a:fillRef idx="0">
+              <a:schemeClr val="dk1"/>
+            </a:fillRef>
+            <a:effectRef idx="0">
+              <a:schemeClr val="dk1"/>
+            </a:effectRef>
+            <a:fontRef idx="minor">
+              <a:schemeClr val="tx1"/>
+            </a:fontRef>
+          </p:style>
+        </p:cxnSp>
+        <p:sp>
+          <p:nvSpPr>
+            <p:cNvPr id="46" name="Rectangle: Rounded Corners 45">
+              <a:extLst>
+                <a:ext uri="{FF2B5EF4-FFF2-40B4-BE49-F238E27FC236}">
+                  <a16:creationId xmlns:a16="http://schemas.microsoft.com/office/drawing/2014/main" id="{8C68AC39-6130-4B8C-B15D-8D5EF25140B9}"/>
+                </a:ext>
+              </a:extLst>
+            </p:cNvPr>
+            <p:cNvSpPr/>
+            <p:nvPr/>
+          </p:nvSpPr>
+          <p:spPr>
+            <a:xfrm>
+              <a:off x="3418876" y="3399232"/>
+              <a:ext cx="1140256" cy="480656"/>
+            </a:xfrm>
+            <a:prstGeom prst="roundRect">
+              <a:avLst/>
+            </a:prstGeom>
+            <a:solidFill>
+              <a:srgbClr val="F2843A"/>
+            </a:solidFill>
+            <a:ln>
+              <a:noFill/>
+            </a:ln>
+          </p:spPr>
+          <p:style>
+            <a:lnRef idx="2">
+              <a:schemeClr val="accent1">
+                <a:shade val="50000"/>
+              </a:schemeClr>
+            </a:lnRef>
+            <a:fillRef idx="1">
+              <a:schemeClr val="accent1"/>
+            </a:fillRef>
+            <a:effectRef idx="0">
+              <a:schemeClr val="accent1"/>
+            </a:effectRef>
+            <a:fontRef idx="minor">
+              <a:schemeClr val="lt1"/>
+            </a:fontRef>
+          </p:style>
+          <p:txBody>
+            <a:bodyPr rtlCol="0" anchor="ctr"/>
+            <a:lstStyle/>
+            <a:p>
+              <a:pPr algn="ctr"/>
+              <a:r>
+                <a:rPr lang="en-CA" sz="1200" dirty="0"/>
+                <a:t>Search By Category</a:t>
+              </a:r>
+            </a:p>
+          </p:txBody>
+        </p:sp>
+        <p:sp>
+          <p:nvSpPr>
+            <p:cNvPr id="47" name="Rectangle: Rounded Corners 46">
+              <a:extLst>
+                <a:ext uri="{FF2B5EF4-FFF2-40B4-BE49-F238E27FC236}">
+                  <a16:creationId xmlns:a16="http://schemas.microsoft.com/office/drawing/2014/main" id="{C0388968-00EA-4CEB-8458-878060BD592B}"/>
+                </a:ext>
+              </a:extLst>
+            </p:cNvPr>
+            <p:cNvSpPr/>
+            <p:nvPr/>
+          </p:nvSpPr>
+          <p:spPr>
+            <a:xfrm>
+              <a:off x="3418876" y="4069203"/>
+              <a:ext cx="1140256" cy="480656"/>
+            </a:xfrm>
+            <a:prstGeom prst="roundRect">
+              <a:avLst/>
+            </a:prstGeom>
+            <a:solidFill>
+              <a:srgbClr val="F2843A"/>
+            </a:solidFill>
+            <a:ln>
+              <a:noFill/>
+            </a:ln>
+          </p:spPr>
+          <p:style>
+            <a:lnRef idx="2">
+              <a:schemeClr val="accent1">
+                <a:shade val="50000"/>
+              </a:schemeClr>
+            </a:lnRef>
+            <a:fillRef idx="1">
+              <a:schemeClr val="accent1"/>
+            </a:fillRef>
+            <a:effectRef idx="0">
+              <a:schemeClr val="accent1"/>
+            </a:effectRef>
+            <a:fontRef idx="minor">
+              <a:schemeClr val="lt1"/>
+            </a:fontRef>
+          </p:style>
+          <p:txBody>
+            <a:bodyPr rtlCol="0" anchor="ctr"/>
+            <a:lstStyle/>
+            <a:p>
+              <a:pPr algn="ctr"/>
+              <a:r>
+                <a:rPr lang="en-CA" sz="1200" dirty="0"/>
+                <a:t>List Images</a:t>
+              </a:r>
+            </a:p>
+          </p:txBody>
+        </p:sp>
+        <p:cxnSp>
+          <p:nvCxnSpPr>
+            <p:cNvPr id="48" name="Straight Arrow Connector 47">
+              <a:extLst>
+                <a:ext uri="{FF2B5EF4-FFF2-40B4-BE49-F238E27FC236}">
+                  <a16:creationId xmlns:a16="http://schemas.microsoft.com/office/drawing/2014/main" id="{93866867-036E-4823-BB30-C5227636351A}"/>
+                </a:ext>
+              </a:extLst>
+            </p:cNvPr>
+            <p:cNvCxnSpPr>
+              <a:cxnSpLocks/>
+              <a:stCxn id="5" idx="3"/>
+              <a:endCxn id="39" idx="1"/>
+            </p:cNvCxnSpPr>
+            <p:nvPr/>
+          </p:nvCxnSpPr>
+          <p:spPr>
+            <a:xfrm>
+              <a:off x="4559133" y="2976484"/>
+              <a:ext cx="2909409" cy="8229"/>
+            </a:xfrm>
+            <a:prstGeom prst="straightConnector1">
+              <a:avLst/>
+            </a:prstGeom>
+            <a:ln w="28575">
+              <a:solidFill>
+                <a:srgbClr val="F2843A"/>
+              </a:solidFill>
+              <a:headEnd type="triangle" w="med" len="med"/>
+              <a:tailEnd type="triangle" w="med" len="med"/>
+            </a:ln>
+          </p:spPr>
+          <p:style>
+            <a:lnRef idx="1">
+              <a:schemeClr val="dk1"/>
+            </a:lnRef>
+            <a:fillRef idx="0">
+              <a:schemeClr val="dk1"/>
+            </a:fillRef>
+            <a:effectRef idx="0">
+              <a:schemeClr val="dk1"/>
+            </a:effectRef>
+            <a:fontRef idx="minor">
+              <a:schemeClr val="tx1"/>
+            </a:fontRef>
+          </p:style>
+        </p:cxnSp>
+        <p:cxnSp>
+          <p:nvCxnSpPr>
+            <p:cNvPr id="52" name="Connector: Elbow 51">
+              <a:extLst>
+                <a:ext uri="{FF2B5EF4-FFF2-40B4-BE49-F238E27FC236}">
+                  <a16:creationId xmlns:a16="http://schemas.microsoft.com/office/drawing/2014/main" id="{A91A7C16-CD8F-4710-874D-D7B9C1758281}"/>
+                </a:ext>
+              </a:extLst>
+            </p:cNvPr>
+            <p:cNvCxnSpPr>
+              <a:stCxn id="46" idx="3"/>
+              <a:endCxn id="39" idx="1"/>
+            </p:cNvCxnSpPr>
+            <p:nvPr/>
+          </p:nvCxnSpPr>
+          <p:spPr>
+            <a:xfrm flipV="1">
+              <a:off x="4559133" y="2984712"/>
+              <a:ext cx="2909409" cy="654848"/>
+            </a:xfrm>
+            <a:prstGeom prst="bentConnector3">
+              <a:avLst/>
+            </a:prstGeom>
+            <a:ln w="28575">
+              <a:solidFill>
+                <a:srgbClr val="F2843A"/>
+              </a:solidFill>
+              <a:headEnd type="triangle" w="med" len="med"/>
+              <a:tailEnd type="triangle" w="med" len="med"/>
+            </a:ln>
+          </p:spPr>
+          <p:style>
+            <a:lnRef idx="1">
+              <a:schemeClr val="dk1"/>
+            </a:lnRef>
+            <a:fillRef idx="0">
+              <a:schemeClr val="dk1"/>
+            </a:fillRef>
+            <a:effectRef idx="0">
+              <a:schemeClr val="dk1"/>
+            </a:effectRef>
+            <a:fontRef idx="minor">
+              <a:schemeClr val="tx1"/>
+            </a:fontRef>
+          </p:style>
+        </p:cxnSp>
+        <p:cxnSp>
+          <p:nvCxnSpPr>
+            <p:cNvPr id="54" name="Connector: Elbow 53">
+              <a:extLst>
+                <a:ext uri="{FF2B5EF4-FFF2-40B4-BE49-F238E27FC236}">
+                  <a16:creationId xmlns:a16="http://schemas.microsoft.com/office/drawing/2014/main" id="{B7B058E9-8AB9-4B9F-B2E5-9B4BA1B653A5}"/>
+                </a:ext>
+              </a:extLst>
+            </p:cNvPr>
+            <p:cNvCxnSpPr>
+              <a:cxnSpLocks/>
+              <a:stCxn id="26" idx="2"/>
+            </p:cNvCxnSpPr>
+            <p:nvPr/>
+          </p:nvCxnSpPr>
+          <p:spPr>
+            <a:xfrm rot="5400000">
+              <a:off x="6225996" y="105084"/>
+              <a:ext cx="2155668" cy="5198192"/>
+            </a:xfrm>
+            <a:prstGeom prst="bentConnector2">
+              <a:avLst/>
+            </a:prstGeom>
+            <a:ln w="28575">
+              <a:solidFill>
+                <a:srgbClr val="C00000"/>
+              </a:solidFill>
+              <a:headEnd type="triangle" w="med" len="med"/>
+              <a:tailEnd type="triangle" w="med" len="med"/>
+            </a:ln>
+          </p:spPr>
+          <p:style>
+            <a:lnRef idx="1">
+              <a:schemeClr val="accent1"/>
+            </a:lnRef>
+            <a:fillRef idx="0">
+              <a:schemeClr val="accent1"/>
+            </a:fillRef>
+            <a:effectRef idx="0">
+              <a:schemeClr val="accent1"/>
+            </a:effectRef>
+            <a:fontRef idx="minor">
+              <a:schemeClr val="tx1"/>
+            </a:fontRef>
+          </p:style>
+        </p:cxnSp>
+        <p:cxnSp>
+          <p:nvCxnSpPr>
+            <p:cNvPr id="55" name="Connector: Elbow 54">
+              <a:extLst>
+                <a:ext uri="{FF2B5EF4-FFF2-40B4-BE49-F238E27FC236}">
+                  <a16:creationId xmlns:a16="http://schemas.microsoft.com/office/drawing/2014/main" id="{A5F47143-5A98-4C60-BE9E-AB142F81EBA1}"/>
+                </a:ext>
+              </a:extLst>
+            </p:cNvPr>
+            <p:cNvCxnSpPr>
+              <a:cxnSpLocks/>
+            </p:cNvCxnSpPr>
+            <p:nvPr/>
+          </p:nvCxnSpPr>
+          <p:spPr>
+            <a:xfrm rot="10800000">
+              <a:off x="4559132" y="3098095"/>
+              <a:ext cx="3295568" cy="683917"/>
+            </a:xfrm>
+            <a:prstGeom prst="bentConnector3">
+              <a:avLst>
+                <a:gd name="adj1" fmla="val 50000"/>
+              </a:avLst>
+            </a:prstGeom>
+            <a:ln w="28575">
+              <a:solidFill>
+                <a:srgbClr val="C00000"/>
+              </a:solidFill>
+              <a:tailEnd type="triangle"/>
+            </a:ln>
+          </p:spPr>
+          <p:style>
+            <a:lnRef idx="1">
+              <a:schemeClr val="accent1"/>
+            </a:lnRef>
+            <a:fillRef idx="0">
+              <a:schemeClr val="accent1"/>
+            </a:fillRef>
+            <a:effectRef idx="0">
+              <a:schemeClr val="accent1"/>
+            </a:effectRef>
+            <a:fontRef idx="minor">
+              <a:schemeClr val="tx1"/>
+            </a:fontRef>
+          </p:style>
+        </p:cxnSp>
+        <p:cxnSp>
+          <p:nvCxnSpPr>
+            <p:cNvPr id="59" name="Connector: Elbow 58">
+              <a:extLst>
+                <a:ext uri="{FF2B5EF4-FFF2-40B4-BE49-F238E27FC236}">
+                  <a16:creationId xmlns:a16="http://schemas.microsoft.com/office/drawing/2014/main" id="{9847333B-0D80-4756-907A-7480EE2A6BE0}"/>
+                </a:ext>
+              </a:extLst>
+            </p:cNvPr>
+            <p:cNvCxnSpPr>
+              <a:cxnSpLocks/>
+              <a:endCxn id="39" idx="1"/>
+            </p:cNvCxnSpPr>
+            <p:nvPr/>
+          </p:nvCxnSpPr>
+          <p:spPr>
+            <a:xfrm flipV="1">
+              <a:off x="4525187" y="2984713"/>
+              <a:ext cx="2943354" cy="1342073"/>
+            </a:xfrm>
+            <a:prstGeom prst="bentConnector3">
+              <a:avLst>
+                <a:gd name="adj1" fmla="val 50586"/>
+              </a:avLst>
+            </a:prstGeom>
+            <a:ln w="28575">
+              <a:solidFill>
+                <a:srgbClr val="F2843A"/>
+              </a:solidFill>
+              <a:headEnd type="triangle" w="med" len="med"/>
+              <a:tailEnd type="triangle" w="med" len="med"/>
+            </a:ln>
+          </p:spPr>
+          <p:style>
+            <a:lnRef idx="1">
+              <a:schemeClr val="dk1"/>
+            </a:lnRef>
+            <a:fillRef idx="0">
+              <a:schemeClr val="dk1"/>
+            </a:fillRef>
+            <a:effectRef idx="0">
+              <a:schemeClr val="dk1"/>
+            </a:effectRef>
+            <a:fontRef idx="minor">
+              <a:schemeClr val="tx1"/>
+            </a:fontRef>
+          </p:style>
+        </p:cxnSp>
+        <p:sp>
+          <p:nvSpPr>
+            <p:cNvPr id="62" name="Rectangle: Rounded Corners 61">
+              <a:extLst>
+                <a:ext uri="{FF2B5EF4-FFF2-40B4-BE49-F238E27FC236}">
+                  <a16:creationId xmlns:a16="http://schemas.microsoft.com/office/drawing/2014/main" id="{5AC7A7D2-AE19-4758-BDB8-DF4131099DB6}"/>
+                </a:ext>
+              </a:extLst>
+            </p:cNvPr>
+            <p:cNvSpPr/>
+            <p:nvPr/>
+          </p:nvSpPr>
+          <p:spPr>
+            <a:xfrm>
+              <a:off x="3431575" y="4691509"/>
+              <a:ext cx="1140256" cy="359055"/>
+            </a:xfrm>
+            <a:prstGeom prst="roundRect">
+              <a:avLst/>
+            </a:prstGeom>
+            <a:solidFill>
+              <a:srgbClr val="2CABAE"/>
+            </a:solidFill>
+            <a:ln>
+              <a:noFill/>
+            </a:ln>
+          </p:spPr>
+          <p:style>
+            <a:lnRef idx="2">
+              <a:schemeClr val="accent1">
+                <a:shade val="50000"/>
+              </a:schemeClr>
+            </a:lnRef>
+            <a:fillRef idx="1">
+              <a:schemeClr val="accent1"/>
+            </a:fillRef>
+            <a:effectRef idx="0">
+              <a:schemeClr val="accent1"/>
+            </a:effectRef>
+            <a:fontRef idx="minor">
+              <a:schemeClr val="lt1"/>
+            </a:fontRef>
+          </p:style>
+          <p:txBody>
+            <a:bodyPr rtlCol="0" anchor="ctr"/>
+            <a:lstStyle/>
+            <a:p>
+              <a:pPr algn="ctr"/>
+              <a:r>
+                <a:rPr lang="en-CA" sz="1200" dirty="0"/>
+                <a:t>Manager Login</a:t>
+              </a:r>
+            </a:p>
+          </p:txBody>
+        </p:sp>
+        <p:sp>
+          <p:nvSpPr>
+            <p:cNvPr id="63" name="Rectangle: Rounded Corners 62">
+              <a:extLst>
+                <a:ext uri="{FF2B5EF4-FFF2-40B4-BE49-F238E27FC236}">
+                  <a16:creationId xmlns:a16="http://schemas.microsoft.com/office/drawing/2014/main" id="{BD569B63-FC59-4E01-8D86-B0DE7C8CFCC7}"/>
+                </a:ext>
+              </a:extLst>
+            </p:cNvPr>
+            <p:cNvSpPr/>
+            <p:nvPr/>
+          </p:nvSpPr>
+          <p:spPr>
+            <a:xfrm>
+              <a:off x="7586737" y="4691508"/>
+              <a:ext cx="1140256" cy="359055"/>
+            </a:xfrm>
+            <a:prstGeom prst="roundRect">
+              <a:avLst/>
+            </a:prstGeom>
+            <a:solidFill>
+              <a:srgbClr val="2CABAE"/>
+            </a:solidFill>
+            <a:ln>
+              <a:noFill/>
+            </a:ln>
+          </p:spPr>
+          <p:style>
+            <a:lnRef idx="2">
+              <a:schemeClr val="accent1">
+                <a:shade val="50000"/>
+              </a:schemeClr>
+            </a:lnRef>
+            <a:fillRef idx="1">
+              <a:schemeClr val="accent1"/>
+            </a:fillRef>
+            <a:effectRef idx="0">
+              <a:schemeClr val="accent1"/>
+            </a:effectRef>
+            <a:fontRef idx="minor">
+              <a:schemeClr val="lt1"/>
+            </a:fontRef>
+          </p:style>
+          <p:txBody>
+            <a:bodyPr rtlCol="0" anchor="ctr"/>
+            <a:lstStyle/>
+            <a:p>
+              <a:pPr algn="ctr"/>
+              <a:r>
+                <a:rPr lang="en-CA" sz="1600" dirty="0"/>
+                <a:t>Cognito</a:t>
+              </a:r>
+            </a:p>
+          </p:txBody>
+        </p:sp>
+        <p:cxnSp>
+          <p:nvCxnSpPr>
+            <p:cNvPr id="64" name="Straight Arrow Connector 63">
+              <a:extLst>
+                <a:ext uri="{FF2B5EF4-FFF2-40B4-BE49-F238E27FC236}">
+                  <a16:creationId xmlns:a16="http://schemas.microsoft.com/office/drawing/2014/main" id="{DD237546-D3E2-42CA-99F1-72937198F6B1}"/>
+                </a:ext>
+              </a:extLst>
+            </p:cNvPr>
+            <p:cNvCxnSpPr>
+              <a:cxnSpLocks/>
+              <a:stCxn id="62" idx="3"/>
+              <a:endCxn id="63" idx="1"/>
+            </p:cNvCxnSpPr>
+            <p:nvPr/>
+          </p:nvCxnSpPr>
+          <p:spPr>
+            <a:xfrm flipV="1">
+              <a:off x="4571831" y="4871036"/>
+              <a:ext cx="3014906" cy="1"/>
+            </a:xfrm>
+            <a:prstGeom prst="straightConnector1">
+              <a:avLst/>
+            </a:prstGeom>
+            <a:ln w="28575">
+              <a:solidFill>
+                <a:srgbClr val="2CABAE"/>
+              </a:solidFill>
+              <a:tailEnd type="triangle"/>
+            </a:ln>
+          </p:spPr>
+          <p:style>
+            <a:lnRef idx="1">
+              <a:schemeClr val="dk1"/>
+            </a:lnRef>
+            <a:fillRef idx="0">
+              <a:schemeClr val="dk1"/>
+            </a:fillRef>
+            <a:effectRef idx="0">
+              <a:schemeClr val="dk1"/>
+            </a:effectRef>
+            <a:fontRef idx="minor">
+              <a:schemeClr val="tx1"/>
+            </a:fontRef>
+          </p:style>
+        </p:cxnSp>
+        <p:sp>
+          <p:nvSpPr>
+            <p:cNvPr id="67" name="Rectangle: Rounded Corners 66">
+              <a:extLst>
+                <a:ext uri="{FF2B5EF4-FFF2-40B4-BE49-F238E27FC236}">
+                  <a16:creationId xmlns:a16="http://schemas.microsoft.com/office/drawing/2014/main" id="{9FAED6BF-99D1-4885-89FC-77096B82A55E}"/>
+                </a:ext>
+              </a:extLst>
+            </p:cNvPr>
+            <p:cNvSpPr/>
+            <p:nvPr/>
+          </p:nvSpPr>
+          <p:spPr>
+            <a:xfrm>
+              <a:off x="1122206" y="2513513"/>
+              <a:ext cx="1219920" cy="635529"/>
+            </a:xfrm>
+            <a:prstGeom prst="roundRect">
+              <a:avLst/>
+            </a:prstGeom>
+            <a:solidFill>
+              <a:srgbClr val="19A329"/>
+            </a:solidFill>
+            <a:ln>
+              <a:noFill/>
+            </a:ln>
+          </p:spPr>
+          <p:style>
+            <a:lnRef idx="2">
+              <a:schemeClr val="accent1">
+                <a:shade val="50000"/>
+              </a:schemeClr>
+            </a:lnRef>
+            <a:fillRef idx="1">
+              <a:schemeClr val="accent1"/>
+            </a:fillRef>
+            <a:effectRef idx="0">
+              <a:schemeClr val="accent1"/>
+            </a:effectRef>
+            <a:fontRef idx="minor">
+              <a:schemeClr val="lt1"/>
+            </a:fontRef>
+          </p:style>
+          <p:txBody>
+            <a:bodyPr rtlCol="0" anchor="ctr"/>
+            <a:lstStyle/>
+            <a:p>
+              <a:pPr algn="ctr"/>
+              <a:r>
+                <a:rPr lang="en-CA" sz="1600" dirty="0"/>
+                <a:t>API Gateway</a:t>
+              </a:r>
+            </a:p>
+          </p:txBody>
+        </p:sp>
+        <p:cxnSp>
+          <p:nvCxnSpPr>
+            <p:cNvPr id="68" name="Straight Arrow Connector 67">
+              <a:extLst>
+                <a:ext uri="{FF2B5EF4-FFF2-40B4-BE49-F238E27FC236}">
+                  <a16:creationId xmlns:a16="http://schemas.microsoft.com/office/drawing/2014/main" id="{E23D31C1-9074-453E-82DB-63C836C73576}"/>
+                </a:ext>
+              </a:extLst>
+            </p:cNvPr>
+            <p:cNvCxnSpPr>
+              <a:cxnSpLocks/>
+              <a:stCxn id="67" idx="3"/>
+              <a:endCxn id="4" idx="1"/>
+            </p:cNvCxnSpPr>
+            <p:nvPr/>
+          </p:nvCxnSpPr>
+          <p:spPr>
+            <a:xfrm>
+              <a:off x="2342126" y="2831278"/>
+              <a:ext cx="927412" cy="6705"/>
+            </a:xfrm>
+            <a:prstGeom prst="straightConnector1">
+              <a:avLst/>
+            </a:prstGeom>
+            <a:ln w="28575">
+              <a:tailEnd type="triangle"/>
+            </a:ln>
+          </p:spPr>
+          <p:style>
+            <a:lnRef idx="1">
+              <a:schemeClr val="dk1"/>
+            </a:lnRef>
+            <a:fillRef idx="0">
+              <a:schemeClr val="dk1"/>
+            </a:fillRef>
+            <a:effectRef idx="0">
+              <a:schemeClr val="dk1"/>
+            </a:effectRef>
+            <a:fontRef idx="minor">
+              <a:schemeClr val="tx1"/>
+            </a:fontRef>
+          </p:style>
+        </p:cxnSp>
+        <p:sp>
+          <p:nvSpPr>
+            <p:cNvPr id="103" name="Rectangle: Rounded Corners 102">
+              <a:extLst>
+                <a:ext uri="{FF2B5EF4-FFF2-40B4-BE49-F238E27FC236}">
+                  <a16:creationId xmlns:a16="http://schemas.microsoft.com/office/drawing/2014/main" id="{5D2E9C33-6A81-4BD3-944D-7A0FDA23E079}"/>
+                </a:ext>
+              </a:extLst>
+            </p:cNvPr>
+            <p:cNvSpPr/>
+            <p:nvPr/>
+          </p:nvSpPr>
+          <p:spPr>
+            <a:xfrm>
+              <a:off x="3269538" y="5809325"/>
+              <a:ext cx="4054415" cy="5753590"/>
+            </a:xfrm>
+            <a:prstGeom prst="roundRect">
+              <a:avLst>
+                <a:gd name="adj" fmla="val 9646"/>
+              </a:avLst>
+            </a:prstGeom>
+            <a:noFill/>
+            <a:ln w="38100">
+              <a:solidFill>
+                <a:srgbClr val="8A2E5E"/>
+              </a:solidFill>
+              <a:prstDash val="lgDash"/>
+            </a:ln>
+          </p:spPr>
+          <p:style>
+            <a:lnRef idx="2">
+              <a:schemeClr val="accent1">
+                <a:shade val="50000"/>
+              </a:schemeClr>
+            </a:lnRef>
+            <a:fillRef idx="1">
+              <a:schemeClr val="accent1"/>
+            </a:fillRef>
+            <a:effectRef idx="0">
+              <a:schemeClr val="accent1"/>
+            </a:effectRef>
+            <a:fontRef idx="minor">
+              <a:schemeClr val="lt1"/>
+            </a:fontRef>
+          </p:style>
+          <p:txBody>
+            <a:bodyPr rtlCol="0" anchor="t"/>
+            <a:lstStyle/>
+            <a:p>
+              <a:r>
+                <a:rPr lang="en-CA" sz="1600" b="1" dirty="0">
+                  <a:solidFill>
+                    <a:srgbClr val="8A2E5E"/>
+                  </a:solidFill>
+                </a:rPr>
+                <a:t>Lambda - Manager Application</a:t>
+              </a:r>
+            </a:p>
+          </p:txBody>
+        </p:sp>
+        <p:cxnSp>
+          <p:nvCxnSpPr>
+            <p:cNvPr id="108" name="Straight Arrow Connector 107">
+              <a:extLst>
+                <a:ext uri="{FF2B5EF4-FFF2-40B4-BE49-F238E27FC236}">
+                  <a16:creationId xmlns:a16="http://schemas.microsoft.com/office/drawing/2014/main" id="{B246D2B0-D92F-46E3-B853-F9E37443BCC0}"/>
+                </a:ext>
+              </a:extLst>
+            </p:cNvPr>
+            <p:cNvCxnSpPr>
+              <a:cxnSpLocks/>
+              <a:stCxn id="133" idx="2"/>
+              <a:endCxn id="135" idx="1"/>
+            </p:cNvCxnSpPr>
+            <p:nvPr/>
+          </p:nvCxnSpPr>
+          <p:spPr>
+            <a:xfrm>
+              <a:off x="3989002" y="6955776"/>
+              <a:ext cx="681787" cy="327842"/>
+            </a:xfrm>
+            <a:prstGeom prst="straightConnector1">
+              <a:avLst/>
+            </a:prstGeom>
+            <a:ln w="28575">
+              <a:tailEnd type="triangle"/>
+            </a:ln>
+          </p:spPr>
+          <p:style>
+            <a:lnRef idx="1">
+              <a:schemeClr val="dk1"/>
+            </a:lnRef>
+            <a:fillRef idx="0">
+              <a:schemeClr val="dk1"/>
+            </a:fillRef>
+            <a:effectRef idx="0">
+              <a:schemeClr val="dk1"/>
+            </a:effectRef>
+            <a:fontRef idx="minor">
+              <a:schemeClr val="tx1"/>
+            </a:fontRef>
+          </p:style>
+        </p:cxnSp>
+        <p:sp>
+          <p:nvSpPr>
+            <p:cNvPr id="110" name="Rectangle: Rounded Corners 109">
+              <a:extLst>
+                <a:ext uri="{FF2B5EF4-FFF2-40B4-BE49-F238E27FC236}">
+                  <a16:creationId xmlns:a16="http://schemas.microsoft.com/office/drawing/2014/main" id="{B9BF896B-39FD-4C1B-B116-C763C56683AA}"/>
+                </a:ext>
+              </a:extLst>
+            </p:cNvPr>
+            <p:cNvSpPr/>
+            <p:nvPr/>
+          </p:nvSpPr>
+          <p:spPr>
+            <a:xfrm>
+              <a:off x="7616045" y="7918868"/>
+              <a:ext cx="1140256" cy="849721"/>
+            </a:xfrm>
+            <a:prstGeom prst="roundRect">
+              <a:avLst/>
+            </a:prstGeom>
+            <a:solidFill>
+              <a:srgbClr val="C00000"/>
+            </a:solidFill>
+            <a:ln>
+              <a:noFill/>
+            </a:ln>
+          </p:spPr>
+          <p:style>
+            <a:lnRef idx="2">
+              <a:schemeClr val="accent1">
+                <a:shade val="50000"/>
+              </a:schemeClr>
+            </a:lnRef>
+            <a:fillRef idx="1">
+              <a:schemeClr val="accent1"/>
+            </a:fillRef>
+            <a:effectRef idx="0">
+              <a:schemeClr val="accent1"/>
+            </a:effectRef>
+            <a:fontRef idx="minor">
+              <a:schemeClr val="lt1"/>
+            </a:fontRef>
+          </p:style>
+          <p:txBody>
+            <a:bodyPr rtlCol="0" anchor="ctr"/>
+            <a:lstStyle/>
+            <a:p>
+              <a:pPr algn="ctr"/>
+              <a:r>
+                <a:rPr lang="en-CA" sz="1600" dirty="0"/>
+                <a:t>S3 - Image</a:t>
+              </a:r>
+            </a:p>
+          </p:txBody>
+        </p:sp>
+        <p:sp>
+          <p:nvSpPr>
+            <p:cNvPr id="115" name="Rectangle: Rounded Corners 114">
+              <a:extLst>
+                <a:ext uri="{FF2B5EF4-FFF2-40B4-BE49-F238E27FC236}">
+                  <a16:creationId xmlns:a16="http://schemas.microsoft.com/office/drawing/2014/main" id="{25F0741E-80C2-44CE-9228-37FB87EFA527}"/>
+                </a:ext>
+              </a:extLst>
+            </p:cNvPr>
+            <p:cNvSpPr/>
+            <p:nvPr/>
+          </p:nvSpPr>
+          <p:spPr>
+            <a:xfrm>
+              <a:off x="8908833" y="6945067"/>
+              <a:ext cx="1767257" cy="670193"/>
+            </a:xfrm>
+            <a:prstGeom prst="roundRect">
+              <a:avLst/>
+            </a:prstGeom>
+            <a:solidFill>
+              <a:srgbClr val="F2843A"/>
+            </a:solidFill>
+            <a:ln>
+              <a:noFill/>
+            </a:ln>
+          </p:spPr>
+          <p:style>
+            <a:lnRef idx="2">
+              <a:schemeClr val="accent1">
+                <a:shade val="50000"/>
+              </a:schemeClr>
+            </a:lnRef>
+            <a:fillRef idx="1">
+              <a:schemeClr val="accent1"/>
+            </a:fillRef>
+            <a:effectRef idx="0">
+              <a:schemeClr val="accent1"/>
+            </a:effectRef>
+            <a:fontRef idx="minor">
+              <a:schemeClr val="lt1"/>
+            </a:fontRef>
+          </p:style>
+          <p:txBody>
+            <a:bodyPr rtlCol="0" anchor="ctr"/>
+            <a:lstStyle/>
+            <a:p>
+              <a:pPr algn="ctr"/>
+              <a:r>
+                <a:rPr lang="en-CA" sz="1400" dirty="0"/>
+                <a:t>DynamoDB – Image Store</a:t>
+              </a:r>
+            </a:p>
+          </p:txBody>
+        </p:sp>
+        <p:sp>
+          <p:nvSpPr>
+            <p:cNvPr id="117" name="Rectangle: Rounded Corners 116">
+              <a:extLst>
+                <a:ext uri="{FF2B5EF4-FFF2-40B4-BE49-F238E27FC236}">
+                  <a16:creationId xmlns:a16="http://schemas.microsoft.com/office/drawing/2014/main" id="{7C525B22-1194-4789-9C4D-48E420541E3E}"/>
+                </a:ext>
+              </a:extLst>
+            </p:cNvPr>
+            <p:cNvSpPr/>
+            <p:nvPr/>
+          </p:nvSpPr>
+          <p:spPr>
+            <a:xfrm>
+              <a:off x="3406394" y="7946379"/>
+              <a:ext cx="1140256" cy="480656"/>
+            </a:xfrm>
+            <a:prstGeom prst="roundRect">
+              <a:avLst/>
+            </a:prstGeom>
+            <a:solidFill>
+              <a:srgbClr val="F2843A"/>
+            </a:solidFill>
+            <a:ln>
+              <a:noFill/>
+            </a:ln>
+          </p:spPr>
+          <p:style>
+            <a:lnRef idx="2">
+              <a:schemeClr val="accent1">
+                <a:shade val="50000"/>
+              </a:schemeClr>
+            </a:lnRef>
+            <a:fillRef idx="1">
+              <a:schemeClr val="accent1"/>
+            </a:fillRef>
+            <a:effectRef idx="0">
+              <a:schemeClr val="accent1"/>
+            </a:effectRef>
+            <a:fontRef idx="minor">
+              <a:schemeClr val="lt1"/>
+            </a:fontRef>
+          </p:style>
+          <p:txBody>
+            <a:bodyPr rtlCol="0" anchor="ctr"/>
+            <a:lstStyle/>
+            <a:p>
+              <a:pPr algn="ctr"/>
+              <a:r>
+                <a:rPr lang="en-CA" sz="1200" dirty="0"/>
+                <a:t>Search By Category</a:t>
+              </a:r>
+            </a:p>
+          </p:txBody>
+        </p:sp>
+        <p:sp>
+          <p:nvSpPr>
+            <p:cNvPr id="118" name="Rectangle: Rounded Corners 117">
+              <a:extLst>
+                <a:ext uri="{FF2B5EF4-FFF2-40B4-BE49-F238E27FC236}">
+                  <a16:creationId xmlns:a16="http://schemas.microsoft.com/office/drawing/2014/main" id="{F82D425F-20EA-475E-A033-4332ECFA718F}"/>
+                </a:ext>
+              </a:extLst>
+            </p:cNvPr>
+            <p:cNvSpPr/>
+            <p:nvPr/>
+          </p:nvSpPr>
+          <p:spPr>
+            <a:xfrm>
+              <a:off x="3406394" y="8746005"/>
+              <a:ext cx="1140256" cy="480656"/>
+            </a:xfrm>
+            <a:prstGeom prst="roundRect">
+              <a:avLst/>
+            </a:prstGeom>
+            <a:solidFill>
+              <a:srgbClr val="F2843A"/>
+            </a:solidFill>
+            <a:ln>
+              <a:noFill/>
+            </a:ln>
+          </p:spPr>
+          <p:style>
+            <a:lnRef idx="2">
+              <a:schemeClr val="accent1">
+                <a:shade val="50000"/>
+              </a:schemeClr>
+            </a:lnRef>
+            <a:fillRef idx="1">
+              <a:schemeClr val="accent1"/>
+            </a:fillRef>
+            <a:effectRef idx="0">
+              <a:schemeClr val="accent1"/>
+            </a:effectRef>
+            <a:fontRef idx="minor">
+              <a:schemeClr val="lt1"/>
+            </a:fontRef>
+          </p:style>
+          <p:txBody>
+            <a:bodyPr rtlCol="0" anchor="ctr"/>
+            <a:lstStyle/>
+            <a:p>
+              <a:pPr algn="ctr"/>
+              <a:r>
+                <a:rPr lang="en-CA" sz="1200" dirty="0"/>
+                <a:t>List Images</a:t>
+              </a:r>
+            </a:p>
+          </p:txBody>
+        </p:sp>
+        <p:cxnSp>
+          <p:nvCxnSpPr>
+            <p:cNvPr id="122" name="Connector: Elbow 121">
+              <a:extLst>
+                <a:ext uri="{FF2B5EF4-FFF2-40B4-BE49-F238E27FC236}">
+                  <a16:creationId xmlns:a16="http://schemas.microsoft.com/office/drawing/2014/main" id="{10A38A41-30E0-4916-A880-413F300FF38F}"/>
+                </a:ext>
+              </a:extLst>
+            </p:cNvPr>
+            <p:cNvCxnSpPr>
+              <a:cxnSpLocks/>
+              <a:stCxn id="110" idx="1"/>
+            </p:cNvCxnSpPr>
+            <p:nvPr/>
+          </p:nvCxnSpPr>
+          <p:spPr>
+            <a:xfrm rot="10800000">
+              <a:off x="4546651" y="6588801"/>
+              <a:ext cx="3069395" cy="1754928"/>
+            </a:xfrm>
+            <a:prstGeom prst="bentConnector3">
+              <a:avLst>
+                <a:gd name="adj1" fmla="val 41725"/>
+              </a:avLst>
+            </a:prstGeom>
+            <a:ln w="28575">
+              <a:solidFill>
+                <a:srgbClr val="C00000"/>
+              </a:solidFill>
+              <a:headEnd type="triangle" w="med" len="med"/>
+              <a:tailEnd type="triangle" w="med" len="med"/>
+            </a:ln>
+          </p:spPr>
+          <p:style>
+            <a:lnRef idx="1">
+              <a:schemeClr val="accent1"/>
+            </a:lnRef>
+            <a:fillRef idx="0">
+              <a:schemeClr val="accent1"/>
+            </a:fillRef>
+            <a:effectRef idx="0">
+              <a:schemeClr val="accent1"/>
+            </a:effectRef>
+            <a:fontRef idx="minor">
+              <a:schemeClr val="tx1"/>
+            </a:fontRef>
+          </p:style>
+        </p:cxnSp>
+        <p:sp>
+          <p:nvSpPr>
+            <p:cNvPr id="127" name="Rectangle: Rounded Corners 126">
+              <a:extLst>
+                <a:ext uri="{FF2B5EF4-FFF2-40B4-BE49-F238E27FC236}">
+                  <a16:creationId xmlns:a16="http://schemas.microsoft.com/office/drawing/2014/main" id="{04DDEC7E-ECAC-403E-96BD-5A81EDCF8688}"/>
+                </a:ext>
+              </a:extLst>
+            </p:cNvPr>
+            <p:cNvSpPr/>
+            <p:nvPr/>
+          </p:nvSpPr>
+          <p:spPr>
+            <a:xfrm>
+              <a:off x="1122206" y="8022498"/>
+              <a:ext cx="1219920" cy="635529"/>
+            </a:xfrm>
+            <a:prstGeom prst="roundRect">
+              <a:avLst/>
+            </a:prstGeom>
+            <a:solidFill>
+              <a:srgbClr val="19A329"/>
+            </a:solidFill>
+            <a:ln>
+              <a:noFill/>
+            </a:ln>
+          </p:spPr>
+          <p:style>
+            <a:lnRef idx="2">
+              <a:schemeClr val="accent1">
+                <a:shade val="50000"/>
+              </a:schemeClr>
+            </a:lnRef>
+            <a:fillRef idx="1">
+              <a:schemeClr val="accent1"/>
+            </a:fillRef>
+            <a:effectRef idx="0">
+              <a:schemeClr val="accent1"/>
+            </a:effectRef>
+            <a:fontRef idx="minor">
+              <a:schemeClr val="lt1"/>
+            </a:fontRef>
+          </p:style>
+          <p:txBody>
+            <a:bodyPr rtlCol="0" anchor="ctr"/>
+            <a:lstStyle/>
+            <a:p>
+              <a:pPr algn="ctr"/>
+              <a:r>
+                <a:rPr lang="en-CA" sz="1600" dirty="0"/>
+                <a:t>API Gateway</a:t>
+              </a:r>
+            </a:p>
+          </p:txBody>
+        </p:sp>
+        <p:cxnSp>
+          <p:nvCxnSpPr>
+            <p:cNvPr id="128" name="Straight Arrow Connector 127">
+              <a:extLst>
+                <a:ext uri="{FF2B5EF4-FFF2-40B4-BE49-F238E27FC236}">
+                  <a16:creationId xmlns:a16="http://schemas.microsoft.com/office/drawing/2014/main" id="{58D714DD-00A2-48C9-84F1-665F39526C04}"/>
+                </a:ext>
+              </a:extLst>
+            </p:cNvPr>
+            <p:cNvCxnSpPr>
+              <a:cxnSpLocks/>
+              <a:stCxn id="127" idx="3"/>
+              <a:endCxn id="103" idx="1"/>
+            </p:cNvCxnSpPr>
+            <p:nvPr/>
+          </p:nvCxnSpPr>
+          <p:spPr>
+            <a:xfrm>
+              <a:off x="2342126" y="8340263"/>
+              <a:ext cx="927412" cy="345857"/>
+            </a:xfrm>
+            <a:prstGeom prst="straightConnector1">
+              <a:avLst/>
+            </a:prstGeom>
+            <a:ln w="28575">
+              <a:tailEnd type="triangle"/>
+            </a:ln>
+          </p:spPr>
+          <p:style>
+            <a:lnRef idx="1">
+              <a:schemeClr val="dk1"/>
+            </a:lnRef>
+            <a:fillRef idx="0">
+              <a:schemeClr val="dk1"/>
+            </a:fillRef>
+            <a:effectRef idx="0">
+              <a:schemeClr val="dk1"/>
+            </a:effectRef>
+            <a:fontRef idx="minor">
+              <a:schemeClr val="tx1"/>
+            </a:fontRef>
+          </p:style>
+        </p:cxnSp>
+        <p:cxnSp>
+          <p:nvCxnSpPr>
+            <p:cNvPr id="130" name="Connector: Elbow 129">
+              <a:extLst>
+                <a:ext uri="{FF2B5EF4-FFF2-40B4-BE49-F238E27FC236}">
+                  <a16:creationId xmlns:a16="http://schemas.microsoft.com/office/drawing/2014/main" id="{CA6F0FF8-73A0-4512-9354-25B7C1FDAEB3}"/>
+                </a:ext>
+              </a:extLst>
+            </p:cNvPr>
+            <p:cNvCxnSpPr>
+              <a:stCxn id="63" idx="2"/>
+              <a:endCxn id="127" idx="0"/>
+            </p:cNvCxnSpPr>
+            <p:nvPr/>
+          </p:nvCxnSpPr>
+          <p:spPr>
+            <a:xfrm rot="5400000">
+              <a:off x="3458549" y="3324181"/>
+              <a:ext cx="2971935" cy="6424699"/>
+            </a:xfrm>
+            <a:prstGeom prst="bentConnector3">
+              <a:avLst>
+                <a:gd name="adj1" fmla="val 17523"/>
+              </a:avLst>
+            </a:prstGeom>
+            <a:ln w="28575">
+              <a:solidFill>
+                <a:srgbClr val="2CABAE"/>
+              </a:solidFill>
+              <a:tailEnd type="triangle"/>
+            </a:ln>
+          </p:spPr>
+          <p:style>
+            <a:lnRef idx="1">
+              <a:schemeClr val="accent1"/>
+            </a:lnRef>
+            <a:fillRef idx="0">
+              <a:schemeClr val="accent1"/>
+            </a:fillRef>
+            <a:effectRef idx="0">
+              <a:schemeClr val="accent1"/>
+            </a:effectRef>
+            <a:fontRef idx="minor">
+              <a:schemeClr val="tx1"/>
+            </a:fontRef>
+          </p:style>
+        </p:cxnSp>
+        <p:sp>
+          <p:nvSpPr>
+            <p:cNvPr id="133" name="Rectangle: Rounded Corners 132">
+              <a:extLst>
+                <a:ext uri="{FF2B5EF4-FFF2-40B4-BE49-F238E27FC236}">
+                  <a16:creationId xmlns:a16="http://schemas.microsoft.com/office/drawing/2014/main" id="{ABBB8C2A-51A2-4BF0-AAEF-90BE30EBC806}"/>
+                </a:ext>
+              </a:extLst>
+            </p:cNvPr>
+            <p:cNvSpPr/>
+            <p:nvPr/>
+          </p:nvSpPr>
+          <p:spPr>
+            <a:xfrm>
+              <a:off x="3418874" y="6475120"/>
+              <a:ext cx="1140256" cy="480656"/>
+            </a:xfrm>
+            <a:prstGeom prst="roundRect">
+              <a:avLst/>
+            </a:prstGeom>
+            <a:solidFill>
+              <a:srgbClr val="F2843A"/>
+            </a:solidFill>
+            <a:ln>
+              <a:noFill/>
+            </a:ln>
+          </p:spPr>
+          <p:style>
+            <a:lnRef idx="2">
+              <a:schemeClr val="accent1">
+                <a:shade val="50000"/>
+              </a:schemeClr>
+            </a:lnRef>
+            <a:fillRef idx="1">
+              <a:schemeClr val="accent1"/>
+            </a:fillRef>
+            <a:effectRef idx="0">
+              <a:schemeClr val="accent1"/>
+            </a:effectRef>
+            <a:fontRef idx="minor">
+              <a:schemeClr val="lt1"/>
+            </a:fontRef>
+          </p:style>
+          <p:txBody>
+            <a:bodyPr rtlCol="0" anchor="ctr"/>
+            <a:lstStyle/>
+            <a:p>
+              <a:pPr algn="ctr"/>
+              <a:r>
+                <a:rPr lang="en-CA" sz="1200" dirty="0"/>
+                <a:t>Search Image</a:t>
+              </a:r>
+            </a:p>
+          </p:txBody>
+        </p:sp>
+        <p:sp>
+          <p:nvSpPr>
+            <p:cNvPr id="135" name="Rectangle: Rounded Corners 134">
+              <a:extLst>
+                <a:ext uri="{FF2B5EF4-FFF2-40B4-BE49-F238E27FC236}">
+                  <a16:creationId xmlns:a16="http://schemas.microsoft.com/office/drawing/2014/main" id="{3378D7C1-B90F-41E0-8FF0-9884E3F36630}"/>
+                </a:ext>
+              </a:extLst>
+            </p:cNvPr>
+            <p:cNvSpPr/>
+            <p:nvPr/>
+          </p:nvSpPr>
+          <p:spPr>
+            <a:xfrm>
+              <a:off x="4670789" y="7043290"/>
+              <a:ext cx="1140256" cy="480656"/>
+            </a:xfrm>
+            <a:prstGeom prst="roundRect">
+              <a:avLst/>
+            </a:prstGeom>
+            <a:solidFill>
+              <a:srgbClr val="F2843A"/>
+            </a:solidFill>
+            <a:ln>
+              <a:noFill/>
+            </a:ln>
+          </p:spPr>
+          <p:style>
+            <a:lnRef idx="2">
+              <a:schemeClr val="accent1">
+                <a:shade val="50000"/>
+              </a:schemeClr>
+            </a:lnRef>
+            <a:fillRef idx="1">
+              <a:schemeClr val="accent1"/>
+            </a:fillRef>
+            <a:effectRef idx="0">
+              <a:schemeClr val="accent1"/>
+            </a:effectRef>
+            <a:fontRef idx="minor">
+              <a:schemeClr val="lt1"/>
+            </a:fontRef>
+          </p:style>
+          <p:txBody>
+            <a:bodyPr rtlCol="0" anchor="ctr"/>
+            <a:lstStyle/>
+            <a:p>
+              <a:pPr algn="ctr"/>
+              <a:r>
+                <a:rPr lang="en-CA" sz="1200" dirty="0"/>
+                <a:t>Label Image &amp; Store</a:t>
+              </a:r>
+            </a:p>
+          </p:txBody>
+        </p:sp>
+        <p:cxnSp>
+          <p:nvCxnSpPr>
+            <p:cNvPr id="145" name="Connector: Elbow 144">
+              <a:extLst>
+                <a:ext uri="{FF2B5EF4-FFF2-40B4-BE49-F238E27FC236}">
+                  <a16:creationId xmlns:a16="http://schemas.microsoft.com/office/drawing/2014/main" id="{3BDC787E-9468-4AB8-BE90-9F8B6BAC1794}"/>
+                </a:ext>
+              </a:extLst>
+            </p:cNvPr>
+            <p:cNvCxnSpPr>
+              <a:cxnSpLocks/>
+              <a:stCxn id="133" idx="3"/>
+              <a:endCxn id="115" idx="1"/>
+            </p:cNvCxnSpPr>
+            <p:nvPr/>
+          </p:nvCxnSpPr>
+          <p:spPr>
+            <a:xfrm>
+              <a:off x="4559130" y="6715448"/>
+              <a:ext cx="4349703" cy="564716"/>
+            </a:xfrm>
+            <a:prstGeom prst="bentConnector3">
+              <a:avLst>
+                <a:gd name="adj1" fmla="val 50000"/>
+              </a:avLst>
+            </a:prstGeom>
+            <a:ln w="28575">
+              <a:solidFill>
+                <a:srgbClr val="F2843A"/>
+              </a:solidFill>
+              <a:headEnd type="triangle" w="med" len="med"/>
+              <a:tailEnd type="triangle" w="med" len="med"/>
+            </a:ln>
+          </p:spPr>
+          <p:style>
+            <a:lnRef idx="1">
+              <a:schemeClr val="dk1"/>
+            </a:lnRef>
+            <a:fillRef idx="0">
+              <a:schemeClr val="dk1"/>
+            </a:fillRef>
+            <a:effectRef idx="0">
+              <a:schemeClr val="dk1"/>
+            </a:effectRef>
+            <a:fontRef idx="minor">
+              <a:schemeClr val="tx1"/>
+            </a:fontRef>
+          </p:style>
+        </p:cxnSp>
+        <p:cxnSp>
+          <p:nvCxnSpPr>
+            <p:cNvPr id="148" name="Straight Arrow Connector 147">
+              <a:extLst>
+                <a:ext uri="{FF2B5EF4-FFF2-40B4-BE49-F238E27FC236}">
+                  <a16:creationId xmlns:a16="http://schemas.microsoft.com/office/drawing/2014/main" id="{026E6AEA-A55F-4F53-9F0C-2514B9E1B91C}"/>
+                </a:ext>
+              </a:extLst>
+            </p:cNvPr>
+            <p:cNvCxnSpPr>
+              <a:cxnSpLocks/>
+              <a:stCxn id="135" idx="3"/>
+              <a:endCxn id="115" idx="1"/>
+            </p:cNvCxnSpPr>
+            <p:nvPr/>
+          </p:nvCxnSpPr>
+          <p:spPr>
+            <a:xfrm flipV="1">
+              <a:off x="5811045" y="7280164"/>
+              <a:ext cx="3097788" cy="3454"/>
+            </a:xfrm>
+            <a:prstGeom prst="straightConnector1">
+              <a:avLst/>
+            </a:prstGeom>
+            <a:ln w="28575">
+              <a:solidFill>
+                <a:srgbClr val="F2843A"/>
+              </a:solidFill>
+              <a:tailEnd type="triangle"/>
+            </a:ln>
+          </p:spPr>
+          <p:style>
+            <a:lnRef idx="1">
+              <a:schemeClr val="dk1"/>
+            </a:lnRef>
+            <a:fillRef idx="0">
+              <a:schemeClr val="dk1"/>
+            </a:fillRef>
+            <a:effectRef idx="0">
+              <a:schemeClr val="dk1"/>
+            </a:effectRef>
+            <a:fontRef idx="minor">
+              <a:schemeClr val="tx1"/>
+            </a:fontRef>
+          </p:style>
+        </p:cxnSp>
+        <p:cxnSp>
+          <p:nvCxnSpPr>
+            <p:cNvPr id="154" name="Connector: Elbow 153">
+              <a:extLst>
+                <a:ext uri="{FF2B5EF4-FFF2-40B4-BE49-F238E27FC236}">
+                  <a16:creationId xmlns:a16="http://schemas.microsoft.com/office/drawing/2014/main" id="{2975C9AB-6C96-4A0C-B07E-BC2CB2C3B005}"/>
+                </a:ext>
+              </a:extLst>
+            </p:cNvPr>
+            <p:cNvCxnSpPr>
+              <a:cxnSpLocks/>
+              <a:stCxn id="117" idx="3"/>
+              <a:endCxn id="115" idx="1"/>
+            </p:cNvCxnSpPr>
+            <p:nvPr/>
+          </p:nvCxnSpPr>
+          <p:spPr>
+            <a:xfrm flipV="1">
+              <a:off x="4546650" y="7280164"/>
+              <a:ext cx="4362183" cy="906543"/>
+            </a:xfrm>
+            <a:prstGeom prst="bentConnector3">
+              <a:avLst>
+                <a:gd name="adj1" fmla="val 50000"/>
+              </a:avLst>
+            </a:prstGeom>
+            <a:ln w="28575">
+              <a:solidFill>
+                <a:srgbClr val="F2843A"/>
+              </a:solidFill>
+              <a:headEnd type="triangle" w="med" len="med"/>
+              <a:tailEnd type="triangle" w="med" len="med"/>
+            </a:ln>
+          </p:spPr>
+          <p:style>
+            <a:lnRef idx="1">
+              <a:schemeClr val="dk1"/>
+            </a:lnRef>
+            <a:fillRef idx="0">
+              <a:schemeClr val="dk1"/>
+            </a:fillRef>
+            <a:effectRef idx="0">
+              <a:schemeClr val="dk1"/>
+            </a:effectRef>
+            <a:fontRef idx="minor">
+              <a:schemeClr val="tx1"/>
+            </a:fontRef>
+          </p:style>
+        </p:cxnSp>
+        <p:cxnSp>
+          <p:nvCxnSpPr>
+            <p:cNvPr id="157" name="Straight Arrow Connector 156">
+              <a:extLst>
+                <a:ext uri="{FF2B5EF4-FFF2-40B4-BE49-F238E27FC236}">
+                  <a16:creationId xmlns:a16="http://schemas.microsoft.com/office/drawing/2014/main" id="{68F1F92D-F974-4145-9D47-A1C31C4F3F32}"/>
+                </a:ext>
+              </a:extLst>
+            </p:cNvPr>
+            <p:cNvCxnSpPr>
+              <a:cxnSpLocks/>
+            </p:cNvCxnSpPr>
+            <p:nvPr/>
+          </p:nvCxnSpPr>
+          <p:spPr>
+            <a:xfrm flipV="1">
+              <a:off x="4546650" y="8343729"/>
+              <a:ext cx="3069395" cy="1728"/>
+            </a:xfrm>
+            <a:prstGeom prst="straightConnector1">
+              <a:avLst/>
+            </a:prstGeom>
+            <a:ln w="28575">
+              <a:solidFill>
+                <a:srgbClr val="C00000"/>
+              </a:solidFill>
+              <a:headEnd type="triangle" w="med" len="med"/>
+              <a:tailEnd type="triangle" w="med" len="med"/>
+            </a:ln>
+          </p:spPr>
+          <p:style>
+            <a:lnRef idx="1">
+              <a:schemeClr val="dk1"/>
+            </a:lnRef>
+            <a:fillRef idx="0">
+              <a:schemeClr val="dk1"/>
+            </a:fillRef>
+            <a:effectRef idx="0">
+              <a:schemeClr val="dk1"/>
+            </a:effectRef>
+            <a:fontRef idx="minor">
+              <a:schemeClr val="tx1"/>
+            </a:fontRef>
+          </p:style>
+        </p:cxnSp>
+        <p:cxnSp>
+          <p:nvCxnSpPr>
+            <p:cNvPr id="162" name="Connector: Elbow 161">
+              <a:extLst>
+                <a:ext uri="{FF2B5EF4-FFF2-40B4-BE49-F238E27FC236}">
+                  <a16:creationId xmlns:a16="http://schemas.microsoft.com/office/drawing/2014/main" id="{F3788FAE-9D8A-4606-B3A9-205E1B4E2836}"/>
+                </a:ext>
+              </a:extLst>
+            </p:cNvPr>
+            <p:cNvCxnSpPr>
+              <a:cxnSpLocks/>
+              <a:stCxn id="118" idx="3"/>
+              <a:endCxn id="115" idx="1"/>
+            </p:cNvCxnSpPr>
+            <p:nvPr/>
+          </p:nvCxnSpPr>
+          <p:spPr>
+            <a:xfrm flipV="1">
+              <a:off x="4546650" y="7280164"/>
+              <a:ext cx="4362183" cy="1706169"/>
+            </a:xfrm>
+            <a:prstGeom prst="bentConnector3">
+              <a:avLst>
+                <a:gd name="adj1" fmla="val 50000"/>
+              </a:avLst>
+            </a:prstGeom>
+            <a:ln w="28575">
+              <a:solidFill>
+                <a:srgbClr val="F2843A"/>
+              </a:solidFill>
+              <a:headEnd type="triangle" w="med" len="med"/>
+              <a:tailEnd type="triangle" w="med" len="med"/>
+            </a:ln>
+          </p:spPr>
+          <p:style>
+            <a:lnRef idx="1">
+              <a:schemeClr val="dk1"/>
+            </a:lnRef>
+            <a:fillRef idx="0">
+              <a:schemeClr val="dk1"/>
+            </a:fillRef>
+            <a:effectRef idx="0">
+              <a:schemeClr val="dk1"/>
+            </a:effectRef>
+            <a:fontRef idx="minor">
+              <a:schemeClr val="tx1"/>
+            </a:fontRef>
+          </p:style>
+        </p:cxnSp>
+        <p:sp>
+          <p:nvSpPr>
+            <p:cNvPr id="165" name="Rectangle: Rounded Corners 164">
+              <a:extLst>
+                <a:ext uri="{FF2B5EF4-FFF2-40B4-BE49-F238E27FC236}">
+                  <a16:creationId xmlns:a16="http://schemas.microsoft.com/office/drawing/2014/main" id="{539E19B1-A153-41E0-8AE0-B2948DA59FA7}"/>
+                </a:ext>
+              </a:extLst>
+            </p:cNvPr>
+            <p:cNvSpPr/>
+            <p:nvPr/>
+          </p:nvSpPr>
+          <p:spPr>
+            <a:xfrm>
+              <a:off x="10752198" y="1829376"/>
+              <a:ext cx="1426353" cy="517005"/>
+            </a:xfrm>
+            <a:prstGeom prst="roundRect">
+              <a:avLst/>
+            </a:prstGeom>
+            <a:solidFill>
+              <a:srgbClr val="C00000"/>
+            </a:solidFill>
+            <a:ln>
+              <a:noFill/>
+            </a:ln>
+          </p:spPr>
+          <p:style>
+            <a:lnRef idx="2">
+              <a:schemeClr val="accent1">
+                <a:shade val="50000"/>
+              </a:schemeClr>
+            </a:lnRef>
+            <a:fillRef idx="1">
+              <a:schemeClr val="accent1"/>
+            </a:fillRef>
+            <a:effectRef idx="0">
+              <a:schemeClr val="accent1"/>
+            </a:effectRef>
+            <a:fontRef idx="minor">
+              <a:schemeClr val="lt1"/>
+            </a:fontRef>
+          </p:style>
+          <p:txBody>
+            <a:bodyPr rtlCol="0" anchor="ctr"/>
+            <a:lstStyle/>
+            <a:p>
+              <a:pPr algn="ctr"/>
+              <a:r>
+                <a:rPr lang="en-CA" sz="1600" dirty="0"/>
+                <a:t>S3 - Model</a:t>
+              </a:r>
+            </a:p>
+          </p:txBody>
+        </p:sp>
+        <p:cxnSp>
+          <p:nvCxnSpPr>
+            <p:cNvPr id="166" name="Connector: Elbow 165">
+              <a:extLst>
+                <a:ext uri="{FF2B5EF4-FFF2-40B4-BE49-F238E27FC236}">
+                  <a16:creationId xmlns:a16="http://schemas.microsoft.com/office/drawing/2014/main" id="{5B5CE4F0-9302-40B2-AC58-6427631F7C11}"/>
+                </a:ext>
+              </a:extLst>
+            </p:cNvPr>
+            <p:cNvCxnSpPr>
+              <a:cxnSpLocks/>
+              <a:stCxn id="32" idx="2"/>
+              <a:endCxn id="165" idx="1"/>
+            </p:cNvCxnSpPr>
+            <p:nvPr/>
+          </p:nvCxnSpPr>
+          <p:spPr>
+            <a:xfrm rot="16200000" flipH="1">
+              <a:off x="9313899" y="649579"/>
+              <a:ext cx="163069" cy="2713529"/>
+            </a:xfrm>
+            <a:prstGeom prst="bentConnector2">
+              <a:avLst/>
+            </a:prstGeom>
+            <a:ln w="28575">
+              <a:solidFill>
+                <a:srgbClr val="C00000"/>
+              </a:solidFill>
+              <a:headEnd type="triangle" w="med" len="med"/>
+              <a:tailEnd type="triangle" w="med" len="med"/>
+            </a:ln>
+          </p:spPr>
+          <p:style>
+            <a:lnRef idx="1">
+              <a:schemeClr val="accent1"/>
+            </a:lnRef>
+            <a:fillRef idx="0">
+              <a:schemeClr val="accent1"/>
+            </a:fillRef>
+            <a:effectRef idx="0">
+              <a:schemeClr val="accent1"/>
+            </a:effectRef>
+            <a:fontRef idx="minor">
+              <a:schemeClr val="tx1"/>
+            </a:fontRef>
+          </p:style>
+        </p:cxnSp>
+        <p:sp>
+          <p:nvSpPr>
+            <p:cNvPr id="172" name="Rectangle: Rounded Corners 171">
+              <a:extLst>
+                <a:ext uri="{FF2B5EF4-FFF2-40B4-BE49-F238E27FC236}">
+                  <a16:creationId xmlns:a16="http://schemas.microsoft.com/office/drawing/2014/main" id="{8E859CF9-189E-4B40-ABAD-D9C0C13E5D47}"/>
+                </a:ext>
+              </a:extLst>
+            </p:cNvPr>
+            <p:cNvSpPr/>
+            <p:nvPr/>
+          </p:nvSpPr>
+          <p:spPr>
+            <a:xfrm>
+              <a:off x="3406394" y="9455656"/>
+              <a:ext cx="1140256" cy="480656"/>
+            </a:xfrm>
+            <a:prstGeom prst="roundRect">
+              <a:avLst/>
+            </a:prstGeom>
+            <a:solidFill>
+              <a:srgbClr val="F2843A"/>
+            </a:solidFill>
+            <a:ln>
+              <a:noFill/>
+            </a:ln>
+          </p:spPr>
+          <p:style>
+            <a:lnRef idx="2">
+              <a:schemeClr val="accent1">
+                <a:shade val="50000"/>
+              </a:schemeClr>
+            </a:lnRef>
+            <a:fillRef idx="1">
+              <a:schemeClr val="accent1"/>
+            </a:fillRef>
+            <a:effectRef idx="0">
+              <a:schemeClr val="accent1"/>
+            </a:effectRef>
+            <a:fontRef idx="minor">
+              <a:schemeClr val="lt1"/>
+            </a:fontRef>
+          </p:style>
+          <p:txBody>
+            <a:bodyPr rtlCol="0" anchor="ctr"/>
+            <a:lstStyle/>
+            <a:p>
+              <a:pPr algn="ctr"/>
+              <a:r>
+                <a:rPr lang="en-CA" sz="1200" dirty="0"/>
+                <a:t>Clear Images</a:t>
+              </a:r>
+            </a:p>
+          </p:txBody>
+        </p:sp>
+        <p:cxnSp>
+          <p:nvCxnSpPr>
+            <p:cNvPr id="173" name="Connector: Elbow 172">
+              <a:extLst>
+                <a:ext uri="{FF2B5EF4-FFF2-40B4-BE49-F238E27FC236}">
+                  <a16:creationId xmlns:a16="http://schemas.microsoft.com/office/drawing/2014/main" id="{5A9EE959-7EAA-488D-9468-034C5ADE8895}"/>
+                </a:ext>
+              </a:extLst>
+            </p:cNvPr>
+            <p:cNvCxnSpPr>
+              <a:cxnSpLocks/>
+              <a:stCxn id="172" idx="3"/>
+              <a:endCxn id="115" idx="1"/>
+            </p:cNvCxnSpPr>
+            <p:nvPr/>
+          </p:nvCxnSpPr>
+          <p:spPr>
+            <a:xfrm flipV="1">
+              <a:off x="4546650" y="7280164"/>
+              <a:ext cx="4362183" cy="2415820"/>
+            </a:xfrm>
+            <a:prstGeom prst="bentConnector3">
+              <a:avLst>
+                <a:gd name="adj1" fmla="val 50000"/>
+              </a:avLst>
+            </a:prstGeom>
+            <a:ln w="28575">
+              <a:solidFill>
+                <a:srgbClr val="F2843A"/>
+              </a:solidFill>
+              <a:headEnd type="triangle" w="med" len="med"/>
+              <a:tailEnd type="triangle" w="med" len="med"/>
+            </a:ln>
+          </p:spPr>
+          <p:style>
+            <a:lnRef idx="1">
+              <a:schemeClr val="dk1"/>
+            </a:lnRef>
+            <a:fillRef idx="0">
+              <a:schemeClr val="dk1"/>
+            </a:fillRef>
+            <a:effectRef idx="0">
+              <a:schemeClr val="dk1"/>
+            </a:effectRef>
+            <a:fontRef idx="minor">
+              <a:schemeClr val="tx1"/>
+            </a:fontRef>
+          </p:style>
+        </p:cxnSp>
+        <p:cxnSp>
+          <p:nvCxnSpPr>
+            <p:cNvPr id="176" name="Connector: Elbow 175">
+              <a:extLst>
+                <a:ext uri="{FF2B5EF4-FFF2-40B4-BE49-F238E27FC236}">
+                  <a16:creationId xmlns:a16="http://schemas.microsoft.com/office/drawing/2014/main" id="{70F4FA05-4281-46B7-A1E0-9D694A184E31}"/>
+                </a:ext>
+              </a:extLst>
+            </p:cNvPr>
+            <p:cNvCxnSpPr>
+              <a:cxnSpLocks/>
+              <a:stCxn id="110" idx="1"/>
+            </p:cNvCxnSpPr>
+            <p:nvPr/>
+          </p:nvCxnSpPr>
+          <p:spPr>
+            <a:xfrm rot="10800000" flipV="1">
+              <a:off x="4541325" y="8343728"/>
+              <a:ext cx="3074720" cy="1472215"/>
+            </a:xfrm>
+            <a:prstGeom prst="bentConnector3">
+              <a:avLst>
+                <a:gd name="adj1" fmla="val 41533"/>
+              </a:avLst>
+            </a:prstGeom>
+            <a:ln w="28575">
+              <a:solidFill>
+                <a:srgbClr val="C00000"/>
+              </a:solidFill>
+              <a:headEnd type="triangle" w="med" len="med"/>
+              <a:tailEnd type="triangle" w="med" len="med"/>
+            </a:ln>
+          </p:spPr>
+          <p:style>
+            <a:lnRef idx="1">
+              <a:schemeClr val="accent1"/>
+            </a:lnRef>
+            <a:fillRef idx="0">
+              <a:schemeClr val="accent1"/>
+            </a:fillRef>
+            <a:effectRef idx="0">
+              <a:schemeClr val="accent1"/>
+            </a:effectRef>
+            <a:fontRef idx="minor">
+              <a:schemeClr val="tx1"/>
+            </a:fontRef>
+          </p:style>
+        </p:cxnSp>
+        <p:sp>
+          <p:nvSpPr>
+            <p:cNvPr id="181" name="Rectangle: Rounded Corners 180">
+              <a:extLst>
+                <a:ext uri="{FF2B5EF4-FFF2-40B4-BE49-F238E27FC236}">
+                  <a16:creationId xmlns:a16="http://schemas.microsoft.com/office/drawing/2014/main" id="{62525AAB-4A77-4F78-82C2-501FADD50825}"/>
+                </a:ext>
+              </a:extLst>
+            </p:cNvPr>
+            <p:cNvSpPr/>
+            <p:nvPr/>
+          </p:nvSpPr>
+          <p:spPr>
+            <a:xfrm>
+              <a:off x="3406394" y="10256772"/>
+              <a:ext cx="1118793" cy="458040"/>
+            </a:xfrm>
+            <a:prstGeom prst="roundRect">
+              <a:avLst/>
+            </a:prstGeom>
+            <a:solidFill>
+              <a:schemeClr val="accent5">
+                <a:lumMod val="75000"/>
+              </a:schemeClr>
+            </a:solidFill>
+            <a:ln>
+              <a:noFill/>
+            </a:ln>
+          </p:spPr>
+          <p:style>
+            <a:lnRef idx="2">
+              <a:schemeClr val="accent1">
+                <a:shade val="50000"/>
+              </a:schemeClr>
+            </a:lnRef>
+            <a:fillRef idx="1">
+              <a:schemeClr val="accent1"/>
+            </a:fillRef>
+            <a:effectRef idx="0">
+              <a:schemeClr val="accent1"/>
+            </a:effectRef>
+            <a:fontRef idx="minor">
+              <a:schemeClr val="lt1"/>
+            </a:fontRef>
+          </p:style>
+          <p:txBody>
+            <a:bodyPr rtlCol="0" anchor="ctr"/>
+            <a:lstStyle/>
+            <a:p>
+              <a:pPr algn="ctr"/>
+              <a:r>
+                <a:rPr lang="en-CA" sz="1200" dirty="0"/>
+                <a:t>Train Images</a:t>
+              </a:r>
+            </a:p>
+          </p:txBody>
+        </p:sp>
+        <p:sp>
+          <p:nvSpPr>
+            <p:cNvPr id="186" name="Rectangle: Rounded Corners 185">
+              <a:extLst>
+                <a:ext uri="{FF2B5EF4-FFF2-40B4-BE49-F238E27FC236}">
+                  <a16:creationId xmlns:a16="http://schemas.microsoft.com/office/drawing/2014/main" id="{CE4BAE08-2782-46E8-8696-BEBAF4D9B53B}"/>
+                </a:ext>
+              </a:extLst>
+            </p:cNvPr>
+            <p:cNvSpPr/>
+            <p:nvPr/>
+          </p:nvSpPr>
+          <p:spPr>
+            <a:xfrm>
+              <a:off x="7616045" y="10279824"/>
+              <a:ext cx="1140256" cy="359055"/>
+            </a:xfrm>
+            <a:prstGeom prst="roundRect">
+              <a:avLst/>
+            </a:prstGeom>
+            <a:solidFill>
+              <a:schemeClr val="accent5">
+                <a:lumMod val="75000"/>
+              </a:schemeClr>
+            </a:solidFill>
+            <a:ln>
+              <a:noFill/>
+            </a:ln>
+          </p:spPr>
+          <p:style>
+            <a:lnRef idx="2">
+              <a:schemeClr val="accent1">
+                <a:shade val="50000"/>
+              </a:schemeClr>
+            </a:lnRef>
+            <a:fillRef idx="1">
+              <a:schemeClr val="accent1"/>
+            </a:fillRef>
+            <a:effectRef idx="0">
+              <a:schemeClr val="accent1"/>
+            </a:effectRef>
+            <a:fontRef idx="minor">
+              <a:schemeClr val="lt1"/>
+            </a:fontRef>
+          </p:style>
+          <p:txBody>
+            <a:bodyPr rtlCol="0" anchor="ctr"/>
+            <a:lstStyle/>
+            <a:p>
+              <a:pPr algn="ctr"/>
+              <a:r>
+                <a:rPr lang="en-CA" sz="1400" dirty="0"/>
+                <a:t>EC2 - Train </a:t>
+              </a:r>
+            </a:p>
+          </p:txBody>
+        </p:sp>
+        <p:cxnSp>
+          <p:nvCxnSpPr>
+            <p:cNvPr id="187" name="Straight Arrow Connector 186">
+              <a:extLst>
+                <a:ext uri="{FF2B5EF4-FFF2-40B4-BE49-F238E27FC236}">
+                  <a16:creationId xmlns:a16="http://schemas.microsoft.com/office/drawing/2014/main" id="{B13954D9-02FD-48A5-8315-166B3D274F35}"/>
+                </a:ext>
+              </a:extLst>
+            </p:cNvPr>
+            <p:cNvCxnSpPr>
+              <a:cxnSpLocks/>
+              <a:stCxn id="181" idx="3"/>
+              <a:endCxn id="186" idx="1"/>
+            </p:cNvCxnSpPr>
+            <p:nvPr/>
+          </p:nvCxnSpPr>
+          <p:spPr>
+            <a:xfrm flipV="1">
+              <a:off x="4525187" y="10459352"/>
+              <a:ext cx="3090858" cy="26440"/>
+            </a:xfrm>
+            <a:prstGeom prst="straightConnector1">
+              <a:avLst/>
+            </a:prstGeom>
+            <a:ln w="28575">
+              <a:solidFill>
+                <a:srgbClr val="2E75B6"/>
+              </a:solidFill>
+              <a:headEnd type="none" w="med" len="med"/>
+              <a:tailEnd type="triangle" w="med" len="med"/>
+            </a:ln>
+          </p:spPr>
+          <p:style>
+            <a:lnRef idx="1">
+              <a:schemeClr val="dk1"/>
+            </a:lnRef>
+            <a:fillRef idx="0">
+              <a:schemeClr val="dk1"/>
+            </a:fillRef>
+            <a:effectRef idx="0">
+              <a:schemeClr val="dk1"/>
+            </a:effectRef>
+            <a:fontRef idx="minor">
+              <a:schemeClr val="tx1"/>
+            </a:fontRef>
+          </p:style>
+        </p:cxnSp>
+        <p:cxnSp>
+          <p:nvCxnSpPr>
+            <p:cNvPr id="194" name="Straight Arrow Connector 193">
+              <a:extLst>
+                <a:ext uri="{FF2B5EF4-FFF2-40B4-BE49-F238E27FC236}">
+                  <a16:creationId xmlns:a16="http://schemas.microsoft.com/office/drawing/2014/main" id="{52BDA50A-25AB-42C6-977E-C9AD187E335E}"/>
+                </a:ext>
+              </a:extLst>
+            </p:cNvPr>
+            <p:cNvCxnSpPr>
+              <a:cxnSpLocks/>
+              <a:stCxn id="186" idx="0"/>
+              <a:endCxn id="110" idx="2"/>
+            </p:cNvCxnSpPr>
+            <p:nvPr/>
+          </p:nvCxnSpPr>
+          <p:spPr>
+            <a:xfrm flipV="1">
+              <a:off x="8186173" y="8768589"/>
+              <a:ext cx="0" cy="1511235"/>
+            </a:xfrm>
+            <a:prstGeom prst="straightConnector1">
+              <a:avLst/>
+            </a:prstGeom>
+            <a:ln w="28575">
+              <a:solidFill>
+                <a:srgbClr val="C00000"/>
+              </a:solidFill>
+              <a:headEnd type="triangle" w="med" len="med"/>
+              <a:tailEnd type="triangle" w="med" len="med"/>
+            </a:ln>
+          </p:spPr>
+          <p:style>
+            <a:lnRef idx="1">
+              <a:schemeClr val="dk1"/>
+            </a:lnRef>
+            <a:fillRef idx="0">
+              <a:schemeClr val="dk1"/>
+            </a:fillRef>
+            <a:effectRef idx="0">
+              <a:schemeClr val="dk1"/>
+            </a:effectRef>
+            <a:fontRef idx="minor">
+              <a:schemeClr val="tx1"/>
+            </a:fontRef>
+          </p:style>
+        </p:cxnSp>
+        <p:cxnSp>
+          <p:nvCxnSpPr>
+            <p:cNvPr id="197" name="Connector: Elbow 196">
+              <a:extLst>
+                <a:ext uri="{FF2B5EF4-FFF2-40B4-BE49-F238E27FC236}">
+                  <a16:creationId xmlns:a16="http://schemas.microsoft.com/office/drawing/2014/main" id="{98D838D1-936E-4B22-8015-7F68ACC6B5C2}"/>
+                </a:ext>
+              </a:extLst>
+            </p:cNvPr>
+            <p:cNvCxnSpPr>
+              <a:cxnSpLocks/>
+              <a:endCxn id="115" idx="2"/>
+            </p:cNvCxnSpPr>
+            <p:nvPr/>
+          </p:nvCxnSpPr>
+          <p:spPr>
+            <a:xfrm rot="5400000" flipH="1" flipV="1">
+              <a:off x="7804917" y="8269227"/>
+              <a:ext cx="2641512" cy="1333578"/>
+            </a:xfrm>
+            <a:prstGeom prst="bentConnector3">
+              <a:avLst>
+                <a:gd name="adj1" fmla="val 39743"/>
+              </a:avLst>
+            </a:prstGeom>
+            <a:ln w="28575">
+              <a:solidFill>
+                <a:srgbClr val="F2843A"/>
+              </a:solidFill>
+              <a:headEnd type="triangle" w="med" len="med"/>
+              <a:tailEnd type="triangle" w="med" len="med"/>
+            </a:ln>
+          </p:spPr>
+          <p:style>
+            <a:lnRef idx="1">
+              <a:schemeClr val="dk1"/>
+            </a:lnRef>
+            <a:fillRef idx="0">
+              <a:schemeClr val="dk1"/>
+            </a:fillRef>
+            <a:effectRef idx="0">
+              <a:schemeClr val="dk1"/>
+            </a:effectRef>
+            <a:fontRef idx="minor">
+              <a:schemeClr val="tx1"/>
+            </a:fontRef>
+          </p:style>
+        </p:cxnSp>
+        <p:sp>
+          <p:nvSpPr>
+            <p:cNvPr id="208" name="Rectangle: Rounded Corners 207">
+              <a:extLst>
+                <a:ext uri="{FF2B5EF4-FFF2-40B4-BE49-F238E27FC236}">
+                  <a16:creationId xmlns:a16="http://schemas.microsoft.com/office/drawing/2014/main" id="{04A705A4-26FC-4424-AB95-0EDB62F53802}"/>
+                </a:ext>
+              </a:extLst>
+            </p:cNvPr>
+            <p:cNvSpPr/>
+            <p:nvPr/>
+          </p:nvSpPr>
+          <p:spPr>
+            <a:xfrm>
+              <a:off x="10616103" y="7918868"/>
+              <a:ext cx="1140256" cy="849721"/>
+            </a:xfrm>
+            <a:prstGeom prst="roundRect">
+              <a:avLst/>
+            </a:prstGeom>
+            <a:solidFill>
+              <a:srgbClr val="C00000"/>
+            </a:solidFill>
+            <a:ln>
+              <a:noFill/>
+            </a:ln>
+          </p:spPr>
+          <p:style>
+            <a:lnRef idx="2">
+              <a:schemeClr val="accent1">
+                <a:shade val="50000"/>
+              </a:schemeClr>
+            </a:lnRef>
+            <a:fillRef idx="1">
+              <a:schemeClr val="accent1"/>
+            </a:fillRef>
+            <a:effectRef idx="0">
+              <a:schemeClr val="accent1"/>
+            </a:effectRef>
+            <a:fontRef idx="minor">
+              <a:schemeClr val="lt1"/>
+            </a:fontRef>
+          </p:style>
+          <p:txBody>
+            <a:bodyPr rtlCol="0" anchor="ctr"/>
+            <a:lstStyle/>
+            <a:p>
+              <a:pPr algn="ctr"/>
+              <a:r>
+                <a:rPr lang="en-CA" sz="1600" dirty="0"/>
+                <a:t>S3 - Model</a:t>
+              </a:r>
+            </a:p>
+          </p:txBody>
+        </p:sp>
+        <p:cxnSp>
+          <p:nvCxnSpPr>
+            <p:cNvPr id="210" name="Connector: Elbow 209">
+              <a:extLst>
+                <a:ext uri="{FF2B5EF4-FFF2-40B4-BE49-F238E27FC236}">
+                  <a16:creationId xmlns:a16="http://schemas.microsoft.com/office/drawing/2014/main" id="{01A344FC-8CF0-4E84-B1A6-B359A9F75EE8}"/>
+                </a:ext>
+              </a:extLst>
+            </p:cNvPr>
+            <p:cNvCxnSpPr>
+              <a:cxnSpLocks/>
+              <a:stCxn id="186" idx="3"/>
+              <a:endCxn id="208" idx="2"/>
+            </p:cNvCxnSpPr>
+            <p:nvPr/>
+          </p:nvCxnSpPr>
+          <p:spPr>
+            <a:xfrm flipV="1">
+              <a:off x="8756301" y="8768589"/>
+              <a:ext cx="2429930" cy="1690763"/>
+            </a:xfrm>
+            <a:prstGeom prst="bentConnector2">
+              <a:avLst/>
+            </a:prstGeom>
+            <a:ln w="28575">
+              <a:solidFill>
+                <a:srgbClr val="C00000"/>
+              </a:solidFill>
+              <a:headEnd type="triangle" w="med" len="med"/>
+              <a:tailEnd type="triangle" w="med" len="med"/>
+            </a:ln>
+          </p:spPr>
+          <p:style>
+            <a:lnRef idx="1">
+              <a:schemeClr val="dk1"/>
+            </a:lnRef>
+            <a:fillRef idx="0">
+              <a:schemeClr val="dk1"/>
+            </a:fillRef>
+            <a:effectRef idx="0">
+              <a:schemeClr val="dk1"/>
+            </a:effectRef>
+            <a:fontRef idx="minor">
+              <a:schemeClr val="tx1"/>
+            </a:fontRef>
+          </p:style>
+        </p:cxnSp>
+      </p:grpSp>
+      <p:sp>
+        <p:nvSpPr>
+          <p:cNvPr id="69" name="Rectangle: Rounded Corners 68">
+            <a:extLst>
+              <a:ext uri="{FF2B5EF4-FFF2-40B4-BE49-F238E27FC236}">
+                <a16:creationId xmlns:a16="http://schemas.microsoft.com/office/drawing/2014/main" id="{1133EBB9-6401-4A32-ACAC-A2EC9AE8CE65}"/>
+              </a:ext>
+            </a:extLst>
+          </p:cNvPr>
+          <p:cNvSpPr/>
+          <p:nvPr/>
+        </p:nvSpPr>
+        <p:spPr>
+          <a:xfrm>
+            <a:off x="10139396" y="2657023"/>
+            <a:ext cx="1426353" cy="558492"/>
+          </a:xfrm>
+          <a:prstGeom prst="roundRect">
+            <a:avLst/>
+          </a:prstGeom>
+          <a:solidFill>
+            <a:srgbClr val="FF0066"/>
+          </a:solidFill>
+          <a:ln w="19050">
+            <a:solidFill>
+              <a:srgbClr val="FF0066"/>
+            </a:solidFill>
+          </a:ln>
+        </p:spPr>
+        <p:style>
+          <a:lnRef idx="2">
+            <a:schemeClr val="accent1">
+              <a:shade val="50000"/>
+            </a:schemeClr>
+          </a:lnRef>
+          <a:fillRef idx="1">
+            <a:schemeClr val="accent1"/>
+          </a:fillRef>
+          <a:effectRef idx="0">
+            <a:schemeClr val="accent1"/>
+          </a:effectRef>
+          <a:fontRef idx="minor">
+            <a:schemeClr val="lt1"/>
+          </a:fontRef>
+        </p:style>
+        <p:txBody>
+          <a:bodyPr rtlCol="0" anchor="ctr"/>
+          <a:lstStyle/>
+          <a:p>
+            <a:pPr algn="ctr"/>
+            <a:r>
+              <a:rPr lang="en-CA" sz="1600" dirty="0"/>
+              <a:t>CloudWatch</a:t>
+            </a:r>
+          </a:p>
+        </p:txBody>
+      </p:sp>
+      <p:cxnSp>
+        <p:nvCxnSpPr>
+          <p:cNvPr id="70" name="Connector: Elbow 69">
+            <a:extLst>
+              <a:ext uri="{FF2B5EF4-FFF2-40B4-BE49-F238E27FC236}">
+                <a16:creationId xmlns:a16="http://schemas.microsoft.com/office/drawing/2014/main" id="{D059C4B5-5D4A-4757-8FBB-DCE560DBD5A5}"/>
+              </a:ext>
+            </a:extLst>
+          </p:cNvPr>
+          <p:cNvCxnSpPr>
+            <a:cxnSpLocks/>
+            <a:endCxn id="69" idx="1"/>
+          </p:cNvCxnSpPr>
+          <p:nvPr/>
+        </p:nvCxnSpPr>
+        <p:spPr>
+          <a:xfrm>
+            <a:off x="8391547" y="1841446"/>
+            <a:ext cx="1747849" cy="1094823"/>
+          </a:xfrm>
+          <a:prstGeom prst="bentConnector3">
+            <a:avLst>
+              <a:gd name="adj1" fmla="val 50000"/>
+            </a:avLst>
+          </a:prstGeom>
+          <a:ln w="28575">
+            <a:solidFill>
+              <a:srgbClr val="FF0066"/>
+            </a:solidFill>
+            <a:tailEnd type="triangle"/>
+          </a:ln>
+        </p:spPr>
+        <p:style>
+          <a:lnRef idx="1">
+            <a:schemeClr val="accent1"/>
+          </a:lnRef>
+          <a:fillRef idx="0">
+            <a:schemeClr val="accent1"/>
+          </a:fillRef>
+          <a:effectRef idx="0">
+            <a:schemeClr val="accent1"/>
+          </a:effectRef>
+          <a:fontRef idx="minor">
+            <a:schemeClr val="tx1"/>
+          </a:fontRef>
+        </p:style>
+      </p:cxnSp>
+      <p:sp>
+        <p:nvSpPr>
+          <p:cNvPr id="76" name="Rectangle: Rounded Corners 75">
+            <a:extLst>
+              <a:ext uri="{FF2B5EF4-FFF2-40B4-BE49-F238E27FC236}">
+                <a16:creationId xmlns:a16="http://schemas.microsoft.com/office/drawing/2014/main" id="{9D453C4C-0A9F-4E13-AA88-22AD23DC093D}"/>
+              </a:ext>
+            </a:extLst>
+          </p:cNvPr>
+          <p:cNvSpPr/>
+          <p:nvPr/>
+        </p:nvSpPr>
+        <p:spPr>
+          <a:xfrm>
+            <a:off x="7144508" y="11078956"/>
+            <a:ext cx="1426353" cy="558492"/>
+          </a:xfrm>
+          <a:prstGeom prst="roundRect">
+            <a:avLst/>
+          </a:prstGeom>
+          <a:solidFill>
+            <a:srgbClr val="FF0066"/>
+          </a:solidFill>
+          <a:ln w="19050">
+            <a:solidFill>
+              <a:srgbClr val="FF0066"/>
+            </a:solidFill>
+          </a:ln>
+        </p:spPr>
+        <p:style>
+          <a:lnRef idx="2">
+            <a:schemeClr val="accent1">
+              <a:shade val="50000"/>
+            </a:schemeClr>
+          </a:lnRef>
+          <a:fillRef idx="1">
+            <a:schemeClr val="accent1"/>
+          </a:fillRef>
+          <a:effectRef idx="0">
+            <a:schemeClr val="accent1"/>
+          </a:effectRef>
+          <a:fontRef idx="minor">
+            <a:schemeClr val="lt1"/>
+          </a:fontRef>
+        </p:style>
+        <p:txBody>
+          <a:bodyPr rtlCol="0" anchor="ctr"/>
+          <a:lstStyle/>
+          <a:p>
+            <a:pPr algn="ctr"/>
+            <a:r>
+              <a:rPr lang="en-CA" sz="1600" dirty="0"/>
+              <a:t>CloudWatch</a:t>
+            </a:r>
+          </a:p>
+        </p:txBody>
+      </p:sp>
+      <p:sp>
+        <p:nvSpPr>
+          <p:cNvPr id="81" name="Rectangle: Rounded Corners 80">
+            <a:extLst>
+              <a:ext uri="{FF2B5EF4-FFF2-40B4-BE49-F238E27FC236}">
+                <a16:creationId xmlns:a16="http://schemas.microsoft.com/office/drawing/2014/main" id="{F946F122-495B-4F40-8D64-8CEC8223CE57}"/>
+              </a:ext>
+            </a:extLst>
+          </p:cNvPr>
+          <p:cNvSpPr/>
+          <p:nvPr/>
+        </p:nvSpPr>
+        <p:spPr>
+          <a:xfrm>
+            <a:off x="2778763" y="12638761"/>
+            <a:ext cx="4054415" cy="1657189"/>
+          </a:xfrm>
+          <a:prstGeom prst="roundRect">
+            <a:avLst>
+              <a:gd name="adj" fmla="val 9646"/>
+            </a:avLst>
+          </a:prstGeom>
+          <a:noFill/>
+          <a:ln w="38100">
+            <a:solidFill>
+              <a:srgbClr val="8A2E5E"/>
+            </a:solidFill>
+            <a:prstDash val="lgDash"/>
+          </a:ln>
+        </p:spPr>
+        <p:style>
+          <a:lnRef idx="2">
+            <a:schemeClr val="accent1">
+              <a:shade val="50000"/>
+            </a:schemeClr>
+          </a:lnRef>
+          <a:fillRef idx="1">
+            <a:schemeClr val="accent1"/>
+          </a:fillRef>
+          <a:effectRef idx="0">
+            <a:schemeClr val="accent1"/>
+          </a:effectRef>
+          <a:fontRef idx="minor">
+            <a:schemeClr val="lt1"/>
+          </a:fontRef>
+        </p:style>
+        <p:txBody>
+          <a:bodyPr rtlCol="0" anchor="t"/>
+          <a:lstStyle/>
+          <a:p>
+            <a:r>
+              <a:rPr lang="en-CA" sz="1600" b="1" dirty="0">
+                <a:solidFill>
+                  <a:srgbClr val="8A2E5E"/>
+                </a:solidFill>
+              </a:rPr>
+              <a:t>Lambda – Background Function</a:t>
+            </a:r>
+          </a:p>
+        </p:txBody>
+      </p:sp>
+      <p:sp>
+        <p:nvSpPr>
+          <p:cNvPr id="82" name="Rectangle: Rounded Corners 81">
+            <a:extLst>
+              <a:ext uri="{FF2B5EF4-FFF2-40B4-BE49-F238E27FC236}">
+                <a16:creationId xmlns:a16="http://schemas.microsoft.com/office/drawing/2014/main" id="{1D7B60CB-6FFA-4583-8DB0-C2E198F24519}"/>
+              </a:ext>
+            </a:extLst>
+          </p:cNvPr>
+          <p:cNvSpPr/>
+          <p:nvPr/>
+        </p:nvSpPr>
+        <p:spPr>
+          <a:xfrm>
+            <a:off x="432700" y="13188109"/>
+            <a:ext cx="1426353" cy="558492"/>
+          </a:xfrm>
+          <a:prstGeom prst="roundRect">
+            <a:avLst/>
+          </a:prstGeom>
+          <a:solidFill>
+            <a:srgbClr val="0099CC"/>
+          </a:solidFill>
+          <a:ln w="19050">
+            <a:noFill/>
+          </a:ln>
+        </p:spPr>
+        <p:style>
+          <a:lnRef idx="2">
+            <a:schemeClr val="accent1">
+              <a:shade val="50000"/>
+            </a:schemeClr>
+          </a:lnRef>
+          <a:fillRef idx="1">
+            <a:schemeClr val="accent1"/>
+          </a:fillRef>
+          <a:effectRef idx="0">
+            <a:schemeClr val="accent1"/>
+          </a:effectRef>
+          <a:fontRef idx="minor">
+            <a:schemeClr val="lt1"/>
+          </a:fontRef>
+        </p:style>
+        <p:txBody>
+          <a:bodyPr rtlCol="0" anchor="ctr"/>
+          <a:lstStyle/>
+          <a:p>
+            <a:pPr algn="ctr"/>
+            <a:r>
+              <a:rPr lang="en-CA" sz="1600" dirty="0">
+                <a:solidFill>
+                  <a:schemeClr val="bg1"/>
+                </a:solidFill>
+              </a:rPr>
+              <a:t>EventBridge</a:t>
+            </a:r>
+          </a:p>
+        </p:txBody>
+      </p:sp>
+      <p:cxnSp>
+        <p:nvCxnSpPr>
+          <p:cNvPr id="83" name="Straight Arrow Connector 82">
+            <a:extLst>
+              <a:ext uri="{FF2B5EF4-FFF2-40B4-BE49-F238E27FC236}">
+                <a16:creationId xmlns:a16="http://schemas.microsoft.com/office/drawing/2014/main" id="{609663EB-8075-4F3E-BB01-9AA8CDAC109A}"/>
+              </a:ext>
+            </a:extLst>
+          </p:cNvPr>
+          <p:cNvCxnSpPr>
+            <a:cxnSpLocks/>
+            <a:stCxn id="82" idx="3"/>
+            <a:endCxn id="81" idx="1"/>
+          </p:cNvCxnSpPr>
+          <p:nvPr/>
+        </p:nvCxnSpPr>
+        <p:spPr>
+          <a:xfrm>
+            <a:off x="1859053" y="13467355"/>
+            <a:ext cx="919710" cy="1"/>
+          </a:xfrm>
+          <a:prstGeom prst="straightConnector1">
+            <a:avLst/>
+          </a:prstGeom>
+          <a:ln w="28575">
+            <a:tailEnd type="triangle"/>
+          </a:ln>
+        </p:spPr>
+        <p:style>
+          <a:lnRef idx="1">
+            <a:schemeClr val="dk1"/>
+          </a:lnRef>
+          <a:fillRef idx="0">
+            <a:schemeClr val="dk1"/>
+          </a:fillRef>
+          <a:effectRef idx="0">
+            <a:schemeClr val="dk1"/>
+          </a:effectRef>
+          <a:fontRef idx="minor">
+            <a:schemeClr val="tx1"/>
+          </a:fontRef>
+        </p:style>
+      </p:cxnSp>
+      <p:sp>
+        <p:nvSpPr>
+          <p:cNvPr id="88" name="Rectangle: Rounded Corners 87">
+            <a:extLst>
+              <a:ext uri="{FF2B5EF4-FFF2-40B4-BE49-F238E27FC236}">
+                <a16:creationId xmlns:a16="http://schemas.microsoft.com/office/drawing/2014/main" id="{9E639A73-EEC2-469D-80C4-CEFD8EB34B77}"/>
+              </a:ext>
+            </a:extLst>
+          </p:cNvPr>
+          <p:cNvSpPr/>
+          <p:nvPr/>
+        </p:nvSpPr>
+        <p:spPr>
+          <a:xfrm>
+            <a:off x="3051272" y="10920402"/>
+            <a:ext cx="1626605" cy="480656"/>
+          </a:xfrm>
+          <a:prstGeom prst="roundRect">
+            <a:avLst/>
+          </a:prstGeom>
+          <a:solidFill>
+            <a:srgbClr val="F2843A"/>
+          </a:solidFill>
+          <a:ln>
+            <a:noFill/>
+          </a:ln>
+        </p:spPr>
+        <p:style>
+          <a:lnRef idx="2">
+            <a:schemeClr val="accent1">
+              <a:shade val="50000"/>
+            </a:schemeClr>
+          </a:lnRef>
+          <a:fillRef idx="1">
+            <a:schemeClr val="accent1"/>
+          </a:fillRef>
+          <a:effectRef idx="0">
+            <a:schemeClr val="accent1"/>
+          </a:effectRef>
+          <a:fontRef idx="minor">
+            <a:schemeClr val="lt1"/>
+          </a:fontRef>
+        </p:style>
+        <p:txBody>
+          <a:bodyPr rtlCol="0" anchor="ctr"/>
+          <a:lstStyle/>
+          <a:p>
+            <a:pPr algn="ctr"/>
+            <a:r>
+              <a:rPr lang="en-CA" sz="1200" dirty="0"/>
+              <a:t>Update Training Mode</a:t>
+            </a:r>
+          </a:p>
+        </p:txBody>
+      </p:sp>
+      <p:sp>
+        <p:nvSpPr>
+          <p:cNvPr id="89" name="Rectangle: Rounded Corners 88">
+            <a:extLst>
+              <a:ext uri="{FF2B5EF4-FFF2-40B4-BE49-F238E27FC236}">
+                <a16:creationId xmlns:a16="http://schemas.microsoft.com/office/drawing/2014/main" id="{9CAEBFC2-72E4-47DA-A18A-227E97B2B1B4}"/>
+              </a:ext>
+            </a:extLst>
+          </p:cNvPr>
+          <p:cNvSpPr/>
+          <p:nvPr/>
+        </p:nvSpPr>
+        <p:spPr>
+          <a:xfrm>
+            <a:off x="7282387" y="11918128"/>
+            <a:ext cx="1767257" cy="670193"/>
+          </a:xfrm>
+          <a:prstGeom prst="roundRect">
+            <a:avLst/>
+          </a:prstGeom>
+          <a:solidFill>
+            <a:srgbClr val="F2843A"/>
+          </a:solidFill>
+          <a:ln>
+            <a:noFill/>
+          </a:ln>
+        </p:spPr>
+        <p:style>
+          <a:lnRef idx="2">
+            <a:schemeClr val="accent1">
+              <a:shade val="50000"/>
+            </a:schemeClr>
+          </a:lnRef>
+          <a:fillRef idx="1">
+            <a:schemeClr val="accent1"/>
+          </a:fillRef>
+          <a:effectRef idx="0">
+            <a:schemeClr val="accent1"/>
+          </a:effectRef>
+          <a:fontRef idx="minor">
+            <a:schemeClr val="lt1"/>
+          </a:fontRef>
+        </p:style>
+        <p:txBody>
+          <a:bodyPr rtlCol="0" anchor="ctr"/>
+          <a:lstStyle/>
+          <a:p>
+            <a:pPr algn="ctr"/>
+            <a:r>
+              <a:rPr lang="en-CA" sz="1400" dirty="0"/>
+              <a:t>DynamoDB – Manager Mode</a:t>
+            </a:r>
+          </a:p>
+        </p:txBody>
+      </p:sp>
+      <p:cxnSp>
+        <p:nvCxnSpPr>
+          <p:cNvPr id="90" name="Connector: Elbow 89">
+            <a:extLst>
+              <a:ext uri="{FF2B5EF4-FFF2-40B4-BE49-F238E27FC236}">
+                <a16:creationId xmlns:a16="http://schemas.microsoft.com/office/drawing/2014/main" id="{6858A53D-42C1-4FA8-B5D1-E59FDD74A1C2}"/>
+              </a:ext>
+            </a:extLst>
+          </p:cNvPr>
+          <p:cNvCxnSpPr>
+            <a:cxnSpLocks/>
+            <a:stCxn id="88" idx="3"/>
+            <a:endCxn id="89" idx="1"/>
+          </p:cNvCxnSpPr>
+          <p:nvPr/>
+        </p:nvCxnSpPr>
+        <p:spPr>
+          <a:xfrm>
+            <a:off x="4677877" y="11160730"/>
+            <a:ext cx="2604510" cy="1092495"/>
+          </a:xfrm>
+          <a:prstGeom prst="bentConnector3">
+            <a:avLst>
+              <a:gd name="adj1" fmla="val 50000"/>
+            </a:avLst>
+          </a:prstGeom>
+          <a:ln w="28575">
+            <a:solidFill>
+              <a:srgbClr val="F2843A"/>
+            </a:solidFill>
+            <a:headEnd type="none" w="med" len="med"/>
+            <a:tailEnd type="triangle" w="med" len="med"/>
+          </a:ln>
+        </p:spPr>
+        <p:style>
+          <a:lnRef idx="1">
+            <a:schemeClr val="dk1"/>
+          </a:lnRef>
+          <a:fillRef idx="0">
+            <a:schemeClr val="dk1"/>
+          </a:fillRef>
+          <a:effectRef idx="0">
+            <a:schemeClr val="dk1"/>
+          </a:effectRef>
+          <a:fontRef idx="minor">
+            <a:schemeClr val="tx1"/>
+          </a:fontRef>
+        </p:style>
+      </p:cxnSp>
+      <p:cxnSp>
+        <p:nvCxnSpPr>
+          <p:cNvPr id="94" name="Straight Arrow Connector 93">
+            <a:extLst>
+              <a:ext uri="{FF2B5EF4-FFF2-40B4-BE49-F238E27FC236}">
+                <a16:creationId xmlns:a16="http://schemas.microsoft.com/office/drawing/2014/main" id="{6648CEA4-26C3-4E9B-8640-C85D267C762F}"/>
+              </a:ext>
+            </a:extLst>
+          </p:cNvPr>
+          <p:cNvCxnSpPr>
+            <a:cxnSpLocks/>
+            <a:stCxn id="186" idx="2"/>
+            <a:endCxn id="76" idx="0"/>
+          </p:cNvCxnSpPr>
+          <p:nvPr/>
+        </p:nvCxnSpPr>
+        <p:spPr>
+          <a:xfrm>
+            <a:off x="7852515" y="10641889"/>
+            <a:ext cx="5170" cy="437067"/>
+          </a:xfrm>
+          <a:prstGeom prst="straightConnector1">
+            <a:avLst/>
+          </a:prstGeom>
+          <a:ln w="28575">
+            <a:solidFill>
+              <a:srgbClr val="FF0066"/>
+            </a:solidFill>
+            <a:tailEnd type="triangle"/>
+          </a:ln>
+        </p:spPr>
+        <p:style>
+          <a:lnRef idx="1">
+            <a:schemeClr val="dk1"/>
+          </a:lnRef>
+          <a:fillRef idx="0">
+            <a:schemeClr val="dk1"/>
+          </a:fillRef>
+          <a:effectRef idx="0">
+            <a:schemeClr val="dk1"/>
+          </a:effectRef>
+          <a:fontRef idx="minor">
+            <a:schemeClr val="tx1"/>
+          </a:fontRef>
+        </p:style>
+      </p:cxnSp>
+      <p:sp>
+        <p:nvSpPr>
+          <p:cNvPr id="98" name="Rectangle: Rounded Corners 97">
+            <a:extLst>
+              <a:ext uri="{FF2B5EF4-FFF2-40B4-BE49-F238E27FC236}">
+                <a16:creationId xmlns:a16="http://schemas.microsoft.com/office/drawing/2014/main" id="{E90EE1DF-3B68-4B82-994D-56172888D635}"/>
+              </a:ext>
+            </a:extLst>
+          </p:cNvPr>
+          <p:cNvSpPr/>
+          <p:nvPr/>
+        </p:nvSpPr>
+        <p:spPr>
+          <a:xfrm>
+            <a:off x="7294518" y="13093214"/>
+            <a:ext cx="1767257" cy="670193"/>
+          </a:xfrm>
+          <a:prstGeom prst="roundRect">
+            <a:avLst/>
+          </a:prstGeom>
+          <a:solidFill>
+            <a:srgbClr val="F2843A"/>
+          </a:solidFill>
+          <a:ln>
+            <a:noFill/>
+          </a:ln>
+        </p:spPr>
+        <p:style>
+          <a:lnRef idx="2">
+            <a:schemeClr val="accent1">
+              <a:shade val="50000"/>
+            </a:schemeClr>
+          </a:lnRef>
+          <a:fillRef idx="1">
+            <a:schemeClr val="accent1"/>
+          </a:fillRef>
+          <a:effectRef idx="0">
+            <a:schemeClr val="accent1"/>
+          </a:effectRef>
+          <a:fontRef idx="minor">
+            <a:schemeClr val="lt1"/>
+          </a:fontRef>
+        </p:style>
+        <p:txBody>
+          <a:bodyPr rtlCol="0" anchor="ctr"/>
+          <a:lstStyle/>
+          <a:p>
+            <a:pPr algn="ctr"/>
+            <a:r>
+              <a:rPr lang="en-CA" sz="1400" dirty="0"/>
+              <a:t>DynamoDB – Image Store</a:t>
+            </a:r>
+          </a:p>
+        </p:txBody>
+      </p:sp>
+      <p:sp>
+        <p:nvSpPr>
+          <p:cNvPr id="101" name="Rectangle: Rounded Corners 100">
+            <a:extLst>
+              <a:ext uri="{FF2B5EF4-FFF2-40B4-BE49-F238E27FC236}">
+                <a16:creationId xmlns:a16="http://schemas.microsoft.com/office/drawing/2014/main" id="{244450A7-4BC9-44E7-81E5-D1CEBEE88BD7}"/>
+              </a:ext>
+            </a:extLst>
+          </p:cNvPr>
+          <p:cNvSpPr/>
+          <p:nvPr/>
+        </p:nvSpPr>
+        <p:spPr>
+          <a:xfrm>
+            <a:off x="2935881" y="13047598"/>
+            <a:ext cx="1289592" cy="480656"/>
+          </a:xfrm>
+          <a:prstGeom prst="roundRect">
+            <a:avLst/>
+          </a:prstGeom>
+          <a:solidFill>
+            <a:srgbClr val="F2843A"/>
+          </a:solidFill>
+          <a:ln>
+            <a:noFill/>
+          </a:ln>
+        </p:spPr>
+        <p:style>
+          <a:lnRef idx="2">
+            <a:schemeClr val="accent1">
+              <a:shade val="50000"/>
+            </a:schemeClr>
+          </a:lnRef>
+          <a:fillRef idx="1">
+            <a:schemeClr val="accent1"/>
+          </a:fillRef>
+          <a:effectRef idx="0">
+            <a:schemeClr val="accent1"/>
+          </a:effectRef>
+          <a:fontRef idx="minor">
+            <a:schemeClr val="lt1"/>
+          </a:fontRef>
+        </p:style>
+        <p:txBody>
+          <a:bodyPr rtlCol="0" anchor="ctr"/>
+          <a:lstStyle/>
+          <a:p>
+            <a:pPr algn="ctr"/>
+            <a:r>
+              <a:rPr lang="en-CA" sz="1200" dirty="0"/>
+              <a:t>Check Mode</a:t>
+            </a:r>
+          </a:p>
+        </p:txBody>
+      </p:sp>
+      <p:cxnSp>
+        <p:nvCxnSpPr>
+          <p:cNvPr id="102" name="Connector: Elbow 101">
+            <a:extLst>
+              <a:ext uri="{FF2B5EF4-FFF2-40B4-BE49-F238E27FC236}">
+                <a16:creationId xmlns:a16="http://schemas.microsoft.com/office/drawing/2014/main" id="{23D5BF27-94A0-4A51-B1A8-B555CF0DE248}"/>
+              </a:ext>
+            </a:extLst>
+          </p:cNvPr>
+          <p:cNvCxnSpPr>
+            <a:cxnSpLocks/>
+            <a:stCxn id="101" idx="3"/>
+            <a:endCxn id="89" idx="1"/>
+          </p:cNvCxnSpPr>
+          <p:nvPr/>
+        </p:nvCxnSpPr>
+        <p:spPr>
+          <a:xfrm flipV="1">
+            <a:off x="4225473" y="12253225"/>
+            <a:ext cx="3056914" cy="1034701"/>
+          </a:xfrm>
+          <a:prstGeom prst="bentConnector3">
+            <a:avLst>
+              <a:gd name="adj1" fmla="val 57478"/>
+            </a:avLst>
+          </a:prstGeom>
+          <a:ln w="28575">
+            <a:solidFill>
+              <a:srgbClr val="F2843A"/>
+            </a:solidFill>
+            <a:headEnd type="none" w="med" len="med"/>
+            <a:tailEnd type="triangle" w="med" len="med"/>
+          </a:ln>
+        </p:spPr>
+        <p:style>
+          <a:lnRef idx="1">
+            <a:schemeClr val="dk1"/>
+          </a:lnRef>
+          <a:fillRef idx="0">
+            <a:schemeClr val="dk1"/>
+          </a:fillRef>
+          <a:effectRef idx="0">
+            <a:schemeClr val="dk1"/>
+          </a:effectRef>
+          <a:fontRef idx="minor">
+            <a:schemeClr val="tx1"/>
+          </a:fontRef>
+        </p:style>
+      </p:cxnSp>
+      <p:sp>
+        <p:nvSpPr>
+          <p:cNvPr id="109" name="Rectangle: Rounded Corners 108">
+            <a:extLst>
+              <a:ext uri="{FF2B5EF4-FFF2-40B4-BE49-F238E27FC236}">
+                <a16:creationId xmlns:a16="http://schemas.microsoft.com/office/drawing/2014/main" id="{DE4A9536-6769-42C8-9E36-AC248AAF62E2}"/>
+              </a:ext>
+            </a:extLst>
+          </p:cNvPr>
+          <p:cNvSpPr/>
+          <p:nvPr/>
+        </p:nvSpPr>
+        <p:spPr>
+          <a:xfrm>
+            <a:off x="4299452" y="13575626"/>
+            <a:ext cx="1289592" cy="480656"/>
+          </a:xfrm>
+          <a:prstGeom prst="roundRect">
+            <a:avLst/>
+          </a:prstGeom>
+          <a:solidFill>
+            <a:srgbClr val="F2843A"/>
+          </a:solidFill>
+          <a:ln>
+            <a:noFill/>
+          </a:ln>
+        </p:spPr>
+        <p:style>
+          <a:lnRef idx="2">
+            <a:schemeClr val="accent1">
+              <a:shade val="50000"/>
+            </a:schemeClr>
+          </a:lnRef>
+          <a:fillRef idx="1">
+            <a:schemeClr val="accent1"/>
+          </a:fillRef>
+          <a:effectRef idx="0">
+            <a:schemeClr val="accent1"/>
+          </a:effectRef>
+          <a:fontRef idx="minor">
+            <a:schemeClr val="lt1"/>
+          </a:fontRef>
+        </p:style>
+        <p:txBody>
+          <a:bodyPr rtlCol="0" anchor="ctr"/>
+          <a:lstStyle/>
+          <a:p>
+            <a:pPr algn="ctr"/>
+            <a:r>
+              <a:rPr lang="en-CA" sz="1200" dirty="0"/>
+              <a:t>Check Train Amount</a:t>
+            </a:r>
+          </a:p>
+        </p:txBody>
+      </p:sp>
+      <p:cxnSp>
+        <p:nvCxnSpPr>
+          <p:cNvPr id="111" name="Straight Arrow Connector 110">
+            <a:extLst>
+              <a:ext uri="{FF2B5EF4-FFF2-40B4-BE49-F238E27FC236}">
+                <a16:creationId xmlns:a16="http://schemas.microsoft.com/office/drawing/2014/main" id="{F835A3E7-0921-4DE4-984C-2978EE79EB00}"/>
+              </a:ext>
+            </a:extLst>
+          </p:cNvPr>
+          <p:cNvCxnSpPr>
+            <a:cxnSpLocks/>
+            <a:stCxn id="101" idx="2"/>
+            <a:endCxn id="109" idx="1"/>
+          </p:cNvCxnSpPr>
+          <p:nvPr/>
+        </p:nvCxnSpPr>
+        <p:spPr>
+          <a:xfrm>
+            <a:off x="3580677" y="13528254"/>
+            <a:ext cx="718775" cy="287700"/>
+          </a:xfrm>
+          <a:prstGeom prst="straightConnector1">
+            <a:avLst/>
+          </a:prstGeom>
+          <a:ln w="28575">
+            <a:tailEnd type="triangle"/>
+          </a:ln>
+        </p:spPr>
+        <p:style>
+          <a:lnRef idx="1">
+            <a:schemeClr val="dk1"/>
+          </a:lnRef>
+          <a:fillRef idx="0">
+            <a:schemeClr val="dk1"/>
+          </a:fillRef>
+          <a:effectRef idx="0">
+            <a:schemeClr val="dk1"/>
+          </a:effectRef>
+          <a:fontRef idx="minor">
+            <a:schemeClr val="tx1"/>
+          </a:fontRef>
+        </p:style>
+      </p:cxnSp>
+      <p:cxnSp>
+        <p:nvCxnSpPr>
+          <p:cNvPr id="113" name="Connector: Elbow 112">
+            <a:extLst>
+              <a:ext uri="{FF2B5EF4-FFF2-40B4-BE49-F238E27FC236}">
+                <a16:creationId xmlns:a16="http://schemas.microsoft.com/office/drawing/2014/main" id="{77DC6680-34DE-469B-A249-BEB45FCF9F24}"/>
+              </a:ext>
+            </a:extLst>
+          </p:cNvPr>
+          <p:cNvCxnSpPr>
+            <a:cxnSpLocks/>
+            <a:stCxn id="109" idx="0"/>
+            <a:endCxn id="98" idx="1"/>
+          </p:cNvCxnSpPr>
+          <p:nvPr/>
+        </p:nvCxnSpPr>
+        <p:spPr>
+          <a:xfrm rot="5400000" flipH="1" flipV="1">
+            <a:off x="6045726" y="12326834"/>
+            <a:ext cx="147315" cy="2350270"/>
+          </a:xfrm>
+          <a:prstGeom prst="bentConnector2">
+            <a:avLst/>
+          </a:prstGeom>
+          <a:ln w="28575">
+            <a:solidFill>
+              <a:srgbClr val="F2843A"/>
+            </a:solidFill>
+            <a:headEnd type="none" w="med" len="med"/>
+            <a:tailEnd type="triangle" w="med" len="med"/>
+          </a:ln>
+        </p:spPr>
+        <p:style>
+          <a:lnRef idx="1">
+            <a:schemeClr val="dk1"/>
+          </a:lnRef>
+          <a:fillRef idx="0">
+            <a:schemeClr val="dk1"/>
+          </a:fillRef>
+          <a:effectRef idx="0">
+            <a:schemeClr val="dk1"/>
+          </a:effectRef>
+          <a:fontRef idx="minor">
+            <a:schemeClr val="tx1"/>
+          </a:fontRef>
+        </p:style>
+      </p:cxnSp>
+    </p:spTree>
+    <p:extLst>
+      <p:ext uri="{BB962C8B-B14F-4D97-AF65-F5344CB8AC3E}">
+        <p14:creationId xmlns:p14="http://schemas.microsoft.com/office/powerpoint/2010/main" val="1695801753"/>
+      </p:ext>
+    </p:extLst>
+  </p:cSld>
+  <p:clrMapOvr>
+    <a:masterClrMapping/>
+  </p:clrMapOvr>
+</p:sld>
+</file>
+
 <file path=ppt/theme/theme1.xml><?xml version="1.0" encoding="utf-8"?>
 <a:theme xmlns:a="http://schemas.openxmlformats.org/drawingml/2006/main" name="Office Theme">
   <a:themeElements>

--- a/SystemDiagram.pptx
+++ b/SystemDiagram.pptx
@@ -7832,10 +7832,10 @@
       </p:grpSpPr>
       <p:grpSp>
         <p:nvGrpSpPr>
-          <p:cNvPr id="232" name="Group 231">
+          <p:cNvPr id="132" name="Group 131">
             <a:extLst>
               <a:ext uri="{FF2B5EF4-FFF2-40B4-BE49-F238E27FC236}">
-                <a16:creationId xmlns:a16="http://schemas.microsoft.com/office/drawing/2014/main" id="{81AB44D0-5D8C-420B-A7A5-439FC5BE203B}"/>
+                <a16:creationId xmlns:a16="http://schemas.microsoft.com/office/drawing/2014/main" id="{F9867F13-7170-4F46-B063-3BA8D8B199F0}"/>
               </a:ext>
             </a:extLst>
           </p:cNvPr>
@@ -7844,18 +7844,4094 @@
         </p:nvGrpSpPr>
         <p:grpSpPr>
           <a:xfrm>
-            <a:off x="788548" y="490761"/>
-            <a:ext cx="11056345" cy="11075164"/>
-            <a:chOff x="1122206" y="487751"/>
-            <a:chExt cx="11056345" cy="11075164"/>
+            <a:off x="432700" y="237845"/>
+            <a:ext cx="11703177" cy="14104102"/>
+            <a:chOff x="432700" y="237845"/>
+            <a:chExt cx="11703177" cy="14104102"/>
           </a:xfrm>
         </p:grpSpPr>
+        <p:grpSp>
+          <p:nvGrpSpPr>
+            <p:cNvPr id="123" name="Group 122">
+              <a:extLst>
+                <a:ext uri="{FF2B5EF4-FFF2-40B4-BE49-F238E27FC236}">
+                  <a16:creationId xmlns:a16="http://schemas.microsoft.com/office/drawing/2014/main" id="{3B5B2CF2-D635-4C00-A183-90F522C5F43F}"/>
+                </a:ext>
+              </a:extLst>
+            </p:cNvPr>
+            <p:cNvGrpSpPr/>
+            <p:nvPr/>
+          </p:nvGrpSpPr>
+          <p:grpSpPr>
+            <a:xfrm>
+              <a:off x="432700" y="237845"/>
+              <a:ext cx="11703177" cy="14104102"/>
+              <a:chOff x="432700" y="237845"/>
+              <a:chExt cx="11703177" cy="14104102"/>
+            </a:xfrm>
+          </p:grpSpPr>
+          <p:grpSp>
+            <p:nvGrpSpPr>
+              <p:cNvPr id="232" name="Group 231">
+                <a:extLst>
+                  <a:ext uri="{FF2B5EF4-FFF2-40B4-BE49-F238E27FC236}">
+                    <a16:creationId xmlns:a16="http://schemas.microsoft.com/office/drawing/2014/main" id="{81AB44D0-5D8C-420B-A7A5-439FC5BE203B}"/>
+                  </a:ext>
+                </a:extLst>
+              </p:cNvPr>
+              <p:cNvGrpSpPr/>
+              <p:nvPr/>
+            </p:nvGrpSpPr>
+            <p:grpSpPr>
+              <a:xfrm>
+                <a:off x="788548" y="237845"/>
+                <a:ext cx="11347329" cy="11901897"/>
+                <a:chOff x="1122206" y="487751"/>
+                <a:chExt cx="11347329" cy="11901897"/>
+              </a:xfrm>
+            </p:grpSpPr>
+            <p:sp>
+              <p:nvSpPr>
+                <p:cNvPr id="4" name="Rectangle: Rounded Corners 3">
+                  <a:extLst>
+                    <a:ext uri="{FF2B5EF4-FFF2-40B4-BE49-F238E27FC236}">
+                      <a16:creationId xmlns:a16="http://schemas.microsoft.com/office/drawing/2014/main" id="{13E04963-F0CC-4E95-8AC8-77403F037350}"/>
+                    </a:ext>
+                  </a:extLst>
+                </p:cNvPr>
+                <p:cNvSpPr/>
+                <p:nvPr/>
+              </p:nvSpPr>
+              <p:spPr>
+                <a:xfrm>
+                  <a:off x="3269539" y="487751"/>
+                  <a:ext cx="4054415" cy="4700463"/>
+                </a:xfrm>
+                <a:prstGeom prst="roundRect">
+                  <a:avLst>
+                    <a:gd name="adj" fmla="val 9646"/>
+                  </a:avLst>
+                </a:prstGeom>
+                <a:noFill/>
+                <a:ln w="38100">
+                  <a:solidFill>
+                    <a:srgbClr val="8A2E5E"/>
+                  </a:solidFill>
+                  <a:prstDash val="lgDash"/>
+                </a:ln>
+              </p:spPr>
+              <p:style>
+                <a:lnRef idx="2">
+                  <a:schemeClr val="accent1">
+                    <a:shade val="50000"/>
+                  </a:schemeClr>
+                </a:lnRef>
+                <a:fillRef idx="1">
+                  <a:schemeClr val="accent1"/>
+                </a:fillRef>
+                <a:effectRef idx="0">
+                  <a:schemeClr val="accent1"/>
+                </a:effectRef>
+                <a:fontRef idx="minor">
+                  <a:schemeClr val="lt1"/>
+                </a:fontRef>
+              </p:style>
+              <p:txBody>
+                <a:bodyPr rtlCol="0" anchor="t"/>
+                <a:lstStyle/>
+                <a:p>
+                  <a:r>
+                    <a:rPr lang="en-CA" sz="1600" b="1" dirty="0">
+                      <a:solidFill>
+                        <a:srgbClr val="8A2E5E"/>
+                      </a:solidFill>
+                    </a:rPr>
+                    <a:t>Lambda - User Application</a:t>
+                  </a:r>
+                </a:p>
+              </p:txBody>
+            </p:sp>
+            <p:sp>
+              <p:nvSpPr>
+                <p:cNvPr id="5" name="Rectangle: Rounded Corners 4">
+                  <a:extLst>
+                    <a:ext uri="{FF2B5EF4-FFF2-40B4-BE49-F238E27FC236}">
+                      <a16:creationId xmlns:a16="http://schemas.microsoft.com/office/drawing/2014/main" id="{450DD667-4509-4EE6-BE5D-D02B51FD740E}"/>
+                    </a:ext>
+                  </a:extLst>
+                </p:cNvPr>
+                <p:cNvSpPr/>
+                <p:nvPr/>
+              </p:nvSpPr>
+              <p:spPr>
+                <a:xfrm>
+                  <a:off x="3418876" y="2736155"/>
+                  <a:ext cx="1140256" cy="480656"/>
+                </a:xfrm>
+                <a:prstGeom prst="roundRect">
+                  <a:avLst/>
+                </a:prstGeom>
+                <a:solidFill>
+                  <a:srgbClr val="F2843A"/>
+                </a:solidFill>
+                <a:ln>
+                  <a:noFill/>
+                </a:ln>
+              </p:spPr>
+              <p:style>
+                <a:lnRef idx="2">
+                  <a:schemeClr val="accent1">
+                    <a:shade val="50000"/>
+                  </a:schemeClr>
+                </a:lnRef>
+                <a:fillRef idx="1">
+                  <a:schemeClr val="accent1"/>
+                </a:fillRef>
+                <a:effectRef idx="0">
+                  <a:schemeClr val="accent1"/>
+                </a:effectRef>
+                <a:fontRef idx="minor">
+                  <a:schemeClr val="lt1"/>
+                </a:fontRef>
+              </p:style>
+              <p:txBody>
+                <a:bodyPr rtlCol="0" anchor="ctr"/>
+                <a:lstStyle/>
+                <a:p>
+                  <a:pPr algn="ctr"/>
+                  <a:r>
+                    <a:rPr lang="en-CA" sz="1200" dirty="0"/>
+                    <a:t>Search Images</a:t>
+                  </a:r>
+                </a:p>
+              </p:txBody>
+            </p:sp>
+            <p:sp>
+              <p:nvSpPr>
+                <p:cNvPr id="7" name="Rectangle: Rounded Corners 6">
+                  <a:extLst>
+                    <a:ext uri="{FF2B5EF4-FFF2-40B4-BE49-F238E27FC236}">
+                      <a16:creationId xmlns:a16="http://schemas.microsoft.com/office/drawing/2014/main" id="{385BBB93-287A-4611-A145-536B2BA93EAB}"/>
+                    </a:ext>
+                  </a:extLst>
+                </p:cNvPr>
+                <p:cNvSpPr/>
+                <p:nvPr/>
+              </p:nvSpPr>
+              <p:spPr>
+                <a:xfrm>
+                  <a:off x="3418877" y="980584"/>
+                  <a:ext cx="1251913" cy="458040"/>
+                </a:xfrm>
+                <a:prstGeom prst="roundRect">
+                  <a:avLst/>
+                </a:prstGeom>
+                <a:solidFill>
+                  <a:srgbClr val="C00000"/>
+                </a:solidFill>
+                <a:ln>
+                  <a:noFill/>
+                </a:ln>
+              </p:spPr>
+              <p:style>
+                <a:lnRef idx="2">
+                  <a:schemeClr val="accent1">
+                    <a:shade val="50000"/>
+                  </a:schemeClr>
+                </a:lnRef>
+                <a:fillRef idx="1">
+                  <a:schemeClr val="accent1"/>
+                </a:fillRef>
+                <a:effectRef idx="0">
+                  <a:schemeClr val="accent1"/>
+                </a:effectRef>
+                <a:fontRef idx="minor">
+                  <a:schemeClr val="lt1"/>
+                </a:fontRef>
+              </p:style>
+              <p:txBody>
+                <a:bodyPr rtlCol="0" anchor="ctr"/>
+                <a:lstStyle/>
+                <a:p>
+                  <a:pPr algn="ctr"/>
+                  <a:r>
+                    <a:rPr lang="en-CA" sz="1200" dirty="0"/>
+                    <a:t>Upload Image</a:t>
+                  </a:r>
+                </a:p>
+              </p:txBody>
+            </p:sp>
+            <p:sp>
+              <p:nvSpPr>
+                <p:cNvPr id="8" name="Rectangle: Rounded Corners 7">
+                  <a:extLst>
+                    <a:ext uri="{FF2B5EF4-FFF2-40B4-BE49-F238E27FC236}">
+                      <a16:creationId xmlns:a16="http://schemas.microsoft.com/office/drawing/2014/main" id="{F87D4A1B-0BB1-404A-875A-63DF7E4594E2}"/>
+                    </a:ext>
+                  </a:extLst>
+                </p:cNvPr>
+                <p:cNvSpPr/>
+                <p:nvPr/>
+              </p:nvSpPr>
+              <p:spPr>
+                <a:xfrm>
+                  <a:off x="4670790" y="1516262"/>
+                  <a:ext cx="1251913" cy="458040"/>
+                </a:xfrm>
+                <a:prstGeom prst="roundRect">
+                  <a:avLst/>
+                </a:prstGeom>
+                <a:solidFill>
+                  <a:schemeClr val="accent5">
+                    <a:lumMod val="75000"/>
+                  </a:schemeClr>
+                </a:solidFill>
+                <a:ln>
+                  <a:noFill/>
+                </a:ln>
+              </p:spPr>
+              <p:style>
+                <a:lnRef idx="2">
+                  <a:schemeClr val="accent1">
+                    <a:shade val="50000"/>
+                  </a:schemeClr>
+                </a:lnRef>
+                <a:fillRef idx="1">
+                  <a:schemeClr val="accent1"/>
+                </a:fillRef>
+                <a:effectRef idx="0">
+                  <a:schemeClr val="accent1"/>
+                </a:effectRef>
+                <a:fontRef idx="minor">
+                  <a:schemeClr val="lt1"/>
+                </a:fontRef>
+              </p:style>
+              <p:txBody>
+                <a:bodyPr rtlCol="0" anchor="ctr"/>
+                <a:lstStyle/>
+                <a:p>
+                  <a:pPr algn="ctr"/>
+                  <a:r>
+                    <a:rPr lang="en-CA" sz="1200" dirty="0"/>
+                    <a:t>Do Matching</a:t>
+                  </a:r>
+                </a:p>
+              </p:txBody>
+            </p:sp>
+            <p:sp>
+              <p:nvSpPr>
+                <p:cNvPr id="10" name="Rectangle: Rounded Corners 9">
+                  <a:extLst>
+                    <a:ext uri="{FF2B5EF4-FFF2-40B4-BE49-F238E27FC236}">
+                      <a16:creationId xmlns:a16="http://schemas.microsoft.com/office/drawing/2014/main" id="{83B4B808-831B-494C-ADC0-8ED45BF8CE5A}"/>
+                    </a:ext>
+                  </a:extLst>
+                </p:cNvPr>
+                <p:cNvSpPr/>
+                <p:nvPr/>
+              </p:nvSpPr>
+              <p:spPr>
+                <a:xfrm>
+                  <a:off x="5922702" y="2087879"/>
+                  <a:ext cx="1251912" cy="458040"/>
+                </a:xfrm>
+                <a:prstGeom prst="roundRect">
+                  <a:avLst/>
+                </a:prstGeom>
+                <a:solidFill>
+                  <a:srgbClr val="F2843A"/>
+                </a:solidFill>
+                <a:ln>
+                  <a:noFill/>
+                </a:ln>
+              </p:spPr>
+              <p:style>
+                <a:lnRef idx="2">
+                  <a:schemeClr val="accent1">
+                    <a:shade val="50000"/>
+                  </a:schemeClr>
+                </a:lnRef>
+                <a:fillRef idx="1">
+                  <a:schemeClr val="accent1"/>
+                </a:fillRef>
+                <a:effectRef idx="0">
+                  <a:schemeClr val="accent1"/>
+                </a:effectRef>
+                <a:fontRef idx="minor">
+                  <a:schemeClr val="lt1"/>
+                </a:fontRef>
+              </p:style>
+              <p:txBody>
+                <a:bodyPr rtlCol="0" anchor="ctr"/>
+                <a:lstStyle/>
+                <a:p>
+                  <a:pPr algn="ctr"/>
+                  <a:r>
+                    <a:rPr lang="en-CA" sz="1200" dirty="0"/>
+                    <a:t>Store &amp; Return Results</a:t>
+                  </a:r>
+                </a:p>
+              </p:txBody>
+            </p:sp>
+            <p:cxnSp>
+              <p:nvCxnSpPr>
+                <p:cNvPr id="11" name="Straight Arrow Connector 10">
+                  <a:extLst>
+                    <a:ext uri="{FF2B5EF4-FFF2-40B4-BE49-F238E27FC236}">
+                      <a16:creationId xmlns:a16="http://schemas.microsoft.com/office/drawing/2014/main" id="{D91F7BF1-9770-4614-9B33-9E67137E2550}"/>
+                    </a:ext>
+                  </a:extLst>
+                </p:cNvPr>
+                <p:cNvCxnSpPr>
+                  <a:cxnSpLocks/>
+                  <a:stCxn id="7" idx="2"/>
+                  <a:endCxn id="8" idx="1"/>
+                </p:cNvCxnSpPr>
+                <p:nvPr/>
+              </p:nvCxnSpPr>
+              <p:spPr>
+                <a:xfrm>
+                  <a:off x="4044833" y="1438624"/>
+                  <a:ext cx="625956" cy="306658"/>
+                </a:xfrm>
+                <a:prstGeom prst="straightConnector1">
+                  <a:avLst/>
+                </a:prstGeom>
+                <a:ln w="28575">
+                  <a:tailEnd type="triangle"/>
+                </a:ln>
+              </p:spPr>
+              <p:style>
+                <a:lnRef idx="1">
+                  <a:schemeClr val="dk1"/>
+                </a:lnRef>
+                <a:fillRef idx="0">
+                  <a:schemeClr val="dk1"/>
+                </a:fillRef>
+                <a:effectRef idx="0">
+                  <a:schemeClr val="dk1"/>
+                </a:effectRef>
+                <a:fontRef idx="minor">
+                  <a:schemeClr val="tx1"/>
+                </a:fontRef>
+              </p:style>
+            </p:cxnSp>
+            <p:cxnSp>
+              <p:nvCxnSpPr>
+                <p:cNvPr id="19" name="Straight Arrow Connector 18">
+                  <a:extLst>
+                    <a:ext uri="{FF2B5EF4-FFF2-40B4-BE49-F238E27FC236}">
+                      <a16:creationId xmlns:a16="http://schemas.microsoft.com/office/drawing/2014/main" id="{490045FD-1DE1-4A1F-A571-C31EBA53D39A}"/>
+                    </a:ext>
+                  </a:extLst>
+                </p:cNvPr>
+                <p:cNvCxnSpPr>
+                  <a:cxnSpLocks/>
+                  <a:stCxn id="8" idx="2"/>
+                  <a:endCxn id="10" idx="1"/>
+                </p:cNvCxnSpPr>
+                <p:nvPr/>
+              </p:nvCxnSpPr>
+              <p:spPr>
+                <a:xfrm>
+                  <a:off x="5296746" y="1974303"/>
+                  <a:ext cx="625956" cy="342597"/>
+                </a:xfrm>
+                <a:prstGeom prst="straightConnector1">
+                  <a:avLst/>
+                </a:prstGeom>
+                <a:ln w="28575">
+                  <a:solidFill>
+                    <a:schemeClr val="tx1"/>
+                  </a:solidFill>
+                  <a:tailEnd type="triangle"/>
+                </a:ln>
+              </p:spPr>
+              <p:style>
+                <a:lnRef idx="1">
+                  <a:schemeClr val="dk1"/>
+                </a:lnRef>
+                <a:fillRef idx="0">
+                  <a:schemeClr val="dk1"/>
+                </a:fillRef>
+                <a:effectRef idx="0">
+                  <a:schemeClr val="dk1"/>
+                </a:effectRef>
+                <a:fontRef idx="minor">
+                  <a:schemeClr val="tx1"/>
+                </a:fontRef>
+              </p:style>
+            </p:cxnSp>
+            <p:sp>
+              <p:nvSpPr>
+                <p:cNvPr id="26" name="Rectangle: Rounded Corners 25">
+                  <a:extLst>
+                    <a:ext uri="{FF2B5EF4-FFF2-40B4-BE49-F238E27FC236}">
+                      <a16:creationId xmlns:a16="http://schemas.microsoft.com/office/drawing/2014/main" id="{76B7518F-4F17-41DE-92BB-83D2ACB01476}"/>
+                    </a:ext>
+                  </a:extLst>
+                </p:cNvPr>
+                <p:cNvSpPr/>
+                <p:nvPr/>
+              </p:nvSpPr>
+              <p:spPr>
+                <a:xfrm>
+                  <a:off x="9332798" y="776625"/>
+                  <a:ext cx="1140256" cy="849721"/>
+                </a:xfrm>
+                <a:prstGeom prst="roundRect">
+                  <a:avLst/>
+                </a:prstGeom>
+                <a:solidFill>
+                  <a:srgbClr val="C00000"/>
+                </a:solidFill>
+                <a:ln>
+                  <a:noFill/>
+                </a:ln>
+              </p:spPr>
+              <p:style>
+                <a:lnRef idx="2">
+                  <a:schemeClr val="accent1">
+                    <a:shade val="50000"/>
+                  </a:schemeClr>
+                </a:lnRef>
+                <a:fillRef idx="1">
+                  <a:schemeClr val="accent1"/>
+                </a:fillRef>
+                <a:effectRef idx="0">
+                  <a:schemeClr val="accent1"/>
+                </a:effectRef>
+                <a:fontRef idx="minor">
+                  <a:schemeClr val="lt1"/>
+                </a:fontRef>
+              </p:style>
+              <p:txBody>
+                <a:bodyPr rtlCol="0" anchor="ctr"/>
+                <a:lstStyle/>
+                <a:p>
+                  <a:pPr algn="ctr"/>
+                  <a:r>
+                    <a:rPr lang="en-CA" sz="1600" dirty="0"/>
+                    <a:t>S3 - Image</a:t>
+                  </a:r>
+                </a:p>
+              </p:txBody>
+            </p:sp>
+            <p:cxnSp>
+              <p:nvCxnSpPr>
+                <p:cNvPr id="29" name="Straight Arrow Connector 28">
+                  <a:extLst>
+                    <a:ext uri="{FF2B5EF4-FFF2-40B4-BE49-F238E27FC236}">
+                      <a16:creationId xmlns:a16="http://schemas.microsoft.com/office/drawing/2014/main" id="{E5CAEED9-CBA3-4541-9F79-41581EC778CD}"/>
+                    </a:ext>
+                  </a:extLst>
+                </p:cNvPr>
+                <p:cNvCxnSpPr>
+                  <a:cxnSpLocks/>
+                  <a:stCxn id="7" idx="3"/>
+                  <a:endCxn id="26" idx="1"/>
+                </p:cNvCxnSpPr>
+                <p:nvPr/>
+              </p:nvCxnSpPr>
+              <p:spPr>
+                <a:xfrm flipV="1">
+                  <a:off x="4670790" y="1201486"/>
+                  <a:ext cx="4662008" cy="8118"/>
+                </a:xfrm>
+                <a:prstGeom prst="straightConnector1">
+                  <a:avLst/>
+                </a:prstGeom>
+                <a:ln w="28575">
+                  <a:solidFill>
+                    <a:srgbClr val="C00000"/>
+                  </a:solidFill>
+                  <a:tailEnd type="triangle"/>
+                </a:ln>
+              </p:spPr>
+              <p:style>
+                <a:lnRef idx="1">
+                  <a:schemeClr val="dk1"/>
+                </a:lnRef>
+                <a:fillRef idx="0">
+                  <a:schemeClr val="dk1"/>
+                </a:fillRef>
+                <a:effectRef idx="0">
+                  <a:schemeClr val="dk1"/>
+                </a:effectRef>
+                <a:fontRef idx="minor">
+                  <a:schemeClr val="tx1"/>
+                </a:fontRef>
+              </p:style>
+            </p:cxnSp>
+            <p:sp>
+              <p:nvSpPr>
+                <p:cNvPr id="32" name="Rectangle: Rounded Corners 31">
+                  <a:extLst>
+                    <a:ext uri="{FF2B5EF4-FFF2-40B4-BE49-F238E27FC236}">
+                      <a16:creationId xmlns:a16="http://schemas.microsoft.com/office/drawing/2014/main" id="{6FF4540B-5331-4D42-B8DA-39985DD88D76}"/>
+                    </a:ext>
+                  </a:extLst>
+                </p:cNvPr>
+                <p:cNvSpPr/>
+                <p:nvPr/>
+              </p:nvSpPr>
+              <p:spPr>
+                <a:xfrm>
+                  <a:off x="7468541" y="1565755"/>
+                  <a:ext cx="1140256" cy="359055"/>
+                </a:xfrm>
+                <a:prstGeom prst="roundRect">
+                  <a:avLst/>
+                </a:prstGeom>
+                <a:solidFill>
+                  <a:schemeClr val="accent5">
+                    <a:lumMod val="75000"/>
+                  </a:schemeClr>
+                </a:solidFill>
+                <a:ln>
+                  <a:noFill/>
+                </a:ln>
+              </p:spPr>
+              <p:style>
+                <a:lnRef idx="2">
+                  <a:schemeClr val="accent1">
+                    <a:shade val="50000"/>
+                  </a:schemeClr>
+                </a:lnRef>
+                <a:fillRef idx="1">
+                  <a:schemeClr val="accent1"/>
+                </a:fillRef>
+                <a:effectRef idx="0">
+                  <a:schemeClr val="accent1"/>
+                </a:effectRef>
+                <a:fontRef idx="minor">
+                  <a:schemeClr val="lt1"/>
+                </a:fontRef>
+              </p:style>
+              <p:txBody>
+                <a:bodyPr rtlCol="0" anchor="ctr"/>
+                <a:lstStyle/>
+                <a:p>
+                  <a:pPr algn="ctr"/>
+                  <a:r>
+                    <a:rPr lang="en-CA" sz="1400" dirty="0"/>
+                    <a:t>EC2 - Run </a:t>
+                  </a:r>
+                </a:p>
+              </p:txBody>
+            </p:sp>
+            <p:cxnSp>
+              <p:nvCxnSpPr>
+                <p:cNvPr id="34" name="Straight Arrow Connector 33">
+                  <a:extLst>
+                    <a:ext uri="{FF2B5EF4-FFF2-40B4-BE49-F238E27FC236}">
+                      <a16:creationId xmlns:a16="http://schemas.microsoft.com/office/drawing/2014/main" id="{053D094D-09E0-49DD-9472-1026E34BBC86}"/>
+                    </a:ext>
+                  </a:extLst>
+                </p:cNvPr>
+                <p:cNvCxnSpPr>
+                  <a:cxnSpLocks/>
+                  <a:stCxn id="8" idx="3"/>
+                  <a:endCxn id="32" idx="1"/>
+                </p:cNvCxnSpPr>
+                <p:nvPr/>
+              </p:nvCxnSpPr>
+              <p:spPr>
+                <a:xfrm>
+                  <a:off x="5922703" y="1745282"/>
+                  <a:ext cx="1545839" cy="0"/>
+                </a:xfrm>
+                <a:prstGeom prst="straightConnector1">
+                  <a:avLst/>
+                </a:prstGeom>
+                <a:ln w="28575">
+                  <a:solidFill>
+                    <a:srgbClr val="2E75B6"/>
+                  </a:solidFill>
+                  <a:headEnd type="triangle" w="med" len="med"/>
+                  <a:tailEnd type="triangle" w="med" len="med"/>
+                </a:ln>
+              </p:spPr>
+              <p:style>
+                <a:lnRef idx="1">
+                  <a:schemeClr val="dk1"/>
+                </a:lnRef>
+                <a:fillRef idx="0">
+                  <a:schemeClr val="dk1"/>
+                </a:fillRef>
+                <a:effectRef idx="0">
+                  <a:schemeClr val="dk1"/>
+                </a:effectRef>
+                <a:fontRef idx="minor">
+                  <a:schemeClr val="tx1"/>
+                </a:fontRef>
+              </p:style>
+            </p:cxnSp>
+            <p:cxnSp>
+              <p:nvCxnSpPr>
+                <p:cNvPr id="38" name="Connector: Elbow 37">
+                  <a:extLst>
+                    <a:ext uri="{FF2B5EF4-FFF2-40B4-BE49-F238E27FC236}">
+                      <a16:creationId xmlns:a16="http://schemas.microsoft.com/office/drawing/2014/main" id="{B2A0E7EB-46B8-4800-B658-81A1D5E688D8}"/>
+                    </a:ext>
+                  </a:extLst>
+                </p:cNvPr>
+                <p:cNvCxnSpPr>
+                  <a:stCxn id="26" idx="2"/>
+                  <a:endCxn id="32" idx="3"/>
+                </p:cNvCxnSpPr>
+                <p:nvPr/>
+              </p:nvCxnSpPr>
+              <p:spPr>
+                <a:xfrm rot="5400000">
+                  <a:off x="9196394" y="1038750"/>
+                  <a:ext cx="118937" cy="1294129"/>
+                </a:xfrm>
+                <a:prstGeom prst="bentConnector2">
+                  <a:avLst/>
+                </a:prstGeom>
+                <a:ln w="28575">
+                  <a:solidFill>
+                    <a:srgbClr val="C00000"/>
+                  </a:solidFill>
+                  <a:prstDash val="solid"/>
+                  <a:tailEnd type="triangle"/>
+                </a:ln>
+              </p:spPr>
+              <p:style>
+                <a:lnRef idx="1">
+                  <a:schemeClr val="dk1"/>
+                </a:lnRef>
+                <a:fillRef idx="0">
+                  <a:schemeClr val="dk1"/>
+                </a:fillRef>
+                <a:effectRef idx="0">
+                  <a:schemeClr val="dk1"/>
+                </a:effectRef>
+                <a:fontRef idx="minor">
+                  <a:schemeClr val="tx1"/>
+                </a:fontRef>
+              </p:style>
+            </p:cxnSp>
+            <p:sp>
+              <p:nvSpPr>
+                <p:cNvPr id="39" name="Rectangle: Rounded Corners 38">
+                  <a:extLst>
+                    <a:ext uri="{FF2B5EF4-FFF2-40B4-BE49-F238E27FC236}">
+                      <a16:creationId xmlns:a16="http://schemas.microsoft.com/office/drawing/2014/main" id="{F82E24E0-764C-47B4-A17D-569CE1DACE2A}"/>
+                    </a:ext>
+                  </a:extLst>
+                </p:cNvPr>
+                <p:cNvSpPr/>
+                <p:nvPr/>
+              </p:nvSpPr>
+              <p:spPr>
+                <a:xfrm>
+                  <a:off x="7468542" y="2649616"/>
+                  <a:ext cx="1462909" cy="670193"/>
+                </a:xfrm>
+                <a:prstGeom prst="roundRect">
+                  <a:avLst/>
+                </a:prstGeom>
+                <a:solidFill>
+                  <a:srgbClr val="F2843A"/>
+                </a:solidFill>
+                <a:ln>
+                  <a:noFill/>
+                </a:ln>
+              </p:spPr>
+              <p:style>
+                <a:lnRef idx="2">
+                  <a:schemeClr val="accent1">
+                    <a:shade val="50000"/>
+                  </a:schemeClr>
+                </a:lnRef>
+                <a:fillRef idx="1">
+                  <a:schemeClr val="accent1"/>
+                </a:fillRef>
+                <a:effectRef idx="0">
+                  <a:schemeClr val="accent1"/>
+                </a:effectRef>
+                <a:fontRef idx="minor">
+                  <a:schemeClr val="lt1"/>
+                </a:fontRef>
+              </p:style>
+              <p:txBody>
+                <a:bodyPr rtlCol="0" anchor="ctr"/>
+                <a:lstStyle/>
+                <a:p>
+                  <a:pPr algn="ctr"/>
+                  <a:r>
+                    <a:rPr lang="en-CA" sz="1400" dirty="0"/>
+                    <a:t>DynamoDB – Image Store</a:t>
+                  </a:r>
+                </a:p>
+              </p:txBody>
+            </p:sp>
+            <p:cxnSp>
+              <p:nvCxnSpPr>
+                <p:cNvPr id="42" name="Straight Arrow Connector 41">
+                  <a:extLst>
+                    <a:ext uri="{FF2B5EF4-FFF2-40B4-BE49-F238E27FC236}">
+                      <a16:creationId xmlns:a16="http://schemas.microsoft.com/office/drawing/2014/main" id="{73347713-C097-49AA-9CDE-07C163876D30}"/>
+                    </a:ext>
+                  </a:extLst>
+                </p:cNvPr>
+                <p:cNvCxnSpPr>
+                  <a:cxnSpLocks/>
+                  <a:stCxn id="10" idx="2"/>
+                  <a:endCxn id="39" idx="1"/>
+                </p:cNvCxnSpPr>
+                <p:nvPr/>
+              </p:nvCxnSpPr>
+              <p:spPr>
+                <a:xfrm>
+                  <a:off x="6548659" y="2545920"/>
+                  <a:ext cx="919883" cy="438793"/>
+                </a:xfrm>
+                <a:prstGeom prst="straightConnector1">
+                  <a:avLst/>
+                </a:prstGeom>
+                <a:ln w="28575">
+                  <a:solidFill>
+                    <a:srgbClr val="F2843A"/>
+                  </a:solidFill>
+                  <a:tailEnd type="triangle"/>
+                </a:ln>
+              </p:spPr>
+              <p:style>
+                <a:lnRef idx="1">
+                  <a:schemeClr val="dk1"/>
+                </a:lnRef>
+                <a:fillRef idx="0">
+                  <a:schemeClr val="dk1"/>
+                </a:fillRef>
+                <a:effectRef idx="0">
+                  <a:schemeClr val="dk1"/>
+                </a:effectRef>
+                <a:fontRef idx="minor">
+                  <a:schemeClr val="tx1"/>
+                </a:fontRef>
+              </p:style>
+            </p:cxnSp>
+            <p:sp>
+              <p:nvSpPr>
+                <p:cNvPr id="46" name="Rectangle: Rounded Corners 45">
+                  <a:extLst>
+                    <a:ext uri="{FF2B5EF4-FFF2-40B4-BE49-F238E27FC236}">
+                      <a16:creationId xmlns:a16="http://schemas.microsoft.com/office/drawing/2014/main" id="{8C68AC39-6130-4B8C-B15D-8D5EF25140B9}"/>
+                    </a:ext>
+                  </a:extLst>
+                </p:cNvPr>
+                <p:cNvSpPr/>
+                <p:nvPr/>
+              </p:nvSpPr>
+              <p:spPr>
+                <a:xfrm>
+                  <a:off x="3418876" y="3399232"/>
+                  <a:ext cx="1140256" cy="480656"/>
+                </a:xfrm>
+                <a:prstGeom prst="roundRect">
+                  <a:avLst/>
+                </a:prstGeom>
+                <a:solidFill>
+                  <a:srgbClr val="F2843A"/>
+                </a:solidFill>
+                <a:ln>
+                  <a:noFill/>
+                </a:ln>
+              </p:spPr>
+              <p:style>
+                <a:lnRef idx="2">
+                  <a:schemeClr val="accent1">
+                    <a:shade val="50000"/>
+                  </a:schemeClr>
+                </a:lnRef>
+                <a:fillRef idx="1">
+                  <a:schemeClr val="accent1"/>
+                </a:fillRef>
+                <a:effectRef idx="0">
+                  <a:schemeClr val="accent1"/>
+                </a:effectRef>
+                <a:fontRef idx="minor">
+                  <a:schemeClr val="lt1"/>
+                </a:fontRef>
+              </p:style>
+              <p:txBody>
+                <a:bodyPr rtlCol="0" anchor="ctr"/>
+                <a:lstStyle/>
+                <a:p>
+                  <a:pPr algn="ctr"/>
+                  <a:r>
+                    <a:rPr lang="en-CA" sz="1200" dirty="0"/>
+                    <a:t>Search By Category</a:t>
+                  </a:r>
+                </a:p>
+              </p:txBody>
+            </p:sp>
+            <p:sp>
+              <p:nvSpPr>
+                <p:cNvPr id="47" name="Rectangle: Rounded Corners 46">
+                  <a:extLst>
+                    <a:ext uri="{FF2B5EF4-FFF2-40B4-BE49-F238E27FC236}">
+                      <a16:creationId xmlns:a16="http://schemas.microsoft.com/office/drawing/2014/main" id="{C0388968-00EA-4CEB-8458-878060BD592B}"/>
+                    </a:ext>
+                  </a:extLst>
+                </p:cNvPr>
+                <p:cNvSpPr/>
+                <p:nvPr/>
+              </p:nvSpPr>
+              <p:spPr>
+                <a:xfrm>
+                  <a:off x="3418876" y="4069203"/>
+                  <a:ext cx="1140256" cy="480656"/>
+                </a:xfrm>
+                <a:prstGeom prst="roundRect">
+                  <a:avLst/>
+                </a:prstGeom>
+                <a:solidFill>
+                  <a:srgbClr val="F2843A"/>
+                </a:solidFill>
+                <a:ln>
+                  <a:noFill/>
+                </a:ln>
+              </p:spPr>
+              <p:style>
+                <a:lnRef idx="2">
+                  <a:schemeClr val="accent1">
+                    <a:shade val="50000"/>
+                  </a:schemeClr>
+                </a:lnRef>
+                <a:fillRef idx="1">
+                  <a:schemeClr val="accent1"/>
+                </a:fillRef>
+                <a:effectRef idx="0">
+                  <a:schemeClr val="accent1"/>
+                </a:effectRef>
+                <a:fontRef idx="minor">
+                  <a:schemeClr val="lt1"/>
+                </a:fontRef>
+              </p:style>
+              <p:txBody>
+                <a:bodyPr rtlCol="0" anchor="ctr"/>
+                <a:lstStyle/>
+                <a:p>
+                  <a:pPr algn="ctr"/>
+                  <a:r>
+                    <a:rPr lang="en-CA" sz="1200" dirty="0"/>
+                    <a:t>List Images</a:t>
+                  </a:r>
+                </a:p>
+              </p:txBody>
+            </p:sp>
+            <p:cxnSp>
+              <p:nvCxnSpPr>
+                <p:cNvPr id="48" name="Straight Arrow Connector 47">
+                  <a:extLst>
+                    <a:ext uri="{FF2B5EF4-FFF2-40B4-BE49-F238E27FC236}">
+                      <a16:creationId xmlns:a16="http://schemas.microsoft.com/office/drawing/2014/main" id="{93866867-036E-4823-BB30-C5227636351A}"/>
+                    </a:ext>
+                  </a:extLst>
+                </p:cNvPr>
+                <p:cNvCxnSpPr>
+                  <a:cxnSpLocks/>
+                  <a:stCxn id="5" idx="3"/>
+                  <a:endCxn id="39" idx="1"/>
+                </p:cNvCxnSpPr>
+                <p:nvPr/>
+              </p:nvCxnSpPr>
+              <p:spPr>
+                <a:xfrm>
+                  <a:off x="4559133" y="2976484"/>
+                  <a:ext cx="2909409" cy="8229"/>
+                </a:xfrm>
+                <a:prstGeom prst="straightConnector1">
+                  <a:avLst/>
+                </a:prstGeom>
+                <a:ln w="28575">
+                  <a:solidFill>
+                    <a:srgbClr val="F2843A"/>
+                  </a:solidFill>
+                  <a:headEnd type="triangle" w="med" len="med"/>
+                  <a:tailEnd type="triangle" w="med" len="med"/>
+                </a:ln>
+              </p:spPr>
+              <p:style>
+                <a:lnRef idx="1">
+                  <a:schemeClr val="dk1"/>
+                </a:lnRef>
+                <a:fillRef idx="0">
+                  <a:schemeClr val="dk1"/>
+                </a:fillRef>
+                <a:effectRef idx="0">
+                  <a:schemeClr val="dk1"/>
+                </a:effectRef>
+                <a:fontRef idx="minor">
+                  <a:schemeClr val="tx1"/>
+                </a:fontRef>
+              </p:style>
+            </p:cxnSp>
+            <p:cxnSp>
+              <p:nvCxnSpPr>
+                <p:cNvPr id="52" name="Connector: Elbow 51">
+                  <a:extLst>
+                    <a:ext uri="{FF2B5EF4-FFF2-40B4-BE49-F238E27FC236}">
+                      <a16:creationId xmlns:a16="http://schemas.microsoft.com/office/drawing/2014/main" id="{A91A7C16-CD8F-4710-874D-D7B9C1758281}"/>
+                    </a:ext>
+                  </a:extLst>
+                </p:cNvPr>
+                <p:cNvCxnSpPr>
+                  <a:stCxn id="46" idx="3"/>
+                  <a:endCxn id="39" idx="1"/>
+                </p:cNvCxnSpPr>
+                <p:nvPr/>
+              </p:nvCxnSpPr>
+              <p:spPr>
+                <a:xfrm flipV="1">
+                  <a:off x="4559133" y="2984712"/>
+                  <a:ext cx="2909409" cy="654848"/>
+                </a:xfrm>
+                <a:prstGeom prst="bentConnector3">
+                  <a:avLst/>
+                </a:prstGeom>
+                <a:ln w="28575">
+                  <a:solidFill>
+                    <a:srgbClr val="F2843A"/>
+                  </a:solidFill>
+                  <a:headEnd type="triangle" w="med" len="med"/>
+                  <a:tailEnd type="triangle" w="med" len="med"/>
+                </a:ln>
+              </p:spPr>
+              <p:style>
+                <a:lnRef idx="1">
+                  <a:schemeClr val="dk1"/>
+                </a:lnRef>
+                <a:fillRef idx="0">
+                  <a:schemeClr val="dk1"/>
+                </a:fillRef>
+                <a:effectRef idx="0">
+                  <a:schemeClr val="dk1"/>
+                </a:effectRef>
+                <a:fontRef idx="minor">
+                  <a:schemeClr val="tx1"/>
+                </a:fontRef>
+              </p:style>
+            </p:cxnSp>
+            <p:cxnSp>
+              <p:nvCxnSpPr>
+                <p:cNvPr id="54" name="Connector: Elbow 53">
+                  <a:extLst>
+                    <a:ext uri="{FF2B5EF4-FFF2-40B4-BE49-F238E27FC236}">
+                      <a16:creationId xmlns:a16="http://schemas.microsoft.com/office/drawing/2014/main" id="{B7B058E9-8AB9-4B9F-B2E5-9B4BA1B653A5}"/>
+                    </a:ext>
+                  </a:extLst>
+                </p:cNvPr>
+                <p:cNvCxnSpPr>
+                  <a:cxnSpLocks/>
+                  <a:stCxn id="26" idx="2"/>
+                </p:cNvCxnSpPr>
+                <p:nvPr/>
+              </p:nvCxnSpPr>
+              <p:spPr>
+                <a:xfrm rot="5400000">
+                  <a:off x="6225996" y="105084"/>
+                  <a:ext cx="2155668" cy="5198192"/>
+                </a:xfrm>
+                <a:prstGeom prst="bentConnector2">
+                  <a:avLst/>
+                </a:prstGeom>
+                <a:ln w="28575">
+                  <a:solidFill>
+                    <a:srgbClr val="C00000"/>
+                  </a:solidFill>
+                  <a:headEnd type="triangle" w="med" len="med"/>
+                  <a:tailEnd type="triangle" w="med" len="med"/>
+                </a:ln>
+              </p:spPr>
+              <p:style>
+                <a:lnRef idx="1">
+                  <a:schemeClr val="accent1"/>
+                </a:lnRef>
+                <a:fillRef idx="0">
+                  <a:schemeClr val="accent1"/>
+                </a:fillRef>
+                <a:effectRef idx="0">
+                  <a:schemeClr val="accent1"/>
+                </a:effectRef>
+                <a:fontRef idx="minor">
+                  <a:schemeClr val="tx1"/>
+                </a:fontRef>
+              </p:style>
+            </p:cxnSp>
+            <p:cxnSp>
+              <p:nvCxnSpPr>
+                <p:cNvPr id="55" name="Connector: Elbow 54">
+                  <a:extLst>
+                    <a:ext uri="{FF2B5EF4-FFF2-40B4-BE49-F238E27FC236}">
+                      <a16:creationId xmlns:a16="http://schemas.microsoft.com/office/drawing/2014/main" id="{A5F47143-5A98-4C60-BE9E-AB142F81EBA1}"/>
+                    </a:ext>
+                  </a:extLst>
+                </p:cNvPr>
+                <p:cNvCxnSpPr>
+                  <a:cxnSpLocks/>
+                </p:cNvCxnSpPr>
+                <p:nvPr/>
+              </p:nvCxnSpPr>
+              <p:spPr>
+                <a:xfrm rot="10800000">
+                  <a:off x="4559132" y="3098095"/>
+                  <a:ext cx="3295568" cy="683917"/>
+                </a:xfrm>
+                <a:prstGeom prst="bentConnector3">
+                  <a:avLst>
+                    <a:gd name="adj1" fmla="val 50000"/>
+                  </a:avLst>
+                </a:prstGeom>
+                <a:ln w="28575">
+                  <a:solidFill>
+                    <a:srgbClr val="C00000"/>
+                  </a:solidFill>
+                  <a:tailEnd type="triangle"/>
+                </a:ln>
+              </p:spPr>
+              <p:style>
+                <a:lnRef idx="1">
+                  <a:schemeClr val="accent1"/>
+                </a:lnRef>
+                <a:fillRef idx="0">
+                  <a:schemeClr val="accent1"/>
+                </a:fillRef>
+                <a:effectRef idx="0">
+                  <a:schemeClr val="accent1"/>
+                </a:effectRef>
+                <a:fontRef idx="minor">
+                  <a:schemeClr val="tx1"/>
+                </a:fontRef>
+              </p:style>
+            </p:cxnSp>
+            <p:cxnSp>
+              <p:nvCxnSpPr>
+                <p:cNvPr id="59" name="Connector: Elbow 58">
+                  <a:extLst>
+                    <a:ext uri="{FF2B5EF4-FFF2-40B4-BE49-F238E27FC236}">
+                      <a16:creationId xmlns:a16="http://schemas.microsoft.com/office/drawing/2014/main" id="{9847333B-0D80-4756-907A-7480EE2A6BE0}"/>
+                    </a:ext>
+                  </a:extLst>
+                </p:cNvPr>
+                <p:cNvCxnSpPr>
+                  <a:cxnSpLocks/>
+                  <a:endCxn id="39" idx="1"/>
+                </p:cNvCxnSpPr>
+                <p:nvPr/>
+              </p:nvCxnSpPr>
+              <p:spPr>
+                <a:xfrm flipV="1">
+                  <a:off x="4525187" y="2984713"/>
+                  <a:ext cx="2943354" cy="1342073"/>
+                </a:xfrm>
+                <a:prstGeom prst="bentConnector3">
+                  <a:avLst>
+                    <a:gd name="adj1" fmla="val 50586"/>
+                  </a:avLst>
+                </a:prstGeom>
+                <a:ln w="28575">
+                  <a:solidFill>
+                    <a:srgbClr val="F2843A"/>
+                  </a:solidFill>
+                  <a:headEnd type="triangle" w="med" len="med"/>
+                  <a:tailEnd type="triangle" w="med" len="med"/>
+                </a:ln>
+              </p:spPr>
+              <p:style>
+                <a:lnRef idx="1">
+                  <a:schemeClr val="dk1"/>
+                </a:lnRef>
+                <a:fillRef idx="0">
+                  <a:schemeClr val="dk1"/>
+                </a:fillRef>
+                <a:effectRef idx="0">
+                  <a:schemeClr val="dk1"/>
+                </a:effectRef>
+                <a:fontRef idx="minor">
+                  <a:schemeClr val="tx1"/>
+                </a:fontRef>
+              </p:style>
+            </p:cxnSp>
+            <p:sp>
+              <p:nvSpPr>
+                <p:cNvPr id="62" name="Rectangle: Rounded Corners 61">
+                  <a:extLst>
+                    <a:ext uri="{FF2B5EF4-FFF2-40B4-BE49-F238E27FC236}">
+                      <a16:creationId xmlns:a16="http://schemas.microsoft.com/office/drawing/2014/main" id="{5AC7A7D2-AE19-4758-BDB8-DF4131099DB6}"/>
+                    </a:ext>
+                  </a:extLst>
+                </p:cNvPr>
+                <p:cNvSpPr/>
+                <p:nvPr/>
+              </p:nvSpPr>
+              <p:spPr>
+                <a:xfrm>
+                  <a:off x="3431575" y="4691509"/>
+                  <a:ext cx="1140256" cy="359055"/>
+                </a:xfrm>
+                <a:prstGeom prst="roundRect">
+                  <a:avLst/>
+                </a:prstGeom>
+                <a:solidFill>
+                  <a:srgbClr val="2CABAE"/>
+                </a:solidFill>
+                <a:ln>
+                  <a:noFill/>
+                </a:ln>
+              </p:spPr>
+              <p:style>
+                <a:lnRef idx="2">
+                  <a:schemeClr val="accent1">
+                    <a:shade val="50000"/>
+                  </a:schemeClr>
+                </a:lnRef>
+                <a:fillRef idx="1">
+                  <a:schemeClr val="accent1"/>
+                </a:fillRef>
+                <a:effectRef idx="0">
+                  <a:schemeClr val="accent1"/>
+                </a:effectRef>
+                <a:fontRef idx="minor">
+                  <a:schemeClr val="lt1"/>
+                </a:fontRef>
+              </p:style>
+              <p:txBody>
+                <a:bodyPr rtlCol="0" anchor="ctr"/>
+                <a:lstStyle/>
+                <a:p>
+                  <a:pPr algn="ctr"/>
+                  <a:r>
+                    <a:rPr lang="en-CA" sz="1200" dirty="0"/>
+                    <a:t>Manager Login</a:t>
+                  </a:r>
+                </a:p>
+              </p:txBody>
+            </p:sp>
+            <p:sp>
+              <p:nvSpPr>
+                <p:cNvPr id="63" name="Rectangle: Rounded Corners 62">
+                  <a:extLst>
+                    <a:ext uri="{FF2B5EF4-FFF2-40B4-BE49-F238E27FC236}">
+                      <a16:creationId xmlns:a16="http://schemas.microsoft.com/office/drawing/2014/main" id="{BD569B63-FC59-4E01-8D86-B0DE7C8CFCC7}"/>
+                    </a:ext>
+                  </a:extLst>
+                </p:cNvPr>
+                <p:cNvSpPr/>
+                <p:nvPr/>
+              </p:nvSpPr>
+              <p:spPr>
+                <a:xfrm>
+                  <a:off x="7586737" y="4691508"/>
+                  <a:ext cx="1140256" cy="359055"/>
+                </a:xfrm>
+                <a:prstGeom prst="roundRect">
+                  <a:avLst/>
+                </a:prstGeom>
+                <a:solidFill>
+                  <a:srgbClr val="2CABAE"/>
+                </a:solidFill>
+                <a:ln>
+                  <a:noFill/>
+                </a:ln>
+              </p:spPr>
+              <p:style>
+                <a:lnRef idx="2">
+                  <a:schemeClr val="accent1">
+                    <a:shade val="50000"/>
+                  </a:schemeClr>
+                </a:lnRef>
+                <a:fillRef idx="1">
+                  <a:schemeClr val="accent1"/>
+                </a:fillRef>
+                <a:effectRef idx="0">
+                  <a:schemeClr val="accent1"/>
+                </a:effectRef>
+                <a:fontRef idx="minor">
+                  <a:schemeClr val="lt1"/>
+                </a:fontRef>
+              </p:style>
+              <p:txBody>
+                <a:bodyPr rtlCol="0" anchor="ctr"/>
+                <a:lstStyle/>
+                <a:p>
+                  <a:pPr algn="ctr"/>
+                  <a:r>
+                    <a:rPr lang="en-CA" sz="1600" dirty="0"/>
+                    <a:t>Cognito</a:t>
+                  </a:r>
+                </a:p>
+              </p:txBody>
+            </p:sp>
+            <p:cxnSp>
+              <p:nvCxnSpPr>
+                <p:cNvPr id="64" name="Straight Arrow Connector 63">
+                  <a:extLst>
+                    <a:ext uri="{FF2B5EF4-FFF2-40B4-BE49-F238E27FC236}">
+                      <a16:creationId xmlns:a16="http://schemas.microsoft.com/office/drawing/2014/main" id="{DD237546-D3E2-42CA-99F1-72937198F6B1}"/>
+                    </a:ext>
+                  </a:extLst>
+                </p:cNvPr>
+                <p:cNvCxnSpPr>
+                  <a:cxnSpLocks/>
+                  <a:stCxn id="62" idx="3"/>
+                  <a:endCxn id="63" idx="1"/>
+                </p:cNvCxnSpPr>
+                <p:nvPr/>
+              </p:nvCxnSpPr>
+              <p:spPr>
+                <a:xfrm flipV="1">
+                  <a:off x="4571831" y="4871036"/>
+                  <a:ext cx="3014906" cy="1"/>
+                </a:xfrm>
+                <a:prstGeom prst="straightConnector1">
+                  <a:avLst/>
+                </a:prstGeom>
+                <a:ln w="28575">
+                  <a:solidFill>
+                    <a:srgbClr val="2CABAE"/>
+                  </a:solidFill>
+                  <a:tailEnd type="triangle"/>
+                </a:ln>
+              </p:spPr>
+              <p:style>
+                <a:lnRef idx="1">
+                  <a:schemeClr val="dk1"/>
+                </a:lnRef>
+                <a:fillRef idx="0">
+                  <a:schemeClr val="dk1"/>
+                </a:fillRef>
+                <a:effectRef idx="0">
+                  <a:schemeClr val="dk1"/>
+                </a:effectRef>
+                <a:fontRef idx="minor">
+                  <a:schemeClr val="tx1"/>
+                </a:fontRef>
+              </p:style>
+            </p:cxnSp>
+            <p:sp>
+              <p:nvSpPr>
+                <p:cNvPr id="67" name="Rectangle: Rounded Corners 66">
+                  <a:extLst>
+                    <a:ext uri="{FF2B5EF4-FFF2-40B4-BE49-F238E27FC236}">
+                      <a16:creationId xmlns:a16="http://schemas.microsoft.com/office/drawing/2014/main" id="{9FAED6BF-99D1-4885-89FC-77096B82A55E}"/>
+                    </a:ext>
+                  </a:extLst>
+                </p:cNvPr>
+                <p:cNvSpPr/>
+                <p:nvPr/>
+              </p:nvSpPr>
+              <p:spPr>
+                <a:xfrm>
+                  <a:off x="1122206" y="2513513"/>
+                  <a:ext cx="1219920" cy="635529"/>
+                </a:xfrm>
+                <a:prstGeom prst="roundRect">
+                  <a:avLst/>
+                </a:prstGeom>
+                <a:solidFill>
+                  <a:srgbClr val="19A329"/>
+                </a:solidFill>
+                <a:ln>
+                  <a:noFill/>
+                </a:ln>
+              </p:spPr>
+              <p:style>
+                <a:lnRef idx="2">
+                  <a:schemeClr val="accent1">
+                    <a:shade val="50000"/>
+                  </a:schemeClr>
+                </a:lnRef>
+                <a:fillRef idx="1">
+                  <a:schemeClr val="accent1"/>
+                </a:fillRef>
+                <a:effectRef idx="0">
+                  <a:schemeClr val="accent1"/>
+                </a:effectRef>
+                <a:fontRef idx="minor">
+                  <a:schemeClr val="lt1"/>
+                </a:fontRef>
+              </p:style>
+              <p:txBody>
+                <a:bodyPr rtlCol="0" anchor="ctr"/>
+                <a:lstStyle/>
+                <a:p>
+                  <a:pPr algn="ctr"/>
+                  <a:r>
+                    <a:rPr lang="en-CA" sz="1600" dirty="0"/>
+                    <a:t>API Gateway</a:t>
+                  </a:r>
+                </a:p>
+              </p:txBody>
+            </p:sp>
+            <p:cxnSp>
+              <p:nvCxnSpPr>
+                <p:cNvPr id="68" name="Straight Arrow Connector 67">
+                  <a:extLst>
+                    <a:ext uri="{FF2B5EF4-FFF2-40B4-BE49-F238E27FC236}">
+                      <a16:creationId xmlns:a16="http://schemas.microsoft.com/office/drawing/2014/main" id="{E23D31C1-9074-453E-82DB-63C836C73576}"/>
+                    </a:ext>
+                  </a:extLst>
+                </p:cNvPr>
+                <p:cNvCxnSpPr>
+                  <a:cxnSpLocks/>
+                  <a:stCxn id="67" idx="3"/>
+                  <a:endCxn id="4" idx="1"/>
+                </p:cNvCxnSpPr>
+                <p:nvPr/>
+              </p:nvCxnSpPr>
+              <p:spPr>
+                <a:xfrm>
+                  <a:off x="2342126" y="2831278"/>
+                  <a:ext cx="927412" cy="6705"/>
+                </a:xfrm>
+                <a:prstGeom prst="straightConnector1">
+                  <a:avLst/>
+                </a:prstGeom>
+                <a:ln w="28575">
+                  <a:tailEnd type="triangle"/>
+                </a:ln>
+              </p:spPr>
+              <p:style>
+                <a:lnRef idx="1">
+                  <a:schemeClr val="dk1"/>
+                </a:lnRef>
+                <a:fillRef idx="0">
+                  <a:schemeClr val="dk1"/>
+                </a:fillRef>
+                <a:effectRef idx="0">
+                  <a:schemeClr val="dk1"/>
+                </a:effectRef>
+                <a:fontRef idx="minor">
+                  <a:schemeClr val="tx1"/>
+                </a:fontRef>
+              </p:style>
+            </p:cxnSp>
+            <p:sp>
+              <p:nvSpPr>
+                <p:cNvPr id="103" name="Rectangle: Rounded Corners 102">
+                  <a:extLst>
+                    <a:ext uri="{FF2B5EF4-FFF2-40B4-BE49-F238E27FC236}">
+                      <a16:creationId xmlns:a16="http://schemas.microsoft.com/office/drawing/2014/main" id="{5D2E9C33-6A81-4BD3-944D-7A0FDA23E079}"/>
+                    </a:ext>
+                  </a:extLst>
+                </p:cNvPr>
+                <p:cNvSpPr/>
+                <p:nvPr/>
+              </p:nvSpPr>
+              <p:spPr>
+                <a:xfrm>
+                  <a:off x="3269538" y="5809325"/>
+                  <a:ext cx="4054415" cy="5753590"/>
+                </a:xfrm>
+                <a:prstGeom prst="roundRect">
+                  <a:avLst>
+                    <a:gd name="adj" fmla="val 9646"/>
+                  </a:avLst>
+                </a:prstGeom>
+                <a:noFill/>
+                <a:ln w="38100">
+                  <a:solidFill>
+                    <a:srgbClr val="8A2E5E"/>
+                  </a:solidFill>
+                  <a:prstDash val="lgDash"/>
+                </a:ln>
+              </p:spPr>
+              <p:style>
+                <a:lnRef idx="2">
+                  <a:schemeClr val="accent1">
+                    <a:shade val="50000"/>
+                  </a:schemeClr>
+                </a:lnRef>
+                <a:fillRef idx="1">
+                  <a:schemeClr val="accent1"/>
+                </a:fillRef>
+                <a:effectRef idx="0">
+                  <a:schemeClr val="accent1"/>
+                </a:effectRef>
+                <a:fontRef idx="minor">
+                  <a:schemeClr val="lt1"/>
+                </a:fontRef>
+              </p:style>
+              <p:txBody>
+                <a:bodyPr rtlCol="0" anchor="t"/>
+                <a:lstStyle/>
+                <a:p>
+                  <a:r>
+                    <a:rPr lang="en-CA" sz="1600" b="1" dirty="0">
+                      <a:solidFill>
+                        <a:srgbClr val="8A2E5E"/>
+                      </a:solidFill>
+                    </a:rPr>
+                    <a:t>Lambda - Manager Application</a:t>
+                  </a:r>
+                </a:p>
+              </p:txBody>
+            </p:sp>
+            <p:cxnSp>
+              <p:nvCxnSpPr>
+                <p:cNvPr id="108" name="Straight Arrow Connector 107">
+                  <a:extLst>
+                    <a:ext uri="{FF2B5EF4-FFF2-40B4-BE49-F238E27FC236}">
+                      <a16:creationId xmlns:a16="http://schemas.microsoft.com/office/drawing/2014/main" id="{B246D2B0-D92F-46E3-B853-F9E37443BCC0}"/>
+                    </a:ext>
+                  </a:extLst>
+                </p:cNvPr>
+                <p:cNvCxnSpPr>
+                  <a:cxnSpLocks/>
+                  <a:stCxn id="133" idx="2"/>
+                  <a:endCxn id="135" idx="1"/>
+                </p:cNvCxnSpPr>
+                <p:nvPr/>
+              </p:nvCxnSpPr>
+              <p:spPr>
+                <a:xfrm>
+                  <a:off x="3989002" y="6955776"/>
+                  <a:ext cx="681787" cy="327842"/>
+                </a:xfrm>
+                <a:prstGeom prst="straightConnector1">
+                  <a:avLst/>
+                </a:prstGeom>
+                <a:ln w="28575">
+                  <a:tailEnd type="triangle"/>
+                </a:ln>
+              </p:spPr>
+              <p:style>
+                <a:lnRef idx="1">
+                  <a:schemeClr val="dk1"/>
+                </a:lnRef>
+                <a:fillRef idx="0">
+                  <a:schemeClr val="dk1"/>
+                </a:fillRef>
+                <a:effectRef idx="0">
+                  <a:schemeClr val="dk1"/>
+                </a:effectRef>
+                <a:fontRef idx="minor">
+                  <a:schemeClr val="tx1"/>
+                </a:fontRef>
+              </p:style>
+            </p:cxnSp>
+            <p:sp>
+              <p:nvSpPr>
+                <p:cNvPr id="110" name="Rectangle: Rounded Corners 109">
+                  <a:extLst>
+                    <a:ext uri="{FF2B5EF4-FFF2-40B4-BE49-F238E27FC236}">
+                      <a16:creationId xmlns:a16="http://schemas.microsoft.com/office/drawing/2014/main" id="{B9BF896B-39FD-4C1B-B116-C763C56683AA}"/>
+                    </a:ext>
+                  </a:extLst>
+                </p:cNvPr>
+                <p:cNvSpPr/>
+                <p:nvPr/>
+              </p:nvSpPr>
+              <p:spPr>
+                <a:xfrm>
+                  <a:off x="7616045" y="7918868"/>
+                  <a:ext cx="1140256" cy="849721"/>
+                </a:xfrm>
+                <a:prstGeom prst="roundRect">
+                  <a:avLst/>
+                </a:prstGeom>
+                <a:solidFill>
+                  <a:srgbClr val="C00000"/>
+                </a:solidFill>
+                <a:ln>
+                  <a:noFill/>
+                </a:ln>
+              </p:spPr>
+              <p:style>
+                <a:lnRef idx="2">
+                  <a:schemeClr val="accent1">
+                    <a:shade val="50000"/>
+                  </a:schemeClr>
+                </a:lnRef>
+                <a:fillRef idx="1">
+                  <a:schemeClr val="accent1"/>
+                </a:fillRef>
+                <a:effectRef idx="0">
+                  <a:schemeClr val="accent1"/>
+                </a:effectRef>
+                <a:fontRef idx="minor">
+                  <a:schemeClr val="lt1"/>
+                </a:fontRef>
+              </p:style>
+              <p:txBody>
+                <a:bodyPr rtlCol="0" anchor="ctr"/>
+                <a:lstStyle/>
+                <a:p>
+                  <a:pPr algn="ctr"/>
+                  <a:r>
+                    <a:rPr lang="en-CA" sz="1600" dirty="0"/>
+                    <a:t>S3 - Image</a:t>
+                  </a:r>
+                </a:p>
+              </p:txBody>
+            </p:sp>
+            <p:sp>
+              <p:nvSpPr>
+                <p:cNvPr id="115" name="Rectangle: Rounded Corners 114">
+                  <a:extLst>
+                    <a:ext uri="{FF2B5EF4-FFF2-40B4-BE49-F238E27FC236}">
+                      <a16:creationId xmlns:a16="http://schemas.microsoft.com/office/drawing/2014/main" id="{25F0741E-80C2-44CE-9228-37FB87EFA527}"/>
+                    </a:ext>
+                  </a:extLst>
+                </p:cNvPr>
+                <p:cNvSpPr/>
+                <p:nvPr/>
+              </p:nvSpPr>
+              <p:spPr>
+                <a:xfrm>
+                  <a:off x="8908833" y="6945067"/>
+                  <a:ext cx="1767257" cy="670193"/>
+                </a:xfrm>
+                <a:prstGeom prst="roundRect">
+                  <a:avLst/>
+                </a:prstGeom>
+                <a:solidFill>
+                  <a:srgbClr val="F2843A"/>
+                </a:solidFill>
+                <a:ln>
+                  <a:noFill/>
+                </a:ln>
+              </p:spPr>
+              <p:style>
+                <a:lnRef idx="2">
+                  <a:schemeClr val="accent1">
+                    <a:shade val="50000"/>
+                  </a:schemeClr>
+                </a:lnRef>
+                <a:fillRef idx="1">
+                  <a:schemeClr val="accent1"/>
+                </a:fillRef>
+                <a:effectRef idx="0">
+                  <a:schemeClr val="accent1"/>
+                </a:effectRef>
+                <a:fontRef idx="minor">
+                  <a:schemeClr val="lt1"/>
+                </a:fontRef>
+              </p:style>
+              <p:txBody>
+                <a:bodyPr rtlCol="0" anchor="ctr"/>
+                <a:lstStyle/>
+                <a:p>
+                  <a:pPr algn="ctr"/>
+                  <a:r>
+                    <a:rPr lang="en-CA" sz="1400" dirty="0"/>
+                    <a:t>DynamoDB – Image Store</a:t>
+                  </a:r>
+                </a:p>
+              </p:txBody>
+            </p:sp>
+            <p:sp>
+              <p:nvSpPr>
+                <p:cNvPr id="117" name="Rectangle: Rounded Corners 116">
+                  <a:extLst>
+                    <a:ext uri="{FF2B5EF4-FFF2-40B4-BE49-F238E27FC236}">
+                      <a16:creationId xmlns:a16="http://schemas.microsoft.com/office/drawing/2014/main" id="{7C525B22-1194-4789-9C4D-48E420541E3E}"/>
+                    </a:ext>
+                  </a:extLst>
+                </p:cNvPr>
+                <p:cNvSpPr/>
+                <p:nvPr/>
+              </p:nvSpPr>
+              <p:spPr>
+                <a:xfrm>
+                  <a:off x="3406394" y="7946379"/>
+                  <a:ext cx="1140256" cy="480656"/>
+                </a:xfrm>
+                <a:prstGeom prst="roundRect">
+                  <a:avLst/>
+                </a:prstGeom>
+                <a:solidFill>
+                  <a:srgbClr val="F2843A"/>
+                </a:solidFill>
+                <a:ln>
+                  <a:noFill/>
+                </a:ln>
+              </p:spPr>
+              <p:style>
+                <a:lnRef idx="2">
+                  <a:schemeClr val="accent1">
+                    <a:shade val="50000"/>
+                  </a:schemeClr>
+                </a:lnRef>
+                <a:fillRef idx="1">
+                  <a:schemeClr val="accent1"/>
+                </a:fillRef>
+                <a:effectRef idx="0">
+                  <a:schemeClr val="accent1"/>
+                </a:effectRef>
+                <a:fontRef idx="minor">
+                  <a:schemeClr val="lt1"/>
+                </a:fontRef>
+              </p:style>
+              <p:txBody>
+                <a:bodyPr rtlCol="0" anchor="ctr"/>
+                <a:lstStyle/>
+                <a:p>
+                  <a:pPr algn="ctr"/>
+                  <a:r>
+                    <a:rPr lang="en-CA" sz="1200" dirty="0"/>
+                    <a:t>Search By Category</a:t>
+                  </a:r>
+                </a:p>
+              </p:txBody>
+            </p:sp>
+            <p:sp>
+              <p:nvSpPr>
+                <p:cNvPr id="118" name="Rectangle: Rounded Corners 117">
+                  <a:extLst>
+                    <a:ext uri="{FF2B5EF4-FFF2-40B4-BE49-F238E27FC236}">
+                      <a16:creationId xmlns:a16="http://schemas.microsoft.com/office/drawing/2014/main" id="{F82D425F-20EA-475E-A033-4332ECFA718F}"/>
+                    </a:ext>
+                  </a:extLst>
+                </p:cNvPr>
+                <p:cNvSpPr/>
+                <p:nvPr/>
+              </p:nvSpPr>
+              <p:spPr>
+                <a:xfrm>
+                  <a:off x="3406394" y="8746005"/>
+                  <a:ext cx="1140256" cy="480656"/>
+                </a:xfrm>
+                <a:prstGeom prst="roundRect">
+                  <a:avLst/>
+                </a:prstGeom>
+                <a:solidFill>
+                  <a:srgbClr val="F2843A"/>
+                </a:solidFill>
+                <a:ln>
+                  <a:noFill/>
+                </a:ln>
+              </p:spPr>
+              <p:style>
+                <a:lnRef idx="2">
+                  <a:schemeClr val="accent1">
+                    <a:shade val="50000"/>
+                  </a:schemeClr>
+                </a:lnRef>
+                <a:fillRef idx="1">
+                  <a:schemeClr val="accent1"/>
+                </a:fillRef>
+                <a:effectRef idx="0">
+                  <a:schemeClr val="accent1"/>
+                </a:effectRef>
+                <a:fontRef idx="minor">
+                  <a:schemeClr val="lt1"/>
+                </a:fontRef>
+              </p:style>
+              <p:txBody>
+                <a:bodyPr rtlCol="0" anchor="ctr"/>
+                <a:lstStyle/>
+                <a:p>
+                  <a:pPr algn="ctr"/>
+                  <a:r>
+                    <a:rPr lang="en-CA" sz="1200" dirty="0"/>
+                    <a:t>List Images</a:t>
+                  </a:r>
+                </a:p>
+              </p:txBody>
+            </p:sp>
+            <p:cxnSp>
+              <p:nvCxnSpPr>
+                <p:cNvPr id="122" name="Connector: Elbow 121">
+                  <a:extLst>
+                    <a:ext uri="{FF2B5EF4-FFF2-40B4-BE49-F238E27FC236}">
+                      <a16:creationId xmlns:a16="http://schemas.microsoft.com/office/drawing/2014/main" id="{10A38A41-30E0-4916-A880-413F300FF38F}"/>
+                    </a:ext>
+                  </a:extLst>
+                </p:cNvPr>
+                <p:cNvCxnSpPr>
+                  <a:cxnSpLocks/>
+                  <a:stCxn id="110" idx="1"/>
+                </p:cNvCxnSpPr>
+                <p:nvPr/>
+              </p:nvCxnSpPr>
+              <p:spPr>
+                <a:xfrm rot="10800000">
+                  <a:off x="4546651" y="6588801"/>
+                  <a:ext cx="3069395" cy="1754928"/>
+                </a:xfrm>
+                <a:prstGeom prst="bentConnector3">
+                  <a:avLst>
+                    <a:gd name="adj1" fmla="val 41725"/>
+                  </a:avLst>
+                </a:prstGeom>
+                <a:ln w="28575">
+                  <a:solidFill>
+                    <a:srgbClr val="C00000"/>
+                  </a:solidFill>
+                  <a:headEnd type="triangle" w="med" len="med"/>
+                  <a:tailEnd type="triangle" w="med" len="med"/>
+                </a:ln>
+              </p:spPr>
+              <p:style>
+                <a:lnRef idx="1">
+                  <a:schemeClr val="accent1"/>
+                </a:lnRef>
+                <a:fillRef idx="0">
+                  <a:schemeClr val="accent1"/>
+                </a:fillRef>
+                <a:effectRef idx="0">
+                  <a:schemeClr val="accent1"/>
+                </a:effectRef>
+                <a:fontRef idx="minor">
+                  <a:schemeClr val="tx1"/>
+                </a:fontRef>
+              </p:style>
+            </p:cxnSp>
+            <p:sp>
+              <p:nvSpPr>
+                <p:cNvPr id="127" name="Rectangle: Rounded Corners 126">
+                  <a:extLst>
+                    <a:ext uri="{FF2B5EF4-FFF2-40B4-BE49-F238E27FC236}">
+                      <a16:creationId xmlns:a16="http://schemas.microsoft.com/office/drawing/2014/main" id="{04DDEC7E-ECAC-403E-96BD-5A81EDCF8688}"/>
+                    </a:ext>
+                  </a:extLst>
+                </p:cNvPr>
+                <p:cNvSpPr/>
+                <p:nvPr/>
+              </p:nvSpPr>
+              <p:spPr>
+                <a:xfrm>
+                  <a:off x="1122206" y="8022498"/>
+                  <a:ext cx="1219920" cy="635529"/>
+                </a:xfrm>
+                <a:prstGeom prst="roundRect">
+                  <a:avLst/>
+                </a:prstGeom>
+                <a:solidFill>
+                  <a:srgbClr val="19A329"/>
+                </a:solidFill>
+                <a:ln>
+                  <a:noFill/>
+                </a:ln>
+              </p:spPr>
+              <p:style>
+                <a:lnRef idx="2">
+                  <a:schemeClr val="accent1">
+                    <a:shade val="50000"/>
+                  </a:schemeClr>
+                </a:lnRef>
+                <a:fillRef idx="1">
+                  <a:schemeClr val="accent1"/>
+                </a:fillRef>
+                <a:effectRef idx="0">
+                  <a:schemeClr val="accent1"/>
+                </a:effectRef>
+                <a:fontRef idx="minor">
+                  <a:schemeClr val="lt1"/>
+                </a:fontRef>
+              </p:style>
+              <p:txBody>
+                <a:bodyPr rtlCol="0" anchor="ctr"/>
+                <a:lstStyle/>
+                <a:p>
+                  <a:pPr algn="ctr"/>
+                  <a:r>
+                    <a:rPr lang="en-CA" sz="1600" dirty="0"/>
+                    <a:t>API Gateway</a:t>
+                  </a:r>
+                </a:p>
+              </p:txBody>
+            </p:sp>
+            <p:cxnSp>
+              <p:nvCxnSpPr>
+                <p:cNvPr id="128" name="Straight Arrow Connector 127">
+                  <a:extLst>
+                    <a:ext uri="{FF2B5EF4-FFF2-40B4-BE49-F238E27FC236}">
+                      <a16:creationId xmlns:a16="http://schemas.microsoft.com/office/drawing/2014/main" id="{58D714DD-00A2-48C9-84F1-665F39526C04}"/>
+                    </a:ext>
+                  </a:extLst>
+                </p:cNvPr>
+                <p:cNvCxnSpPr>
+                  <a:cxnSpLocks/>
+                  <a:stCxn id="127" idx="3"/>
+                  <a:endCxn id="103" idx="1"/>
+                </p:cNvCxnSpPr>
+                <p:nvPr/>
+              </p:nvCxnSpPr>
+              <p:spPr>
+                <a:xfrm>
+                  <a:off x="2342126" y="8340263"/>
+                  <a:ext cx="927412" cy="345857"/>
+                </a:xfrm>
+                <a:prstGeom prst="straightConnector1">
+                  <a:avLst/>
+                </a:prstGeom>
+                <a:ln w="28575">
+                  <a:tailEnd type="triangle"/>
+                </a:ln>
+              </p:spPr>
+              <p:style>
+                <a:lnRef idx="1">
+                  <a:schemeClr val="dk1"/>
+                </a:lnRef>
+                <a:fillRef idx="0">
+                  <a:schemeClr val="dk1"/>
+                </a:fillRef>
+                <a:effectRef idx="0">
+                  <a:schemeClr val="dk1"/>
+                </a:effectRef>
+                <a:fontRef idx="minor">
+                  <a:schemeClr val="tx1"/>
+                </a:fontRef>
+              </p:style>
+            </p:cxnSp>
+            <p:cxnSp>
+              <p:nvCxnSpPr>
+                <p:cNvPr id="130" name="Connector: Elbow 129">
+                  <a:extLst>
+                    <a:ext uri="{FF2B5EF4-FFF2-40B4-BE49-F238E27FC236}">
+                      <a16:creationId xmlns:a16="http://schemas.microsoft.com/office/drawing/2014/main" id="{CA6F0FF8-73A0-4512-9354-25B7C1FDAEB3}"/>
+                    </a:ext>
+                  </a:extLst>
+                </p:cNvPr>
+                <p:cNvCxnSpPr>
+                  <a:stCxn id="63" idx="2"/>
+                  <a:endCxn id="127" idx="0"/>
+                </p:cNvCxnSpPr>
+                <p:nvPr/>
+              </p:nvCxnSpPr>
+              <p:spPr>
+                <a:xfrm rot="5400000">
+                  <a:off x="3458549" y="3324181"/>
+                  <a:ext cx="2971935" cy="6424699"/>
+                </a:xfrm>
+                <a:prstGeom prst="bentConnector3">
+                  <a:avLst>
+                    <a:gd name="adj1" fmla="val 17523"/>
+                  </a:avLst>
+                </a:prstGeom>
+                <a:ln w="28575">
+                  <a:solidFill>
+                    <a:srgbClr val="2CABAE"/>
+                  </a:solidFill>
+                  <a:tailEnd type="triangle"/>
+                </a:ln>
+              </p:spPr>
+              <p:style>
+                <a:lnRef idx="1">
+                  <a:schemeClr val="accent1"/>
+                </a:lnRef>
+                <a:fillRef idx="0">
+                  <a:schemeClr val="accent1"/>
+                </a:fillRef>
+                <a:effectRef idx="0">
+                  <a:schemeClr val="accent1"/>
+                </a:effectRef>
+                <a:fontRef idx="minor">
+                  <a:schemeClr val="tx1"/>
+                </a:fontRef>
+              </p:style>
+            </p:cxnSp>
+            <p:sp>
+              <p:nvSpPr>
+                <p:cNvPr id="133" name="Rectangle: Rounded Corners 132">
+                  <a:extLst>
+                    <a:ext uri="{FF2B5EF4-FFF2-40B4-BE49-F238E27FC236}">
+                      <a16:creationId xmlns:a16="http://schemas.microsoft.com/office/drawing/2014/main" id="{ABBB8C2A-51A2-4BF0-AAEF-90BE30EBC806}"/>
+                    </a:ext>
+                  </a:extLst>
+                </p:cNvPr>
+                <p:cNvSpPr/>
+                <p:nvPr/>
+              </p:nvSpPr>
+              <p:spPr>
+                <a:xfrm>
+                  <a:off x="3418874" y="6475120"/>
+                  <a:ext cx="1140256" cy="480656"/>
+                </a:xfrm>
+                <a:prstGeom prst="roundRect">
+                  <a:avLst/>
+                </a:prstGeom>
+                <a:solidFill>
+                  <a:srgbClr val="F2843A"/>
+                </a:solidFill>
+                <a:ln>
+                  <a:noFill/>
+                </a:ln>
+              </p:spPr>
+              <p:style>
+                <a:lnRef idx="2">
+                  <a:schemeClr val="accent1">
+                    <a:shade val="50000"/>
+                  </a:schemeClr>
+                </a:lnRef>
+                <a:fillRef idx="1">
+                  <a:schemeClr val="accent1"/>
+                </a:fillRef>
+                <a:effectRef idx="0">
+                  <a:schemeClr val="accent1"/>
+                </a:effectRef>
+                <a:fontRef idx="minor">
+                  <a:schemeClr val="lt1"/>
+                </a:fontRef>
+              </p:style>
+              <p:txBody>
+                <a:bodyPr rtlCol="0" anchor="ctr"/>
+                <a:lstStyle/>
+                <a:p>
+                  <a:pPr algn="ctr"/>
+                  <a:r>
+                    <a:rPr lang="en-CA" sz="1200" dirty="0"/>
+                    <a:t>Search Image</a:t>
+                  </a:r>
+                </a:p>
+              </p:txBody>
+            </p:sp>
+            <p:sp>
+              <p:nvSpPr>
+                <p:cNvPr id="135" name="Rectangle: Rounded Corners 134">
+                  <a:extLst>
+                    <a:ext uri="{FF2B5EF4-FFF2-40B4-BE49-F238E27FC236}">
+                      <a16:creationId xmlns:a16="http://schemas.microsoft.com/office/drawing/2014/main" id="{3378D7C1-B90F-41E0-8FF0-9884E3F36630}"/>
+                    </a:ext>
+                  </a:extLst>
+                </p:cNvPr>
+                <p:cNvSpPr/>
+                <p:nvPr/>
+              </p:nvSpPr>
+              <p:spPr>
+                <a:xfrm>
+                  <a:off x="4670789" y="7043290"/>
+                  <a:ext cx="1140256" cy="480656"/>
+                </a:xfrm>
+                <a:prstGeom prst="roundRect">
+                  <a:avLst/>
+                </a:prstGeom>
+                <a:solidFill>
+                  <a:srgbClr val="F2843A"/>
+                </a:solidFill>
+                <a:ln>
+                  <a:noFill/>
+                </a:ln>
+              </p:spPr>
+              <p:style>
+                <a:lnRef idx="2">
+                  <a:schemeClr val="accent1">
+                    <a:shade val="50000"/>
+                  </a:schemeClr>
+                </a:lnRef>
+                <a:fillRef idx="1">
+                  <a:schemeClr val="accent1"/>
+                </a:fillRef>
+                <a:effectRef idx="0">
+                  <a:schemeClr val="accent1"/>
+                </a:effectRef>
+                <a:fontRef idx="minor">
+                  <a:schemeClr val="lt1"/>
+                </a:fontRef>
+              </p:style>
+              <p:txBody>
+                <a:bodyPr rtlCol="0" anchor="ctr"/>
+                <a:lstStyle/>
+                <a:p>
+                  <a:pPr algn="ctr"/>
+                  <a:r>
+                    <a:rPr lang="en-CA" sz="1200" dirty="0"/>
+                    <a:t>Label Image &amp; Store</a:t>
+                  </a:r>
+                </a:p>
+              </p:txBody>
+            </p:sp>
+            <p:cxnSp>
+              <p:nvCxnSpPr>
+                <p:cNvPr id="145" name="Connector: Elbow 144">
+                  <a:extLst>
+                    <a:ext uri="{FF2B5EF4-FFF2-40B4-BE49-F238E27FC236}">
+                      <a16:creationId xmlns:a16="http://schemas.microsoft.com/office/drawing/2014/main" id="{3BDC787E-9468-4AB8-BE90-9F8B6BAC1794}"/>
+                    </a:ext>
+                  </a:extLst>
+                </p:cNvPr>
+                <p:cNvCxnSpPr>
+                  <a:cxnSpLocks/>
+                  <a:stCxn id="133" idx="3"/>
+                  <a:endCxn id="115" idx="1"/>
+                </p:cNvCxnSpPr>
+                <p:nvPr/>
+              </p:nvCxnSpPr>
+              <p:spPr>
+                <a:xfrm>
+                  <a:off x="4559130" y="6715448"/>
+                  <a:ext cx="4349703" cy="564716"/>
+                </a:xfrm>
+                <a:prstGeom prst="bentConnector3">
+                  <a:avLst>
+                    <a:gd name="adj1" fmla="val 50000"/>
+                  </a:avLst>
+                </a:prstGeom>
+                <a:ln w="28575">
+                  <a:solidFill>
+                    <a:srgbClr val="F2843A"/>
+                  </a:solidFill>
+                  <a:headEnd type="triangle" w="med" len="med"/>
+                  <a:tailEnd type="triangle" w="med" len="med"/>
+                </a:ln>
+              </p:spPr>
+              <p:style>
+                <a:lnRef idx="1">
+                  <a:schemeClr val="dk1"/>
+                </a:lnRef>
+                <a:fillRef idx="0">
+                  <a:schemeClr val="dk1"/>
+                </a:fillRef>
+                <a:effectRef idx="0">
+                  <a:schemeClr val="dk1"/>
+                </a:effectRef>
+                <a:fontRef idx="minor">
+                  <a:schemeClr val="tx1"/>
+                </a:fontRef>
+              </p:style>
+            </p:cxnSp>
+            <p:cxnSp>
+              <p:nvCxnSpPr>
+                <p:cNvPr id="148" name="Straight Arrow Connector 147">
+                  <a:extLst>
+                    <a:ext uri="{FF2B5EF4-FFF2-40B4-BE49-F238E27FC236}">
+                      <a16:creationId xmlns:a16="http://schemas.microsoft.com/office/drawing/2014/main" id="{026E6AEA-A55F-4F53-9F0C-2514B9E1B91C}"/>
+                    </a:ext>
+                  </a:extLst>
+                </p:cNvPr>
+                <p:cNvCxnSpPr>
+                  <a:cxnSpLocks/>
+                  <a:stCxn id="135" idx="3"/>
+                  <a:endCxn id="115" idx="1"/>
+                </p:cNvCxnSpPr>
+                <p:nvPr/>
+              </p:nvCxnSpPr>
+              <p:spPr>
+                <a:xfrm flipV="1">
+                  <a:off x="5811045" y="7280164"/>
+                  <a:ext cx="3097788" cy="3454"/>
+                </a:xfrm>
+                <a:prstGeom prst="straightConnector1">
+                  <a:avLst/>
+                </a:prstGeom>
+                <a:ln w="28575">
+                  <a:solidFill>
+                    <a:srgbClr val="F2843A"/>
+                  </a:solidFill>
+                  <a:tailEnd type="triangle"/>
+                </a:ln>
+              </p:spPr>
+              <p:style>
+                <a:lnRef idx="1">
+                  <a:schemeClr val="dk1"/>
+                </a:lnRef>
+                <a:fillRef idx="0">
+                  <a:schemeClr val="dk1"/>
+                </a:fillRef>
+                <a:effectRef idx="0">
+                  <a:schemeClr val="dk1"/>
+                </a:effectRef>
+                <a:fontRef idx="minor">
+                  <a:schemeClr val="tx1"/>
+                </a:fontRef>
+              </p:style>
+            </p:cxnSp>
+            <p:cxnSp>
+              <p:nvCxnSpPr>
+                <p:cNvPr id="154" name="Connector: Elbow 153">
+                  <a:extLst>
+                    <a:ext uri="{FF2B5EF4-FFF2-40B4-BE49-F238E27FC236}">
+                      <a16:creationId xmlns:a16="http://schemas.microsoft.com/office/drawing/2014/main" id="{2975C9AB-6C96-4A0C-B07E-BC2CB2C3B005}"/>
+                    </a:ext>
+                  </a:extLst>
+                </p:cNvPr>
+                <p:cNvCxnSpPr>
+                  <a:cxnSpLocks/>
+                  <a:stCxn id="117" idx="3"/>
+                  <a:endCxn id="115" idx="1"/>
+                </p:cNvCxnSpPr>
+                <p:nvPr/>
+              </p:nvCxnSpPr>
+              <p:spPr>
+                <a:xfrm flipV="1">
+                  <a:off x="4546650" y="7280164"/>
+                  <a:ext cx="4362183" cy="906543"/>
+                </a:xfrm>
+                <a:prstGeom prst="bentConnector3">
+                  <a:avLst>
+                    <a:gd name="adj1" fmla="val 50000"/>
+                  </a:avLst>
+                </a:prstGeom>
+                <a:ln w="28575">
+                  <a:solidFill>
+                    <a:srgbClr val="F2843A"/>
+                  </a:solidFill>
+                  <a:headEnd type="triangle" w="med" len="med"/>
+                  <a:tailEnd type="triangle" w="med" len="med"/>
+                </a:ln>
+              </p:spPr>
+              <p:style>
+                <a:lnRef idx="1">
+                  <a:schemeClr val="dk1"/>
+                </a:lnRef>
+                <a:fillRef idx="0">
+                  <a:schemeClr val="dk1"/>
+                </a:fillRef>
+                <a:effectRef idx="0">
+                  <a:schemeClr val="dk1"/>
+                </a:effectRef>
+                <a:fontRef idx="minor">
+                  <a:schemeClr val="tx1"/>
+                </a:fontRef>
+              </p:style>
+            </p:cxnSp>
+            <p:cxnSp>
+              <p:nvCxnSpPr>
+                <p:cNvPr id="157" name="Straight Arrow Connector 156">
+                  <a:extLst>
+                    <a:ext uri="{FF2B5EF4-FFF2-40B4-BE49-F238E27FC236}">
+                      <a16:creationId xmlns:a16="http://schemas.microsoft.com/office/drawing/2014/main" id="{68F1F92D-F974-4145-9D47-A1C31C4F3F32}"/>
+                    </a:ext>
+                  </a:extLst>
+                </p:cNvPr>
+                <p:cNvCxnSpPr>
+                  <a:cxnSpLocks/>
+                </p:cNvCxnSpPr>
+                <p:nvPr/>
+              </p:nvCxnSpPr>
+              <p:spPr>
+                <a:xfrm flipV="1">
+                  <a:off x="4546650" y="8343729"/>
+                  <a:ext cx="3069395" cy="1728"/>
+                </a:xfrm>
+                <a:prstGeom prst="straightConnector1">
+                  <a:avLst/>
+                </a:prstGeom>
+                <a:ln w="28575">
+                  <a:solidFill>
+                    <a:srgbClr val="C00000"/>
+                  </a:solidFill>
+                  <a:headEnd type="triangle" w="med" len="med"/>
+                  <a:tailEnd type="triangle" w="med" len="med"/>
+                </a:ln>
+              </p:spPr>
+              <p:style>
+                <a:lnRef idx="1">
+                  <a:schemeClr val="dk1"/>
+                </a:lnRef>
+                <a:fillRef idx="0">
+                  <a:schemeClr val="dk1"/>
+                </a:fillRef>
+                <a:effectRef idx="0">
+                  <a:schemeClr val="dk1"/>
+                </a:effectRef>
+                <a:fontRef idx="minor">
+                  <a:schemeClr val="tx1"/>
+                </a:fontRef>
+              </p:style>
+            </p:cxnSp>
+            <p:cxnSp>
+              <p:nvCxnSpPr>
+                <p:cNvPr id="162" name="Connector: Elbow 161">
+                  <a:extLst>
+                    <a:ext uri="{FF2B5EF4-FFF2-40B4-BE49-F238E27FC236}">
+                      <a16:creationId xmlns:a16="http://schemas.microsoft.com/office/drawing/2014/main" id="{F3788FAE-9D8A-4606-B3A9-205E1B4E2836}"/>
+                    </a:ext>
+                  </a:extLst>
+                </p:cNvPr>
+                <p:cNvCxnSpPr>
+                  <a:cxnSpLocks/>
+                  <a:stCxn id="118" idx="3"/>
+                  <a:endCxn id="115" idx="1"/>
+                </p:cNvCxnSpPr>
+                <p:nvPr/>
+              </p:nvCxnSpPr>
+              <p:spPr>
+                <a:xfrm flipV="1">
+                  <a:off x="4546650" y="7280164"/>
+                  <a:ext cx="4362183" cy="1706169"/>
+                </a:xfrm>
+                <a:prstGeom prst="bentConnector3">
+                  <a:avLst>
+                    <a:gd name="adj1" fmla="val 50000"/>
+                  </a:avLst>
+                </a:prstGeom>
+                <a:ln w="28575">
+                  <a:solidFill>
+                    <a:srgbClr val="F2843A"/>
+                  </a:solidFill>
+                  <a:headEnd type="triangle" w="med" len="med"/>
+                  <a:tailEnd type="triangle" w="med" len="med"/>
+                </a:ln>
+              </p:spPr>
+              <p:style>
+                <a:lnRef idx="1">
+                  <a:schemeClr val="dk1"/>
+                </a:lnRef>
+                <a:fillRef idx="0">
+                  <a:schemeClr val="dk1"/>
+                </a:fillRef>
+                <a:effectRef idx="0">
+                  <a:schemeClr val="dk1"/>
+                </a:effectRef>
+                <a:fontRef idx="minor">
+                  <a:schemeClr val="tx1"/>
+                </a:fontRef>
+              </p:style>
+            </p:cxnSp>
+            <p:sp>
+              <p:nvSpPr>
+                <p:cNvPr id="165" name="Rectangle: Rounded Corners 164">
+                  <a:extLst>
+                    <a:ext uri="{FF2B5EF4-FFF2-40B4-BE49-F238E27FC236}">
+                      <a16:creationId xmlns:a16="http://schemas.microsoft.com/office/drawing/2014/main" id="{539E19B1-A153-41E0-8AE0-B2948DA59FA7}"/>
+                    </a:ext>
+                  </a:extLst>
+                </p:cNvPr>
+                <p:cNvSpPr/>
+                <p:nvPr/>
+              </p:nvSpPr>
+              <p:spPr>
+                <a:xfrm>
+                  <a:off x="10752198" y="1829376"/>
+                  <a:ext cx="1426353" cy="517005"/>
+                </a:xfrm>
+                <a:prstGeom prst="roundRect">
+                  <a:avLst/>
+                </a:prstGeom>
+                <a:solidFill>
+                  <a:srgbClr val="C00000"/>
+                </a:solidFill>
+                <a:ln>
+                  <a:noFill/>
+                </a:ln>
+              </p:spPr>
+              <p:style>
+                <a:lnRef idx="2">
+                  <a:schemeClr val="accent1">
+                    <a:shade val="50000"/>
+                  </a:schemeClr>
+                </a:lnRef>
+                <a:fillRef idx="1">
+                  <a:schemeClr val="accent1"/>
+                </a:fillRef>
+                <a:effectRef idx="0">
+                  <a:schemeClr val="accent1"/>
+                </a:effectRef>
+                <a:fontRef idx="minor">
+                  <a:schemeClr val="lt1"/>
+                </a:fontRef>
+              </p:style>
+              <p:txBody>
+                <a:bodyPr rtlCol="0" anchor="ctr"/>
+                <a:lstStyle/>
+                <a:p>
+                  <a:pPr algn="ctr"/>
+                  <a:r>
+                    <a:rPr lang="en-CA" sz="1600" dirty="0"/>
+                    <a:t>S3 - Model</a:t>
+                  </a:r>
+                </a:p>
+              </p:txBody>
+            </p:sp>
+            <p:cxnSp>
+              <p:nvCxnSpPr>
+                <p:cNvPr id="166" name="Connector: Elbow 165">
+                  <a:extLst>
+                    <a:ext uri="{FF2B5EF4-FFF2-40B4-BE49-F238E27FC236}">
+                      <a16:creationId xmlns:a16="http://schemas.microsoft.com/office/drawing/2014/main" id="{5B5CE4F0-9302-40B2-AC58-6427631F7C11}"/>
+                    </a:ext>
+                  </a:extLst>
+                </p:cNvPr>
+                <p:cNvCxnSpPr>
+                  <a:cxnSpLocks/>
+                  <a:stCxn id="32" idx="2"/>
+                  <a:endCxn id="165" idx="1"/>
+                </p:cNvCxnSpPr>
+                <p:nvPr/>
+              </p:nvCxnSpPr>
+              <p:spPr>
+                <a:xfrm rot="16200000" flipH="1">
+                  <a:off x="9313899" y="649579"/>
+                  <a:ext cx="163069" cy="2713529"/>
+                </a:xfrm>
+                <a:prstGeom prst="bentConnector2">
+                  <a:avLst/>
+                </a:prstGeom>
+                <a:ln w="28575">
+                  <a:solidFill>
+                    <a:srgbClr val="C00000"/>
+                  </a:solidFill>
+                  <a:headEnd type="triangle" w="med" len="med"/>
+                  <a:tailEnd type="triangle" w="med" len="med"/>
+                </a:ln>
+              </p:spPr>
+              <p:style>
+                <a:lnRef idx="1">
+                  <a:schemeClr val="accent1"/>
+                </a:lnRef>
+                <a:fillRef idx="0">
+                  <a:schemeClr val="accent1"/>
+                </a:fillRef>
+                <a:effectRef idx="0">
+                  <a:schemeClr val="accent1"/>
+                </a:effectRef>
+                <a:fontRef idx="minor">
+                  <a:schemeClr val="tx1"/>
+                </a:fontRef>
+              </p:style>
+            </p:cxnSp>
+            <p:sp>
+              <p:nvSpPr>
+                <p:cNvPr id="172" name="Rectangle: Rounded Corners 171">
+                  <a:extLst>
+                    <a:ext uri="{FF2B5EF4-FFF2-40B4-BE49-F238E27FC236}">
+                      <a16:creationId xmlns:a16="http://schemas.microsoft.com/office/drawing/2014/main" id="{8E859CF9-189E-4B40-ABAD-D9C0C13E5D47}"/>
+                    </a:ext>
+                  </a:extLst>
+                </p:cNvPr>
+                <p:cNvSpPr/>
+                <p:nvPr/>
+              </p:nvSpPr>
+              <p:spPr>
+                <a:xfrm>
+                  <a:off x="3406394" y="9455656"/>
+                  <a:ext cx="1140256" cy="480656"/>
+                </a:xfrm>
+                <a:prstGeom prst="roundRect">
+                  <a:avLst/>
+                </a:prstGeom>
+                <a:solidFill>
+                  <a:srgbClr val="F2843A"/>
+                </a:solidFill>
+                <a:ln>
+                  <a:noFill/>
+                </a:ln>
+              </p:spPr>
+              <p:style>
+                <a:lnRef idx="2">
+                  <a:schemeClr val="accent1">
+                    <a:shade val="50000"/>
+                  </a:schemeClr>
+                </a:lnRef>
+                <a:fillRef idx="1">
+                  <a:schemeClr val="accent1"/>
+                </a:fillRef>
+                <a:effectRef idx="0">
+                  <a:schemeClr val="accent1"/>
+                </a:effectRef>
+                <a:fontRef idx="minor">
+                  <a:schemeClr val="lt1"/>
+                </a:fontRef>
+              </p:style>
+              <p:txBody>
+                <a:bodyPr rtlCol="0" anchor="ctr"/>
+                <a:lstStyle/>
+                <a:p>
+                  <a:pPr algn="ctr"/>
+                  <a:r>
+                    <a:rPr lang="en-CA" sz="1200" dirty="0"/>
+                    <a:t>Clear Images</a:t>
+                  </a:r>
+                </a:p>
+              </p:txBody>
+            </p:sp>
+            <p:cxnSp>
+              <p:nvCxnSpPr>
+                <p:cNvPr id="173" name="Connector: Elbow 172">
+                  <a:extLst>
+                    <a:ext uri="{FF2B5EF4-FFF2-40B4-BE49-F238E27FC236}">
+                      <a16:creationId xmlns:a16="http://schemas.microsoft.com/office/drawing/2014/main" id="{5A9EE959-7EAA-488D-9468-034C5ADE8895}"/>
+                    </a:ext>
+                  </a:extLst>
+                </p:cNvPr>
+                <p:cNvCxnSpPr>
+                  <a:cxnSpLocks/>
+                  <a:stCxn id="172" idx="3"/>
+                  <a:endCxn id="115" idx="1"/>
+                </p:cNvCxnSpPr>
+                <p:nvPr/>
+              </p:nvCxnSpPr>
+              <p:spPr>
+                <a:xfrm flipV="1">
+                  <a:off x="4546650" y="7280164"/>
+                  <a:ext cx="4362183" cy="2415820"/>
+                </a:xfrm>
+                <a:prstGeom prst="bentConnector3">
+                  <a:avLst>
+                    <a:gd name="adj1" fmla="val 50000"/>
+                  </a:avLst>
+                </a:prstGeom>
+                <a:ln w="28575">
+                  <a:solidFill>
+                    <a:srgbClr val="F2843A"/>
+                  </a:solidFill>
+                  <a:headEnd type="triangle" w="med" len="med"/>
+                  <a:tailEnd type="triangle" w="med" len="med"/>
+                </a:ln>
+              </p:spPr>
+              <p:style>
+                <a:lnRef idx="1">
+                  <a:schemeClr val="dk1"/>
+                </a:lnRef>
+                <a:fillRef idx="0">
+                  <a:schemeClr val="dk1"/>
+                </a:fillRef>
+                <a:effectRef idx="0">
+                  <a:schemeClr val="dk1"/>
+                </a:effectRef>
+                <a:fontRef idx="minor">
+                  <a:schemeClr val="tx1"/>
+                </a:fontRef>
+              </p:style>
+            </p:cxnSp>
+            <p:cxnSp>
+              <p:nvCxnSpPr>
+                <p:cNvPr id="176" name="Connector: Elbow 175">
+                  <a:extLst>
+                    <a:ext uri="{FF2B5EF4-FFF2-40B4-BE49-F238E27FC236}">
+                      <a16:creationId xmlns:a16="http://schemas.microsoft.com/office/drawing/2014/main" id="{70F4FA05-4281-46B7-A1E0-9D694A184E31}"/>
+                    </a:ext>
+                  </a:extLst>
+                </p:cNvPr>
+                <p:cNvCxnSpPr>
+                  <a:cxnSpLocks/>
+                  <a:stCxn id="110" idx="1"/>
+                </p:cNvCxnSpPr>
+                <p:nvPr/>
+              </p:nvCxnSpPr>
+              <p:spPr>
+                <a:xfrm rot="10800000" flipV="1">
+                  <a:off x="4541325" y="8343728"/>
+                  <a:ext cx="3074720" cy="1472215"/>
+                </a:xfrm>
+                <a:prstGeom prst="bentConnector3">
+                  <a:avLst>
+                    <a:gd name="adj1" fmla="val 41533"/>
+                  </a:avLst>
+                </a:prstGeom>
+                <a:ln w="28575">
+                  <a:solidFill>
+                    <a:srgbClr val="C00000"/>
+                  </a:solidFill>
+                  <a:headEnd type="triangle" w="med" len="med"/>
+                  <a:tailEnd type="triangle" w="med" len="med"/>
+                </a:ln>
+              </p:spPr>
+              <p:style>
+                <a:lnRef idx="1">
+                  <a:schemeClr val="accent1"/>
+                </a:lnRef>
+                <a:fillRef idx="0">
+                  <a:schemeClr val="accent1"/>
+                </a:fillRef>
+                <a:effectRef idx="0">
+                  <a:schemeClr val="accent1"/>
+                </a:effectRef>
+                <a:fontRef idx="minor">
+                  <a:schemeClr val="tx1"/>
+                </a:fontRef>
+              </p:style>
+            </p:cxnSp>
+            <p:sp>
+              <p:nvSpPr>
+                <p:cNvPr id="181" name="Rectangle: Rounded Corners 180">
+                  <a:extLst>
+                    <a:ext uri="{FF2B5EF4-FFF2-40B4-BE49-F238E27FC236}">
+                      <a16:creationId xmlns:a16="http://schemas.microsoft.com/office/drawing/2014/main" id="{62525AAB-4A77-4F78-82C2-501FADD50825}"/>
+                    </a:ext>
+                  </a:extLst>
+                </p:cNvPr>
+                <p:cNvSpPr/>
+                <p:nvPr/>
+              </p:nvSpPr>
+              <p:spPr>
+                <a:xfrm>
+                  <a:off x="3406394" y="10256772"/>
+                  <a:ext cx="1118793" cy="458040"/>
+                </a:xfrm>
+                <a:prstGeom prst="roundRect">
+                  <a:avLst/>
+                </a:prstGeom>
+                <a:solidFill>
+                  <a:schemeClr val="accent5">
+                    <a:lumMod val="75000"/>
+                  </a:schemeClr>
+                </a:solidFill>
+                <a:ln>
+                  <a:noFill/>
+                </a:ln>
+              </p:spPr>
+              <p:style>
+                <a:lnRef idx="2">
+                  <a:schemeClr val="accent1">
+                    <a:shade val="50000"/>
+                  </a:schemeClr>
+                </a:lnRef>
+                <a:fillRef idx="1">
+                  <a:schemeClr val="accent1"/>
+                </a:fillRef>
+                <a:effectRef idx="0">
+                  <a:schemeClr val="accent1"/>
+                </a:effectRef>
+                <a:fontRef idx="minor">
+                  <a:schemeClr val="lt1"/>
+                </a:fontRef>
+              </p:style>
+              <p:txBody>
+                <a:bodyPr rtlCol="0" anchor="ctr"/>
+                <a:lstStyle/>
+                <a:p>
+                  <a:pPr algn="ctr"/>
+                  <a:r>
+                    <a:rPr lang="en-CA" sz="1200" dirty="0"/>
+                    <a:t>Train Images</a:t>
+                  </a:r>
+                </a:p>
+              </p:txBody>
+            </p:sp>
+            <p:sp>
+              <p:nvSpPr>
+                <p:cNvPr id="186" name="Rectangle: Rounded Corners 185">
+                  <a:extLst>
+                    <a:ext uri="{FF2B5EF4-FFF2-40B4-BE49-F238E27FC236}">
+                      <a16:creationId xmlns:a16="http://schemas.microsoft.com/office/drawing/2014/main" id="{CE4BAE08-2782-46E8-8696-BEBAF4D9B53B}"/>
+                    </a:ext>
+                  </a:extLst>
+                </p:cNvPr>
+                <p:cNvSpPr/>
+                <p:nvPr/>
+              </p:nvSpPr>
+              <p:spPr>
+                <a:xfrm>
+                  <a:off x="7616045" y="10279824"/>
+                  <a:ext cx="1140256" cy="359055"/>
+                </a:xfrm>
+                <a:prstGeom prst="roundRect">
+                  <a:avLst/>
+                </a:prstGeom>
+                <a:solidFill>
+                  <a:schemeClr val="accent5">
+                    <a:lumMod val="75000"/>
+                  </a:schemeClr>
+                </a:solidFill>
+                <a:ln>
+                  <a:noFill/>
+                </a:ln>
+              </p:spPr>
+              <p:style>
+                <a:lnRef idx="2">
+                  <a:schemeClr val="accent1">
+                    <a:shade val="50000"/>
+                  </a:schemeClr>
+                </a:lnRef>
+                <a:fillRef idx="1">
+                  <a:schemeClr val="accent1"/>
+                </a:fillRef>
+                <a:effectRef idx="0">
+                  <a:schemeClr val="accent1"/>
+                </a:effectRef>
+                <a:fontRef idx="minor">
+                  <a:schemeClr val="lt1"/>
+                </a:fontRef>
+              </p:style>
+              <p:txBody>
+                <a:bodyPr rtlCol="0" anchor="ctr"/>
+                <a:lstStyle/>
+                <a:p>
+                  <a:pPr algn="ctr"/>
+                  <a:r>
+                    <a:rPr lang="en-CA" sz="1400" dirty="0"/>
+                    <a:t>EC2 - Train </a:t>
+                  </a:r>
+                </a:p>
+              </p:txBody>
+            </p:sp>
+            <p:cxnSp>
+              <p:nvCxnSpPr>
+                <p:cNvPr id="187" name="Straight Arrow Connector 186">
+                  <a:extLst>
+                    <a:ext uri="{FF2B5EF4-FFF2-40B4-BE49-F238E27FC236}">
+                      <a16:creationId xmlns:a16="http://schemas.microsoft.com/office/drawing/2014/main" id="{B13954D9-02FD-48A5-8315-166B3D274F35}"/>
+                    </a:ext>
+                  </a:extLst>
+                </p:cNvPr>
+                <p:cNvCxnSpPr>
+                  <a:cxnSpLocks/>
+                  <a:stCxn id="181" idx="3"/>
+                  <a:endCxn id="186" idx="1"/>
+                </p:cNvCxnSpPr>
+                <p:nvPr/>
+              </p:nvCxnSpPr>
+              <p:spPr>
+                <a:xfrm flipV="1">
+                  <a:off x="4525187" y="10459352"/>
+                  <a:ext cx="3090858" cy="26440"/>
+                </a:xfrm>
+                <a:prstGeom prst="straightConnector1">
+                  <a:avLst/>
+                </a:prstGeom>
+                <a:ln w="28575">
+                  <a:solidFill>
+                    <a:srgbClr val="2E75B6"/>
+                  </a:solidFill>
+                  <a:headEnd type="none" w="med" len="med"/>
+                  <a:tailEnd type="triangle" w="med" len="med"/>
+                </a:ln>
+              </p:spPr>
+              <p:style>
+                <a:lnRef idx="1">
+                  <a:schemeClr val="dk1"/>
+                </a:lnRef>
+                <a:fillRef idx="0">
+                  <a:schemeClr val="dk1"/>
+                </a:fillRef>
+                <a:effectRef idx="0">
+                  <a:schemeClr val="dk1"/>
+                </a:effectRef>
+                <a:fontRef idx="minor">
+                  <a:schemeClr val="tx1"/>
+                </a:fontRef>
+              </p:style>
+            </p:cxnSp>
+            <p:cxnSp>
+              <p:nvCxnSpPr>
+                <p:cNvPr id="194" name="Straight Arrow Connector 193">
+                  <a:extLst>
+                    <a:ext uri="{FF2B5EF4-FFF2-40B4-BE49-F238E27FC236}">
+                      <a16:creationId xmlns:a16="http://schemas.microsoft.com/office/drawing/2014/main" id="{52BDA50A-25AB-42C6-977E-C9AD187E335E}"/>
+                    </a:ext>
+                  </a:extLst>
+                </p:cNvPr>
+                <p:cNvCxnSpPr>
+                  <a:cxnSpLocks/>
+                  <a:stCxn id="186" idx="0"/>
+                  <a:endCxn id="110" idx="2"/>
+                </p:cNvCxnSpPr>
+                <p:nvPr/>
+              </p:nvCxnSpPr>
+              <p:spPr>
+                <a:xfrm flipV="1">
+                  <a:off x="8186173" y="8768589"/>
+                  <a:ext cx="0" cy="1511235"/>
+                </a:xfrm>
+                <a:prstGeom prst="straightConnector1">
+                  <a:avLst/>
+                </a:prstGeom>
+                <a:ln w="28575">
+                  <a:solidFill>
+                    <a:srgbClr val="C00000"/>
+                  </a:solidFill>
+                  <a:headEnd type="triangle" w="med" len="med"/>
+                  <a:tailEnd type="none" w="med" len="med"/>
+                </a:ln>
+              </p:spPr>
+              <p:style>
+                <a:lnRef idx="1">
+                  <a:schemeClr val="dk1"/>
+                </a:lnRef>
+                <a:fillRef idx="0">
+                  <a:schemeClr val="dk1"/>
+                </a:fillRef>
+                <a:effectRef idx="0">
+                  <a:schemeClr val="dk1"/>
+                </a:effectRef>
+                <a:fontRef idx="minor">
+                  <a:schemeClr val="tx1"/>
+                </a:fontRef>
+              </p:style>
+            </p:cxnSp>
+            <p:cxnSp>
+              <p:nvCxnSpPr>
+                <p:cNvPr id="197" name="Connector: Elbow 196">
+                  <a:extLst>
+                    <a:ext uri="{FF2B5EF4-FFF2-40B4-BE49-F238E27FC236}">
+                      <a16:creationId xmlns:a16="http://schemas.microsoft.com/office/drawing/2014/main" id="{98D838D1-936E-4B22-8015-7F68ACC6B5C2}"/>
+                    </a:ext>
+                  </a:extLst>
+                </p:cNvPr>
+                <p:cNvCxnSpPr>
+                  <a:cxnSpLocks/>
+                  <a:endCxn id="115" idx="2"/>
+                </p:cNvCxnSpPr>
+                <p:nvPr/>
+              </p:nvCxnSpPr>
+              <p:spPr>
+                <a:xfrm rot="5400000" flipH="1" flipV="1">
+                  <a:off x="7804917" y="8269227"/>
+                  <a:ext cx="2641512" cy="1333578"/>
+                </a:xfrm>
+                <a:prstGeom prst="bentConnector3">
+                  <a:avLst>
+                    <a:gd name="adj1" fmla="val 39743"/>
+                  </a:avLst>
+                </a:prstGeom>
+                <a:ln w="28575">
+                  <a:solidFill>
+                    <a:srgbClr val="F2843A"/>
+                  </a:solidFill>
+                  <a:headEnd type="triangle" w="med" len="med"/>
+                  <a:tailEnd type="triangle" w="med" len="med"/>
+                </a:ln>
+              </p:spPr>
+              <p:style>
+                <a:lnRef idx="1">
+                  <a:schemeClr val="dk1"/>
+                </a:lnRef>
+                <a:fillRef idx="0">
+                  <a:schemeClr val="dk1"/>
+                </a:fillRef>
+                <a:effectRef idx="0">
+                  <a:schemeClr val="dk1"/>
+                </a:effectRef>
+                <a:fontRef idx="minor">
+                  <a:schemeClr val="tx1"/>
+                </a:fontRef>
+              </p:style>
+            </p:cxnSp>
+            <p:sp>
+              <p:nvSpPr>
+                <p:cNvPr id="208" name="Rectangle: Rounded Corners 207">
+                  <a:extLst>
+                    <a:ext uri="{FF2B5EF4-FFF2-40B4-BE49-F238E27FC236}">
+                      <a16:creationId xmlns:a16="http://schemas.microsoft.com/office/drawing/2014/main" id="{04A705A4-26FC-4424-AB95-0EDB62F53802}"/>
+                    </a:ext>
+                  </a:extLst>
+                </p:cNvPr>
+                <p:cNvSpPr/>
+                <p:nvPr/>
+              </p:nvSpPr>
+              <p:spPr>
+                <a:xfrm>
+                  <a:off x="11329279" y="11539927"/>
+                  <a:ext cx="1140256" cy="849721"/>
+                </a:xfrm>
+                <a:prstGeom prst="roundRect">
+                  <a:avLst/>
+                </a:prstGeom>
+                <a:solidFill>
+                  <a:srgbClr val="C00000"/>
+                </a:solidFill>
+                <a:ln>
+                  <a:noFill/>
+                </a:ln>
+              </p:spPr>
+              <p:style>
+                <a:lnRef idx="2">
+                  <a:schemeClr val="accent1">
+                    <a:shade val="50000"/>
+                  </a:schemeClr>
+                </a:lnRef>
+                <a:fillRef idx="1">
+                  <a:schemeClr val="accent1"/>
+                </a:fillRef>
+                <a:effectRef idx="0">
+                  <a:schemeClr val="accent1"/>
+                </a:effectRef>
+                <a:fontRef idx="minor">
+                  <a:schemeClr val="lt1"/>
+                </a:fontRef>
+              </p:style>
+              <p:txBody>
+                <a:bodyPr rtlCol="0" anchor="ctr"/>
+                <a:lstStyle/>
+                <a:p>
+                  <a:pPr algn="ctr"/>
+                  <a:r>
+                    <a:rPr lang="en-CA" sz="1600" dirty="0"/>
+                    <a:t>S3 - Model</a:t>
+                  </a:r>
+                </a:p>
+              </p:txBody>
+            </p:sp>
+            <p:cxnSp>
+              <p:nvCxnSpPr>
+                <p:cNvPr id="210" name="Connector: Elbow 209">
+                  <a:extLst>
+                    <a:ext uri="{FF2B5EF4-FFF2-40B4-BE49-F238E27FC236}">
+                      <a16:creationId xmlns:a16="http://schemas.microsoft.com/office/drawing/2014/main" id="{01A344FC-8CF0-4E84-B1A6-B359A9F75EE8}"/>
+                    </a:ext>
+                  </a:extLst>
+                </p:cNvPr>
+                <p:cNvCxnSpPr>
+                  <a:cxnSpLocks/>
+                  <a:stCxn id="186" idx="3"/>
+                  <a:endCxn id="208" idx="0"/>
+                </p:cNvCxnSpPr>
+                <p:nvPr/>
+              </p:nvCxnSpPr>
+              <p:spPr>
+                <a:xfrm>
+                  <a:off x="8756301" y="10459352"/>
+                  <a:ext cx="3143106" cy="1080575"/>
+                </a:xfrm>
+                <a:prstGeom prst="bentConnector2">
+                  <a:avLst/>
+                </a:prstGeom>
+                <a:ln w="28575">
+                  <a:solidFill>
+                    <a:srgbClr val="C00000"/>
+                  </a:solidFill>
+                  <a:headEnd type="triangle" w="med" len="med"/>
+                  <a:tailEnd type="triangle" w="med" len="med"/>
+                </a:ln>
+              </p:spPr>
+              <p:style>
+                <a:lnRef idx="1">
+                  <a:schemeClr val="dk1"/>
+                </a:lnRef>
+                <a:fillRef idx="0">
+                  <a:schemeClr val="dk1"/>
+                </a:fillRef>
+                <a:effectRef idx="0">
+                  <a:schemeClr val="dk1"/>
+                </a:effectRef>
+                <a:fontRef idx="minor">
+                  <a:schemeClr val="tx1"/>
+                </a:fontRef>
+              </p:style>
+            </p:cxnSp>
+          </p:grpSp>
+          <p:sp>
+            <p:nvSpPr>
+              <p:cNvPr id="69" name="Rectangle: Rounded Corners 68">
+                <a:extLst>
+                  <a:ext uri="{FF2B5EF4-FFF2-40B4-BE49-F238E27FC236}">
+                    <a16:creationId xmlns:a16="http://schemas.microsoft.com/office/drawing/2014/main" id="{1133EBB9-6401-4A32-ACAC-A2EC9AE8CE65}"/>
+                  </a:ext>
+                </a:extLst>
+              </p:cNvPr>
+              <p:cNvSpPr/>
+              <p:nvPr/>
+            </p:nvSpPr>
+            <p:spPr>
+              <a:xfrm>
+                <a:off x="10139396" y="2404107"/>
+                <a:ext cx="1426353" cy="558492"/>
+              </a:xfrm>
+              <a:prstGeom prst="roundRect">
+                <a:avLst/>
+              </a:prstGeom>
+              <a:solidFill>
+                <a:srgbClr val="FF0066"/>
+              </a:solidFill>
+              <a:ln w="19050">
+                <a:solidFill>
+                  <a:srgbClr val="FF0066"/>
+                </a:solidFill>
+              </a:ln>
+            </p:spPr>
+            <p:style>
+              <a:lnRef idx="2">
+                <a:schemeClr val="accent1">
+                  <a:shade val="50000"/>
+                </a:schemeClr>
+              </a:lnRef>
+              <a:fillRef idx="1">
+                <a:schemeClr val="accent1"/>
+              </a:fillRef>
+              <a:effectRef idx="0">
+                <a:schemeClr val="accent1"/>
+              </a:effectRef>
+              <a:fontRef idx="minor">
+                <a:schemeClr val="lt1"/>
+              </a:fontRef>
+            </p:style>
+            <p:txBody>
+              <a:bodyPr rtlCol="0" anchor="ctr"/>
+              <a:lstStyle/>
+              <a:p>
+                <a:pPr algn="ctr"/>
+                <a:r>
+                  <a:rPr lang="en-CA" sz="1600" dirty="0"/>
+                  <a:t>CloudWatch</a:t>
+                </a:r>
+              </a:p>
+            </p:txBody>
+          </p:sp>
+          <p:cxnSp>
+            <p:nvCxnSpPr>
+              <p:cNvPr id="70" name="Connector: Elbow 69">
+                <a:extLst>
+                  <a:ext uri="{FF2B5EF4-FFF2-40B4-BE49-F238E27FC236}">
+                    <a16:creationId xmlns:a16="http://schemas.microsoft.com/office/drawing/2014/main" id="{D059C4B5-5D4A-4757-8FBB-DCE560DBD5A5}"/>
+                  </a:ext>
+                </a:extLst>
+              </p:cNvPr>
+              <p:cNvCxnSpPr>
+                <a:cxnSpLocks/>
+                <a:endCxn id="69" idx="1"/>
+              </p:cNvCxnSpPr>
+              <p:nvPr/>
+            </p:nvCxnSpPr>
+            <p:spPr>
+              <a:xfrm>
+                <a:off x="8391547" y="1588530"/>
+                <a:ext cx="1747849" cy="1094823"/>
+              </a:xfrm>
+              <a:prstGeom prst="bentConnector3">
+                <a:avLst>
+                  <a:gd name="adj1" fmla="val 50000"/>
+                </a:avLst>
+              </a:prstGeom>
+              <a:ln w="28575">
+                <a:solidFill>
+                  <a:srgbClr val="FF0066"/>
+                </a:solidFill>
+                <a:tailEnd type="triangle"/>
+              </a:ln>
+            </p:spPr>
+            <p:style>
+              <a:lnRef idx="1">
+                <a:schemeClr val="accent1"/>
+              </a:lnRef>
+              <a:fillRef idx="0">
+                <a:schemeClr val="accent1"/>
+              </a:fillRef>
+              <a:effectRef idx="0">
+                <a:schemeClr val="accent1"/>
+              </a:effectRef>
+              <a:fontRef idx="minor">
+                <a:schemeClr val="tx1"/>
+              </a:fontRef>
+            </p:style>
+          </p:cxnSp>
+          <p:sp>
+            <p:nvSpPr>
+              <p:cNvPr id="76" name="Rectangle: Rounded Corners 75">
+                <a:extLst>
+                  <a:ext uri="{FF2B5EF4-FFF2-40B4-BE49-F238E27FC236}">
+                    <a16:creationId xmlns:a16="http://schemas.microsoft.com/office/drawing/2014/main" id="{9D453C4C-0A9F-4E13-AA88-22AD23DC093D}"/>
+                  </a:ext>
+                </a:extLst>
+              </p:cNvPr>
+              <p:cNvSpPr/>
+              <p:nvPr/>
+            </p:nvSpPr>
+            <p:spPr>
+              <a:xfrm>
+                <a:off x="7144508" y="10826040"/>
+                <a:ext cx="1426353" cy="320331"/>
+              </a:xfrm>
+              <a:prstGeom prst="roundRect">
+                <a:avLst/>
+              </a:prstGeom>
+              <a:solidFill>
+                <a:srgbClr val="FF0066"/>
+              </a:solidFill>
+              <a:ln w="19050">
+                <a:solidFill>
+                  <a:srgbClr val="FF0066"/>
+                </a:solidFill>
+              </a:ln>
+            </p:spPr>
+            <p:style>
+              <a:lnRef idx="2">
+                <a:schemeClr val="accent1">
+                  <a:shade val="50000"/>
+                </a:schemeClr>
+              </a:lnRef>
+              <a:fillRef idx="1">
+                <a:schemeClr val="accent1"/>
+              </a:fillRef>
+              <a:effectRef idx="0">
+                <a:schemeClr val="accent1"/>
+              </a:effectRef>
+              <a:fontRef idx="minor">
+                <a:schemeClr val="lt1"/>
+              </a:fontRef>
+            </p:style>
+            <p:txBody>
+              <a:bodyPr rtlCol="0" anchor="ctr"/>
+              <a:lstStyle/>
+              <a:p>
+                <a:pPr algn="ctr"/>
+                <a:r>
+                  <a:rPr lang="en-CA" sz="1600" dirty="0"/>
+                  <a:t>CloudWatch</a:t>
+                </a:r>
+              </a:p>
+            </p:txBody>
+          </p:sp>
+          <p:sp>
+            <p:nvSpPr>
+              <p:cNvPr id="81" name="Rectangle: Rounded Corners 80">
+                <a:extLst>
+                  <a:ext uri="{FF2B5EF4-FFF2-40B4-BE49-F238E27FC236}">
+                    <a16:creationId xmlns:a16="http://schemas.microsoft.com/office/drawing/2014/main" id="{F946F122-495B-4F40-8D64-8CEC8223CE57}"/>
+                  </a:ext>
+                </a:extLst>
+              </p:cNvPr>
+              <p:cNvSpPr/>
+              <p:nvPr/>
+            </p:nvSpPr>
+            <p:spPr>
+              <a:xfrm>
+                <a:off x="2778763" y="12385845"/>
+                <a:ext cx="4054415" cy="1657189"/>
+              </a:xfrm>
+              <a:prstGeom prst="roundRect">
+                <a:avLst>
+                  <a:gd name="adj" fmla="val 9646"/>
+                </a:avLst>
+              </a:prstGeom>
+              <a:noFill/>
+              <a:ln w="38100">
+                <a:solidFill>
+                  <a:srgbClr val="8A2E5E"/>
+                </a:solidFill>
+                <a:prstDash val="lgDash"/>
+              </a:ln>
+            </p:spPr>
+            <p:style>
+              <a:lnRef idx="2">
+                <a:schemeClr val="accent1">
+                  <a:shade val="50000"/>
+                </a:schemeClr>
+              </a:lnRef>
+              <a:fillRef idx="1">
+                <a:schemeClr val="accent1"/>
+              </a:fillRef>
+              <a:effectRef idx="0">
+                <a:schemeClr val="accent1"/>
+              </a:effectRef>
+              <a:fontRef idx="minor">
+                <a:schemeClr val="lt1"/>
+              </a:fontRef>
+            </p:style>
+            <p:txBody>
+              <a:bodyPr rtlCol="0" anchor="t"/>
+              <a:lstStyle/>
+              <a:p>
+                <a:r>
+                  <a:rPr lang="en-CA" sz="1600" b="1" dirty="0">
+                    <a:solidFill>
+                      <a:srgbClr val="8A2E5E"/>
+                    </a:solidFill>
+                  </a:rPr>
+                  <a:t>Lambda – Background Function</a:t>
+                </a:r>
+              </a:p>
+            </p:txBody>
+          </p:sp>
+          <p:sp>
+            <p:nvSpPr>
+              <p:cNvPr id="82" name="Rectangle: Rounded Corners 81">
+                <a:extLst>
+                  <a:ext uri="{FF2B5EF4-FFF2-40B4-BE49-F238E27FC236}">
+                    <a16:creationId xmlns:a16="http://schemas.microsoft.com/office/drawing/2014/main" id="{1D7B60CB-6FFA-4583-8DB0-C2E198F24519}"/>
+                  </a:ext>
+                </a:extLst>
+              </p:cNvPr>
+              <p:cNvSpPr/>
+              <p:nvPr/>
+            </p:nvSpPr>
+            <p:spPr>
+              <a:xfrm>
+                <a:off x="432700" y="12935193"/>
+                <a:ext cx="1426353" cy="558492"/>
+              </a:xfrm>
+              <a:prstGeom prst="roundRect">
+                <a:avLst/>
+              </a:prstGeom>
+              <a:solidFill>
+                <a:srgbClr val="0099CC"/>
+              </a:solidFill>
+              <a:ln w="19050">
+                <a:noFill/>
+              </a:ln>
+            </p:spPr>
+            <p:style>
+              <a:lnRef idx="2">
+                <a:schemeClr val="accent1">
+                  <a:shade val="50000"/>
+                </a:schemeClr>
+              </a:lnRef>
+              <a:fillRef idx="1">
+                <a:schemeClr val="accent1"/>
+              </a:fillRef>
+              <a:effectRef idx="0">
+                <a:schemeClr val="accent1"/>
+              </a:effectRef>
+              <a:fontRef idx="minor">
+                <a:schemeClr val="lt1"/>
+              </a:fontRef>
+            </p:style>
+            <p:txBody>
+              <a:bodyPr rtlCol="0" anchor="ctr"/>
+              <a:lstStyle/>
+              <a:p>
+                <a:pPr algn="ctr"/>
+                <a:r>
+                  <a:rPr lang="en-CA" sz="1600" dirty="0">
+                    <a:solidFill>
+                      <a:schemeClr val="bg1"/>
+                    </a:solidFill>
+                  </a:rPr>
+                  <a:t>EventBridge</a:t>
+                </a:r>
+              </a:p>
+            </p:txBody>
+          </p:sp>
+          <p:cxnSp>
+            <p:nvCxnSpPr>
+              <p:cNvPr id="83" name="Straight Arrow Connector 82">
+                <a:extLst>
+                  <a:ext uri="{FF2B5EF4-FFF2-40B4-BE49-F238E27FC236}">
+                    <a16:creationId xmlns:a16="http://schemas.microsoft.com/office/drawing/2014/main" id="{609663EB-8075-4F3E-BB01-9AA8CDAC109A}"/>
+                  </a:ext>
+                </a:extLst>
+              </p:cNvPr>
+              <p:cNvCxnSpPr>
+                <a:cxnSpLocks/>
+                <a:stCxn id="82" idx="3"/>
+                <a:endCxn id="81" idx="1"/>
+              </p:cNvCxnSpPr>
+              <p:nvPr/>
+            </p:nvCxnSpPr>
+            <p:spPr>
+              <a:xfrm>
+                <a:off x="1859053" y="13214439"/>
+                <a:ext cx="919710" cy="1"/>
+              </a:xfrm>
+              <a:prstGeom prst="straightConnector1">
+                <a:avLst/>
+              </a:prstGeom>
+              <a:ln w="28575">
+                <a:tailEnd type="triangle"/>
+              </a:ln>
+            </p:spPr>
+            <p:style>
+              <a:lnRef idx="1">
+                <a:schemeClr val="dk1"/>
+              </a:lnRef>
+              <a:fillRef idx="0">
+                <a:schemeClr val="dk1"/>
+              </a:fillRef>
+              <a:effectRef idx="0">
+                <a:schemeClr val="dk1"/>
+              </a:effectRef>
+              <a:fontRef idx="minor">
+                <a:schemeClr val="tx1"/>
+              </a:fontRef>
+            </p:style>
+          </p:cxnSp>
+          <p:sp>
+            <p:nvSpPr>
+              <p:cNvPr id="88" name="Rectangle: Rounded Corners 87">
+                <a:extLst>
+                  <a:ext uri="{FF2B5EF4-FFF2-40B4-BE49-F238E27FC236}">
+                    <a16:creationId xmlns:a16="http://schemas.microsoft.com/office/drawing/2014/main" id="{9E639A73-EEC2-469D-80C4-CEFD8EB34B77}"/>
+                  </a:ext>
+                </a:extLst>
+              </p:cNvPr>
+              <p:cNvSpPr/>
+              <p:nvPr/>
+            </p:nvSpPr>
+            <p:spPr>
+              <a:xfrm>
+                <a:off x="3051272" y="10667486"/>
+                <a:ext cx="1626605" cy="480656"/>
+              </a:xfrm>
+              <a:prstGeom prst="roundRect">
+                <a:avLst/>
+              </a:prstGeom>
+              <a:solidFill>
+                <a:srgbClr val="F2843A"/>
+              </a:solidFill>
+              <a:ln>
+                <a:noFill/>
+              </a:ln>
+            </p:spPr>
+            <p:style>
+              <a:lnRef idx="2">
+                <a:schemeClr val="accent1">
+                  <a:shade val="50000"/>
+                </a:schemeClr>
+              </a:lnRef>
+              <a:fillRef idx="1">
+                <a:schemeClr val="accent1"/>
+              </a:fillRef>
+              <a:effectRef idx="0">
+                <a:schemeClr val="accent1"/>
+              </a:effectRef>
+              <a:fontRef idx="minor">
+                <a:schemeClr val="lt1"/>
+              </a:fontRef>
+            </p:style>
+            <p:txBody>
+              <a:bodyPr rtlCol="0" anchor="ctr"/>
+              <a:lstStyle/>
+              <a:p>
+                <a:pPr algn="ctr"/>
+                <a:r>
+                  <a:rPr lang="en-CA" sz="1200" dirty="0"/>
+                  <a:t>Update Training Mode</a:t>
+                </a:r>
+              </a:p>
+            </p:txBody>
+          </p:sp>
+          <p:sp>
+            <p:nvSpPr>
+              <p:cNvPr id="89" name="Rectangle: Rounded Corners 88">
+                <a:extLst>
+                  <a:ext uri="{FF2B5EF4-FFF2-40B4-BE49-F238E27FC236}">
+                    <a16:creationId xmlns:a16="http://schemas.microsoft.com/office/drawing/2014/main" id="{9CAEBFC2-72E4-47DA-A18A-227E97B2B1B4}"/>
+                  </a:ext>
+                </a:extLst>
+              </p:cNvPr>
+              <p:cNvSpPr/>
+              <p:nvPr/>
+            </p:nvSpPr>
+            <p:spPr>
+              <a:xfrm>
+                <a:off x="7282387" y="11665212"/>
+                <a:ext cx="1767257" cy="670193"/>
+              </a:xfrm>
+              <a:prstGeom prst="roundRect">
+                <a:avLst/>
+              </a:prstGeom>
+              <a:solidFill>
+                <a:srgbClr val="F2843A"/>
+              </a:solidFill>
+              <a:ln>
+                <a:noFill/>
+              </a:ln>
+            </p:spPr>
+            <p:style>
+              <a:lnRef idx="2">
+                <a:schemeClr val="accent1">
+                  <a:shade val="50000"/>
+                </a:schemeClr>
+              </a:lnRef>
+              <a:fillRef idx="1">
+                <a:schemeClr val="accent1"/>
+              </a:fillRef>
+              <a:effectRef idx="0">
+                <a:schemeClr val="accent1"/>
+              </a:effectRef>
+              <a:fontRef idx="minor">
+                <a:schemeClr val="lt1"/>
+              </a:fontRef>
+            </p:style>
+            <p:txBody>
+              <a:bodyPr rtlCol="0" anchor="ctr"/>
+              <a:lstStyle/>
+              <a:p>
+                <a:pPr algn="ctr"/>
+                <a:r>
+                  <a:rPr lang="en-CA" sz="1400" dirty="0"/>
+                  <a:t>DynamoDB – Manager Mode</a:t>
+                </a:r>
+              </a:p>
+            </p:txBody>
+          </p:sp>
+          <p:cxnSp>
+            <p:nvCxnSpPr>
+              <p:cNvPr id="90" name="Connector: Elbow 89">
+                <a:extLst>
+                  <a:ext uri="{FF2B5EF4-FFF2-40B4-BE49-F238E27FC236}">
+                    <a16:creationId xmlns:a16="http://schemas.microsoft.com/office/drawing/2014/main" id="{6858A53D-42C1-4FA8-B5D1-E59FDD74A1C2}"/>
+                  </a:ext>
+                </a:extLst>
+              </p:cNvPr>
+              <p:cNvCxnSpPr>
+                <a:cxnSpLocks/>
+                <a:stCxn id="88" idx="3"/>
+                <a:endCxn id="89" idx="1"/>
+              </p:cNvCxnSpPr>
+              <p:nvPr/>
+            </p:nvCxnSpPr>
+            <p:spPr>
+              <a:xfrm>
+                <a:off x="4677877" y="10907814"/>
+                <a:ext cx="2604510" cy="1092495"/>
+              </a:xfrm>
+              <a:prstGeom prst="bentConnector3">
+                <a:avLst>
+                  <a:gd name="adj1" fmla="val 50000"/>
+                </a:avLst>
+              </a:prstGeom>
+              <a:ln w="28575">
+                <a:solidFill>
+                  <a:srgbClr val="F2843A"/>
+                </a:solidFill>
+                <a:headEnd type="none" w="med" len="med"/>
+                <a:tailEnd type="triangle" w="med" len="med"/>
+              </a:ln>
+            </p:spPr>
+            <p:style>
+              <a:lnRef idx="1">
+                <a:schemeClr val="dk1"/>
+              </a:lnRef>
+              <a:fillRef idx="0">
+                <a:schemeClr val="dk1"/>
+              </a:fillRef>
+              <a:effectRef idx="0">
+                <a:schemeClr val="dk1"/>
+              </a:effectRef>
+              <a:fontRef idx="minor">
+                <a:schemeClr val="tx1"/>
+              </a:fontRef>
+            </p:style>
+          </p:cxnSp>
+          <p:cxnSp>
+            <p:nvCxnSpPr>
+              <p:cNvPr id="94" name="Straight Arrow Connector 93">
+                <a:extLst>
+                  <a:ext uri="{FF2B5EF4-FFF2-40B4-BE49-F238E27FC236}">
+                    <a16:creationId xmlns:a16="http://schemas.microsoft.com/office/drawing/2014/main" id="{6648CEA4-26C3-4E9B-8640-C85D267C762F}"/>
+                  </a:ext>
+                </a:extLst>
+              </p:cNvPr>
+              <p:cNvCxnSpPr>
+                <a:cxnSpLocks/>
+                <a:stCxn id="186" idx="2"/>
+                <a:endCxn id="76" idx="0"/>
+              </p:cNvCxnSpPr>
+              <p:nvPr/>
+            </p:nvCxnSpPr>
+            <p:spPr>
+              <a:xfrm>
+                <a:off x="7852515" y="10388973"/>
+                <a:ext cx="5170" cy="437067"/>
+              </a:xfrm>
+              <a:prstGeom prst="straightConnector1">
+                <a:avLst/>
+              </a:prstGeom>
+              <a:ln w="28575">
+                <a:solidFill>
+                  <a:srgbClr val="FF0066"/>
+                </a:solidFill>
+                <a:tailEnd type="triangle"/>
+              </a:ln>
+            </p:spPr>
+            <p:style>
+              <a:lnRef idx="1">
+                <a:schemeClr val="dk1"/>
+              </a:lnRef>
+              <a:fillRef idx="0">
+                <a:schemeClr val="dk1"/>
+              </a:fillRef>
+              <a:effectRef idx="0">
+                <a:schemeClr val="dk1"/>
+              </a:effectRef>
+              <a:fontRef idx="minor">
+                <a:schemeClr val="tx1"/>
+              </a:fontRef>
+            </p:style>
+          </p:cxnSp>
+          <p:sp>
+            <p:nvSpPr>
+              <p:cNvPr id="98" name="Rectangle: Rounded Corners 97">
+                <a:extLst>
+                  <a:ext uri="{FF2B5EF4-FFF2-40B4-BE49-F238E27FC236}">
+                    <a16:creationId xmlns:a16="http://schemas.microsoft.com/office/drawing/2014/main" id="{E90EE1DF-3B68-4B82-994D-56172888D635}"/>
+                  </a:ext>
+                </a:extLst>
+              </p:cNvPr>
+              <p:cNvSpPr/>
+              <p:nvPr/>
+            </p:nvSpPr>
+            <p:spPr>
+              <a:xfrm>
+                <a:off x="7067845" y="12985038"/>
+                <a:ext cx="2274750" cy="279471"/>
+              </a:xfrm>
+              <a:prstGeom prst="roundRect">
+                <a:avLst/>
+              </a:prstGeom>
+              <a:solidFill>
+                <a:srgbClr val="F2843A"/>
+              </a:solidFill>
+              <a:ln>
+                <a:noFill/>
+              </a:ln>
+            </p:spPr>
+            <p:style>
+              <a:lnRef idx="2">
+                <a:schemeClr val="accent1">
+                  <a:shade val="50000"/>
+                </a:schemeClr>
+              </a:lnRef>
+              <a:fillRef idx="1">
+                <a:schemeClr val="accent1"/>
+              </a:fillRef>
+              <a:effectRef idx="0">
+                <a:schemeClr val="accent1"/>
+              </a:effectRef>
+              <a:fontRef idx="minor">
+                <a:schemeClr val="lt1"/>
+              </a:fontRef>
+            </p:style>
+            <p:txBody>
+              <a:bodyPr rtlCol="0" anchor="ctr"/>
+              <a:lstStyle/>
+              <a:p>
+                <a:pPr algn="ctr"/>
+                <a:r>
+                  <a:rPr lang="en-CA" sz="1400" dirty="0"/>
+                  <a:t>DynamoDB – Image Store</a:t>
+                </a:r>
+              </a:p>
+            </p:txBody>
+          </p:sp>
+          <p:sp>
+            <p:nvSpPr>
+              <p:cNvPr id="101" name="Rectangle: Rounded Corners 100">
+                <a:extLst>
+                  <a:ext uri="{FF2B5EF4-FFF2-40B4-BE49-F238E27FC236}">
+                    <a16:creationId xmlns:a16="http://schemas.microsoft.com/office/drawing/2014/main" id="{244450A7-4BC9-44E7-81E5-D1CEBEE88BD7}"/>
+                  </a:ext>
+                </a:extLst>
+              </p:cNvPr>
+              <p:cNvSpPr/>
+              <p:nvPr/>
+            </p:nvSpPr>
+            <p:spPr>
+              <a:xfrm>
+                <a:off x="2935881" y="12794682"/>
+                <a:ext cx="1289592" cy="480656"/>
+              </a:xfrm>
+              <a:prstGeom prst="roundRect">
+                <a:avLst/>
+              </a:prstGeom>
+              <a:solidFill>
+                <a:srgbClr val="F2843A"/>
+              </a:solidFill>
+              <a:ln>
+                <a:noFill/>
+              </a:ln>
+            </p:spPr>
+            <p:style>
+              <a:lnRef idx="2">
+                <a:schemeClr val="accent1">
+                  <a:shade val="50000"/>
+                </a:schemeClr>
+              </a:lnRef>
+              <a:fillRef idx="1">
+                <a:schemeClr val="accent1"/>
+              </a:fillRef>
+              <a:effectRef idx="0">
+                <a:schemeClr val="accent1"/>
+              </a:effectRef>
+              <a:fontRef idx="minor">
+                <a:schemeClr val="lt1"/>
+              </a:fontRef>
+            </p:style>
+            <p:txBody>
+              <a:bodyPr rtlCol="0" anchor="ctr"/>
+              <a:lstStyle/>
+              <a:p>
+                <a:pPr algn="ctr"/>
+                <a:r>
+                  <a:rPr lang="en-CA" sz="1200" dirty="0"/>
+                  <a:t>Check Mode</a:t>
+                </a:r>
+              </a:p>
+            </p:txBody>
+          </p:sp>
+          <p:cxnSp>
+            <p:nvCxnSpPr>
+              <p:cNvPr id="102" name="Connector: Elbow 101">
+                <a:extLst>
+                  <a:ext uri="{FF2B5EF4-FFF2-40B4-BE49-F238E27FC236}">
+                    <a16:creationId xmlns:a16="http://schemas.microsoft.com/office/drawing/2014/main" id="{23D5BF27-94A0-4A51-B1A8-B555CF0DE248}"/>
+                  </a:ext>
+                </a:extLst>
+              </p:cNvPr>
+              <p:cNvCxnSpPr>
+                <a:cxnSpLocks/>
+                <a:stCxn id="101" idx="3"/>
+                <a:endCxn id="89" idx="1"/>
+              </p:cNvCxnSpPr>
+              <p:nvPr/>
+            </p:nvCxnSpPr>
+            <p:spPr>
+              <a:xfrm flipV="1">
+                <a:off x="4225473" y="12000309"/>
+                <a:ext cx="3056914" cy="1034701"/>
+              </a:xfrm>
+              <a:prstGeom prst="bentConnector3">
+                <a:avLst>
+                  <a:gd name="adj1" fmla="val 57478"/>
+                </a:avLst>
+              </a:prstGeom>
+              <a:ln w="28575">
+                <a:solidFill>
+                  <a:srgbClr val="F2843A"/>
+                </a:solidFill>
+                <a:headEnd type="none" w="med" len="med"/>
+                <a:tailEnd type="triangle" w="med" len="med"/>
+              </a:ln>
+            </p:spPr>
+            <p:style>
+              <a:lnRef idx="1">
+                <a:schemeClr val="dk1"/>
+              </a:lnRef>
+              <a:fillRef idx="0">
+                <a:schemeClr val="dk1"/>
+              </a:fillRef>
+              <a:effectRef idx="0">
+                <a:schemeClr val="dk1"/>
+              </a:effectRef>
+              <a:fontRef idx="minor">
+                <a:schemeClr val="tx1"/>
+              </a:fontRef>
+            </p:style>
+          </p:cxnSp>
+          <p:sp>
+            <p:nvSpPr>
+              <p:cNvPr id="109" name="Rectangle: Rounded Corners 108">
+                <a:extLst>
+                  <a:ext uri="{FF2B5EF4-FFF2-40B4-BE49-F238E27FC236}">
+                    <a16:creationId xmlns:a16="http://schemas.microsoft.com/office/drawing/2014/main" id="{DE4A9536-6769-42C8-9E36-AC248AAF62E2}"/>
+                  </a:ext>
+                </a:extLst>
+              </p:cNvPr>
+              <p:cNvSpPr/>
+              <p:nvPr/>
+            </p:nvSpPr>
+            <p:spPr>
+              <a:xfrm>
+                <a:off x="4299452" y="13322710"/>
+                <a:ext cx="1289592" cy="480656"/>
+              </a:xfrm>
+              <a:prstGeom prst="roundRect">
+                <a:avLst/>
+              </a:prstGeom>
+              <a:solidFill>
+                <a:srgbClr val="F2843A"/>
+              </a:solidFill>
+              <a:ln>
+                <a:noFill/>
+              </a:ln>
+            </p:spPr>
+            <p:style>
+              <a:lnRef idx="2">
+                <a:schemeClr val="accent1">
+                  <a:shade val="50000"/>
+                </a:schemeClr>
+              </a:lnRef>
+              <a:fillRef idx="1">
+                <a:schemeClr val="accent1"/>
+              </a:fillRef>
+              <a:effectRef idx="0">
+                <a:schemeClr val="accent1"/>
+              </a:effectRef>
+              <a:fontRef idx="minor">
+                <a:schemeClr val="lt1"/>
+              </a:fontRef>
+            </p:style>
+            <p:txBody>
+              <a:bodyPr rtlCol="0" anchor="ctr"/>
+              <a:lstStyle/>
+              <a:p>
+                <a:pPr algn="ctr"/>
+                <a:r>
+                  <a:rPr lang="en-CA" sz="1200" dirty="0"/>
+                  <a:t>Check Train Amount</a:t>
+                </a:r>
+              </a:p>
+            </p:txBody>
+          </p:sp>
+          <p:cxnSp>
+            <p:nvCxnSpPr>
+              <p:cNvPr id="111" name="Straight Arrow Connector 110">
+                <a:extLst>
+                  <a:ext uri="{FF2B5EF4-FFF2-40B4-BE49-F238E27FC236}">
+                    <a16:creationId xmlns:a16="http://schemas.microsoft.com/office/drawing/2014/main" id="{F835A3E7-0921-4DE4-984C-2978EE79EB00}"/>
+                  </a:ext>
+                </a:extLst>
+              </p:cNvPr>
+              <p:cNvCxnSpPr>
+                <a:cxnSpLocks/>
+                <a:stCxn id="101" idx="2"/>
+                <a:endCxn id="109" idx="1"/>
+              </p:cNvCxnSpPr>
+              <p:nvPr/>
+            </p:nvCxnSpPr>
+            <p:spPr>
+              <a:xfrm>
+                <a:off x="3580677" y="13275338"/>
+                <a:ext cx="718775" cy="287700"/>
+              </a:xfrm>
+              <a:prstGeom prst="straightConnector1">
+                <a:avLst/>
+              </a:prstGeom>
+              <a:ln w="28575">
+                <a:tailEnd type="triangle"/>
+              </a:ln>
+            </p:spPr>
+            <p:style>
+              <a:lnRef idx="1">
+                <a:schemeClr val="dk1"/>
+              </a:lnRef>
+              <a:fillRef idx="0">
+                <a:schemeClr val="dk1"/>
+              </a:fillRef>
+              <a:effectRef idx="0">
+                <a:schemeClr val="dk1"/>
+              </a:effectRef>
+              <a:fontRef idx="minor">
+                <a:schemeClr val="tx1"/>
+              </a:fontRef>
+            </p:style>
+          </p:cxnSp>
+          <p:cxnSp>
+            <p:nvCxnSpPr>
+              <p:cNvPr id="113" name="Connector: Elbow 112">
+                <a:extLst>
+                  <a:ext uri="{FF2B5EF4-FFF2-40B4-BE49-F238E27FC236}">
+                    <a16:creationId xmlns:a16="http://schemas.microsoft.com/office/drawing/2014/main" id="{77DC6680-34DE-469B-A249-BEB45FCF9F24}"/>
+                  </a:ext>
+                </a:extLst>
+              </p:cNvPr>
+              <p:cNvCxnSpPr>
+                <a:cxnSpLocks/>
+                <a:stCxn id="109" idx="0"/>
+                <a:endCxn id="98" idx="1"/>
+              </p:cNvCxnSpPr>
+              <p:nvPr/>
+            </p:nvCxnSpPr>
+            <p:spPr>
+              <a:xfrm rot="5400000" flipH="1" flipV="1">
+                <a:off x="5907078" y="12161944"/>
+                <a:ext cx="197936" cy="2123597"/>
+              </a:xfrm>
+              <a:prstGeom prst="bentConnector2">
+                <a:avLst/>
+              </a:prstGeom>
+              <a:ln w="28575">
+                <a:solidFill>
+                  <a:srgbClr val="F2843A"/>
+                </a:solidFill>
+                <a:headEnd type="none" w="med" len="med"/>
+                <a:tailEnd type="triangle" w="med" len="med"/>
+              </a:ln>
+            </p:spPr>
+            <p:style>
+              <a:lnRef idx="1">
+                <a:schemeClr val="dk1"/>
+              </a:lnRef>
+              <a:fillRef idx="0">
+                <a:schemeClr val="dk1"/>
+              </a:fillRef>
+              <a:effectRef idx="0">
+                <a:schemeClr val="dk1"/>
+              </a:effectRef>
+              <a:fontRef idx="minor">
+                <a:schemeClr val="tx1"/>
+              </a:fontRef>
+            </p:style>
+          </p:cxnSp>
+          <p:sp>
+            <p:nvSpPr>
+              <p:cNvPr id="119" name="Rectangle: Rounded Corners 118">
+                <a:extLst>
+                  <a:ext uri="{FF2B5EF4-FFF2-40B4-BE49-F238E27FC236}">
+                    <a16:creationId xmlns:a16="http://schemas.microsoft.com/office/drawing/2014/main" id="{081AC204-6F3B-4E6A-9F0B-74E46461CF76}"/>
+                  </a:ext>
+                </a:extLst>
+              </p:cNvPr>
+              <p:cNvSpPr/>
+              <p:nvPr/>
+            </p:nvSpPr>
+            <p:spPr>
+              <a:xfrm>
+                <a:off x="7067845" y="13383510"/>
+                <a:ext cx="1140256" cy="359055"/>
+              </a:xfrm>
+              <a:prstGeom prst="roundRect">
+                <a:avLst/>
+              </a:prstGeom>
+              <a:solidFill>
+                <a:schemeClr val="accent5">
+                  <a:lumMod val="75000"/>
+                </a:schemeClr>
+              </a:solidFill>
+              <a:ln>
+                <a:noFill/>
+              </a:ln>
+            </p:spPr>
+            <p:style>
+              <a:lnRef idx="2">
+                <a:schemeClr val="accent1">
+                  <a:shade val="50000"/>
+                </a:schemeClr>
+              </a:lnRef>
+              <a:fillRef idx="1">
+                <a:schemeClr val="accent1"/>
+              </a:fillRef>
+              <a:effectRef idx="0">
+                <a:schemeClr val="accent1"/>
+              </a:effectRef>
+              <a:fontRef idx="minor">
+                <a:schemeClr val="lt1"/>
+              </a:fontRef>
+            </p:style>
+            <p:txBody>
+              <a:bodyPr rtlCol="0" anchor="ctr"/>
+              <a:lstStyle/>
+              <a:p>
+                <a:pPr algn="ctr"/>
+                <a:r>
+                  <a:rPr lang="en-CA" sz="1400" dirty="0"/>
+                  <a:t>EC2 - Train </a:t>
+                </a:r>
+              </a:p>
+            </p:txBody>
+          </p:sp>
+          <p:cxnSp>
+            <p:nvCxnSpPr>
+              <p:cNvPr id="120" name="Straight Arrow Connector 119">
+                <a:extLst>
+                  <a:ext uri="{FF2B5EF4-FFF2-40B4-BE49-F238E27FC236}">
+                    <a16:creationId xmlns:a16="http://schemas.microsoft.com/office/drawing/2014/main" id="{F09D63E6-61AB-447F-A330-A7536BDBA390}"/>
+                  </a:ext>
+                </a:extLst>
+              </p:cNvPr>
+              <p:cNvCxnSpPr>
+                <a:cxnSpLocks/>
+                <a:stCxn id="109" idx="3"/>
+                <a:endCxn id="119" idx="1"/>
+              </p:cNvCxnSpPr>
+              <p:nvPr/>
+            </p:nvCxnSpPr>
+            <p:spPr>
+              <a:xfrm>
+                <a:off x="5589044" y="13563038"/>
+                <a:ext cx="1478801" cy="0"/>
+              </a:xfrm>
+              <a:prstGeom prst="straightConnector1">
+                <a:avLst/>
+              </a:prstGeom>
+              <a:ln w="28575">
+                <a:solidFill>
+                  <a:srgbClr val="2E75B6"/>
+                </a:solidFill>
+                <a:headEnd type="none" w="med" len="med"/>
+                <a:tailEnd type="triangle" w="med" len="med"/>
+              </a:ln>
+            </p:spPr>
+            <p:style>
+              <a:lnRef idx="1">
+                <a:schemeClr val="dk1"/>
+              </a:lnRef>
+              <a:fillRef idx="0">
+                <a:schemeClr val="dk1"/>
+              </a:fillRef>
+              <a:effectRef idx="0">
+                <a:schemeClr val="dk1"/>
+              </a:effectRef>
+              <a:fontRef idx="minor">
+                <a:schemeClr val="tx1"/>
+              </a:fontRef>
+            </p:style>
+          </p:cxnSp>
+          <p:sp>
+            <p:nvSpPr>
+              <p:cNvPr id="129" name="Rectangle: Rounded Corners 128">
+                <a:extLst>
+                  <a:ext uri="{FF2B5EF4-FFF2-40B4-BE49-F238E27FC236}">
+                    <a16:creationId xmlns:a16="http://schemas.microsoft.com/office/drawing/2014/main" id="{7645B78F-530C-4CF3-997A-04101A3FD252}"/>
+                  </a:ext>
+                </a:extLst>
+              </p:cNvPr>
+              <p:cNvSpPr/>
+              <p:nvPr/>
+            </p:nvSpPr>
+            <p:spPr>
+              <a:xfrm>
+                <a:off x="6888531" y="13982892"/>
+                <a:ext cx="1503016" cy="359055"/>
+              </a:xfrm>
+              <a:prstGeom prst="roundRect">
+                <a:avLst/>
+              </a:prstGeom>
+              <a:solidFill>
+                <a:srgbClr val="FF0066"/>
+              </a:solidFill>
+              <a:ln w="19050">
+                <a:solidFill>
+                  <a:srgbClr val="FF0066"/>
+                </a:solidFill>
+              </a:ln>
+            </p:spPr>
+            <p:style>
+              <a:lnRef idx="2">
+                <a:schemeClr val="accent1">
+                  <a:shade val="50000"/>
+                </a:schemeClr>
+              </a:lnRef>
+              <a:fillRef idx="1">
+                <a:schemeClr val="accent1"/>
+              </a:fillRef>
+              <a:effectRef idx="0">
+                <a:schemeClr val="accent1"/>
+              </a:effectRef>
+              <a:fontRef idx="minor">
+                <a:schemeClr val="lt1"/>
+              </a:fontRef>
+            </p:style>
+            <p:txBody>
+              <a:bodyPr rtlCol="0" anchor="ctr"/>
+              <a:lstStyle/>
+              <a:p>
+                <a:pPr algn="ctr"/>
+                <a:r>
+                  <a:rPr lang="en-CA" sz="1600" dirty="0"/>
+                  <a:t>CloudWatch</a:t>
+                </a:r>
+              </a:p>
+            </p:txBody>
+          </p:sp>
+          <p:cxnSp>
+            <p:nvCxnSpPr>
+              <p:cNvPr id="131" name="Straight Arrow Connector 130">
+                <a:extLst>
+                  <a:ext uri="{FF2B5EF4-FFF2-40B4-BE49-F238E27FC236}">
+                    <a16:creationId xmlns:a16="http://schemas.microsoft.com/office/drawing/2014/main" id="{EBDE9C97-0FBD-41C0-B0C6-6A2F3D27CCC7}"/>
+                  </a:ext>
+                </a:extLst>
+              </p:cNvPr>
+              <p:cNvCxnSpPr>
+                <a:cxnSpLocks/>
+                <a:stCxn id="119" idx="2"/>
+                <a:endCxn id="129" idx="0"/>
+              </p:cNvCxnSpPr>
+              <p:nvPr/>
+            </p:nvCxnSpPr>
+            <p:spPr>
+              <a:xfrm>
+                <a:off x="7637973" y="13742565"/>
+                <a:ext cx="2066" cy="240327"/>
+              </a:xfrm>
+              <a:prstGeom prst="straightConnector1">
+                <a:avLst/>
+              </a:prstGeom>
+              <a:ln w="28575">
+                <a:solidFill>
+                  <a:srgbClr val="FF0066"/>
+                </a:solidFill>
+                <a:tailEnd type="triangle"/>
+              </a:ln>
+            </p:spPr>
+            <p:style>
+              <a:lnRef idx="1">
+                <a:schemeClr val="dk1"/>
+              </a:lnRef>
+              <a:fillRef idx="0">
+                <a:schemeClr val="dk1"/>
+              </a:fillRef>
+              <a:effectRef idx="0">
+                <a:schemeClr val="dk1"/>
+              </a:effectRef>
+              <a:fontRef idx="minor">
+                <a:schemeClr val="tx1"/>
+              </a:fontRef>
+            </p:style>
+          </p:cxnSp>
+          <p:cxnSp>
+            <p:nvCxnSpPr>
+              <p:cNvPr id="138" name="Connector: Elbow 137">
+                <a:extLst>
+                  <a:ext uri="{FF2B5EF4-FFF2-40B4-BE49-F238E27FC236}">
+                    <a16:creationId xmlns:a16="http://schemas.microsoft.com/office/drawing/2014/main" id="{5F6ACF85-328E-40DA-80DC-652EC0AAFFE5}"/>
+                  </a:ext>
+                </a:extLst>
+              </p:cNvPr>
+              <p:cNvCxnSpPr>
+                <a:cxnSpLocks/>
+                <a:stCxn id="109" idx="2"/>
+                <a:endCxn id="129" idx="1"/>
+              </p:cNvCxnSpPr>
+              <p:nvPr/>
+            </p:nvCxnSpPr>
+            <p:spPr>
+              <a:xfrm rot="16200000" flipH="1">
+                <a:off x="5736862" y="13010751"/>
+                <a:ext cx="359054" cy="1944283"/>
+              </a:xfrm>
+              <a:prstGeom prst="bentConnector2">
+                <a:avLst/>
+              </a:prstGeom>
+              <a:ln w="28575">
+                <a:solidFill>
+                  <a:srgbClr val="FF0066"/>
+                </a:solidFill>
+                <a:headEnd type="none" w="med" len="med"/>
+                <a:tailEnd type="triangle" w="med" len="med"/>
+              </a:ln>
+            </p:spPr>
+            <p:style>
+              <a:lnRef idx="1">
+                <a:schemeClr val="dk1"/>
+              </a:lnRef>
+              <a:fillRef idx="0">
+                <a:schemeClr val="dk1"/>
+              </a:fillRef>
+              <a:effectRef idx="0">
+                <a:schemeClr val="dk1"/>
+              </a:effectRef>
+              <a:fontRef idx="minor">
+                <a:schemeClr val="tx1"/>
+              </a:fontRef>
+            </p:style>
+          </p:cxnSp>
+          <p:cxnSp>
+            <p:nvCxnSpPr>
+              <p:cNvPr id="146" name="Connector: Elbow 145">
+                <a:extLst>
+                  <a:ext uri="{FF2B5EF4-FFF2-40B4-BE49-F238E27FC236}">
+                    <a16:creationId xmlns:a16="http://schemas.microsoft.com/office/drawing/2014/main" id="{40F21A84-4201-4ACA-90E8-FC29454E9D92}"/>
+                  </a:ext>
+                </a:extLst>
+              </p:cNvPr>
+              <p:cNvCxnSpPr>
+                <a:cxnSpLocks/>
+                <a:stCxn id="119" idx="3"/>
+                <a:endCxn id="208" idx="2"/>
+              </p:cNvCxnSpPr>
+              <p:nvPr/>
+            </p:nvCxnSpPr>
+            <p:spPr>
+              <a:xfrm flipV="1">
+                <a:off x="8208101" y="12139742"/>
+                <a:ext cx="3357648" cy="1423296"/>
+              </a:xfrm>
+              <a:prstGeom prst="bentConnector2">
+                <a:avLst/>
+              </a:prstGeom>
+              <a:ln w="28575">
+                <a:solidFill>
+                  <a:srgbClr val="C00000"/>
+                </a:solidFill>
+                <a:headEnd type="triangle" w="med" len="med"/>
+                <a:tailEnd type="triangle" w="med" len="med"/>
+              </a:ln>
+            </p:spPr>
+            <p:style>
+              <a:lnRef idx="1">
+                <a:schemeClr val="dk1"/>
+              </a:lnRef>
+              <a:fillRef idx="0">
+                <a:schemeClr val="dk1"/>
+              </a:fillRef>
+              <a:effectRef idx="0">
+                <a:schemeClr val="dk1"/>
+              </a:effectRef>
+              <a:fontRef idx="minor">
+                <a:schemeClr val="tx1"/>
+              </a:fontRef>
+            </p:style>
+          </p:cxnSp>
+          <p:sp>
+            <p:nvSpPr>
+              <p:cNvPr id="149" name="Rectangle: Rounded Corners 148">
+                <a:extLst>
+                  <a:ext uri="{FF2B5EF4-FFF2-40B4-BE49-F238E27FC236}">
+                    <a16:creationId xmlns:a16="http://schemas.microsoft.com/office/drawing/2014/main" id="{4D45E519-F0B7-4B02-8878-741321B6EE04}"/>
+                  </a:ext>
+                </a:extLst>
+              </p:cNvPr>
+              <p:cNvSpPr/>
+              <p:nvPr/>
+            </p:nvSpPr>
+            <p:spPr>
+              <a:xfrm>
+                <a:off x="9678919" y="12495153"/>
+                <a:ext cx="1140256" cy="849721"/>
+              </a:xfrm>
+              <a:prstGeom prst="roundRect">
+                <a:avLst/>
+              </a:prstGeom>
+              <a:solidFill>
+                <a:srgbClr val="C00000"/>
+              </a:solidFill>
+              <a:ln>
+                <a:noFill/>
+              </a:ln>
+            </p:spPr>
+            <p:style>
+              <a:lnRef idx="2">
+                <a:schemeClr val="accent1">
+                  <a:shade val="50000"/>
+                </a:schemeClr>
+              </a:lnRef>
+              <a:fillRef idx="1">
+                <a:schemeClr val="accent1"/>
+              </a:fillRef>
+              <a:effectRef idx="0">
+                <a:schemeClr val="accent1"/>
+              </a:effectRef>
+              <a:fontRef idx="minor">
+                <a:schemeClr val="lt1"/>
+              </a:fontRef>
+            </p:style>
+            <p:txBody>
+              <a:bodyPr rtlCol="0" anchor="ctr"/>
+              <a:lstStyle/>
+              <a:p>
+                <a:pPr algn="ctr"/>
+                <a:r>
+                  <a:rPr lang="en-CA" sz="1600" dirty="0"/>
+                  <a:t>S3 - Image</a:t>
+                </a:r>
+              </a:p>
+            </p:txBody>
+          </p:sp>
+          <p:cxnSp>
+            <p:nvCxnSpPr>
+              <p:cNvPr id="155" name="Connector: Elbow 154">
+                <a:extLst>
+                  <a:ext uri="{FF2B5EF4-FFF2-40B4-BE49-F238E27FC236}">
+                    <a16:creationId xmlns:a16="http://schemas.microsoft.com/office/drawing/2014/main" id="{B2CEE11A-7A35-4AA6-B258-84579E8B6380}"/>
+                  </a:ext>
+                </a:extLst>
+              </p:cNvPr>
+              <p:cNvCxnSpPr>
+                <a:cxnSpLocks/>
+                <a:stCxn id="119" idx="3"/>
+                <a:endCxn id="149" idx="2"/>
+              </p:cNvCxnSpPr>
+              <p:nvPr/>
+            </p:nvCxnSpPr>
+            <p:spPr>
+              <a:xfrm flipV="1">
+                <a:off x="8208101" y="13344874"/>
+                <a:ext cx="2040946" cy="218164"/>
+              </a:xfrm>
+              <a:prstGeom prst="bentConnector2">
+                <a:avLst/>
+              </a:prstGeom>
+              <a:ln w="28575">
+                <a:solidFill>
+                  <a:srgbClr val="C00000"/>
+                </a:solidFill>
+                <a:headEnd type="triangle" w="med" len="med"/>
+                <a:tailEnd type="triangle" w="med" len="med"/>
+              </a:ln>
+            </p:spPr>
+            <p:style>
+              <a:lnRef idx="1">
+                <a:schemeClr val="dk1"/>
+              </a:lnRef>
+              <a:fillRef idx="0">
+                <a:schemeClr val="dk1"/>
+              </a:fillRef>
+              <a:effectRef idx="0">
+                <a:schemeClr val="dk1"/>
+              </a:effectRef>
+              <a:fontRef idx="minor">
+                <a:schemeClr val="tx1"/>
+              </a:fontRef>
+            </p:style>
+          </p:cxnSp>
+        </p:grpSp>
         <p:sp>
           <p:nvSpPr>
-            <p:cNvPr id="4" name="Rectangle: Rounded Corners 3">
+            <p:cNvPr id="158" name="Rectangle: Rounded Corners 157">
               <a:extLst>
                 <a:ext uri="{FF2B5EF4-FFF2-40B4-BE49-F238E27FC236}">
-                  <a16:creationId xmlns:a16="http://schemas.microsoft.com/office/drawing/2014/main" id="{13E04963-F0CC-4E95-8AC8-77403F037350}"/>
+                  <a16:creationId xmlns:a16="http://schemas.microsoft.com/office/drawing/2014/main" id="{2935B508-E715-4F4A-AAC0-A5CCBD922897}"/>
                 </a:ext>
               </a:extLst>
             </p:cNvPr>
@@ -7864,379 +11940,7 @@
           </p:nvSpPr>
           <p:spPr>
             <a:xfrm>
-              <a:off x="3269539" y="487751"/>
-              <a:ext cx="4054415" cy="4700463"/>
-            </a:xfrm>
-            <a:prstGeom prst="roundRect">
-              <a:avLst>
-                <a:gd name="adj" fmla="val 9646"/>
-              </a:avLst>
-            </a:prstGeom>
-            <a:noFill/>
-            <a:ln w="38100">
-              <a:solidFill>
-                <a:srgbClr val="8A2E5E"/>
-              </a:solidFill>
-              <a:prstDash val="lgDash"/>
-            </a:ln>
-          </p:spPr>
-          <p:style>
-            <a:lnRef idx="2">
-              <a:schemeClr val="accent1">
-                <a:shade val="50000"/>
-              </a:schemeClr>
-            </a:lnRef>
-            <a:fillRef idx="1">
-              <a:schemeClr val="accent1"/>
-            </a:fillRef>
-            <a:effectRef idx="0">
-              <a:schemeClr val="accent1"/>
-            </a:effectRef>
-            <a:fontRef idx="minor">
-              <a:schemeClr val="lt1"/>
-            </a:fontRef>
-          </p:style>
-          <p:txBody>
-            <a:bodyPr rtlCol="0" anchor="t"/>
-            <a:lstStyle/>
-            <a:p>
-              <a:r>
-                <a:rPr lang="en-CA" sz="1600" b="1" dirty="0">
-                  <a:solidFill>
-                    <a:srgbClr val="8A2E5E"/>
-                  </a:solidFill>
-                </a:rPr>
-                <a:t>Lambda - User Application</a:t>
-              </a:r>
-            </a:p>
-          </p:txBody>
-        </p:sp>
-        <p:sp>
-          <p:nvSpPr>
-            <p:cNvPr id="5" name="Rectangle: Rounded Corners 4">
-              <a:extLst>
-                <a:ext uri="{FF2B5EF4-FFF2-40B4-BE49-F238E27FC236}">
-                  <a16:creationId xmlns:a16="http://schemas.microsoft.com/office/drawing/2014/main" id="{450DD667-4509-4EE6-BE5D-D02B51FD740E}"/>
-                </a:ext>
-              </a:extLst>
-            </p:cNvPr>
-            <p:cNvSpPr/>
-            <p:nvPr/>
-          </p:nvSpPr>
-          <p:spPr>
-            <a:xfrm>
-              <a:off x="3418876" y="2736155"/>
-              <a:ext cx="1140256" cy="480656"/>
-            </a:xfrm>
-            <a:prstGeom prst="roundRect">
-              <a:avLst/>
-            </a:prstGeom>
-            <a:solidFill>
-              <a:srgbClr val="F2843A"/>
-            </a:solidFill>
-            <a:ln>
-              <a:noFill/>
-            </a:ln>
-          </p:spPr>
-          <p:style>
-            <a:lnRef idx="2">
-              <a:schemeClr val="accent1">
-                <a:shade val="50000"/>
-              </a:schemeClr>
-            </a:lnRef>
-            <a:fillRef idx="1">
-              <a:schemeClr val="accent1"/>
-            </a:fillRef>
-            <a:effectRef idx="0">
-              <a:schemeClr val="accent1"/>
-            </a:effectRef>
-            <a:fontRef idx="minor">
-              <a:schemeClr val="lt1"/>
-            </a:fontRef>
-          </p:style>
-          <p:txBody>
-            <a:bodyPr rtlCol="0" anchor="ctr"/>
-            <a:lstStyle/>
-            <a:p>
-              <a:pPr algn="ctr"/>
-              <a:r>
-                <a:rPr lang="en-CA" sz="1200" dirty="0"/>
-                <a:t>Search Images</a:t>
-              </a:r>
-            </a:p>
-          </p:txBody>
-        </p:sp>
-        <p:sp>
-          <p:nvSpPr>
-            <p:cNvPr id="7" name="Rectangle: Rounded Corners 6">
-              <a:extLst>
-                <a:ext uri="{FF2B5EF4-FFF2-40B4-BE49-F238E27FC236}">
-                  <a16:creationId xmlns:a16="http://schemas.microsoft.com/office/drawing/2014/main" id="{385BBB93-287A-4611-A145-536B2BA93EAB}"/>
-                </a:ext>
-              </a:extLst>
-            </p:cNvPr>
-            <p:cNvSpPr/>
-            <p:nvPr/>
-          </p:nvSpPr>
-          <p:spPr>
-            <a:xfrm>
-              <a:off x="3418877" y="980584"/>
-              <a:ext cx="1251913" cy="458040"/>
-            </a:xfrm>
-            <a:prstGeom prst="roundRect">
-              <a:avLst/>
-            </a:prstGeom>
-            <a:solidFill>
-              <a:srgbClr val="C00000"/>
-            </a:solidFill>
-            <a:ln>
-              <a:noFill/>
-            </a:ln>
-          </p:spPr>
-          <p:style>
-            <a:lnRef idx="2">
-              <a:schemeClr val="accent1">
-                <a:shade val="50000"/>
-              </a:schemeClr>
-            </a:lnRef>
-            <a:fillRef idx="1">
-              <a:schemeClr val="accent1"/>
-            </a:fillRef>
-            <a:effectRef idx="0">
-              <a:schemeClr val="accent1"/>
-            </a:effectRef>
-            <a:fontRef idx="minor">
-              <a:schemeClr val="lt1"/>
-            </a:fontRef>
-          </p:style>
-          <p:txBody>
-            <a:bodyPr rtlCol="0" anchor="ctr"/>
-            <a:lstStyle/>
-            <a:p>
-              <a:pPr algn="ctr"/>
-              <a:r>
-                <a:rPr lang="en-CA" sz="1200" dirty="0"/>
-                <a:t>Upload Image</a:t>
-              </a:r>
-            </a:p>
-          </p:txBody>
-        </p:sp>
-        <p:sp>
-          <p:nvSpPr>
-            <p:cNvPr id="8" name="Rectangle: Rounded Corners 7">
-              <a:extLst>
-                <a:ext uri="{FF2B5EF4-FFF2-40B4-BE49-F238E27FC236}">
-                  <a16:creationId xmlns:a16="http://schemas.microsoft.com/office/drawing/2014/main" id="{F87D4A1B-0BB1-404A-875A-63DF7E4594E2}"/>
-                </a:ext>
-              </a:extLst>
-            </p:cNvPr>
-            <p:cNvSpPr/>
-            <p:nvPr/>
-          </p:nvSpPr>
-          <p:spPr>
-            <a:xfrm>
-              <a:off x="4670790" y="1516262"/>
-              <a:ext cx="1251913" cy="458040"/>
-            </a:xfrm>
-            <a:prstGeom prst="roundRect">
-              <a:avLst/>
-            </a:prstGeom>
-            <a:solidFill>
-              <a:schemeClr val="accent5">
-                <a:lumMod val="75000"/>
-              </a:schemeClr>
-            </a:solidFill>
-            <a:ln>
-              <a:noFill/>
-            </a:ln>
-          </p:spPr>
-          <p:style>
-            <a:lnRef idx="2">
-              <a:schemeClr val="accent1">
-                <a:shade val="50000"/>
-              </a:schemeClr>
-            </a:lnRef>
-            <a:fillRef idx="1">
-              <a:schemeClr val="accent1"/>
-            </a:fillRef>
-            <a:effectRef idx="0">
-              <a:schemeClr val="accent1"/>
-            </a:effectRef>
-            <a:fontRef idx="minor">
-              <a:schemeClr val="lt1"/>
-            </a:fontRef>
-          </p:style>
-          <p:txBody>
-            <a:bodyPr rtlCol="0" anchor="ctr"/>
-            <a:lstStyle/>
-            <a:p>
-              <a:pPr algn="ctr"/>
-              <a:r>
-                <a:rPr lang="en-CA" sz="1200" dirty="0"/>
-                <a:t>Do Matching</a:t>
-              </a:r>
-            </a:p>
-          </p:txBody>
-        </p:sp>
-        <p:sp>
-          <p:nvSpPr>
-            <p:cNvPr id="10" name="Rectangle: Rounded Corners 9">
-              <a:extLst>
-                <a:ext uri="{FF2B5EF4-FFF2-40B4-BE49-F238E27FC236}">
-                  <a16:creationId xmlns:a16="http://schemas.microsoft.com/office/drawing/2014/main" id="{83B4B808-831B-494C-ADC0-8ED45BF8CE5A}"/>
-                </a:ext>
-              </a:extLst>
-            </p:cNvPr>
-            <p:cNvSpPr/>
-            <p:nvPr/>
-          </p:nvSpPr>
-          <p:spPr>
-            <a:xfrm>
-              <a:off x="5922702" y="2087879"/>
-              <a:ext cx="1251912" cy="458040"/>
-            </a:xfrm>
-            <a:prstGeom prst="roundRect">
-              <a:avLst/>
-            </a:prstGeom>
-            <a:solidFill>
-              <a:srgbClr val="F2843A"/>
-            </a:solidFill>
-            <a:ln>
-              <a:noFill/>
-            </a:ln>
-          </p:spPr>
-          <p:style>
-            <a:lnRef idx="2">
-              <a:schemeClr val="accent1">
-                <a:shade val="50000"/>
-              </a:schemeClr>
-            </a:lnRef>
-            <a:fillRef idx="1">
-              <a:schemeClr val="accent1"/>
-            </a:fillRef>
-            <a:effectRef idx="0">
-              <a:schemeClr val="accent1"/>
-            </a:effectRef>
-            <a:fontRef idx="minor">
-              <a:schemeClr val="lt1"/>
-            </a:fontRef>
-          </p:style>
-          <p:txBody>
-            <a:bodyPr rtlCol="0" anchor="ctr"/>
-            <a:lstStyle/>
-            <a:p>
-              <a:pPr algn="ctr"/>
-              <a:r>
-                <a:rPr lang="en-CA" sz="1200" dirty="0"/>
-                <a:t>Store &amp; Return Results</a:t>
-              </a:r>
-            </a:p>
-          </p:txBody>
-        </p:sp>
-        <p:cxnSp>
-          <p:nvCxnSpPr>
-            <p:cNvPr id="11" name="Straight Arrow Connector 10">
-              <a:extLst>
-                <a:ext uri="{FF2B5EF4-FFF2-40B4-BE49-F238E27FC236}">
-                  <a16:creationId xmlns:a16="http://schemas.microsoft.com/office/drawing/2014/main" id="{D91F7BF1-9770-4614-9B33-9E67137E2550}"/>
-                </a:ext>
-              </a:extLst>
-            </p:cNvPr>
-            <p:cNvCxnSpPr>
-              <a:cxnSpLocks/>
-              <a:stCxn id="7" idx="2"/>
-              <a:endCxn id="8" idx="1"/>
-            </p:cNvCxnSpPr>
-            <p:nvPr/>
-          </p:nvCxnSpPr>
-          <p:spPr>
-            <a:xfrm>
-              <a:off x="4044833" y="1438624"/>
-              <a:ext cx="625956" cy="306658"/>
-            </a:xfrm>
-            <a:prstGeom prst="straightConnector1">
-              <a:avLst/>
-            </a:prstGeom>
-            <a:ln w="28575">
-              <a:tailEnd type="triangle"/>
-            </a:ln>
-          </p:spPr>
-          <p:style>
-            <a:lnRef idx="1">
-              <a:schemeClr val="dk1"/>
-            </a:lnRef>
-            <a:fillRef idx="0">
-              <a:schemeClr val="dk1"/>
-            </a:fillRef>
-            <a:effectRef idx="0">
-              <a:schemeClr val="dk1"/>
-            </a:effectRef>
-            <a:fontRef idx="minor">
-              <a:schemeClr val="tx1"/>
-            </a:fontRef>
-          </p:style>
-        </p:cxnSp>
-        <p:cxnSp>
-          <p:nvCxnSpPr>
-            <p:cNvPr id="19" name="Straight Arrow Connector 18">
-              <a:extLst>
-                <a:ext uri="{FF2B5EF4-FFF2-40B4-BE49-F238E27FC236}">
-                  <a16:creationId xmlns:a16="http://schemas.microsoft.com/office/drawing/2014/main" id="{490045FD-1DE1-4A1F-A571-C31EBA53D39A}"/>
-                </a:ext>
-              </a:extLst>
-            </p:cNvPr>
-            <p:cNvCxnSpPr>
-              <a:cxnSpLocks/>
-              <a:stCxn id="8" idx="2"/>
-              <a:endCxn id="10" idx="1"/>
-            </p:cNvCxnSpPr>
-            <p:nvPr/>
-          </p:nvCxnSpPr>
-          <p:spPr>
-            <a:xfrm>
-              <a:off x="5296746" y="1974303"/>
-              <a:ext cx="625956" cy="342597"/>
-            </a:xfrm>
-            <a:prstGeom prst="straightConnector1">
-              <a:avLst/>
-            </a:prstGeom>
-            <a:ln w="28575">
-              <a:solidFill>
-                <a:schemeClr val="tx1"/>
-              </a:solidFill>
-              <a:tailEnd type="triangle"/>
-            </a:ln>
-          </p:spPr>
-          <p:style>
-            <a:lnRef idx="1">
-              <a:schemeClr val="dk1"/>
-            </a:lnRef>
-            <a:fillRef idx="0">
-              <a:schemeClr val="dk1"/>
-            </a:fillRef>
-            <a:effectRef idx="0">
-              <a:schemeClr val="dk1"/>
-            </a:effectRef>
-            <a:fontRef idx="minor">
-              <a:schemeClr val="tx1"/>
-            </a:fontRef>
-          </p:style>
-        </p:cxnSp>
-        <p:sp>
-          <p:nvSpPr>
-            <p:cNvPr id="26" name="Rectangle: Rounded Corners 25">
-              <a:extLst>
-                <a:ext uri="{FF2B5EF4-FFF2-40B4-BE49-F238E27FC236}">
-                  <a16:creationId xmlns:a16="http://schemas.microsoft.com/office/drawing/2014/main" id="{76B7518F-4F17-41DE-92BB-83D2ACB01476}"/>
-                </a:ext>
-              </a:extLst>
-            </p:cNvPr>
-            <p:cNvSpPr/>
-            <p:nvPr/>
-          </p:nvSpPr>
-          <p:spPr>
-            <a:xfrm>
-              <a:off x="9332798" y="776625"/>
+              <a:off x="1244338" y="426165"/>
               <a:ext cx="1140256" cy="849721"/>
             </a:xfrm>
             <a:prstGeom prst="roundRect">
@@ -8272,31 +11976,30 @@
               <a:pPr algn="ctr"/>
               <a:r>
                 <a:rPr lang="en-CA" sz="1600" dirty="0"/>
-                <a:t>S3 - Image</a:t>
+                <a:t>S3 - Static</a:t>
               </a:r>
             </a:p>
           </p:txBody>
         </p:sp>
         <p:cxnSp>
           <p:nvCxnSpPr>
-            <p:cNvPr id="29" name="Straight Arrow Connector 28">
+            <p:cNvPr id="159" name="Straight Arrow Connector 158">
               <a:extLst>
                 <a:ext uri="{FF2B5EF4-FFF2-40B4-BE49-F238E27FC236}">
-                  <a16:creationId xmlns:a16="http://schemas.microsoft.com/office/drawing/2014/main" id="{E5CAEED9-CBA3-4541-9F79-41581EC778CD}"/>
+                  <a16:creationId xmlns:a16="http://schemas.microsoft.com/office/drawing/2014/main" id="{EC67971B-582A-4D84-8E07-432EA1383029}"/>
                 </a:ext>
               </a:extLst>
             </p:cNvPr>
             <p:cNvCxnSpPr>
               <a:cxnSpLocks/>
-              <a:stCxn id="7" idx="3"/>
-              <a:endCxn id="26" idx="1"/>
+              <a:stCxn id="158" idx="3"/>
             </p:cNvCxnSpPr>
             <p:nvPr/>
           </p:nvCxnSpPr>
           <p:spPr>
-            <a:xfrm flipV="1">
-              <a:off x="4670790" y="1201486"/>
-              <a:ext cx="4662008" cy="8118"/>
+            <a:xfrm>
+              <a:off x="2384594" y="851026"/>
+              <a:ext cx="551286" cy="0"/>
             </a:xfrm>
             <a:prstGeom prst="straightConnector1">
               <a:avLst/>
@@ -8325,10 +12028,10 @@
         </p:cxnSp>
         <p:sp>
           <p:nvSpPr>
-            <p:cNvPr id="32" name="Rectangle: Rounded Corners 31">
+            <p:cNvPr id="163" name="Rectangle: Rounded Corners 162">
               <a:extLst>
                 <a:ext uri="{FF2B5EF4-FFF2-40B4-BE49-F238E27FC236}">
-                  <a16:creationId xmlns:a16="http://schemas.microsoft.com/office/drawing/2014/main" id="{6FF4540B-5331-4D42-B8DA-39985DD88D76}"/>
+                  <a16:creationId xmlns:a16="http://schemas.microsoft.com/office/drawing/2014/main" id="{56F053BE-2306-4110-A52C-E743AF61C9AB}"/>
                 </a:ext>
               </a:extLst>
             </p:cNvPr>
@@ -8337,959 +12040,7 @@
           </p:nvSpPr>
           <p:spPr>
             <a:xfrm>
-              <a:off x="7468541" y="1565755"/>
-              <a:ext cx="1140256" cy="359055"/>
-            </a:xfrm>
-            <a:prstGeom prst="roundRect">
-              <a:avLst/>
-            </a:prstGeom>
-            <a:solidFill>
-              <a:schemeClr val="accent5">
-                <a:lumMod val="75000"/>
-              </a:schemeClr>
-            </a:solidFill>
-            <a:ln>
-              <a:noFill/>
-            </a:ln>
-          </p:spPr>
-          <p:style>
-            <a:lnRef idx="2">
-              <a:schemeClr val="accent1">
-                <a:shade val="50000"/>
-              </a:schemeClr>
-            </a:lnRef>
-            <a:fillRef idx="1">
-              <a:schemeClr val="accent1"/>
-            </a:fillRef>
-            <a:effectRef idx="0">
-              <a:schemeClr val="accent1"/>
-            </a:effectRef>
-            <a:fontRef idx="minor">
-              <a:schemeClr val="lt1"/>
-            </a:fontRef>
-          </p:style>
-          <p:txBody>
-            <a:bodyPr rtlCol="0" anchor="ctr"/>
-            <a:lstStyle/>
-            <a:p>
-              <a:pPr algn="ctr"/>
-              <a:r>
-                <a:rPr lang="en-CA" sz="1400" dirty="0"/>
-                <a:t>EC2 - Run </a:t>
-              </a:r>
-            </a:p>
-          </p:txBody>
-        </p:sp>
-        <p:cxnSp>
-          <p:nvCxnSpPr>
-            <p:cNvPr id="34" name="Straight Arrow Connector 33">
-              <a:extLst>
-                <a:ext uri="{FF2B5EF4-FFF2-40B4-BE49-F238E27FC236}">
-                  <a16:creationId xmlns:a16="http://schemas.microsoft.com/office/drawing/2014/main" id="{053D094D-09E0-49DD-9472-1026E34BBC86}"/>
-                </a:ext>
-              </a:extLst>
-            </p:cNvPr>
-            <p:cNvCxnSpPr>
-              <a:cxnSpLocks/>
-              <a:stCxn id="8" idx="3"/>
-              <a:endCxn id="32" idx="1"/>
-            </p:cNvCxnSpPr>
-            <p:nvPr/>
-          </p:nvCxnSpPr>
-          <p:spPr>
-            <a:xfrm>
-              <a:off x="5922703" y="1745282"/>
-              <a:ext cx="1545839" cy="0"/>
-            </a:xfrm>
-            <a:prstGeom prst="straightConnector1">
-              <a:avLst/>
-            </a:prstGeom>
-            <a:ln w="28575">
-              <a:solidFill>
-                <a:srgbClr val="2E75B6"/>
-              </a:solidFill>
-              <a:headEnd type="triangle" w="med" len="med"/>
-              <a:tailEnd type="triangle" w="med" len="med"/>
-            </a:ln>
-          </p:spPr>
-          <p:style>
-            <a:lnRef idx="1">
-              <a:schemeClr val="dk1"/>
-            </a:lnRef>
-            <a:fillRef idx="0">
-              <a:schemeClr val="dk1"/>
-            </a:fillRef>
-            <a:effectRef idx="0">
-              <a:schemeClr val="dk1"/>
-            </a:effectRef>
-            <a:fontRef idx="minor">
-              <a:schemeClr val="tx1"/>
-            </a:fontRef>
-          </p:style>
-        </p:cxnSp>
-        <p:cxnSp>
-          <p:nvCxnSpPr>
-            <p:cNvPr id="38" name="Connector: Elbow 37">
-              <a:extLst>
-                <a:ext uri="{FF2B5EF4-FFF2-40B4-BE49-F238E27FC236}">
-                  <a16:creationId xmlns:a16="http://schemas.microsoft.com/office/drawing/2014/main" id="{B2A0E7EB-46B8-4800-B658-81A1D5E688D8}"/>
-                </a:ext>
-              </a:extLst>
-            </p:cNvPr>
-            <p:cNvCxnSpPr>
-              <a:stCxn id="26" idx="2"/>
-              <a:endCxn id="32" idx="3"/>
-            </p:cNvCxnSpPr>
-            <p:nvPr/>
-          </p:nvCxnSpPr>
-          <p:spPr>
-            <a:xfrm rot="5400000">
-              <a:off x="9196394" y="1038750"/>
-              <a:ext cx="118937" cy="1294129"/>
-            </a:xfrm>
-            <a:prstGeom prst="bentConnector2">
-              <a:avLst/>
-            </a:prstGeom>
-            <a:ln w="28575">
-              <a:solidFill>
-                <a:srgbClr val="C00000"/>
-              </a:solidFill>
-              <a:prstDash val="solid"/>
-              <a:tailEnd type="triangle"/>
-            </a:ln>
-          </p:spPr>
-          <p:style>
-            <a:lnRef idx="1">
-              <a:schemeClr val="dk1"/>
-            </a:lnRef>
-            <a:fillRef idx="0">
-              <a:schemeClr val="dk1"/>
-            </a:fillRef>
-            <a:effectRef idx="0">
-              <a:schemeClr val="dk1"/>
-            </a:effectRef>
-            <a:fontRef idx="minor">
-              <a:schemeClr val="tx1"/>
-            </a:fontRef>
-          </p:style>
-        </p:cxnSp>
-        <p:sp>
-          <p:nvSpPr>
-            <p:cNvPr id="39" name="Rectangle: Rounded Corners 38">
-              <a:extLst>
-                <a:ext uri="{FF2B5EF4-FFF2-40B4-BE49-F238E27FC236}">
-                  <a16:creationId xmlns:a16="http://schemas.microsoft.com/office/drawing/2014/main" id="{F82E24E0-764C-47B4-A17D-569CE1DACE2A}"/>
-                </a:ext>
-              </a:extLst>
-            </p:cNvPr>
-            <p:cNvSpPr/>
-            <p:nvPr/>
-          </p:nvSpPr>
-          <p:spPr>
-            <a:xfrm>
-              <a:off x="7468542" y="2649616"/>
-              <a:ext cx="1462909" cy="670193"/>
-            </a:xfrm>
-            <a:prstGeom prst="roundRect">
-              <a:avLst/>
-            </a:prstGeom>
-            <a:solidFill>
-              <a:srgbClr val="F2843A"/>
-            </a:solidFill>
-            <a:ln>
-              <a:noFill/>
-            </a:ln>
-          </p:spPr>
-          <p:style>
-            <a:lnRef idx="2">
-              <a:schemeClr val="accent1">
-                <a:shade val="50000"/>
-              </a:schemeClr>
-            </a:lnRef>
-            <a:fillRef idx="1">
-              <a:schemeClr val="accent1"/>
-            </a:fillRef>
-            <a:effectRef idx="0">
-              <a:schemeClr val="accent1"/>
-            </a:effectRef>
-            <a:fontRef idx="minor">
-              <a:schemeClr val="lt1"/>
-            </a:fontRef>
-          </p:style>
-          <p:txBody>
-            <a:bodyPr rtlCol="0" anchor="ctr"/>
-            <a:lstStyle/>
-            <a:p>
-              <a:pPr algn="ctr"/>
-              <a:r>
-                <a:rPr lang="en-CA" sz="1400" dirty="0"/>
-                <a:t>DynamoDB – Image Store</a:t>
-              </a:r>
-            </a:p>
-          </p:txBody>
-        </p:sp>
-        <p:cxnSp>
-          <p:nvCxnSpPr>
-            <p:cNvPr id="42" name="Straight Arrow Connector 41">
-              <a:extLst>
-                <a:ext uri="{FF2B5EF4-FFF2-40B4-BE49-F238E27FC236}">
-                  <a16:creationId xmlns:a16="http://schemas.microsoft.com/office/drawing/2014/main" id="{73347713-C097-49AA-9CDE-07C163876D30}"/>
-                </a:ext>
-              </a:extLst>
-            </p:cNvPr>
-            <p:cNvCxnSpPr>
-              <a:cxnSpLocks/>
-              <a:stCxn id="10" idx="2"/>
-              <a:endCxn id="39" idx="1"/>
-            </p:cNvCxnSpPr>
-            <p:nvPr/>
-          </p:nvCxnSpPr>
-          <p:spPr>
-            <a:xfrm>
-              <a:off x="6548659" y="2545920"/>
-              <a:ext cx="919883" cy="438793"/>
-            </a:xfrm>
-            <a:prstGeom prst="straightConnector1">
-              <a:avLst/>
-            </a:prstGeom>
-            <a:ln w="28575">
-              <a:solidFill>
-                <a:srgbClr val="F2843A"/>
-              </a:solidFill>
-              <a:tailEnd type="triangle"/>
-            </a:ln>
-          </p:spPr>
-          <p:style>
-            <a:lnRef idx="1">
-              <a:schemeClr val="dk1"/>
-            </a:lnRef>
-            <a:fillRef idx="0">
-              <a:schemeClr val="dk1"/>
-            </a:fillRef>
-            <a:effectRef idx="0">
-              <a:schemeClr val="dk1"/>
-            </a:effectRef>
-            <a:fontRef idx="minor">
-              <a:schemeClr val="tx1"/>
-            </a:fontRef>
-          </p:style>
-        </p:cxnSp>
-        <p:sp>
-          <p:nvSpPr>
-            <p:cNvPr id="46" name="Rectangle: Rounded Corners 45">
-              <a:extLst>
-                <a:ext uri="{FF2B5EF4-FFF2-40B4-BE49-F238E27FC236}">
-                  <a16:creationId xmlns:a16="http://schemas.microsoft.com/office/drawing/2014/main" id="{8C68AC39-6130-4B8C-B15D-8D5EF25140B9}"/>
-                </a:ext>
-              </a:extLst>
-            </p:cNvPr>
-            <p:cNvSpPr/>
-            <p:nvPr/>
-          </p:nvSpPr>
-          <p:spPr>
-            <a:xfrm>
-              <a:off x="3418876" y="3399232"/>
-              <a:ext cx="1140256" cy="480656"/>
-            </a:xfrm>
-            <a:prstGeom prst="roundRect">
-              <a:avLst/>
-            </a:prstGeom>
-            <a:solidFill>
-              <a:srgbClr val="F2843A"/>
-            </a:solidFill>
-            <a:ln>
-              <a:noFill/>
-            </a:ln>
-          </p:spPr>
-          <p:style>
-            <a:lnRef idx="2">
-              <a:schemeClr val="accent1">
-                <a:shade val="50000"/>
-              </a:schemeClr>
-            </a:lnRef>
-            <a:fillRef idx="1">
-              <a:schemeClr val="accent1"/>
-            </a:fillRef>
-            <a:effectRef idx="0">
-              <a:schemeClr val="accent1"/>
-            </a:effectRef>
-            <a:fontRef idx="minor">
-              <a:schemeClr val="lt1"/>
-            </a:fontRef>
-          </p:style>
-          <p:txBody>
-            <a:bodyPr rtlCol="0" anchor="ctr"/>
-            <a:lstStyle/>
-            <a:p>
-              <a:pPr algn="ctr"/>
-              <a:r>
-                <a:rPr lang="en-CA" sz="1200" dirty="0"/>
-                <a:t>Search By Category</a:t>
-              </a:r>
-            </a:p>
-          </p:txBody>
-        </p:sp>
-        <p:sp>
-          <p:nvSpPr>
-            <p:cNvPr id="47" name="Rectangle: Rounded Corners 46">
-              <a:extLst>
-                <a:ext uri="{FF2B5EF4-FFF2-40B4-BE49-F238E27FC236}">
-                  <a16:creationId xmlns:a16="http://schemas.microsoft.com/office/drawing/2014/main" id="{C0388968-00EA-4CEB-8458-878060BD592B}"/>
-                </a:ext>
-              </a:extLst>
-            </p:cNvPr>
-            <p:cNvSpPr/>
-            <p:nvPr/>
-          </p:nvSpPr>
-          <p:spPr>
-            <a:xfrm>
-              <a:off x="3418876" y="4069203"/>
-              <a:ext cx="1140256" cy="480656"/>
-            </a:xfrm>
-            <a:prstGeom prst="roundRect">
-              <a:avLst/>
-            </a:prstGeom>
-            <a:solidFill>
-              <a:srgbClr val="F2843A"/>
-            </a:solidFill>
-            <a:ln>
-              <a:noFill/>
-            </a:ln>
-          </p:spPr>
-          <p:style>
-            <a:lnRef idx="2">
-              <a:schemeClr val="accent1">
-                <a:shade val="50000"/>
-              </a:schemeClr>
-            </a:lnRef>
-            <a:fillRef idx="1">
-              <a:schemeClr val="accent1"/>
-            </a:fillRef>
-            <a:effectRef idx="0">
-              <a:schemeClr val="accent1"/>
-            </a:effectRef>
-            <a:fontRef idx="minor">
-              <a:schemeClr val="lt1"/>
-            </a:fontRef>
-          </p:style>
-          <p:txBody>
-            <a:bodyPr rtlCol="0" anchor="ctr"/>
-            <a:lstStyle/>
-            <a:p>
-              <a:pPr algn="ctr"/>
-              <a:r>
-                <a:rPr lang="en-CA" sz="1200" dirty="0"/>
-                <a:t>List Images</a:t>
-              </a:r>
-            </a:p>
-          </p:txBody>
-        </p:sp>
-        <p:cxnSp>
-          <p:nvCxnSpPr>
-            <p:cNvPr id="48" name="Straight Arrow Connector 47">
-              <a:extLst>
-                <a:ext uri="{FF2B5EF4-FFF2-40B4-BE49-F238E27FC236}">
-                  <a16:creationId xmlns:a16="http://schemas.microsoft.com/office/drawing/2014/main" id="{93866867-036E-4823-BB30-C5227636351A}"/>
-                </a:ext>
-              </a:extLst>
-            </p:cNvPr>
-            <p:cNvCxnSpPr>
-              <a:cxnSpLocks/>
-              <a:stCxn id="5" idx="3"/>
-              <a:endCxn id="39" idx="1"/>
-            </p:cNvCxnSpPr>
-            <p:nvPr/>
-          </p:nvCxnSpPr>
-          <p:spPr>
-            <a:xfrm>
-              <a:off x="4559133" y="2976484"/>
-              <a:ext cx="2909409" cy="8229"/>
-            </a:xfrm>
-            <a:prstGeom prst="straightConnector1">
-              <a:avLst/>
-            </a:prstGeom>
-            <a:ln w="28575">
-              <a:solidFill>
-                <a:srgbClr val="F2843A"/>
-              </a:solidFill>
-              <a:headEnd type="triangle" w="med" len="med"/>
-              <a:tailEnd type="triangle" w="med" len="med"/>
-            </a:ln>
-          </p:spPr>
-          <p:style>
-            <a:lnRef idx="1">
-              <a:schemeClr val="dk1"/>
-            </a:lnRef>
-            <a:fillRef idx="0">
-              <a:schemeClr val="dk1"/>
-            </a:fillRef>
-            <a:effectRef idx="0">
-              <a:schemeClr val="dk1"/>
-            </a:effectRef>
-            <a:fontRef idx="minor">
-              <a:schemeClr val="tx1"/>
-            </a:fontRef>
-          </p:style>
-        </p:cxnSp>
-        <p:cxnSp>
-          <p:nvCxnSpPr>
-            <p:cNvPr id="52" name="Connector: Elbow 51">
-              <a:extLst>
-                <a:ext uri="{FF2B5EF4-FFF2-40B4-BE49-F238E27FC236}">
-                  <a16:creationId xmlns:a16="http://schemas.microsoft.com/office/drawing/2014/main" id="{A91A7C16-CD8F-4710-874D-D7B9C1758281}"/>
-                </a:ext>
-              </a:extLst>
-            </p:cNvPr>
-            <p:cNvCxnSpPr>
-              <a:stCxn id="46" idx="3"/>
-              <a:endCxn id="39" idx="1"/>
-            </p:cNvCxnSpPr>
-            <p:nvPr/>
-          </p:nvCxnSpPr>
-          <p:spPr>
-            <a:xfrm flipV="1">
-              <a:off x="4559133" y="2984712"/>
-              <a:ext cx="2909409" cy="654848"/>
-            </a:xfrm>
-            <a:prstGeom prst="bentConnector3">
-              <a:avLst/>
-            </a:prstGeom>
-            <a:ln w="28575">
-              <a:solidFill>
-                <a:srgbClr val="F2843A"/>
-              </a:solidFill>
-              <a:headEnd type="triangle" w="med" len="med"/>
-              <a:tailEnd type="triangle" w="med" len="med"/>
-            </a:ln>
-          </p:spPr>
-          <p:style>
-            <a:lnRef idx="1">
-              <a:schemeClr val="dk1"/>
-            </a:lnRef>
-            <a:fillRef idx="0">
-              <a:schemeClr val="dk1"/>
-            </a:fillRef>
-            <a:effectRef idx="0">
-              <a:schemeClr val="dk1"/>
-            </a:effectRef>
-            <a:fontRef idx="minor">
-              <a:schemeClr val="tx1"/>
-            </a:fontRef>
-          </p:style>
-        </p:cxnSp>
-        <p:cxnSp>
-          <p:nvCxnSpPr>
-            <p:cNvPr id="54" name="Connector: Elbow 53">
-              <a:extLst>
-                <a:ext uri="{FF2B5EF4-FFF2-40B4-BE49-F238E27FC236}">
-                  <a16:creationId xmlns:a16="http://schemas.microsoft.com/office/drawing/2014/main" id="{B7B058E9-8AB9-4B9F-B2E5-9B4BA1B653A5}"/>
-                </a:ext>
-              </a:extLst>
-            </p:cNvPr>
-            <p:cNvCxnSpPr>
-              <a:cxnSpLocks/>
-              <a:stCxn id="26" idx="2"/>
-            </p:cNvCxnSpPr>
-            <p:nvPr/>
-          </p:nvCxnSpPr>
-          <p:spPr>
-            <a:xfrm rot="5400000">
-              <a:off x="6225996" y="105084"/>
-              <a:ext cx="2155668" cy="5198192"/>
-            </a:xfrm>
-            <a:prstGeom prst="bentConnector2">
-              <a:avLst/>
-            </a:prstGeom>
-            <a:ln w="28575">
-              <a:solidFill>
-                <a:srgbClr val="C00000"/>
-              </a:solidFill>
-              <a:headEnd type="triangle" w="med" len="med"/>
-              <a:tailEnd type="triangle" w="med" len="med"/>
-            </a:ln>
-          </p:spPr>
-          <p:style>
-            <a:lnRef idx="1">
-              <a:schemeClr val="accent1"/>
-            </a:lnRef>
-            <a:fillRef idx="0">
-              <a:schemeClr val="accent1"/>
-            </a:fillRef>
-            <a:effectRef idx="0">
-              <a:schemeClr val="accent1"/>
-            </a:effectRef>
-            <a:fontRef idx="minor">
-              <a:schemeClr val="tx1"/>
-            </a:fontRef>
-          </p:style>
-        </p:cxnSp>
-        <p:cxnSp>
-          <p:nvCxnSpPr>
-            <p:cNvPr id="55" name="Connector: Elbow 54">
-              <a:extLst>
-                <a:ext uri="{FF2B5EF4-FFF2-40B4-BE49-F238E27FC236}">
-                  <a16:creationId xmlns:a16="http://schemas.microsoft.com/office/drawing/2014/main" id="{A5F47143-5A98-4C60-BE9E-AB142F81EBA1}"/>
-                </a:ext>
-              </a:extLst>
-            </p:cNvPr>
-            <p:cNvCxnSpPr>
-              <a:cxnSpLocks/>
-            </p:cNvCxnSpPr>
-            <p:nvPr/>
-          </p:nvCxnSpPr>
-          <p:spPr>
-            <a:xfrm rot="10800000">
-              <a:off x="4559132" y="3098095"/>
-              <a:ext cx="3295568" cy="683917"/>
-            </a:xfrm>
-            <a:prstGeom prst="bentConnector3">
-              <a:avLst>
-                <a:gd name="adj1" fmla="val 50000"/>
-              </a:avLst>
-            </a:prstGeom>
-            <a:ln w="28575">
-              <a:solidFill>
-                <a:srgbClr val="C00000"/>
-              </a:solidFill>
-              <a:tailEnd type="triangle"/>
-            </a:ln>
-          </p:spPr>
-          <p:style>
-            <a:lnRef idx="1">
-              <a:schemeClr val="accent1"/>
-            </a:lnRef>
-            <a:fillRef idx="0">
-              <a:schemeClr val="accent1"/>
-            </a:fillRef>
-            <a:effectRef idx="0">
-              <a:schemeClr val="accent1"/>
-            </a:effectRef>
-            <a:fontRef idx="minor">
-              <a:schemeClr val="tx1"/>
-            </a:fontRef>
-          </p:style>
-        </p:cxnSp>
-        <p:cxnSp>
-          <p:nvCxnSpPr>
-            <p:cNvPr id="59" name="Connector: Elbow 58">
-              <a:extLst>
-                <a:ext uri="{FF2B5EF4-FFF2-40B4-BE49-F238E27FC236}">
-                  <a16:creationId xmlns:a16="http://schemas.microsoft.com/office/drawing/2014/main" id="{9847333B-0D80-4756-907A-7480EE2A6BE0}"/>
-                </a:ext>
-              </a:extLst>
-            </p:cNvPr>
-            <p:cNvCxnSpPr>
-              <a:cxnSpLocks/>
-              <a:endCxn id="39" idx="1"/>
-            </p:cNvCxnSpPr>
-            <p:nvPr/>
-          </p:nvCxnSpPr>
-          <p:spPr>
-            <a:xfrm flipV="1">
-              <a:off x="4525187" y="2984713"/>
-              <a:ext cx="2943354" cy="1342073"/>
-            </a:xfrm>
-            <a:prstGeom prst="bentConnector3">
-              <a:avLst>
-                <a:gd name="adj1" fmla="val 50586"/>
-              </a:avLst>
-            </a:prstGeom>
-            <a:ln w="28575">
-              <a:solidFill>
-                <a:srgbClr val="F2843A"/>
-              </a:solidFill>
-              <a:headEnd type="triangle" w="med" len="med"/>
-              <a:tailEnd type="triangle" w="med" len="med"/>
-            </a:ln>
-          </p:spPr>
-          <p:style>
-            <a:lnRef idx="1">
-              <a:schemeClr val="dk1"/>
-            </a:lnRef>
-            <a:fillRef idx="0">
-              <a:schemeClr val="dk1"/>
-            </a:fillRef>
-            <a:effectRef idx="0">
-              <a:schemeClr val="dk1"/>
-            </a:effectRef>
-            <a:fontRef idx="minor">
-              <a:schemeClr val="tx1"/>
-            </a:fontRef>
-          </p:style>
-        </p:cxnSp>
-        <p:sp>
-          <p:nvSpPr>
-            <p:cNvPr id="62" name="Rectangle: Rounded Corners 61">
-              <a:extLst>
-                <a:ext uri="{FF2B5EF4-FFF2-40B4-BE49-F238E27FC236}">
-                  <a16:creationId xmlns:a16="http://schemas.microsoft.com/office/drawing/2014/main" id="{5AC7A7D2-AE19-4758-BDB8-DF4131099DB6}"/>
-                </a:ext>
-              </a:extLst>
-            </p:cNvPr>
-            <p:cNvSpPr/>
-            <p:nvPr/>
-          </p:nvSpPr>
-          <p:spPr>
-            <a:xfrm>
-              <a:off x="3431575" y="4691509"/>
-              <a:ext cx="1140256" cy="359055"/>
-            </a:xfrm>
-            <a:prstGeom prst="roundRect">
-              <a:avLst/>
-            </a:prstGeom>
-            <a:solidFill>
-              <a:srgbClr val="2CABAE"/>
-            </a:solidFill>
-            <a:ln>
-              <a:noFill/>
-            </a:ln>
-          </p:spPr>
-          <p:style>
-            <a:lnRef idx="2">
-              <a:schemeClr val="accent1">
-                <a:shade val="50000"/>
-              </a:schemeClr>
-            </a:lnRef>
-            <a:fillRef idx="1">
-              <a:schemeClr val="accent1"/>
-            </a:fillRef>
-            <a:effectRef idx="0">
-              <a:schemeClr val="accent1"/>
-            </a:effectRef>
-            <a:fontRef idx="minor">
-              <a:schemeClr val="lt1"/>
-            </a:fontRef>
-          </p:style>
-          <p:txBody>
-            <a:bodyPr rtlCol="0" anchor="ctr"/>
-            <a:lstStyle/>
-            <a:p>
-              <a:pPr algn="ctr"/>
-              <a:r>
-                <a:rPr lang="en-CA" sz="1200" dirty="0"/>
-                <a:t>Manager Login</a:t>
-              </a:r>
-            </a:p>
-          </p:txBody>
-        </p:sp>
-        <p:sp>
-          <p:nvSpPr>
-            <p:cNvPr id="63" name="Rectangle: Rounded Corners 62">
-              <a:extLst>
-                <a:ext uri="{FF2B5EF4-FFF2-40B4-BE49-F238E27FC236}">
-                  <a16:creationId xmlns:a16="http://schemas.microsoft.com/office/drawing/2014/main" id="{BD569B63-FC59-4E01-8D86-B0DE7C8CFCC7}"/>
-                </a:ext>
-              </a:extLst>
-            </p:cNvPr>
-            <p:cNvSpPr/>
-            <p:nvPr/>
-          </p:nvSpPr>
-          <p:spPr>
-            <a:xfrm>
-              <a:off x="7586737" y="4691508"/>
-              <a:ext cx="1140256" cy="359055"/>
-            </a:xfrm>
-            <a:prstGeom prst="roundRect">
-              <a:avLst/>
-            </a:prstGeom>
-            <a:solidFill>
-              <a:srgbClr val="2CABAE"/>
-            </a:solidFill>
-            <a:ln>
-              <a:noFill/>
-            </a:ln>
-          </p:spPr>
-          <p:style>
-            <a:lnRef idx="2">
-              <a:schemeClr val="accent1">
-                <a:shade val="50000"/>
-              </a:schemeClr>
-            </a:lnRef>
-            <a:fillRef idx="1">
-              <a:schemeClr val="accent1"/>
-            </a:fillRef>
-            <a:effectRef idx="0">
-              <a:schemeClr val="accent1"/>
-            </a:effectRef>
-            <a:fontRef idx="minor">
-              <a:schemeClr val="lt1"/>
-            </a:fontRef>
-          </p:style>
-          <p:txBody>
-            <a:bodyPr rtlCol="0" anchor="ctr"/>
-            <a:lstStyle/>
-            <a:p>
-              <a:pPr algn="ctr"/>
-              <a:r>
-                <a:rPr lang="en-CA" sz="1600" dirty="0"/>
-                <a:t>Cognito</a:t>
-              </a:r>
-            </a:p>
-          </p:txBody>
-        </p:sp>
-        <p:cxnSp>
-          <p:nvCxnSpPr>
-            <p:cNvPr id="64" name="Straight Arrow Connector 63">
-              <a:extLst>
-                <a:ext uri="{FF2B5EF4-FFF2-40B4-BE49-F238E27FC236}">
-                  <a16:creationId xmlns:a16="http://schemas.microsoft.com/office/drawing/2014/main" id="{DD237546-D3E2-42CA-99F1-72937198F6B1}"/>
-                </a:ext>
-              </a:extLst>
-            </p:cNvPr>
-            <p:cNvCxnSpPr>
-              <a:cxnSpLocks/>
-              <a:stCxn id="62" idx="3"/>
-              <a:endCxn id="63" idx="1"/>
-            </p:cNvCxnSpPr>
-            <p:nvPr/>
-          </p:nvCxnSpPr>
-          <p:spPr>
-            <a:xfrm flipV="1">
-              <a:off x="4571831" y="4871036"/>
-              <a:ext cx="3014906" cy="1"/>
-            </a:xfrm>
-            <a:prstGeom prst="straightConnector1">
-              <a:avLst/>
-            </a:prstGeom>
-            <a:ln w="28575">
-              <a:solidFill>
-                <a:srgbClr val="2CABAE"/>
-              </a:solidFill>
-              <a:tailEnd type="triangle"/>
-            </a:ln>
-          </p:spPr>
-          <p:style>
-            <a:lnRef idx="1">
-              <a:schemeClr val="dk1"/>
-            </a:lnRef>
-            <a:fillRef idx="0">
-              <a:schemeClr val="dk1"/>
-            </a:fillRef>
-            <a:effectRef idx="0">
-              <a:schemeClr val="dk1"/>
-            </a:effectRef>
-            <a:fontRef idx="minor">
-              <a:schemeClr val="tx1"/>
-            </a:fontRef>
-          </p:style>
-        </p:cxnSp>
-        <p:sp>
-          <p:nvSpPr>
-            <p:cNvPr id="67" name="Rectangle: Rounded Corners 66">
-              <a:extLst>
-                <a:ext uri="{FF2B5EF4-FFF2-40B4-BE49-F238E27FC236}">
-                  <a16:creationId xmlns:a16="http://schemas.microsoft.com/office/drawing/2014/main" id="{9FAED6BF-99D1-4885-89FC-77096B82A55E}"/>
-                </a:ext>
-              </a:extLst>
-            </p:cNvPr>
-            <p:cNvSpPr/>
-            <p:nvPr/>
-          </p:nvSpPr>
-          <p:spPr>
-            <a:xfrm>
-              <a:off x="1122206" y="2513513"/>
-              <a:ext cx="1219920" cy="635529"/>
-            </a:xfrm>
-            <a:prstGeom prst="roundRect">
-              <a:avLst/>
-            </a:prstGeom>
-            <a:solidFill>
-              <a:srgbClr val="19A329"/>
-            </a:solidFill>
-            <a:ln>
-              <a:noFill/>
-            </a:ln>
-          </p:spPr>
-          <p:style>
-            <a:lnRef idx="2">
-              <a:schemeClr val="accent1">
-                <a:shade val="50000"/>
-              </a:schemeClr>
-            </a:lnRef>
-            <a:fillRef idx="1">
-              <a:schemeClr val="accent1"/>
-            </a:fillRef>
-            <a:effectRef idx="0">
-              <a:schemeClr val="accent1"/>
-            </a:effectRef>
-            <a:fontRef idx="minor">
-              <a:schemeClr val="lt1"/>
-            </a:fontRef>
-          </p:style>
-          <p:txBody>
-            <a:bodyPr rtlCol="0" anchor="ctr"/>
-            <a:lstStyle/>
-            <a:p>
-              <a:pPr algn="ctr"/>
-              <a:r>
-                <a:rPr lang="en-CA" sz="1600" dirty="0"/>
-                <a:t>API Gateway</a:t>
-              </a:r>
-            </a:p>
-          </p:txBody>
-        </p:sp>
-        <p:cxnSp>
-          <p:nvCxnSpPr>
-            <p:cNvPr id="68" name="Straight Arrow Connector 67">
-              <a:extLst>
-                <a:ext uri="{FF2B5EF4-FFF2-40B4-BE49-F238E27FC236}">
-                  <a16:creationId xmlns:a16="http://schemas.microsoft.com/office/drawing/2014/main" id="{E23D31C1-9074-453E-82DB-63C836C73576}"/>
-                </a:ext>
-              </a:extLst>
-            </p:cNvPr>
-            <p:cNvCxnSpPr>
-              <a:cxnSpLocks/>
-              <a:stCxn id="67" idx="3"/>
-              <a:endCxn id="4" idx="1"/>
-            </p:cNvCxnSpPr>
-            <p:nvPr/>
-          </p:nvCxnSpPr>
-          <p:spPr>
-            <a:xfrm>
-              <a:off x="2342126" y="2831278"/>
-              <a:ext cx="927412" cy="6705"/>
-            </a:xfrm>
-            <a:prstGeom prst="straightConnector1">
-              <a:avLst/>
-            </a:prstGeom>
-            <a:ln w="28575">
-              <a:tailEnd type="triangle"/>
-            </a:ln>
-          </p:spPr>
-          <p:style>
-            <a:lnRef idx="1">
-              <a:schemeClr val="dk1"/>
-            </a:lnRef>
-            <a:fillRef idx="0">
-              <a:schemeClr val="dk1"/>
-            </a:fillRef>
-            <a:effectRef idx="0">
-              <a:schemeClr val="dk1"/>
-            </a:effectRef>
-            <a:fontRef idx="minor">
-              <a:schemeClr val="tx1"/>
-            </a:fontRef>
-          </p:style>
-        </p:cxnSp>
-        <p:sp>
-          <p:nvSpPr>
-            <p:cNvPr id="103" name="Rectangle: Rounded Corners 102">
-              <a:extLst>
-                <a:ext uri="{FF2B5EF4-FFF2-40B4-BE49-F238E27FC236}">
-                  <a16:creationId xmlns:a16="http://schemas.microsoft.com/office/drawing/2014/main" id="{5D2E9C33-6A81-4BD3-944D-7A0FDA23E079}"/>
-                </a:ext>
-              </a:extLst>
-            </p:cNvPr>
-            <p:cNvSpPr/>
-            <p:nvPr/>
-          </p:nvSpPr>
-          <p:spPr>
-            <a:xfrm>
-              <a:off x="3269538" y="5809325"/>
-              <a:ext cx="4054415" cy="5753590"/>
-            </a:xfrm>
-            <a:prstGeom prst="roundRect">
-              <a:avLst>
-                <a:gd name="adj" fmla="val 9646"/>
-              </a:avLst>
-            </a:prstGeom>
-            <a:noFill/>
-            <a:ln w="38100">
-              <a:solidFill>
-                <a:srgbClr val="8A2E5E"/>
-              </a:solidFill>
-              <a:prstDash val="lgDash"/>
-            </a:ln>
-          </p:spPr>
-          <p:style>
-            <a:lnRef idx="2">
-              <a:schemeClr val="accent1">
-                <a:shade val="50000"/>
-              </a:schemeClr>
-            </a:lnRef>
-            <a:fillRef idx="1">
-              <a:schemeClr val="accent1"/>
-            </a:fillRef>
-            <a:effectRef idx="0">
-              <a:schemeClr val="accent1"/>
-            </a:effectRef>
-            <a:fontRef idx="minor">
-              <a:schemeClr val="lt1"/>
-            </a:fontRef>
-          </p:style>
-          <p:txBody>
-            <a:bodyPr rtlCol="0" anchor="t"/>
-            <a:lstStyle/>
-            <a:p>
-              <a:r>
-                <a:rPr lang="en-CA" sz="1600" b="1" dirty="0">
-                  <a:solidFill>
-                    <a:srgbClr val="8A2E5E"/>
-                  </a:solidFill>
-                </a:rPr>
-                <a:t>Lambda - Manager Application</a:t>
-              </a:r>
-            </a:p>
-          </p:txBody>
-        </p:sp>
-        <p:cxnSp>
-          <p:nvCxnSpPr>
-            <p:cNvPr id="108" name="Straight Arrow Connector 107">
-              <a:extLst>
-                <a:ext uri="{FF2B5EF4-FFF2-40B4-BE49-F238E27FC236}">
-                  <a16:creationId xmlns:a16="http://schemas.microsoft.com/office/drawing/2014/main" id="{B246D2B0-D92F-46E3-B853-F9E37443BCC0}"/>
-                </a:ext>
-              </a:extLst>
-            </p:cNvPr>
-            <p:cNvCxnSpPr>
-              <a:cxnSpLocks/>
-              <a:stCxn id="133" idx="2"/>
-              <a:endCxn id="135" idx="1"/>
-            </p:cNvCxnSpPr>
-            <p:nvPr/>
-          </p:nvCxnSpPr>
-          <p:spPr>
-            <a:xfrm>
-              <a:off x="3989002" y="6955776"/>
-              <a:ext cx="681787" cy="327842"/>
-            </a:xfrm>
-            <a:prstGeom prst="straightConnector1">
-              <a:avLst/>
-            </a:prstGeom>
-            <a:ln w="28575">
-              <a:tailEnd type="triangle"/>
-            </a:ln>
-          </p:spPr>
-          <p:style>
-            <a:lnRef idx="1">
-              <a:schemeClr val="dk1"/>
-            </a:lnRef>
-            <a:fillRef idx="0">
-              <a:schemeClr val="dk1"/>
-            </a:fillRef>
-            <a:effectRef idx="0">
-              <a:schemeClr val="dk1"/>
-            </a:effectRef>
-            <a:fontRef idx="minor">
-              <a:schemeClr val="tx1"/>
-            </a:fontRef>
-          </p:style>
-        </p:cxnSp>
-        <p:sp>
-          <p:nvSpPr>
-            <p:cNvPr id="110" name="Rectangle: Rounded Corners 109">
-              <a:extLst>
-                <a:ext uri="{FF2B5EF4-FFF2-40B4-BE49-F238E27FC236}">
-                  <a16:creationId xmlns:a16="http://schemas.microsoft.com/office/drawing/2014/main" id="{B9BF896B-39FD-4C1B-B116-C763C56683AA}"/>
-                </a:ext>
-              </a:extLst>
-            </p:cNvPr>
-            <p:cNvSpPr/>
-            <p:nvPr/>
-          </p:nvSpPr>
-          <p:spPr>
-            <a:xfrm>
-              <a:off x="7616045" y="7918868"/>
+              <a:off x="1194842" y="10087724"/>
               <a:ext cx="1140256" cy="849721"/>
             </a:xfrm>
             <a:prstGeom prst="roundRect">
@@ -9325,555 +12076,37 @@
               <a:pPr algn="ctr"/>
               <a:r>
                 <a:rPr lang="en-CA" sz="1600" dirty="0"/>
-                <a:t>S3 - Image</a:t>
-              </a:r>
-            </a:p>
-          </p:txBody>
-        </p:sp>
-        <p:sp>
-          <p:nvSpPr>
-            <p:cNvPr id="115" name="Rectangle: Rounded Corners 114">
-              <a:extLst>
-                <a:ext uri="{FF2B5EF4-FFF2-40B4-BE49-F238E27FC236}">
-                  <a16:creationId xmlns:a16="http://schemas.microsoft.com/office/drawing/2014/main" id="{25F0741E-80C2-44CE-9228-37FB87EFA527}"/>
-                </a:ext>
-              </a:extLst>
-            </p:cNvPr>
-            <p:cNvSpPr/>
-            <p:nvPr/>
-          </p:nvSpPr>
-          <p:spPr>
-            <a:xfrm>
-              <a:off x="8908833" y="6945067"/>
-              <a:ext cx="1767257" cy="670193"/>
-            </a:xfrm>
-            <a:prstGeom prst="roundRect">
-              <a:avLst/>
-            </a:prstGeom>
-            <a:solidFill>
-              <a:srgbClr val="F2843A"/>
-            </a:solidFill>
-            <a:ln>
-              <a:noFill/>
-            </a:ln>
-          </p:spPr>
-          <p:style>
-            <a:lnRef idx="2">
-              <a:schemeClr val="accent1">
-                <a:shade val="50000"/>
-              </a:schemeClr>
-            </a:lnRef>
-            <a:fillRef idx="1">
-              <a:schemeClr val="accent1"/>
-            </a:fillRef>
-            <a:effectRef idx="0">
-              <a:schemeClr val="accent1"/>
-            </a:effectRef>
-            <a:fontRef idx="minor">
-              <a:schemeClr val="lt1"/>
-            </a:fontRef>
-          </p:style>
-          <p:txBody>
-            <a:bodyPr rtlCol="0" anchor="ctr"/>
-            <a:lstStyle/>
-            <a:p>
-              <a:pPr algn="ctr"/>
-              <a:r>
-                <a:rPr lang="en-CA" sz="1400" dirty="0"/>
-                <a:t>DynamoDB – Image Store</a:t>
-              </a:r>
-            </a:p>
-          </p:txBody>
-        </p:sp>
-        <p:sp>
-          <p:nvSpPr>
-            <p:cNvPr id="117" name="Rectangle: Rounded Corners 116">
-              <a:extLst>
-                <a:ext uri="{FF2B5EF4-FFF2-40B4-BE49-F238E27FC236}">
-                  <a16:creationId xmlns:a16="http://schemas.microsoft.com/office/drawing/2014/main" id="{7C525B22-1194-4789-9C4D-48E420541E3E}"/>
-                </a:ext>
-              </a:extLst>
-            </p:cNvPr>
-            <p:cNvSpPr/>
-            <p:nvPr/>
-          </p:nvSpPr>
-          <p:spPr>
-            <a:xfrm>
-              <a:off x="3406394" y="7946379"/>
-              <a:ext cx="1140256" cy="480656"/>
-            </a:xfrm>
-            <a:prstGeom prst="roundRect">
-              <a:avLst/>
-            </a:prstGeom>
-            <a:solidFill>
-              <a:srgbClr val="F2843A"/>
-            </a:solidFill>
-            <a:ln>
-              <a:noFill/>
-            </a:ln>
-          </p:spPr>
-          <p:style>
-            <a:lnRef idx="2">
-              <a:schemeClr val="accent1">
-                <a:shade val="50000"/>
-              </a:schemeClr>
-            </a:lnRef>
-            <a:fillRef idx="1">
-              <a:schemeClr val="accent1"/>
-            </a:fillRef>
-            <a:effectRef idx="0">
-              <a:schemeClr val="accent1"/>
-            </a:effectRef>
-            <a:fontRef idx="minor">
-              <a:schemeClr val="lt1"/>
-            </a:fontRef>
-          </p:style>
-          <p:txBody>
-            <a:bodyPr rtlCol="0" anchor="ctr"/>
-            <a:lstStyle/>
-            <a:p>
-              <a:pPr algn="ctr"/>
-              <a:r>
-                <a:rPr lang="en-CA" sz="1200" dirty="0"/>
-                <a:t>Search By Category</a:t>
-              </a:r>
-            </a:p>
-          </p:txBody>
-        </p:sp>
-        <p:sp>
-          <p:nvSpPr>
-            <p:cNvPr id="118" name="Rectangle: Rounded Corners 117">
-              <a:extLst>
-                <a:ext uri="{FF2B5EF4-FFF2-40B4-BE49-F238E27FC236}">
-                  <a16:creationId xmlns:a16="http://schemas.microsoft.com/office/drawing/2014/main" id="{F82D425F-20EA-475E-A033-4332ECFA718F}"/>
-                </a:ext>
-              </a:extLst>
-            </p:cNvPr>
-            <p:cNvSpPr/>
-            <p:nvPr/>
-          </p:nvSpPr>
-          <p:spPr>
-            <a:xfrm>
-              <a:off x="3406394" y="8746005"/>
-              <a:ext cx="1140256" cy="480656"/>
-            </a:xfrm>
-            <a:prstGeom prst="roundRect">
-              <a:avLst/>
-            </a:prstGeom>
-            <a:solidFill>
-              <a:srgbClr val="F2843A"/>
-            </a:solidFill>
-            <a:ln>
-              <a:noFill/>
-            </a:ln>
-          </p:spPr>
-          <p:style>
-            <a:lnRef idx="2">
-              <a:schemeClr val="accent1">
-                <a:shade val="50000"/>
-              </a:schemeClr>
-            </a:lnRef>
-            <a:fillRef idx="1">
-              <a:schemeClr val="accent1"/>
-            </a:fillRef>
-            <a:effectRef idx="0">
-              <a:schemeClr val="accent1"/>
-            </a:effectRef>
-            <a:fontRef idx="minor">
-              <a:schemeClr val="lt1"/>
-            </a:fontRef>
-          </p:style>
-          <p:txBody>
-            <a:bodyPr rtlCol="0" anchor="ctr"/>
-            <a:lstStyle/>
-            <a:p>
-              <a:pPr algn="ctr"/>
-              <a:r>
-                <a:rPr lang="en-CA" sz="1200" dirty="0"/>
-                <a:t>List Images</a:t>
+                <a:t>S3 - Static</a:t>
               </a:r>
             </a:p>
           </p:txBody>
         </p:sp>
         <p:cxnSp>
           <p:nvCxnSpPr>
-            <p:cNvPr id="122" name="Connector: Elbow 121">
+            <p:cNvPr id="164" name="Straight Arrow Connector 163">
               <a:extLst>
                 <a:ext uri="{FF2B5EF4-FFF2-40B4-BE49-F238E27FC236}">
-                  <a16:creationId xmlns:a16="http://schemas.microsoft.com/office/drawing/2014/main" id="{10A38A41-30E0-4916-A880-413F300FF38F}"/>
+                  <a16:creationId xmlns:a16="http://schemas.microsoft.com/office/drawing/2014/main" id="{BF9D8218-894A-485B-9DC3-BB346C0B0770}"/>
                 </a:ext>
               </a:extLst>
             </p:cNvPr>
             <p:cNvCxnSpPr>
               <a:cxnSpLocks/>
-              <a:stCxn id="110" idx="1"/>
-            </p:cNvCxnSpPr>
-            <p:nvPr/>
-          </p:nvCxnSpPr>
-          <p:spPr>
-            <a:xfrm rot="10800000">
-              <a:off x="4546651" y="6588801"/>
-              <a:ext cx="3069395" cy="1754928"/>
-            </a:xfrm>
-            <a:prstGeom prst="bentConnector3">
-              <a:avLst>
-                <a:gd name="adj1" fmla="val 41725"/>
-              </a:avLst>
-            </a:prstGeom>
-            <a:ln w="28575">
-              <a:solidFill>
-                <a:srgbClr val="C00000"/>
-              </a:solidFill>
-              <a:headEnd type="triangle" w="med" len="med"/>
-              <a:tailEnd type="triangle" w="med" len="med"/>
-            </a:ln>
-          </p:spPr>
-          <p:style>
-            <a:lnRef idx="1">
-              <a:schemeClr val="accent1"/>
-            </a:lnRef>
-            <a:fillRef idx="0">
-              <a:schemeClr val="accent1"/>
-            </a:fillRef>
-            <a:effectRef idx="0">
-              <a:schemeClr val="accent1"/>
-            </a:effectRef>
-            <a:fontRef idx="minor">
-              <a:schemeClr val="tx1"/>
-            </a:fontRef>
-          </p:style>
-        </p:cxnSp>
-        <p:sp>
-          <p:nvSpPr>
-            <p:cNvPr id="127" name="Rectangle: Rounded Corners 126">
-              <a:extLst>
-                <a:ext uri="{FF2B5EF4-FFF2-40B4-BE49-F238E27FC236}">
-                  <a16:creationId xmlns:a16="http://schemas.microsoft.com/office/drawing/2014/main" id="{04DDEC7E-ECAC-403E-96BD-5A81EDCF8688}"/>
-                </a:ext>
-              </a:extLst>
-            </p:cNvPr>
-            <p:cNvSpPr/>
-            <p:nvPr/>
-          </p:nvSpPr>
-          <p:spPr>
-            <a:xfrm>
-              <a:off x="1122206" y="8022498"/>
-              <a:ext cx="1219920" cy="635529"/>
-            </a:xfrm>
-            <a:prstGeom prst="roundRect">
-              <a:avLst/>
-            </a:prstGeom>
-            <a:solidFill>
-              <a:srgbClr val="19A329"/>
-            </a:solidFill>
-            <a:ln>
-              <a:noFill/>
-            </a:ln>
-          </p:spPr>
-          <p:style>
-            <a:lnRef idx="2">
-              <a:schemeClr val="accent1">
-                <a:shade val="50000"/>
-              </a:schemeClr>
-            </a:lnRef>
-            <a:fillRef idx="1">
-              <a:schemeClr val="accent1"/>
-            </a:fillRef>
-            <a:effectRef idx="0">
-              <a:schemeClr val="accent1"/>
-            </a:effectRef>
-            <a:fontRef idx="minor">
-              <a:schemeClr val="lt1"/>
-            </a:fontRef>
-          </p:style>
-          <p:txBody>
-            <a:bodyPr rtlCol="0" anchor="ctr"/>
-            <a:lstStyle/>
-            <a:p>
-              <a:pPr algn="ctr"/>
-              <a:r>
-                <a:rPr lang="en-CA" sz="1600" dirty="0"/>
-                <a:t>API Gateway</a:t>
-              </a:r>
-            </a:p>
-          </p:txBody>
-        </p:sp>
-        <p:cxnSp>
-          <p:nvCxnSpPr>
-            <p:cNvPr id="128" name="Straight Arrow Connector 127">
-              <a:extLst>
-                <a:ext uri="{FF2B5EF4-FFF2-40B4-BE49-F238E27FC236}">
-                  <a16:creationId xmlns:a16="http://schemas.microsoft.com/office/drawing/2014/main" id="{58D714DD-00A2-48C9-84F1-665F39526C04}"/>
-                </a:ext>
-              </a:extLst>
-            </p:cNvPr>
-            <p:cNvCxnSpPr>
-              <a:cxnSpLocks/>
-              <a:stCxn id="127" idx="3"/>
-              <a:endCxn id="103" idx="1"/>
+              <a:stCxn id="163" idx="3"/>
             </p:cNvCxnSpPr>
             <p:nvPr/>
           </p:nvCxnSpPr>
           <p:spPr>
             <a:xfrm>
-              <a:off x="2342126" y="8340263"/>
-              <a:ext cx="927412" cy="345857"/>
-            </a:xfrm>
-            <a:prstGeom prst="straightConnector1">
-              <a:avLst/>
-            </a:prstGeom>
-            <a:ln w="28575">
-              <a:tailEnd type="triangle"/>
-            </a:ln>
-          </p:spPr>
-          <p:style>
-            <a:lnRef idx="1">
-              <a:schemeClr val="dk1"/>
-            </a:lnRef>
-            <a:fillRef idx="0">
-              <a:schemeClr val="dk1"/>
-            </a:fillRef>
-            <a:effectRef idx="0">
-              <a:schemeClr val="dk1"/>
-            </a:effectRef>
-            <a:fontRef idx="minor">
-              <a:schemeClr val="tx1"/>
-            </a:fontRef>
-          </p:style>
-        </p:cxnSp>
-        <p:cxnSp>
-          <p:nvCxnSpPr>
-            <p:cNvPr id="130" name="Connector: Elbow 129">
-              <a:extLst>
-                <a:ext uri="{FF2B5EF4-FFF2-40B4-BE49-F238E27FC236}">
-                  <a16:creationId xmlns:a16="http://schemas.microsoft.com/office/drawing/2014/main" id="{CA6F0FF8-73A0-4512-9354-25B7C1FDAEB3}"/>
-                </a:ext>
-              </a:extLst>
-            </p:cNvPr>
-            <p:cNvCxnSpPr>
-              <a:stCxn id="63" idx="2"/>
-              <a:endCxn id="127" idx="0"/>
-            </p:cNvCxnSpPr>
-            <p:nvPr/>
-          </p:nvCxnSpPr>
-          <p:spPr>
-            <a:xfrm rot="5400000">
-              <a:off x="3458549" y="3324181"/>
-              <a:ext cx="2971935" cy="6424699"/>
-            </a:xfrm>
-            <a:prstGeom prst="bentConnector3">
-              <a:avLst>
-                <a:gd name="adj1" fmla="val 17523"/>
-              </a:avLst>
-            </a:prstGeom>
-            <a:ln w="28575">
-              <a:solidFill>
-                <a:srgbClr val="2CABAE"/>
-              </a:solidFill>
-              <a:tailEnd type="triangle"/>
-            </a:ln>
-          </p:spPr>
-          <p:style>
-            <a:lnRef idx="1">
-              <a:schemeClr val="accent1"/>
-            </a:lnRef>
-            <a:fillRef idx="0">
-              <a:schemeClr val="accent1"/>
-            </a:fillRef>
-            <a:effectRef idx="0">
-              <a:schemeClr val="accent1"/>
-            </a:effectRef>
-            <a:fontRef idx="minor">
-              <a:schemeClr val="tx1"/>
-            </a:fontRef>
-          </p:style>
-        </p:cxnSp>
-        <p:sp>
-          <p:nvSpPr>
-            <p:cNvPr id="133" name="Rectangle: Rounded Corners 132">
-              <a:extLst>
-                <a:ext uri="{FF2B5EF4-FFF2-40B4-BE49-F238E27FC236}">
-                  <a16:creationId xmlns:a16="http://schemas.microsoft.com/office/drawing/2014/main" id="{ABBB8C2A-51A2-4BF0-AAEF-90BE30EBC806}"/>
-                </a:ext>
-              </a:extLst>
-            </p:cNvPr>
-            <p:cNvSpPr/>
-            <p:nvPr/>
-          </p:nvSpPr>
-          <p:spPr>
-            <a:xfrm>
-              <a:off x="3418874" y="6475120"/>
-              <a:ext cx="1140256" cy="480656"/>
-            </a:xfrm>
-            <a:prstGeom prst="roundRect">
-              <a:avLst/>
-            </a:prstGeom>
-            <a:solidFill>
-              <a:srgbClr val="F2843A"/>
-            </a:solidFill>
-            <a:ln>
-              <a:noFill/>
-            </a:ln>
-          </p:spPr>
-          <p:style>
-            <a:lnRef idx="2">
-              <a:schemeClr val="accent1">
-                <a:shade val="50000"/>
-              </a:schemeClr>
-            </a:lnRef>
-            <a:fillRef idx="1">
-              <a:schemeClr val="accent1"/>
-            </a:fillRef>
-            <a:effectRef idx="0">
-              <a:schemeClr val="accent1"/>
-            </a:effectRef>
-            <a:fontRef idx="minor">
-              <a:schemeClr val="lt1"/>
-            </a:fontRef>
-          </p:style>
-          <p:txBody>
-            <a:bodyPr rtlCol="0" anchor="ctr"/>
-            <a:lstStyle/>
-            <a:p>
-              <a:pPr algn="ctr"/>
-              <a:r>
-                <a:rPr lang="en-CA" sz="1200" dirty="0"/>
-                <a:t>Search Image</a:t>
-              </a:r>
-            </a:p>
-          </p:txBody>
-        </p:sp>
-        <p:sp>
-          <p:nvSpPr>
-            <p:cNvPr id="135" name="Rectangle: Rounded Corners 134">
-              <a:extLst>
-                <a:ext uri="{FF2B5EF4-FFF2-40B4-BE49-F238E27FC236}">
-                  <a16:creationId xmlns:a16="http://schemas.microsoft.com/office/drawing/2014/main" id="{3378D7C1-B90F-41E0-8FF0-9884E3F36630}"/>
-                </a:ext>
-              </a:extLst>
-            </p:cNvPr>
-            <p:cNvSpPr/>
-            <p:nvPr/>
-          </p:nvSpPr>
-          <p:spPr>
-            <a:xfrm>
-              <a:off x="4670789" y="7043290"/>
-              <a:ext cx="1140256" cy="480656"/>
-            </a:xfrm>
-            <a:prstGeom prst="roundRect">
-              <a:avLst/>
-            </a:prstGeom>
-            <a:solidFill>
-              <a:srgbClr val="F2843A"/>
-            </a:solidFill>
-            <a:ln>
-              <a:noFill/>
-            </a:ln>
-          </p:spPr>
-          <p:style>
-            <a:lnRef idx="2">
-              <a:schemeClr val="accent1">
-                <a:shade val="50000"/>
-              </a:schemeClr>
-            </a:lnRef>
-            <a:fillRef idx="1">
-              <a:schemeClr val="accent1"/>
-            </a:fillRef>
-            <a:effectRef idx="0">
-              <a:schemeClr val="accent1"/>
-            </a:effectRef>
-            <a:fontRef idx="minor">
-              <a:schemeClr val="lt1"/>
-            </a:fontRef>
-          </p:style>
-          <p:txBody>
-            <a:bodyPr rtlCol="0" anchor="ctr"/>
-            <a:lstStyle/>
-            <a:p>
-              <a:pPr algn="ctr"/>
-              <a:r>
-                <a:rPr lang="en-CA" sz="1200" dirty="0"/>
-                <a:t>Label Image &amp; Store</a:t>
-              </a:r>
-            </a:p>
-          </p:txBody>
-        </p:sp>
-        <p:cxnSp>
-          <p:nvCxnSpPr>
-            <p:cNvPr id="145" name="Connector: Elbow 144">
-              <a:extLst>
-                <a:ext uri="{FF2B5EF4-FFF2-40B4-BE49-F238E27FC236}">
-                  <a16:creationId xmlns:a16="http://schemas.microsoft.com/office/drawing/2014/main" id="{3BDC787E-9468-4AB8-BE90-9F8B6BAC1794}"/>
-                </a:ext>
-              </a:extLst>
-            </p:cNvPr>
-            <p:cNvCxnSpPr>
-              <a:cxnSpLocks/>
-              <a:stCxn id="133" idx="3"/>
-              <a:endCxn id="115" idx="1"/>
-            </p:cNvCxnSpPr>
-            <p:nvPr/>
-          </p:nvCxnSpPr>
-          <p:spPr>
-            <a:xfrm>
-              <a:off x="4559130" y="6715448"/>
-              <a:ext cx="4349703" cy="564716"/>
-            </a:xfrm>
-            <a:prstGeom prst="bentConnector3">
-              <a:avLst>
-                <a:gd name="adj1" fmla="val 50000"/>
-              </a:avLst>
-            </a:prstGeom>
-            <a:ln w="28575">
-              <a:solidFill>
-                <a:srgbClr val="F2843A"/>
-              </a:solidFill>
-              <a:headEnd type="triangle" w="med" len="med"/>
-              <a:tailEnd type="triangle" w="med" len="med"/>
-            </a:ln>
-          </p:spPr>
-          <p:style>
-            <a:lnRef idx="1">
-              <a:schemeClr val="dk1"/>
-            </a:lnRef>
-            <a:fillRef idx="0">
-              <a:schemeClr val="dk1"/>
-            </a:fillRef>
-            <a:effectRef idx="0">
-              <a:schemeClr val="dk1"/>
-            </a:effectRef>
-            <a:fontRef idx="minor">
-              <a:schemeClr val="tx1"/>
-            </a:fontRef>
-          </p:style>
-        </p:cxnSp>
-        <p:cxnSp>
-          <p:nvCxnSpPr>
-            <p:cNvPr id="148" name="Straight Arrow Connector 147">
-              <a:extLst>
-                <a:ext uri="{FF2B5EF4-FFF2-40B4-BE49-F238E27FC236}">
-                  <a16:creationId xmlns:a16="http://schemas.microsoft.com/office/drawing/2014/main" id="{026E6AEA-A55F-4F53-9F0C-2514B9E1B91C}"/>
-                </a:ext>
-              </a:extLst>
-            </p:cNvPr>
-            <p:cNvCxnSpPr>
-              <a:cxnSpLocks/>
-              <a:stCxn id="135" idx="3"/>
-              <a:endCxn id="115" idx="1"/>
-            </p:cNvCxnSpPr>
-            <p:nvPr/>
-          </p:nvCxnSpPr>
-          <p:spPr>
-            <a:xfrm flipV="1">
-              <a:off x="5811045" y="7280164"/>
-              <a:ext cx="3097788" cy="3454"/>
+              <a:off x="2335098" y="10512585"/>
+              <a:ext cx="551286" cy="0"/>
             </a:xfrm>
             <a:prstGeom prst="straightConnector1">
               <a:avLst/>
             </a:prstGeom>
             <a:ln w="28575">
               <a:solidFill>
-                <a:srgbClr val="F2843A"/>
+                <a:srgbClr val="C00000"/>
               </a:solidFill>
               <a:tailEnd type="triangle"/>
             </a:ln>
@@ -9893,1595 +12126,7 @@
             </a:fontRef>
           </p:style>
         </p:cxnSp>
-        <p:cxnSp>
-          <p:nvCxnSpPr>
-            <p:cNvPr id="154" name="Connector: Elbow 153">
-              <a:extLst>
-                <a:ext uri="{FF2B5EF4-FFF2-40B4-BE49-F238E27FC236}">
-                  <a16:creationId xmlns:a16="http://schemas.microsoft.com/office/drawing/2014/main" id="{2975C9AB-6C96-4A0C-B07E-BC2CB2C3B005}"/>
-                </a:ext>
-              </a:extLst>
-            </p:cNvPr>
-            <p:cNvCxnSpPr>
-              <a:cxnSpLocks/>
-              <a:stCxn id="117" idx="3"/>
-              <a:endCxn id="115" idx="1"/>
-            </p:cNvCxnSpPr>
-            <p:nvPr/>
-          </p:nvCxnSpPr>
-          <p:spPr>
-            <a:xfrm flipV="1">
-              <a:off x="4546650" y="7280164"/>
-              <a:ext cx="4362183" cy="906543"/>
-            </a:xfrm>
-            <a:prstGeom prst="bentConnector3">
-              <a:avLst>
-                <a:gd name="adj1" fmla="val 50000"/>
-              </a:avLst>
-            </a:prstGeom>
-            <a:ln w="28575">
-              <a:solidFill>
-                <a:srgbClr val="F2843A"/>
-              </a:solidFill>
-              <a:headEnd type="triangle" w="med" len="med"/>
-              <a:tailEnd type="triangle" w="med" len="med"/>
-            </a:ln>
-          </p:spPr>
-          <p:style>
-            <a:lnRef idx="1">
-              <a:schemeClr val="dk1"/>
-            </a:lnRef>
-            <a:fillRef idx="0">
-              <a:schemeClr val="dk1"/>
-            </a:fillRef>
-            <a:effectRef idx="0">
-              <a:schemeClr val="dk1"/>
-            </a:effectRef>
-            <a:fontRef idx="minor">
-              <a:schemeClr val="tx1"/>
-            </a:fontRef>
-          </p:style>
-        </p:cxnSp>
-        <p:cxnSp>
-          <p:nvCxnSpPr>
-            <p:cNvPr id="157" name="Straight Arrow Connector 156">
-              <a:extLst>
-                <a:ext uri="{FF2B5EF4-FFF2-40B4-BE49-F238E27FC236}">
-                  <a16:creationId xmlns:a16="http://schemas.microsoft.com/office/drawing/2014/main" id="{68F1F92D-F974-4145-9D47-A1C31C4F3F32}"/>
-                </a:ext>
-              </a:extLst>
-            </p:cNvPr>
-            <p:cNvCxnSpPr>
-              <a:cxnSpLocks/>
-            </p:cNvCxnSpPr>
-            <p:nvPr/>
-          </p:nvCxnSpPr>
-          <p:spPr>
-            <a:xfrm flipV="1">
-              <a:off x="4546650" y="8343729"/>
-              <a:ext cx="3069395" cy="1728"/>
-            </a:xfrm>
-            <a:prstGeom prst="straightConnector1">
-              <a:avLst/>
-            </a:prstGeom>
-            <a:ln w="28575">
-              <a:solidFill>
-                <a:srgbClr val="C00000"/>
-              </a:solidFill>
-              <a:headEnd type="triangle" w="med" len="med"/>
-              <a:tailEnd type="triangle" w="med" len="med"/>
-            </a:ln>
-          </p:spPr>
-          <p:style>
-            <a:lnRef idx="1">
-              <a:schemeClr val="dk1"/>
-            </a:lnRef>
-            <a:fillRef idx="0">
-              <a:schemeClr val="dk1"/>
-            </a:fillRef>
-            <a:effectRef idx="0">
-              <a:schemeClr val="dk1"/>
-            </a:effectRef>
-            <a:fontRef idx="minor">
-              <a:schemeClr val="tx1"/>
-            </a:fontRef>
-          </p:style>
-        </p:cxnSp>
-        <p:cxnSp>
-          <p:nvCxnSpPr>
-            <p:cNvPr id="162" name="Connector: Elbow 161">
-              <a:extLst>
-                <a:ext uri="{FF2B5EF4-FFF2-40B4-BE49-F238E27FC236}">
-                  <a16:creationId xmlns:a16="http://schemas.microsoft.com/office/drawing/2014/main" id="{F3788FAE-9D8A-4606-B3A9-205E1B4E2836}"/>
-                </a:ext>
-              </a:extLst>
-            </p:cNvPr>
-            <p:cNvCxnSpPr>
-              <a:cxnSpLocks/>
-              <a:stCxn id="118" idx="3"/>
-              <a:endCxn id="115" idx="1"/>
-            </p:cNvCxnSpPr>
-            <p:nvPr/>
-          </p:nvCxnSpPr>
-          <p:spPr>
-            <a:xfrm flipV="1">
-              <a:off x="4546650" y="7280164"/>
-              <a:ext cx="4362183" cy="1706169"/>
-            </a:xfrm>
-            <a:prstGeom prst="bentConnector3">
-              <a:avLst>
-                <a:gd name="adj1" fmla="val 50000"/>
-              </a:avLst>
-            </a:prstGeom>
-            <a:ln w="28575">
-              <a:solidFill>
-                <a:srgbClr val="F2843A"/>
-              </a:solidFill>
-              <a:headEnd type="triangle" w="med" len="med"/>
-              <a:tailEnd type="triangle" w="med" len="med"/>
-            </a:ln>
-          </p:spPr>
-          <p:style>
-            <a:lnRef idx="1">
-              <a:schemeClr val="dk1"/>
-            </a:lnRef>
-            <a:fillRef idx="0">
-              <a:schemeClr val="dk1"/>
-            </a:fillRef>
-            <a:effectRef idx="0">
-              <a:schemeClr val="dk1"/>
-            </a:effectRef>
-            <a:fontRef idx="minor">
-              <a:schemeClr val="tx1"/>
-            </a:fontRef>
-          </p:style>
-        </p:cxnSp>
-        <p:sp>
-          <p:nvSpPr>
-            <p:cNvPr id="165" name="Rectangle: Rounded Corners 164">
-              <a:extLst>
-                <a:ext uri="{FF2B5EF4-FFF2-40B4-BE49-F238E27FC236}">
-                  <a16:creationId xmlns:a16="http://schemas.microsoft.com/office/drawing/2014/main" id="{539E19B1-A153-41E0-8AE0-B2948DA59FA7}"/>
-                </a:ext>
-              </a:extLst>
-            </p:cNvPr>
-            <p:cNvSpPr/>
-            <p:nvPr/>
-          </p:nvSpPr>
-          <p:spPr>
-            <a:xfrm>
-              <a:off x="10752198" y="1829376"/>
-              <a:ext cx="1426353" cy="517005"/>
-            </a:xfrm>
-            <a:prstGeom prst="roundRect">
-              <a:avLst/>
-            </a:prstGeom>
-            <a:solidFill>
-              <a:srgbClr val="C00000"/>
-            </a:solidFill>
-            <a:ln>
-              <a:noFill/>
-            </a:ln>
-          </p:spPr>
-          <p:style>
-            <a:lnRef idx="2">
-              <a:schemeClr val="accent1">
-                <a:shade val="50000"/>
-              </a:schemeClr>
-            </a:lnRef>
-            <a:fillRef idx="1">
-              <a:schemeClr val="accent1"/>
-            </a:fillRef>
-            <a:effectRef idx="0">
-              <a:schemeClr val="accent1"/>
-            </a:effectRef>
-            <a:fontRef idx="minor">
-              <a:schemeClr val="lt1"/>
-            </a:fontRef>
-          </p:style>
-          <p:txBody>
-            <a:bodyPr rtlCol="0" anchor="ctr"/>
-            <a:lstStyle/>
-            <a:p>
-              <a:pPr algn="ctr"/>
-              <a:r>
-                <a:rPr lang="en-CA" sz="1600" dirty="0"/>
-                <a:t>S3 - Model</a:t>
-              </a:r>
-            </a:p>
-          </p:txBody>
-        </p:sp>
-        <p:cxnSp>
-          <p:nvCxnSpPr>
-            <p:cNvPr id="166" name="Connector: Elbow 165">
-              <a:extLst>
-                <a:ext uri="{FF2B5EF4-FFF2-40B4-BE49-F238E27FC236}">
-                  <a16:creationId xmlns:a16="http://schemas.microsoft.com/office/drawing/2014/main" id="{5B5CE4F0-9302-40B2-AC58-6427631F7C11}"/>
-                </a:ext>
-              </a:extLst>
-            </p:cNvPr>
-            <p:cNvCxnSpPr>
-              <a:cxnSpLocks/>
-              <a:stCxn id="32" idx="2"/>
-              <a:endCxn id="165" idx="1"/>
-            </p:cNvCxnSpPr>
-            <p:nvPr/>
-          </p:nvCxnSpPr>
-          <p:spPr>
-            <a:xfrm rot="16200000" flipH="1">
-              <a:off x="9313899" y="649579"/>
-              <a:ext cx="163069" cy="2713529"/>
-            </a:xfrm>
-            <a:prstGeom prst="bentConnector2">
-              <a:avLst/>
-            </a:prstGeom>
-            <a:ln w="28575">
-              <a:solidFill>
-                <a:srgbClr val="C00000"/>
-              </a:solidFill>
-              <a:headEnd type="triangle" w="med" len="med"/>
-              <a:tailEnd type="triangle" w="med" len="med"/>
-            </a:ln>
-          </p:spPr>
-          <p:style>
-            <a:lnRef idx="1">
-              <a:schemeClr val="accent1"/>
-            </a:lnRef>
-            <a:fillRef idx="0">
-              <a:schemeClr val="accent1"/>
-            </a:fillRef>
-            <a:effectRef idx="0">
-              <a:schemeClr val="accent1"/>
-            </a:effectRef>
-            <a:fontRef idx="minor">
-              <a:schemeClr val="tx1"/>
-            </a:fontRef>
-          </p:style>
-        </p:cxnSp>
-        <p:sp>
-          <p:nvSpPr>
-            <p:cNvPr id="172" name="Rectangle: Rounded Corners 171">
-              <a:extLst>
-                <a:ext uri="{FF2B5EF4-FFF2-40B4-BE49-F238E27FC236}">
-                  <a16:creationId xmlns:a16="http://schemas.microsoft.com/office/drawing/2014/main" id="{8E859CF9-189E-4B40-ABAD-D9C0C13E5D47}"/>
-                </a:ext>
-              </a:extLst>
-            </p:cNvPr>
-            <p:cNvSpPr/>
-            <p:nvPr/>
-          </p:nvSpPr>
-          <p:spPr>
-            <a:xfrm>
-              <a:off x="3406394" y="9455656"/>
-              <a:ext cx="1140256" cy="480656"/>
-            </a:xfrm>
-            <a:prstGeom prst="roundRect">
-              <a:avLst/>
-            </a:prstGeom>
-            <a:solidFill>
-              <a:srgbClr val="F2843A"/>
-            </a:solidFill>
-            <a:ln>
-              <a:noFill/>
-            </a:ln>
-          </p:spPr>
-          <p:style>
-            <a:lnRef idx="2">
-              <a:schemeClr val="accent1">
-                <a:shade val="50000"/>
-              </a:schemeClr>
-            </a:lnRef>
-            <a:fillRef idx="1">
-              <a:schemeClr val="accent1"/>
-            </a:fillRef>
-            <a:effectRef idx="0">
-              <a:schemeClr val="accent1"/>
-            </a:effectRef>
-            <a:fontRef idx="minor">
-              <a:schemeClr val="lt1"/>
-            </a:fontRef>
-          </p:style>
-          <p:txBody>
-            <a:bodyPr rtlCol="0" anchor="ctr"/>
-            <a:lstStyle/>
-            <a:p>
-              <a:pPr algn="ctr"/>
-              <a:r>
-                <a:rPr lang="en-CA" sz="1200" dirty="0"/>
-                <a:t>Clear Images</a:t>
-              </a:r>
-            </a:p>
-          </p:txBody>
-        </p:sp>
-        <p:cxnSp>
-          <p:nvCxnSpPr>
-            <p:cNvPr id="173" name="Connector: Elbow 172">
-              <a:extLst>
-                <a:ext uri="{FF2B5EF4-FFF2-40B4-BE49-F238E27FC236}">
-                  <a16:creationId xmlns:a16="http://schemas.microsoft.com/office/drawing/2014/main" id="{5A9EE959-7EAA-488D-9468-034C5ADE8895}"/>
-                </a:ext>
-              </a:extLst>
-            </p:cNvPr>
-            <p:cNvCxnSpPr>
-              <a:cxnSpLocks/>
-              <a:stCxn id="172" idx="3"/>
-              <a:endCxn id="115" idx="1"/>
-            </p:cNvCxnSpPr>
-            <p:nvPr/>
-          </p:nvCxnSpPr>
-          <p:spPr>
-            <a:xfrm flipV="1">
-              <a:off x="4546650" y="7280164"/>
-              <a:ext cx="4362183" cy="2415820"/>
-            </a:xfrm>
-            <a:prstGeom prst="bentConnector3">
-              <a:avLst>
-                <a:gd name="adj1" fmla="val 50000"/>
-              </a:avLst>
-            </a:prstGeom>
-            <a:ln w="28575">
-              <a:solidFill>
-                <a:srgbClr val="F2843A"/>
-              </a:solidFill>
-              <a:headEnd type="triangle" w="med" len="med"/>
-              <a:tailEnd type="triangle" w="med" len="med"/>
-            </a:ln>
-          </p:spPr>
-          <p:style>
-            <a:lnRef idx="1">
-              <a:schemeClr val="dk1"/>
-            </a:lnRef>
-            <a:fillRef idx="0">
-              <a:schemeClr val="dk1"/>
-            </a:fillRef>
-            <a:effectRef idx="0">
-              <a:schemeClr val="dk1"/>
-            </a:effectRef>
-            <a:fontRef idx="minor">
-              <a:schemeClr val="tx1"/>
-            </a:fontRef>
-          </p:style>
-        </p:cxnSp>
-        <p:cxnSp>
-          <p:nvCxnSpPr>
-            <p:cNvPr id="176" name="Connector: Elbow 175">
-              <a:extLst>
-                <a:ext uri="{FF2B5EF4-FFF2-40B4-BE49-F238E27FC236}">
-                  <a16:creationId xmlns:a16="http://schemas.microsoft.com/office/drawing/2014/main" id="{70F4FA05-4281-46B7-A1E0-9D694A184E31}"/>
-                </a:ext>
-              </a:extLst>
-            </p:cNvPr>
-            <p:cNvCxnSpPr>
-              <a:cxnSpLocks/>
-              <a:stCxn id="110" idx="1"/>
-            </p:cNvCxnSpPr>
-            <p:nvPr/>
-          </p:nvCxnSpPr>
-          <p:spPr>
-            <a:xfrm rot="10800000" flipV="1">
-              <a:off x="4541325" y="8343728"/>
-              <a:ext cx="3074720" cy="1472215"/>
-            </a:xfrm>
-            <a:prstGeom prst="bentConnector3">
-              <a:avLst>
-                <a:gd name="adj1" fmla="val 41533"/>
-              </a:avLst>
-            </a:prstGeom>
-            <a:ln w="28575">
-              <a:solidFill>
-                <a:srgbClr val="C00000"/>
-              </a:solidFill>
-              <a:headEnd type="triangle" w="med" len="med"/>
-              <a:tailEnd type="triangle" w="med" len="med"/>
-            </a:ln>
-          </p:spPr>
-          <p:style>
-            <a:lnRef idx="1">
-              <a:schemeClr val="accent1"/>
-            </a:lnRef>
-            <a:fillRef idx="0">
-              <a:schemeClr val="accent1"/>
-            </a:fillRef>
-            <a:effectRef idx="0">
-              <a:schemeClr val="accent1"/>
-            </a:effectRef>
-            <a:fontRef idx="minor">
-              <a:schemeClr val="tx1"/>
-            </a:fontRef>
-          </p:style>
-        </p:cxnSp>
-        <p:sp>
-          <p:nvSpPr>
-            <p:cNvPr id="181" name="Rectangle: Rounded Corners 180">
-              <a:extLst>
-                <a:ext uri="{FF2B5EF4-FFF2-40B4-BE49-F238E27FC236}">
-                  <a16:creationId xmlns:a16="http://schemas.microsoft.com/office/drawing/2014/main" id="{62525AAB-4A77-4F78-82C2-501FADD50825}"/>
-                </a:ext>
-              </a:extLst>
-            </p:cNvPr>
-            <p:cNvSpPr/>
-            <p:nvPr/>
-          </p:nvSpPr>
-          <p:spPr>
-            <a:xfrm>
-              <a:off x="3406394" y="10256772"/>
-              <a:ext cx="1118793" cy="458040"/>
-            </a:xfrm>
-            <a:prstGeom prst="roundRect">
-              <a:avLst/>
-            </a:prstGeom>
-            <a:solidFill>
-              <a:schemeClr val="accent5">
-                <a:lumMod val="75000"/>
-              </a:schemeClr>
-            </a:solidFill>
-            <a:ln>
-              <a:noFill/>
-            </a:ln>
-          </p:spPr>
-          <p:style>
-            <a:lnRef idx="2">
-              <a:schemeClr val="accent1">
-                <a:shade val="50000"/>
-              </a:schemeClr>
-            </a:lnRef>
-            <a:fillRef idx="1">
-              <a:schemeClr val="accent1"/>
-            </a:fillRef>
-            <a:effectRef idx="0">
-              <a:schemeClr val="accent1"/>
-            </a:effectRef>
-            <a:fontRef idx="minor">
-              <a:schemeClr val="lt1"/>
-            </a:fontRef>
-          </p:style>
-          <p:txBody>
-            <a:bodyPr rtlCol="0" anchor="ctr"/>
-            <a:lstStyle/>
-            <a:p>
-              <a:pPr algn="ctr"/>
-              <a:r>
-                <a:rPr lang="en-CA" sz="1200" dirty="0"/>
-                <a:t>Train Images</a:t>
-              </a:r>
-            </a:p>
-          </p:txBody>
-        </p:sp>
-        <p:sp>
-          <p:nvSpPr>
-            <p:cNvPr id="186" name="Rectangle: Rounded Corners 185">
-              <a:extLst>
-                <a:ext uri="{FF2B5EF4-FFF2-40B4-BE49-F238E27FC236}">
-                  <a16:creationId xmlns:a16="http://schemas.microsoft.com/office/drawing/2014/main" id="{CE4BAE08-2782-46E8-8696-BEBAF4D9B53B}"/>
-                </a:ext>
-              </a:extLst>
-            </p:cNvPr>
-            <p:cNvSpPr/>
-            <p:nvPr/>
-          </p:nvSpPr>
-          <p:spPr>
-            <a:xfrm>
-              <a:off x="7616045" y="10279824"/>
-              <a:ext cx="1140256" cy="359055"/>
-            </a:xfrm>
-            <a:prstGeom prst="roundRect">
-              <a:avLst/>
-            </a:prstGeom>
-            <a:solidFill>
-              <a:schemeClr val="accent5">
-                <a:lumMod val="75000"/>
-              </a:schemeClr>
-            </a:solidFill>
-            <a:ln>
-              <a:noFill/>
-            </a:ln>
-          </p:spPr>
-          <p:style>
-            <a:lnRef idx="2">
-              <a:schemeClr val="accent1">
-                <a:shade val="50000"/>
-              </a:schemeClr>
-            </a:lnRef>
-            <a:fillRef idx="1">
-              <a:schemeClr val="accent1"/>
-            </a:fillRef>
-            <a:effectRef idx="0">
-              <a:schemeClr val="accent1"/>
-            </a:effectRef>
-            <a:fontRef idx="minor">
-              <a:schemeClr val="lt1"/>
-            </a:fontRef>
-          </p:style>
-          <p:txBody>
-            <a:bodyPr rtlCol="0" anchor="ctr"/>
-            <a:lstStyle/>
-            <a:p>
-              <a:pPr algn="ctr"/>
-              <a:r>
-                <a:rPr lang="en-CA" sz="1400" dirty="0"/>
-                <a:t>EC2 - Train </a:t>
-              </a:r>
-            </a:p>
-          </p:txBody>
-        </p:sp>
-        <p:cxnSp>
-          <p:nvCxnSpPr>
-            <p:cNvPr id="187" name="Straight Arrow Connector 186">
-              <a:extLst>
-                <a:ext uri="{FF2B5EF4-FFF2-40B4-BE49-F238E27FC236}">
-                  <a16:creationId xmlns:a16="http://schemas.microsoft.com/office/drawing/2014/main" id="{B13954D9-02FD-48A5-8315-166B3D274F35}"/>
-                </a:ext>
-              </a:extLst>
-            </p:cNvPr>
-            <p:cNvCxnSpPr>
-              <a:cxnSpLocks/>
-              <a:stCxn id="181" idx="3"/>
-              <a:endCxn id="186" idx="1"/>
-            </p:cNvCxnSpPr>
-            <p:nvPr/>
-          </p:nvCxnSpPr>
-          <p:spPr>
-            <a:xfrm flipV="1">
-              <a:off x="4525187" y="10459352"/>
-              <a:ext cx="3090858" cy="26440"/>
-            </a:xfrm>
-            <a:prstGeom prst="straightConnector1">
-              <a:avLst/>
-            </a:prstGeom>
-            <a:ln w="28575">
-              <a:solidFill>
-                <a:srgbClr val="2E75B6"/>
-              </a:solidFill>
-              <a:headEnd type="none" w="med" len="med"/>
-              <a:tailEnd type="triangle" w="med" len="med"/>
-            </a:ln>
-          </p:spPr>
-          <p:style>
-            <a:lnRef idx="1">
-              <a:schemeClr val="dk1"/>
-            </a:lnRef>
-            <a:fillRef idx="0">
-              <a:schemeClr val="dk1"/>
-            </a:fillRef>
-            <a:effectRef idx="0">
-              <a:schemeClr val="dk1"/>
-            </a:effectRef>
-            <a:fontRef idx="minor">
-              <a:schemeClr val="tx1"/>
-            </a:fontRef>
-          </p:style>
-        </p:cxnSp>
-        <p:cxnSp>
-          <p:nvCxnSpPr>
-            <p:cNvPr id="194" name="Straight Arrow Connector 193">
-              <a:extLst>
-                <a:ext uri="{FF2B5EF4-FFF2-40B4-BE49-F238E27FC236}">
-                  <a16:creationId xmlns:a16="http://schemas.microsoft.com/office/drawing/2014/main" id="{52BDA50A-25AB-42C6-977E-C9AD187E335E}"/>
-                </a:ext>
-              </a:extLst>
-            </p:cNvPr>
-            <p:cNvCxnSpPr>
-              <a:cxnSpLocks/>
-              <a:stCxn id="186" idx="0"/>
-              <a:endCxn id="110" idx="2"/>
-            </p:cNvCxnSpPr>
-            <p:nvPr/>
-          </p:nvCxnSpPr>
-          <p:spPr>
-            <a:xfrm flipV="1">
-              <a:off x="8186173" y="8768589"/>
-              <a:ext cx="0" cy="1511235"/>
-            </a:xfrm>
-            <a:prstGeom prst="straightConnector1">
-              <a:avLst/>
-            </a:prstGeom>
-            <a:ln w="28575">
-              <a:solidFill>
-                <a:srgbClr val="C00000"/>
-              </a:solidFill>
-              <a:headEnd type="triangle" w="med" len="med"/>
-              <a:tailEnd type="triangle" w="med" len="med"/>
-            </a:ln>
-          </p:spPr>
-          <p:style>
-            <a:lnRef idx="1">
-              <a:schemeClr val="dk1"/>
-            </a:lnRef>
-            <a:fillRef idx="0">
-              <a:schemeClr val="dk1"/>
-            </a:fillRef>
-            <a:effectRef idx="0">
-              <a:schemeClr val="dk1"/>
-            </a:effectRef>
-            <a:fontRef idx="minor">
-              <a:schemeClr val="tx1"/>
-            </a:fontRef>
-          </p:style>
-        </p:cxnSp>
-        <p:cxnSp>
-          <p:nvCxnSpPr>
-            <p:cNvPr id="197" name="Connector: Elbow 196">
-              <a:extLst>
-                <a:ext uri="{FF2B5EF4-FFF2-40B4-BE49-F238E27FC236}">
-                  <a16:creationId xmlns:a16="http://schemas.microsoft.com/office/drawing/2014/main" id="{98D838D1-936E-4B22-8015-7F68ACC6B5C2}"/>
-                </a:ext>
-              </a:extLst>
-            </p:cNvPr>
-            <p:cNvCxnSpPr>
-              <a:cxnSpLocks/>
-              <a:endCxn id="115" idx="2"/>
-            </p:cNvCxnSpPr>
-            <p:nvPr/>
-          </p:nvCxnSpPr>
-          <p:spPr>
-            <a:xfrm rot="5400000" flipH="1" flipV="1">
-              <a:off x="7804917" y="8269227"/>
-              <a:ext cx="2641512" cy="1333578"/>
-            </a:xfrm>
-            <a:prstGeom prst="bentConnector3">
-              <a:avLst>
-                <a:gd name="adj1" fmla="val 39743"/>
-              </a:avLst>
-            </a:prstGeom>
-            <a:ln w="28575">
-              <a:solidFill>
-                <a:srgbClr val="F2843A"/>
-              </a:solidFill>
-              <a:headEnd type="triangle" w="med" len="med"/>
-              <a:tailEnd type="triangle" w="med" len="med"/>
-            </a:ln>
-          </p:spPr>
-          <p:style>
-            <a:lnRef idx="1">
-              <a:schemeClr val="dk1"/>
-            </a:lnRef>
-            <a:fillRef idx="0">
-              <a:schemeClr val="dk1"/>
-            </a:fillRef>
-            <a:effectRef idx="0">
-              <a:schemeClr val="dk1"/>
-            </a:effectRef>
-            <a:fontRef idx="minor">
-              <a:schemeClr val="tx1"/>
-            </a:fontRef>
-          </p:style>
-        </p:cxnSp>
-        <p:sp>
-          <p:nvSpPr>
-            <p:cNvPr id="208" name="Rectangle: Rounded Corners 207">
-              <a:extLst>
-                <a:ext uri="{FF2B5EF4-FFF2-40B4-BE49-F238E27FC236}">
-                  <a16:creationId xmlns:a16="http://schemas.microsoft.com/office/drawing/2014/main" id="{04A705A4-26FC-4424-AB95-0EDB62F53802}"/>
-                </a:ext>
-              </a:extLst>
-            </p:cNvPr>
-            <p:cNvSpPr/>
-            <p:nvPr/>
-          </p:nvSpPr>
-          <p:spPr>
-            <a:xfrm>
-              <a:off x="10616103" y="7918868"/>
-              <a:ext cx="1140256" cy="849721"/>
-            </a:xfrm>
-            <a:prstGeom prst="roundRect">
-              <a:avLst/>
-            </a:prstGeom>
-            <a:solidFill>
-              <a:srgbClr val="C00000"/>
-            </a:solidFill>
-            <a:ln>
-              <a:noFill/>
-            </a:ln>
-          </p:spPr>
-          <p:style>
-            <a:lnRef idx="2">
-              <a:schemeClr val="accent1">
-                <a:shade val="50000"/>
-              </a:schemeClr>
-            </a:lnRef>
-            <a:fillRef idx="1">
-              <a:schemeClr val="accent1"/>
-            </a:fillRef>
-            <a:effectRef idx="0">
-              <a:schemeClr val="accent1"/>
-            </a:effectRef>
-            <a:fontRef idx="minor">
-              <a:schemeClr val="lt1"/>
-            </a:fontRef>
-          </p:style>
-          <p:txBody>
-            <a:bodyPr rtlCol="0" anchor="ctr"/>
-            <a:lstStyle/>
-            <a:p>
-              <a:pPr algn="ctr"/>
-              <a:r>
-                <a:rPr lang="en-CA" sz="1600" dirty="0"/>
-                <a:t>S3 - Model</a:t>
-              </a:r>
-            </a:p>
-          </p:txBody>
-        </p:sp>
-        <p:cxnSp>
-          <p:nvCxnSpPr>
-            <p:cNvPr id="210" name="Connector: Elbow 209">
-              <a:extLst>
-                <a:ext uri="{FF2B5EF4-FFF2-40B4-BE49-F238E27FC236}">
-                  <a16:creationId xmlns:a16="http://schemas.microsoft.com/office/drawing/2014/main" id="{01A344FC-8CF0-4E84-B1A6-B359A9F75EE8}"/>
-                </a:ext>
-              </a:extLst>
-            </p:cNvPr>
-            <p:cNvCxnSpPr>
-              <a:cxnSpLocks/>
-              <a:stCxn id="186" idx="3"/>
-              <a:endCxn id="208" idx="2"/>
-            </p:cNvCxnSpPr>
-            <p:nvPr/>
-          </p:nvCxnSpPr>
-          <p:spPr>
-            <a:xfrm flipV="1">
-              <a:off x="8756301" y="8768589"/>
-              <a:ext cx="2429930" cy="1690763"/>
-            </a:xfrm>
-            <a:prstGeom prst="bentConnector2">
-              <a:avLst/>
-            </a:prstGeom>
-            <a:ln w="28575">
-              <a:solidFill>
-                <a:srgbClr val="C00000"/>
-              </a:solidFill>
-              <a:headEnd type="triangle" w="med" len="med"/>
-              <a:tailEnd type="triangle" w="med" len="med"/>
-            </a:ln>
-          </p:spPr>
-          <p:style>
-            <a:lnRef idx="1">
-              <a:schemeClr val="dk1"/>
-            </a:lnRef>
-            <a:fillRef idx="0">
-              <a:schemeClr val="dk1"/>
-            </a:fillRef>
-            <a:effectRef idx="0">
-              <a:schemeClr val="dk1"/>
-            </a:effectRef>
-            <a:fontRef idx="minor">
-              <a:schemeClr val="tx1"/>
-            </a:fontRef>
-          </p:style>
-        </p:cxnSp>
       </p:grpSp>
-      <p:sp>
-        <p:nvSpPr>
-          <p:cNvPr id="69" name="Rectangle: Rounded Corners 68">
-            <a:extLst>
-              <a:ext uri="{FF2B5EF4-FFF2-40B4-BE49-F238E27FC236}">
-                <a16:creationId xmlns:a16="http://schemas.microsoft.com/office/drawing/2014/main" id="{1133EBB9-6401-4A32-ACAC-A2EC9AE8CE65}"/>
-              </a:ext>
-            </a:extLst>
-          </p:cNvPr>
-          <p:cNvSpPr/>
-          <p:nvPr/>
-        </p:nvSpPr>
-        <p:spPr>
-          <a:xfrm>
-            <a:off x="10139396" y="2657023"/>
-            <a:ext cx="1426353" cy="558492"/>
-          </a:xfrm>
-          <a:prstGeom prst="roundRect">
-            <a:avLst/>
-          </a:prstGeom>
-          <a:solidFill>
-            <a:srgbClr val="FF0066"/>
-          </a:solidFill>
-          <a:ln w="19050">
-            <a:solidFill>
-              <a:srgbClr val="FF0066"/>
-            </a:solidFill>
-          </a:ln>
-        </p:spPr>
-        <p:style>
-          <a:lnRef idx="2">
-            <a:schemeClr val="accent1">
-              <a:shade val="50000"/>
-            </a:schemeClr>
-          </a:lnRef>
-          <a:fillRef idx="1">
-            <a:schemeClr val="accent1"/>
-          </a:fillRef>
-          <a:effectRef idx="0">
-            <a:schemeClr val="accent1"/>
-          </a:effectRef>
-          <a:fontRef idx="minor">
-            <a:schemeClr val="lt1"/>
-          </a:fontRef>
-        </p:style>
-        <p:txBody>
-          <a:bodyPr rtlCol="0" anchor="ctr"/>
-          <a:lstStyle/>
-          <a:p>
-            <a:pPr algn="ctr"/>
-            <a:r>
-              <a:rPr lang="en-CA" sz="1600" dirty="0"/>
-              <a:t>CloudWatch</a:t>
-            </a:r>
-          </a:p>
-        </p:txBody>
-      </p:sp>
-      <p:cxnSp>
-        <p:nvCxnSpPr>
-          <p:cNvPr id="70" name="Connector: Elbow 69">
-            <a:extLst>
-              <a:ext uri="{FF2B5EF4-FFF2-40B4-BE49-F238E27FC236}">
-                <a16:creationId xmlns:a16="http://schemas.microsoft.com/office/drawing/2014/main" id="{D059C4B5-5D4A-4757-8FBB-DCE560DBD5A5}"/>
-              </a:ext>
-            </a:extLst>
-          </p:cNvPr>
-          <p:cNvCxnSpPr>
-            <a:cxnSpLocks/>
-            <a:endCxn id="69" idx="1"/>
-          </p:cNvCxnSpPr>
-          <p:nvPr/>
-        </p:nvCxnSpPr>
-        <p:spPr>
-          <a:xfrm>
-            <a:off x="8391547" y="1841446"/>
-            <a:ext cx="1747849" cy="1094823"/>
-          </a:xfrm>
-          <a:prstGeom prst="bentConnector3">
-            <a:avLst>
-              <a:gd name="adj1" fmla="val 50000"/>
-            </a:avLst>
-          </a:prstGeom>
-          <a:ln w="28575">
-            <a:solidFill>
-              <a:srgbClr val="FF0066"/>
-            </a:solidFill>
-            <a:tailEnd type="triangle"/>
-          </a:ln>
-        </p:spPr>
-        <p:style>
-          <a:lnRef idx="1">
-            <a:schemeClr val="accent1"/>
-          </a:lnRef>
-          <a:fillRef idx="0">
-            <a:schemeClr val="accent1"/>
-          </a:fillRef>
-          <a:effectRef idx="0">
-            <a:schemeClr val="accent1"/>
-          </a:effectRef>
-          <a:fontRef idx="minor">
-            <a:schemeClr val="tx1"/>
-          </a:fontRef>
-        </p:style>
-      </p:cxnSp>
-      <p:sp>
-        <p:nvSpPr>
-          <p:cNvPr id="76" name="Rectangle: Rounded Corners 75">
-            <a:extLst>
-              <a:ext uri="{FF2B5EF4-FFF2-40B4-BE49-F238E27FC236}">
-                <a16:creationId xmlns:a16="http://schemas.microsoft.com/office/drawing/2014/main" id="{9D453C4C-0A9F-4E13-AA88-22AD23DC093D}"/>
-              </a:ext>
-            </a:extLst>
-          </p:cNvPr>
-          <p:cNvSpPr/>
-          <p:nvPr/>
-        </p:nvSpPr>
-        <p:spPr>
-          <a:xfrm>
-            <a:off x="7144508" y="11078956"/>
-            <a:ext cx="1426353" cy="558492"/>
-          </a:xfrm>
-          <a:prstGeom prst="roundRect">
-            <a:avLst/>
-          </a:prstGeom>
-          <a:solidFill>
-            <a:srgbClr val="FF0066"/>
-          </a:solidFill>
-          <a:ln w="19050">
-            <a:solidFill>
-              <a:srgbClr val="FF0066"/>
-            </a:solidFill>
-          </a:ln>
-        </p:spPr>
-        <p:style>
-          <a:lnRef idx="2">
-            <a:schemeClr val="accent1">
-              <a:shade val="50000"/>
-            </a:schemeClr>
-          </a:lnRef>
-          <a:fillRef idx="1">
-            <a:schemeClr val="accent1"/>
-          </a:fillRef>
-          <a:effectRef idx="0">
-            <a:schemeClr val="accent1"/>
-          </a:effectRef>
-          <a:fontRef idx="minor">
-            <a:schemeClr val="lt1"/>
-          </a:fontRef>
-        </p:style>
-        <p:txBody>
-          <a:bodyPr rtlCol="0" anchor="ctr"/>
-          <a:lstStyle/>
-          <a:p>
-            <a:pPr algn="ctr"/>
-            <a:r>
-              <a:rPr lang="en-CA" sz="1600" dirty="0"/>
-              <a:t>CloudWatch</a:t>
-            </a:r>
-          </a:p>
-        </p:txBody>
-      </p:sp>
-      <p:sp>
-        <p:nvSpPr>
-          <p:cNvPr id="81" name="Rectangle: Rounded Corners 80">
-            <a:extLst>
-              <a:ext uri="{FF2B5EF4-FFF2-40B4-BE49-F238E27FC236}">
-                <a16:creationId xmlns:a16="http://schemas.microsoft.com/office/drawing/2014/main" id="{F946F122-495B-4F40-8D64-8CEC8223CE57}"/>
-              </a:ext>
-            </a:extLst>
-          </p:cNvPr>
-          <p:cNvSpPr/>
-          <p:nvPr/>
-        </p:nvSpPr>
-        <p:spPr>
-          <a:xfrm>
-            <a:off x="2778763" y="12638761"/>
-            <a:ext cx="4054415" cy="1657189"/>
-          </a:xfrm>
-          <a:prstGeom prst="roundRect">
-            <a:avLst>
-              <a:gd name="adj" fmla="val 9646"/>
-            </a:avLst>
-          </a:prstGeom>
-          <a:noFill/>
-          <a:ln w="38100">
-            <a:solidFill>
-              <a:srgbClr val="8A2E5E"/>
-            </a:solidFill>
-            <a:prstDash val="lgDash"/>
-          </a:ln>
-        </p:spPr>
-        <p:style>
-          <a:lnRef idx="2">
-            <a:schemeClr val="accent1">
-              <a:shade val="50000"/>
-            </a:schemeClr>
-          </a:lnRef>
-          <a:fillRef idx="1">
-            <a:schemeClr val="accent1"/>
-          </a:fillRef>
-          <a:effectRef idx="0">
-            <a:schemeClr val="accent1"/>
-          </a:effectRef>
-          <a:fontRef idx="minor">
-            <a:schemeClr val="lt1"/>
-          </a:fontRef>
-        </p:style>
-        <p:txBody>
-          <a:bodyPr rtlCol="0" anchor="t"/>
-          <a:lstStyle/>
-          <a:p>
-            <a:r>
-              <a:rPr lang="en-CA" sz="1600" b="1" dirty="0">
-                <a:solidFill>
-                  <a:srgbClr val="8A2E5E"/>
-                </a:solidFill>
-              </a:rPr>
-              <a:t>Lambda – Background Function</a:t>
-            </a:r>
-          </a:p>
-        </p:txBody>
-      </p:sp>
-      <p:sp>
-        <p:nvSpPr>
-          <p:cNvPr id="82" name="Rectangle: Rounded Corners 81">
-            <a:extLst>
-              <a:ext uri="{FF2B5EF4-FFF2-40B4-BE49-F238E27FC236}">
-                <a16:creationId xmlns:a16="http://schemas.microsoft.com/office/drawing/2014/main" id="{1D7B60CB-6FFA-4583-8DB0-C2E198F24519}"/>
-              </a:ext>
-            </a:extLst>
-          </p:cNvPr>
-          <p:cNvSpPr/>
-          <p:nvPr/>
-        </p:nvSpPr>
-        <p:spPr>
-          <a:xfrm>
-            <a:off x="432700" y="13188109"/>
-            <a:ext cx="1426353" cy="558492"/>
-          </a:xfrm>
-          <a:prstGeom prst="roundRect">
-            <a:avLst/>
-          </a:prstGeom>
-          <a:solidFill>
-            <a:srgbClr val="0099CC"/>
-          </a:solidFill>
-          <a:ln w="19050">
-            <a:noFill/>
-          </a:ln>
-        </p:spPr>
-        <p:style>
-          <a:lnRef idx="2">
-            <a:schemeClr val="accent1">
-              <a:shade val="50000"/>
-            </a:schemeClr>
-          </a:lnRef>
-          <a:fillRef idx="1">
-            <a:schemeClr val="accent1"/>
-          </a:fillRef>
-          <a:effectRef idx="0">
-            <a:schemeClr val="accent1"/>
-          </a:effectRef>
-          <a:fontRef idx="minor">
-            <a:schemeClr val="lt1"/>
-          </a:fontRef>
-        </p:style>
-        <p:txBody>
-          <a:bodyPr rtlCol="0" anchor="ctr"/>
-          <a:lstStyle/>
-          <a:p>
-            <a:pPr algn="ctr"/>
-            <a:r>
-              <a:rPr lang="en-CA" sz="1600" dirty="0">
-                <a:solidFill>
-                  <a:schemeClr val="bg1"/>
-                </a:solidFill>
-              </a:rPr>
-              <a:t>EventBridge</a:t>
-            </a:r>
-          </a:p>
-        </p:txBody>
-      </p:sp>
-      <p:cxnSp>
-        <p:nvCxnSpPr>
-          <p:cNvPr id="83" name="Straight Arrow Connector 82">
-            <a:extLst>
-              <a:ext uri="{FF2B5EF4-FFF2-40B4-BE49-F238E27FC236}">
-                <a16:creationId xmlns:a16="http://schemas.microsoft.com/office/drawing/2014/main" id="{609663EB-8075-4F3E-BB01-9AA8CDAC109A}"/>
-              </a:ext>
-            </a:extLst>
-          </p:cNvPr>
-          <p:cNvCxnSpPr>
-            <a:cxnSpLocks/>
-            <a:stCxn id="82" idx="3"/>
-            <a:endCxn id="81" idx="1"/>
-          </p:cNvCxnSpPr>
-          <p:nvPr/>
-        </p:nvCxnSpPr>
-        <p:spPr>
-          <a:xfrm>
-            <a:off x="1859053" y="13467355"/>
-            <a:ext cx="919710" cy="1"/>
-          </a:xfrm>
-          <a:prstGeom prst="straightConnector1">
-            <a:avLst/>
-          </a:prstGeom>
-          <a:ln w="28575">
-            <a:tailEnd type="triangle"/>
-          </a:ln>
-        </p:spPr>
-        <p:style>
-          <a:lnRef idx="1">
-            <a:schemeClr val="dk1"/>
-          </a:lnRef>
-          <a:fillRef idx="0">
-            <a:schemeClr val="dk1"/>
-          </a:fillRef>
-          <a:effectRef idx="0">
-            <a:schemeClr val="dk1"/>
-          </a:effectRef>
-          <a:fontRef idx="minor">
-            <a:schemeClr val="tx1"/>
-          </a:fontRef>
-        </p:style>
-      </p:cxnSp>
-      <p:sp>
-        <p:nvSpPr>
-          <p:cNvPr id="88" name="Rectangle: Rounded Corners 87">
-            <a:extLst>
-              <a:ext uri="{FF2B5EF4-FFF2-40B4-BE49-F238E27FC236}">
-                <a16:creationId xmlns:a16="http://schemas.microsoft.com/office/drawing/2014/main" id="{9E639A73-EEC2-469D-80C4-CEFD8EB34B77}"/>
-              </a:ext>
-            </a:extLst>
-          </p:cNvPr>
-          <p:cNvSpPr/>
-          <p:nvPr/>
-        </p:nvSpPr>
-        <p:spPr>
-          <a:xfrm>
-            <a:off x="3051272" y="10920402"/>
-            <a:ext cx="1626605" cy="480656"/>
-          </a:xfrm>
-          <a:prstGeom prst="roundRect">
-            <a:avLst/>
-          </a:prstGeom>
-          <a:solidFill>
-            <a:srgbClr val="F2843A"/>
-          </a:solidFill>
-          <a:ln>
-            <a:noFill/>
-          </a:ln>
-        </p:spPr>
-        <p:style>
-          <a:lnRef idx="2">
-            <a:schemeClr val="accent1">
-              <a:shade val="50000"/>
-            </a:schemeClr>
-          </a:lnRef>
-          <a:fillRef idx="1">
-            <a:schemeClr val="accent1"/>
-          </a:fillRef>
-          <a:effectRef idx="0">
-            <a:schemeClr val="accent1"/>
-          </a:effectRef>
-          <a:fontRef idx="minor">
-            <a:schemeClr val="lt1"/>
-          </a:fontRef>
-        </p:style>
-        <p:txBody>
-          <a:bodyPr rtlCol="0" anchor="ctr"/>
-          <a:lstStyle/>
-          <a:p>
-            <a:pPr algn="ctr"/>
-            <a:r>
-              <a:rPr lang="en-CA" sz="1200" dirty="0"/>
-              <a:t>Update Training Mode</a:t>
-            </a:r>
-          </a:p>
-        </p:txBody>
-      </p:sp>
-      <p:sp>
-        <p:nvSpPr>
-          <p:cNvPr id="89" name="Rectangle: Rounded Corners 88">
-            <a:extLst>
-              <a:ext uri="{FF2B5EF4-FFF2-40B4-BE49-F238E27FC236}">
-                <a16:creationId xmlns:a16="http://schemas.microsoft.com/office/drawing/2014/main" id="{9CAEBFC2-72E4-47DA-A18A-227E97B2B1B4}"/>
-              </a:ext>
-            </a:extLst>
-          </p:cNvPr>
-          <p:cNvSpPr/>
-          <p:nvPr/>
-        </p:nvSpPr>
-        <p:spPr>
-          <a:xfrm>
-            <a:off x="7282387" y="11918128"/>
-            <a:ext cx="1767257" cy="670193"/>
-          </a:xfrm>
-          <a:prstGeom prst="roundRect">
-            <a:avLst/>
-          </a:prstGeom>
-          <a:solidFill>
-            <a:srgbClr val="F2843A"/>
-          </a:solidFill>
-          <a:ln>
-            <a:noFill/>
-          </a:ln>
-        </p:spPr>
-        <p:style>
-          <a:lnRef idx="2">
-            <a:schemeClr val="accent1">
-              <a:shade val="50000"/>
-            </a:schemeClr>
-          </a:lnRef>
-          <a:fillRef idx="1">
-            <a:schemeClr val="accent1"/>
-          </a:fillRef>
-          <a:effectRef idx="0">
-            <a:schemeClr val="accent1"/>
-          </a:effectRef>
-          <a:fontRef idx="minor">
-            <a:schemeClr val="lt1"/>
-          </a:fontRef>
-        </p:style>
-        <p:txBody>
-          <a:bodyPr rtlCol="0" anchor="ctr"/>
-          <a:lstStyle/>
-          <a:p>
-            <a:pPr algn="ctr"/>
-            <a:r>
-              <a:rPr lang="en-CA" sz="1400" dirty="0"/>
-              <a:t>DynamoDB – Manager Mode</a:t>
-            </a:r>
-          </a:p>
-        </p:txBody>
-      </p:sp>
-      <p:cxnSp>
-        <p:nvCxnSpPr>
-          <p:cNvPr id="90" name="Connector: Elbow 89">
-            <a:extLst>
-              <a:ext uri="{FF2B5EF4-FFF2-40B4-BE49-F238E27FC236}">
-                <a16:creationId xmlns:a16="http://schemas.microsoft.com/office/drawing/2014/main" id="{6858A53D-42C1-4FA8-B5D1-E59FDD74A1C2}"/>
-              </a:ext>
-            </a:extLst>
-          </p:cNvPr>
-          <p:cNvCxnSpPr>
-            <a:cxnSpLocks/>
-            <a:stCxn id="88" idx="3"/>
-            <a:endCxn id="89" idx="1"/>
-          </p:cNvCxnSpPr>
-          <p:nvPr/>
-        </p:nvCxnSpPr>
-        <p:spPr>
-          <a:xfrm>
-            <a:off x="4677877" y="11160730"/>
-            <a:ext cx="2604510" cy="1092495"/>
-          </a:xfrm>
-          <a:prstGeom prst="bentConnector3">
-            <a:avLst>
-              <a:gd name="adj1" fmla="val 50000"/>
-            </a:avLst>
-          </a:prstGeom>
-          <a:ln w="28575">
-            <a:solidFill>
-              <a:srgbClr val="F2843A"/>
-            </a:solidFill>
-            <a:headEnd type="none" w="med" len="med"/>
-            <a:tailEnd type="triangle" w="med" len="med"/>
-          </a:ln>
-        </p:spPr>
-        <p:style>
-          <a:lnRef idx="1">
-            <a:schemeClr val="dk1"/>
-          </a:lnRef>
-          <a:fillRef idx="0">
-            <a:schemeClr val="dk1"/>
-          </a:fillRef>
-          <a:effectRef idx="0">
-            <a:schemeClr val="dk1"/>
-          </a:effectRef>
-          <a:fontRef idx="minor">
-            <a:schemeClr val="tx1"/>
-          </a:fontRef>
-        </p:style>
-      </p:cxnSp>
-      <p:cxnSp>
-        <p:nvCxnSpPr>
-          <p:cNvPr id="94" name="Straight Arrow Connector 93">
-            <a:extLst>
-              <a:ext uri="{FF2B5EF4-FFF2-40B4-BE49-F238E27FC236}">
-                <a16:creationId xmlns:a16="http://schemas.microsoft.com/office/drawing/2014/main" id="{6648CEA4-26C3-4E9B-8640-C85D267C762F}"/>
-              </a:ext>
-            </a:extLst>
-          </p:cNvPr>
-          <p:cNvCxnSpPr>
-            <a:cxnSpLocks/>
-            <a:stCxn id="186" idx="2"/>
-            <a:endCxn id="76" idx="0"/>
-          </p:cNvCxnSpPr>
-          <p:nvPr/>
-        </p:nvCxnSpPr>
-        <p:spPr>
-          <a:xfrm>
-            <a:off x="7852515" y="10641889"/>
-            <a:ext cx="5170" cy="437067"/>
-          </a:xfrm>
-          <a:prstGeom prst="straightConnector1">
-            <a:avLst/>
-          </a:prstGeom>
-          <a:ln w="28575">
-            <a:solidFill>
-              <a:srgbClr val="FF0066"/>
-            </a:solidFill>
-            <a:tailEnd type="triangle"/>
-          </a:ln>
-        </p:spPr>
-        <p:style>
-          <a:lnRef idx="1">
-            <a:schemeClr val="dk1"/>
-          </a:lnRef>
-          <a:fillRef idx="0">
-            <a:schemeClr val="dk1"/>
-          </a:fillRef>
-          <a:effectRef idx="0">
-            <a:schemeClr val="dk1"/>
-          </a:effectRef>
-          <a:fontRef idx="minor">
-            <a:schemeClr val="tx1"/>
-          </a:fontRef>
-        </p:style>
-      </p:cxnSp>
-      <p:sp>
-        <p:nvSpPr>
-          <p:cNvPr id="98" name="Rectangle: Rounded Corners 97">
-            <a:extLst>
-              <a:ext uri="{FF2B5EF4-FFF2-40B4-BE49-F238E27FC236}">
-                <a16:creationId xmlns:a16="http://schemas.microsoft.com/office/drawing/2014/main" id="{E90EE1DF-3B68-4B82-994D-56172888D635}"/>
-              </a:ext>
-            </a:extLst>
-          </p:cNvPr>
-          <p:cNvSpPr/>
-          <p:nvPr/>
-        </p:nvSpPr>
-        <p:spPr>
-          <a:xfrm>
-            <a:off x="7294518" y="13093214"/>
-            <a:ext cx="1767257" cy="670193"/>
-          </a:xfrm>
-          <a:prstGeom prst="roundRect">
-            <a:avLst/>
-          </a:prstGeom>
-          <a:solidFill>
-            <a:srgbClr val="F2843A"/>
-          </a:solidFill>
-          <a:ln>
-            <a:noFill/>
-          </a:ln>
-        </p:spPr>
-        <p:style>
-          <a:lnRef idx="2">
-            <a:schemeClr val="accent1">
-              <a:shade val="50000"/>
-            </a:schemeClr>
-          </a:lnRef>
-          <a:fillRef idx="1">
-            <a:schemeClr val="accent1"/>
-          </a:fillRef>
-          <a:effectRef idx="0">
-            <a:schemeClr val="accent1"/>
-          </a:effectRef>
-          <a:fontRef idx="minor">
-            <a:schemeClr val="lt1"/>
-          </a:fontRef>
-        </p:style>
-        <p:txBody>
-          <a:bodyPr rtlCol="0" anchor="ctr"/>
-          <a:lstStyle/>
-          <a:p>
-            <a:pPr algn="ctr"/>
-            <a:r>
-              <a:rPr lang="en-CA" sz="1400" dirty="0"/>
-              <a:t>DynamoDB – Image Store</a:t>
-            </a:r>
-          </a:p>
-        </p:txBody>
-      </p:sp>
-      <p:sp>
-        <p:nvSpPr>
-          <p:cNvPr id="101" name="Rectangle: Rounded Corners 100">
-            <a:extLst>
-              <a:ext uri="{FF2B5EF4-FFF2-40B4-BE49-F238E27FC236}">
-                <a16:creationId xmlns:a16="http://schemas.microsoft.com/office/drawing/2014/main" id="{244450A7-4BC9-44E7-81E5-D1CEBEE88BD7}"/>
-              </a:ext>
-            </a:extLst>
-          </p:cNvPr>
-          <p:cNvSpPr/>
-          <p:nvPr/>
-        </p:nvSpPr>
-        <p:spPr>
-          <a:xfrm>
-            <a:off x="2935881" y="13047598"/>
-            <a:ext cx="1289592" cy="480656"/>
-          </a:xfrm>
-          <a:prstGeom prst="roundRect">
-            <a:avLst/>
-          </a:prstGeom>
-          <a:solidFill>
-            <a:srgbClr val="F2843A"/>
-          </a:solidFill>
-          <a:ln>
-            <a:noFill/>
-          </a:ln>
-        </p:spPr>
-        <p:style>
-          <a:lnRef idx="2">
-            <a:schemeClr val="accent1">
-              <a:shade val="50000"/>
-            </a:schemeClr>
-          </a:lnRef>
-          <a:fillRef idx="1">
-            <a:schemeClr val="accent1"/>
-          </a:fillRef>
-          <a:effectRef idx="0">
-            <a:schemeClr val="accent1"/>
-          </a:effectRef>
-          <a:fontRef idx="minor">
-            <a:schemeClr val="lt1"/>
-          </a:fontRef>
-        </p:style>
-        <p:txBody>
-          <a:bodyPr rtlCol="0" anchor="ctr"/>
-          <a:lstStyle/>
-          <a:p>
-            <a:pPr algn="ctr"/>
-            <a:r>
-              <a:rPr lang="en-CA" sz="1200" dirty="0"/>
-              <a:t>Check Mode</a:t>
-            </a:r>
-          </a:p>
-        </p:txBody>
-      </p:sp>
-      <p:cxnSp>
-        <p:nvCxnSpPr>
-          <p:cNvPr id="102" name="Connector: Elbow 101">
-            <a:extLst>
-              <a:ext uri="{FF2B5EF4-FFF2-40B4-BE49-F238E27FC236}">
-                <a16:creationId xmlns:a16="http://schemas.microsoft.com/office/drawing/2014/main" id="{23D5BF27-94A0-4A51-B1A8-B555CF0DE248}"/>
-              </a:ext>
-            </a:extLst>
-          </p:cNvPr>
-          <p:cNvCxnSpPr>
-            <a:cxnSpLocks/>
-            <a:stCxn id="101" idx="3"/>
-            <a:endCxn id="89" idx="1"/>
-          </p:cNvCxnSpPr>
-          <p:nvPr/>
-        </p:nvCxnSpPr>
-        <p:spPr>
-          <a:xfrm flipV="1">
-            <a:off x="4225473" y="12253225"/>
-            <a:ext cx="3056914" cy="1034701"/>
-          </a:xfrm>
-          <a:prstGeom prst="bentConnector3">
-            <a:avLst>
-              <a:gd name="adj1" fmla="val 57478"/>
-            </a:avLst>
-          </a:prstGeom>
-          <a:ln w="28575">
-            <a:solidFill>
-              <a:srgbClr val="F2843A"/>
-            </a:solidFill>
-            <a:headEnd type="none" w="med" len="med"/>
-            <a:tailEnd type="triangle" w="med" len="med"/>
-          </a:ln>
-        </p:spPr>
-        <p:style>
-          <a:lnRef idx="1">
-            <a:schemeClr val="dk1"/>
-          </a:lnRef>
-          <a:fillRef idx="0">
-            <a:schemeClr val="dk1"/>
-          </a:fillRef>
-          <a:effectRef idx="0">
-            <a:schemeClr val="dk1"/>
-          </a:effectRef>
-          <a:fontRef idx="minor">
-            <a:schemeClr val="tx1"/>
-          </a:fontRef>
-        </p:style>
-      </p:cxnSp>
-      <p:sp>
-        <p:nvSpPr>
-          <p:cNvPr id="109" name="Rectangle: Rounded Corners 108">
-            <a:extLst>
-              <a:ext uri="{FF2B5EF4-FFF2-40B4-BE49-F238E27FC236}">
-                <a16:creationId xmlns:a16="http://schemas.microsoft.com/office/drawing/2014/main" id="{DE4A9536-6769-42C8-9E36-AC248AAF62E2}"/>
-              </a:ext>
-            </a:extLst>
-          </p:cNvPr>
-          <p:cNvSpPr/>
-          <p:nvPr/>
-        </p:nvSpPr>
-        <p:spPr>
-          <a:xfrm>
-            <a:off x="4299452" y="13575626"/>
-            <a:ext cx="1289592" cy="480656"/>
-          </a:xfrm>
-          <a:prstGeom prst="roundRect">
-            <a:avLst/>
-          </a:prstGeom>
-          <a:solidFill>
-            <a:srgbClr val="F2843A"/>
-          </a:solidFill>
-          <a:ln>
-            <a:noFill/>
-          </a:ln>
-        </p:spPr>
-        <p:style>
-          <a:lnRef idx="2">
-            <a:schemeClr val="accent1">
-              <a:shade val="50000"/>
-            </a:schemeClr>
-          </a:lnRef>
-          <a:fillRef idx="1">
-            <a:schemeClr val="accent1"/>
-          </a:fillRef>
-          <a:effectRef idx="0">
-            <a:schemeClr val="accent1"/>
-          </a:effectRef>
-          <a:fontRef idx="minor">
-            <a:schemeClr val="lt1"/>
-          </a:fontRef>
-        </p:style>
-        <p:txBody>
-          <a:bodyPr rtlCol="0" anchor="ctr"/>
-          <a:lstStyle/>
-          <a:p>
-            <a:pPr algn="ctr"/>
-            <a:r>
-              <a:rPr lang="en-CA" sz="1200" dirty="0"/>
-              <a:t>Check Train Amount</a:t>
-            </a:r>
-          </a:p>
-        </p:txBody>
-      </p:sp>
-      <p:cxnSp>
-        <p:nvCxnSpPr>
-          <p:cNvPr id="111" name="Straight Arrow Connector 110">
-            <a:extLst>
-              <a:ext uri="{FF2B5EF4-FFF2-40B4-BE49-F238E27FC236}">
-                <a16:creationId xmlns:a16="http://schemas.microsoft.com/office/drawing/2014/main" id="{F835A3E7-0921-4DE4-984C-2978EE79EB00}"/>
-              </a:ext>
-            </a:extLst>
-          </p:cNvPr>
-          <p:cNvCxnSpPr>
-            <a:cxnSpLocks/>
-            <a:stCxn id="101" idx="2"/>
-            <a:endCxn id="109" idx="1"/>
-          </p:cNvCxnSpPr>
-          <p:nvPr/>
-        </p:nvCxnSpPr>
-        <p:spPr>
-          <a:xfrm>
-            <a:off x="3580677" y="13528254"/>
-            <a:ext cx="718775" cy="287700"/>
-          </a:xfrm>
-          <a:prstGeom prst="straightConnector1">
-            <a:avLst/>
-          </a:prstGeom>
-          <a:ln w="28575">
-            <a:tailEnd type="triangle"/>
-          </a:ln>
-        </p:spPr>
-        <p:style>
-          <a:lnRef idx="1">
-            <a:schemeClr val="dk1"/>
-          </a:lnRef>
-          <a:fillRef idx="0">
-            <a:schemeClr val="dk1"/>
-          </a:fillRef>
-          <a:effectRef idx="0">
-            <a:schemeClr val="dk1"/>
-          </a:effectRef>
-          <a:fontRef idx="minor">
-            <a:schemeClr val="tx1"/>
-          </a:fontRef>
-        </p:style>
-      </p:cxnSp>
-      <p:cxnSp>
-        <p:nvCxnSpPr>
-          <p:cNvPr id="113" name="Connector: Elbow 112">
-            <a:extLst>
-              <a:ext uri="{FF2B5EF4-FFF2-40B4-BE49-F238E27FC236}">
-                <a16:creationId xmlns:a16="http://schemas.microsoft.com/office/drawing/2014/main" id="{77DC6680-34DE-469B-A249-BEB45FCF9F24}"/>
-              </a:ext>
-            </a:extLst>
-          </p:cNvPr>
-          <p:cNvCxnSpPr>
-            <a:cxnSpLocks/>
-            <a:stCxn id="109" idx="0"/>
-            <a:endCxn id="98" idx="1"/>
-          </p:cNvCxnSpPr>
-          <p:nvPr/>
-        </p:nvCxnSpPr>
-        <p:spPr>
-          <a:xfrm rot="5400000" flipH="1" flipV="1">
-            <a:off x="6045726" y="12326834"/>
-            <a:ext cx="147315" cy="2350270"/>
-          </a:xfrm>
-          <a:prstGeom prst="bentConnector2">
-            <a:avLst/>
-          </a:prstGeom>
-          <a:ln w="28575">
-            <a:solidFill>
-              <a:srgbClr val="F2843A"/>
-            </a:solidFill>
-            <a:headEnd type="none" w="med" len="med"/>
-            <a:tailEnd type="triangle" w="med" len="med"/>
-          </a:ln>
-        </p:spPr>
-        <p:style>
-          <a:lnRef idx="1">
-            <a:schemeClr val="dk1"/>
-          </a:lnRef>
-          <a:fillRef idx="0">
-            <a:schemeClr val="dk1"/>
-          </a:fillRef>
-          <a:effectRef idx="0">
-            <a:schemeClr val="dk1"/>
-          </a:effectRef>
-          <a:fontRef idx="minor">
-            <a:schemeClr val="tx1"/>
-          </a:fontRef>
-        </p:style>
-      </p:cxnSp>
     </p:spTree>
     <p:extLst>
       <p:ext uri="{BB962C8B-B14F-4D97-AF65-F5344CB8AC3E}">
